--- a/Blood_register.pptx
+++ b/Blood_register.pptx
@@ -7,15 +7,19 @@
   <p:sldIdLst>
     <p:sldId id="256" r:id="rId2"/>
     <p:sldId id="276" r:id="rId3"/>
-    <p:sldId id="275" r:id="rId4"/>
-    <p:sldId id="277" r:id="rId5"/>
-    <p:sldId id="278" r:id="rId6"/>
-    <p:sldId id="279" r:id="rId7"/>
-    <p:sldId id="280" r:id="rId8"/>
-    <p:sldId id="281" r:id="rId9"/>
-    <p:sldId id="282" r:id="rId10"/>
-    <p:sldId id="283" r:id="rId11"/>
-    <p:sldId id="284" r:id="rId12"/>
+    <p:sldId id="288" r:id="rId4"/>
+    <p:sldId id="286" r:id="rId5"/>
+    <p:sldId id="275" r:id="rId6"/>
+    <p:sldId id="277" r:id="rId7"/>
+    <p:sldId id="278" r:id="rId8"/>
+    <p:sldId id="279" r:id="rId9"/>
+    <p:sldId id="280" r:id="rId10"/>
+    <p:sldId id="281" r:id="rId11"/>
+    <p:sldId id="282" r:id="rId12"/>
+    <p:sldId id="283" r:id="rId13"/>
+    <p:sldId id="284" r:id="rId14"/>
+    <p:sldId id="287" r:id="rId15"/>
+    <p:sldId id="285" r:id="rId16"/>
   </p:sldIdLst>
   <p:sldSz cx="12192000" cy="6858000"/>
   <p:notesSz cx="6858000" cy="9144000"/>
@@ -114,6 +118,11 @@
       </a:defRPr>
     </a:lvl9pPr>
   </p:defaultTextStyle>
+  <p:extLst>
+    <p:ext uri="{EFAFB233-063F-42B5-8137-9DF3F51BA10A}">
+      <p15:sldGuideLst xmlns:p15="http://schemas.microsoft.com/office/powerpoint/2012/main"/>
+    </p:ext>
+  </p:extLst>
 </p:presentation>
 </file>
 
@@ -248,7 +257,7 @@
           <a:p>
             <a:fld id="{DA9D3D95-C4DE-4E89-AAC6-32FCF56CD876}" type="datetimeFigureOut">
               <a:rPr lang="hr-HR" smtClean="0"/>
-              <a:t>13.2.2019.</a:t>
+              <a:t>14.2.2019.</a:t>
             </a:fld>
             <a:endParaRPr lang="hr-HR"/>
           </a:p>
@@ -418,7 +427,7 @@
           <a:p>
             <a:fld id="{DA9D3D95-C4DE-4E89-AAC6-32FCF56CD876}" type="datetimeFigureOut">
               <a:rPr lang="hr-HR" smtClean="0"/>
-              <a:t>13.2.2019.</a:t>
+              <a:t>14.2.2019.</a:t>
             </a:fld>
             <a:endParaRPr lang="hr-HR"/>
           </a:p>
@@ -598,7 +607,7 @@
           <a:p>
             <a:fld id="{DA9D3D95-C4DE-4E89-AAC6-32FCF56CD876}" type="datetimeFigureOut">
               <a:rPr lang="hr-HR" smtClean="0"/>
-              <a:t>13.2.2019.</a:t>
+              <a:t>14.2.2019.</a:t>
             </a:fld>
             <a:endParaRPr lang="hr-HR"/>
           </a:p>
@@ -768,7 +777,7 @@
           <a:p>
             <a:fld id="{DA9D3D95-C4DE-4E89-AAC6-32FCF56CD876}" type="datetimeFigureOut">
               <a:rPr lang="hr-HR" smtClean="0"/>
-              <a:t>13.2.2019.</a:t>
+              <a:t>14.2.2019.</a:t>
             </a:fld>
             <a:endParaRPr lang="hr-HR"/>
           </a:p>
@@ -1014,7 +1023,7 @@
           <a:p>
             <a:fld id="{DA9D3D95-C4DE-4E89-AAC6-32FCF56CD876}" type="datetimeFigureOut">
               <a:rPr lang="hr-HR" smtClean="0"/>
-              <a:t>13.2.2019.</a:t>
+              <a:t>14.2.2019.</a:t>
             </a:fld>
             <a:endParaRPr lang="hr-HR"/>
           </a:p>
@@ -1246,7 +1255,7 @@
           <a:p>
             <a:fld id="{DA9D3D95-C4DE-4E89-AAC6-32FCF56CD876}" type="datetimeFigureOut">
               <a:rPr lang="hr-HR" smtClean="0"/>
-              <a:t>13.2.2019.</a:t>
+              <a:t>14.2.2019.</a:t>
             </a:fld>
             <a:endParaRPr lang="hr-HR"/>
           </a:p>
@@ -1613,7 +1622,7 @@
           <a:p>
             <a:fld id="{DA9D3D95-C4DE-4E89-AAC6-32FCF56CD876}" type="datetimeFigureOut">
               <a:rPr lang="hr-HR" smtClean="0"/>
-              <a:t>13.2.2019.</a:t>
+              <a:t>14.2.2019.</a:t>
             </a:fld>
             <a:endParaRPr lang="hr-HR"/>
           </a:p>
@@ -1731,7 +1740,7 @@
           <a:p>
             <a:fld id="{DA9D3D95-C4DE-4E89-AAC6-32FCF56CD876}" type="datetimeFigureOut">
               <a:rPr lang="hr-HR" smtClean="0"/>
-              <a:t>13.2.2019.</a:t>
+              <a:t>14.2.2019.</a:t>
             </a:fld>
             <a:endParaRPr lang="hr-HR"/>
           </a:p>
@@ -1826,7 +1835,7 @@
           <a:p>
             <a:fld id="{DA9D3D95-C4DE-4E89-AAC6-32FCF56CD876}" type="datetimeFigureOut">
               <a:rPr lang="hr-HR" smtClean="0"/>
-              <a:t>13.2.2019.</a:t>
+              <a:t>14.2.2019.</a:t>
             </a:fld>
             <a:endParaRPr lang="hr-HR"/>
           </a:p>
@@ -2103,7 +2112,7 @@
           <a:p>
             <a:fld id="{DA9D3D95-C4DE-4E89-AAC6-32FCF56CD876}" type="datetimeFigureOut">
               <a:rPr lang="hr-HR" smtClean="0"/>
-              <a:t>13.2.2019.</a:t>
+              <a:t>14.2.2019.</a:t>
             </a:fld>
             <a:endParaRPr lang="hr-HR"/>
           </a:p>
@@ -2360,7 +2369,7 @@
           <a:p>
             <a:fld id="{DA9D3D95-C4DE-4E89-AAC6-32FCF56CD876}" type="datetimeFigureOut">
               <a:rPr lang="hr-HR" smtClean="0"/>
-              <a:t>13.2.2019.</a:t>
+              <a:t>14.2.2019.</a:t>
             </a:fld>
             <a:endParaRPr lang="hr-HR"/>
           </a:p>
@@ -2573,7 +2582,7 @@
           <a:p>
             <a:fld id="{DA9D3D95-C4DE-4E89-AAC6-32FCF56CD876}" type="datetimeFigureOut">
               <a:rPr lang="hr-HR" smtClean="0"/>
-              <a:t>13.2.2019.</a:t>
+              <a:t>14.2.2019.</a:t>
             </a:fld>
             <a:endParaRPr lang="hr-HR"/>
           </a:p>
@@ -3443,7 +3452,7 @@
           <p:cNvPr id="5" name="Picture 4">
             <a:extLst>
               <a:ext uri="{FF2B5EF4-FFF2-40B4-BE49-F238E27FC236}">
-                <a16:creationId xmlns:a16="http://schemas.microsoft.com/office/drawing/2014/main" id="{AF9E9E0B-4090-44D9-A4C5-019F3441EE0E}"/>
+                <a16:creationId xmlns:a16="http://schemas.microsoft.com/office/drawing/2014/main" id="{C28351FB-0A1D-4D9C-AB8D-21CA6D519675}"/>
               </a:ext>
             </a:extLst>
           </p:cNvPr>
@@ -3464,8 +3473,8 @@
         </p:blipFill>
         <p:spPr>
           <a:xfrm>
-            <a:off x="-23" y="1606437"/>
-            <a:ext cx="6957414" cy="4572000"/>
+            <a:off x="-23" y="0"/>
+            <a:ext cx="6612858" cy="6855950"/>
           </a:xfrm>
           <a:prstGeom prst="rect">
             <a:avLst/>
@@ -3477,7 +3486,7 @@
           <p:cNvPr id="2" name="TextBox 1">
             <a:extLst>
               <a:ext uri="{FF2B5EF4-FFF2-40B4-BE49-F238E27FC236}">
-                <a16:creationId xmlns:a16="http://schemas.microsoft.com/office/drawing/2014/main" id="{1D628637-360B-42B7-B17E-8A19F5C632E1}"/>
+                <a16:creationId xmlns:a16="http://schemas.microsoft.com/office/drawing/2014/main" id="{37ED5DA7-905F-4153-897A-FEC2B5A546AD}"/>
               </a:ext>
             </a:extLst>
           </p:cNvPr>
@@ -3486,8 +3495,8 @@
         </p:nvSpPr>
         <p:spPr>
           <a:xfrm>
-            <a:off x="523449" y="528815"/>
-            <a:ext cx="5910470" cy="400110"/>
+            <a:off x="6745357" y="540010"/>
+            <a:ext cx="3419061" cy="523220"/>
           </a:xfrm>
           <a:prstGeom prst="rect">
             <a:avLst/>
@@ -3501,8 +3510,8 @@
           <a:lstStyle/>
           <a:p>
             <a:r>
-              <a:rPr lang="hr-HR" sz="2000" b="1" dirty="0"/>
-              <a:t>Dijagram komponenti - Darivatelj</a:t>
+              <a:rPr lang="hr-HR" sz="2800" b="1" dirty="0"/>
+              <a:t>Dijagram aktivnosti</a:t>
             </a:r>
           </a:p>
         </p:txBody>
@@ -3510,7 +3519,7 @@
     </p:spTree>
     <p:extLst>
       <p:ext uri="{BB962C8B-B14F-4D97-AF65-F5344CB8AC3E}">
-        <p14:creationId xmlns:p14="http://schemas.microsoft.com/office/powerpoint/2010/main" val="2831145684"/>
+        <p14:creationId xmlns:p14="http://schemas.microsoft.com/office/powerpoint/2010/main" val="1829219351"/>
       </p:ext>
     </p:extLst>
   </p:cSld>
@@ -3818,7 +3827,7 @@
           <p:cNvPr id="5" name="Picture 4">
             <a:extLst>
               <a:ext uri="{FF2B5EF4-FFF2-40B4-BE49-F238E27FC236}">
-                <a16:creationId xmlns:a16="http://schemas.microsoft.com/office/drawing/2014/main" id="{5F7ADC53-19D3-4C24-ABFE-89B9FEC8A1BF}"/>
+                <a16:creationId xmlns:a16="http://schemas.microsoft.com/office/drawing/2014/main" id="{C1614E52-E220-4328-9AD3-B718432F9FBB}"/>
               </a:ext>
             </a:extLst>
           </p:cNvPr>
@@ -3839,8 +3848,8 @@
         </p:blipFill>
         <p:spPr>
           <a:xfrm>
-            <a:off x="0" y="1354650"/>
-            <a:ext cx="7248939" cy="5075574"/>
+            <a:off x="-23" y="1708792"/>
+            <a:ext cx="7063432" cy="4333576"/>
           </a:xfrm>
           <a:prstGeom prst="rect">
             <a:avLst/>
@@ -3849,10 +3858,10 @@
       </p:pic>
       <p:sp>
         <p:nvSpPr>
-          <p:cNvPr id="7" name="TextBox 6">
+          <p:cNvPr id="2" name="TextBox 1">
             <a:extLst>
               <a:ext uri="{FF2B5EF4-FFF2-40B4-BE49-F238E27FC236}">
-                <a16:creationId xmlns:a16="http://schemas.microsoft.com/office/drawing/2014/main" id="{96A37748-DFD3-4777-8DBA-0B85202EFDF9}"/>
+                <a16:creationId xmlns:a16="http://schemas.microsoft.com/office/drawing/2014/main" id="{1D7A0F90-111F-4B9F-BD18-E9715CBBB10A}"/>
               </a:ext>
             </a:extLst>
           </p:cNvPr>
@@ -3861,8 +3870,8 @@
         </p:nvSpPr>
         <p:spPr>
           <a:xfrm>
-            <a:off x="523449" y="528815"/>
-            <a:ext cx="5910470" cy="400110"/>
+            <a:off x="954155" y="615577"/>
+            <a:ext cx="7628529" cy="523220"/>
           </a:xfrm>
           <a:prstGeom prst="rect">
             <a:avLst/>
@@ -3876,14 +3885,764 @@
           <a:lstStyle/>
           <a:p>
             <a:r>
-              <a:rPr lang="hr-HR" sz="2000" b="1" dirty="0"/>
+              <a:rPr lang="hr-HR" sz="2800" b="1" dirty="0"/>
+              <a:t>Dijagram kompnente – Transfuziološke ustanove</a:t>
+            </a:r>
+          </a:p>
+        </p:txBody>
+      </p:sp>
+    </p:spTree>
+    <p:extLst>
+      <p:ext uri="{BB962C8B-B14F-4D97-AF65-F5344CB8AC3E}">
+        <p14:creationId xmlns:p14="http://schemas.microsoft.com/office/powerpoint/2010/main" val="4113906907"/>
+      </p:ext>
+    </p:extLst>
+  </p:cSld>
+  <p:clrMapOvr>
+    <a:masterClrMapping/>
+  </p:clrMapOvr>
+</p:sld>
+</file>
+
+<file path=ppt/slides/slide12.xml><?xml version="1.0" encoding="utf-8"?>
+<p:sld xmlns:a="http://schemas.openxmlformats.org/drawingml/2006/main" xmlns:r="http://schemas.openxmlformats.org/officeDocument/2006/relationships" xmlns:p="http://schemas.openxmlformats.org/presentationml/2006/main">
+  <p:cSld>
+    <p:spTree>
+      <p:nvGrpSpPr>
+        <p:cNvPr id="1" name=""/>
+        <p:cNvGrpSpPr/>
+        <p:nvPr/>
+      </p:nvGrpSpPr>
+      <p:grpSpPr>
+        <a:xfrm>
+          <a:off x="0" y="0"/>
+          <a:ext cx="0" cy="0"/>
+          <a:chOff x="0" y="0"/>
+          <a:chExt cx="0" cy="0"/>
+        </a:xfrm>
+      </p:grpSpPr>
+      <p:pic>
+        <p:nvPicPr>
+          <p:cNvPr id="3" name="Picture 2">
+            <a:extLst>
+              <a:ext uri="{FF2B5EF4-FFF2-40B4-BE49-F238E27FC236}">
+                <a16:creationId xmlns:a16="http://schemas.microsoft.com/office/drawing/2014/main" id="{BE2E685B-1842-437E-8EE0-0D965BD4BF5A}"/>
+              </a:ext>
+            </a:extLst>
+          </p:cNvPr>
+          <p:cNvPicPr>
+            <a:picLocks noChangeAspect="1"/>
+          </p:cNvPicPr>
+          <p:nvPr/>
+        </p:nvPicPr>
+        <p:blipFill rotWithShape="1">
+          <a:blip r:embed="rId2">
+            <a:alphaModFix amt="35000"/>
+            <a:extLst>
+              <a:ext uri="{BEBA8EAE-BF5A-486C-A8C5-ECC9F3942E4B}">
+                <a14:imgProps xmlns:a14="http://schemas.microsoft.com/office/drawing/2010/main">
+                  <a14:imgLayer r:embed="rId3">
+                    <a14:imgEffect>
+                      <a14:colorTemperature colorTemp="5900"/>
+                    </a14:imgEffect>
+                    <a14:imgEffect>
+                      <a14:saturation sat="400000"/>
+                    </a14:imgEffect>
+                  </a14:imgLayer>
+                </a14:imgProps>
+              </a:ext>
+              <a:ext uri="{28A0092B-C50C-407E-A947-70E740481C1C}">
+                <a14:useLocalDpi xmlns:a14="http://schemas.microsoft.com/office/drawing/2010/main" val="0"/>
+              </a:ext>
+            </a:extLst>
+          </a:blip>
+          <a:srcRect l="18256" r="17726"/>
+          <a:stretch/>
+        </p:blipFill>
+        <p:spPr>
+          <a:xfrm>
+            <a:off x="-7" y="-8"/>
+            <a:ext cx="12192000" cy="6855958"/>
+          </a:xfrm>
+          <a:prstGeom prst="rect">
+            <a:avLst/>
+          </a:prstGeom>
+          <a:noFill/>
+          <a:ln>
+            <a:noFill/>
+          </a:ln>
+        </p:spPr>
+      </p:pic>
+      <p:pic>
+        <p:nvPicPr>
+          <p:cNvPr id="9" name="Picture 8">
+            <a:extLst>
+              <a:ext uri="{FF2B5EF4-FFF2-40B4-BE49-F238E27FC236}">
+                <a16:creationId xmlns:a16="http://schemas.microsoft.com/office/drawing/2014/main" id="{1353EAFD-5AF7-4F88-A644-D2561204B6F2}"/>
+              </a:ext>
+            </a:extLst>
+          </p:cNvPr>
+          <p:cNvPicPr>
+            <a:picLocks noChangeAspect="1"/>
+          </p:cNvPicPr>
+          <p:nvPr/>
+        </p:nvPicPr>
+        <p:blipFill rotWithShape="1">
+          <a:blip r:embed="rId4">
+            <a:extLst>
+              <a:ext uri="{28A0092B-C50C-407E-A947-70E740481C1C}">
+                <a14:useLocalDpi xmlns:a14="http://schemas.microsoft.com/office/drawing/2010/main" val="0"/>
+              </a:ext>
+            </a:extLst>
+          </a:blip>
+          <a:srcRect l="1414" r="8588" b="-1"/>
+          <a:stretch/>
+        </p:blipFill>
+        <p:spPr>
+          <a:xfrm>
+            <a:off x="7689829" y="-2055"/>
+            <a:ext cx="4502173" cy="3316924"/>
+          </a:xfrm>
+          <a:custGeom>
+            <a:avLst/>
+            <a:gdLst>
+              <a:gd name="connsiteX0" fmla="*/ 154695 w 4502173"/>
+              <a:gd name="connsiteY0" fmla="*/ 0 h 3316924"/>
+              <a:gd name="connsiteX1" fmla="*/ 4502173 w 4502173"/>
+              <a:gd name="connsiteY1" fmla="*/ 0 h 3316924"/>
+              <a:gd name="connsiteX2" fmla="*/ 4502173 w 4502173"/>
+              <a:gd name="connsiteY2" fmla="*/ 2237639 h 3316924"/>
+              <a:gd name="connsiteX3" fmla="*/ 4365663 w 4502173"/>
+              <a:gd name="connsiteY3" fmla="*/ 2420191 h 3316924"/>
+              <a:gd name="connsiteX4" fmla="*/ 2464181 w 4502173"/>
+              <a:gd name="connsiteY4" fmla="*/ 3316924 h 3316924"/>
+              <a:gd name="connsiteX5" fmla="*/ 0 w 4502173"/>
+              <a:gd name="connsiteY5" fmla="*/ 852743 h 3316924"/>
+              <a:gd name="connsiteX6" fmla="*/ 110786 w 4502173"/>
+              <a:gd name="connsiteY6" fmla="*/ 119971 h 3316924"/>
+            </a:gdLst>
+            <a:ahLst/>
+            <a:cxnLst>
+              <a:cxn ang="0">
+                <a:pos x="connsiteX0" y="connsiteY0"/>
+              </a:cxn>
+              <a:cxn ang="0">
+                <a:pos x="connsiteX1" y="connsiteY1"/>
+              </a:cxn>
+              <a:cxn ang="0">
+                <a:pos x="connsiteX2" y="connsiteY2"/>
+              </a:cxn>
+              <a:cxn ang="0">
+                <a:pos x="connsiteX3" y="connsiteY3"/>
+              </a:cxn>
+              <a:cxn ang="0">
+                <a:pos x="connsiteX4" y="connsiteY4"/>
+              </a:cxn>
+              <a:cxn ang="0">
+                <a:pos x="connsiteX5" y="connsiteY5"/>
+              </a:cxn>
+              <a:cxn ang="0">
+                <a:pos x="connsiteX6" y="connsiteY6"/>
+              </a:cxn>
+            </a:cxnLst>
+            <a:rect l="l" t="t" r="r" b="b"/>
+            <a:pathLst>
+              <a:path w="4502173" h="3316924">
+                <a:moveTo>
+                  <a:pt x="154695" y="0"/>
+                </a:moveTo>
+                <a:lnTo>
+                  <a:pt x="4502173" y="0"/>
+                </a:lnTo>
+                <a:lnTo>
+                  <a:pt x="4502173" y="2237639"/>
+                </a:lnTo>
+                <a:lnTo>
+                  <a:pt x="4365663" y="2420191"/>
+                </a:lnTo>
+                <a:cubicBezTo>
+                  <a:pt x="3913696" y="2967849"/>
+                  <a:pt x="3229704" y="3316924"/>
+                  <a:pt x="2464181" y="3316924"/>
+                </a:cubicBezTo>
+                <a:cubicBezTo>
+                  <a:pt x="1103251" y="3316924"/>
+                  <a:pt x="0" y="2213673"/>
+                  <a:pt x="0" y="852743"/>
+                </a:cubicBezTo>
+                <a:cubicBezTo>
+                  <a:pt x="0" y="597569"/>
+                  <a:pt x="38787" y="351454"/>
+                  <a:pt x="110786" y="119971"/>
+                </a:cubicBezTo>
+                <a:close/>
+              </a:path>
+            </a:pathLst>
+          </a:custGeom>
+        </p:spPr>
+      </p:pic>
+      <p:pic>
+        <p:nvPicPr>
+          <p:cNvPr id="4" name="Picture 3">
+            <a:extLst>
+              <a:ext uri="{FF2B5EF4-FFF2-40B4-BE49-F238E27FC236}">
+                <a16:creationId xmlns:a16="http://schemas.microsoft.com/office/drawing/2014/main" id="{8DD2BD23-4B5E-4D3B-937A-61A65D798931}"/>
+              </a:ext>
+            </a:extLst>
+          </p:cNvPr>
+          <p:cNvPicPr>
+            <a:picLocks noChangeAspect="1"/>
+          </p:cNvPicPr>
+          <p:nvPr/>
+        </p:nvPicPr>
+        <p:blipFill rotWithShape="1">
+          <a:blip r:embed="rId5">
+            <a:extLst>
+              <a:ext uri="{28A0092B-C50C-407E-A947-70E740481C1C}">
+                <a14:useLocalDpi xmlns:a14="http://schemas.microsoft.com/office/drawing/2010/main" val="0"/>
+              </a:ext>
+            </a:extLst>
+          </a:blip>
+          <a:srcRect t="13667" r="2" b="5244"/>
+          <a:stretch/>
+        </p:blipFill>
+        <p:spPr>
+          <a:xfrm>
+            <a:off x="8768834" y="4082148"/>
+            <a:ext cx="3423175" cy="2775859"/>
+          </a:xfrm>
+          <a:custGeom>
+            <a:avLst/>
+            <a:gdLst>
+              <a:gd name="connsiteX0" fmla="*/ 1906524 w 3423175"/>
+              <a:gd name="connsiteY0" fmla="*/ 0 h 2775859"/>
+              <a:gd name="connsiteX1" fmla="*/ 3377691 w 3423175"/>
+              <a:gd name="connsiteY1" fmla="*/ 693798 h 2775859"/>
+              <a:gd name="connsiteX2" fmla="*/ 3423175 w 3423175"/>
+              <a:gd name="connsiteY2" fmla="*/ 754624 h 2775859"/>
+              <a:gd name="connsiteX3" fmla="*/ 3423175 w 3423175"/>
+              <a:gd name="connsiteY3" fmla="*/ 2775859 h 2775859"/>
+              <a:gd name="connsiteX4" fmla="*/ 211114 w 3423175"/>
+              <a:gd name="connsiteY4" fmla="*/ 2775859 h 2775859"/>
+              <a:gd name="connsiteX5" fmla="*/ 149824 w 3423175"/>
+              <a:gd name="connsiteY5" fmla="*/ 2648629 h 2775859"/>
+              <a:gd name="connsiteX6" fmla="*/ 0 w 3423175"/>
+              <a:gd name="connsiteY6" fmla="*/ 1906524 h 2775859"/>
+              <a:gd name="connsiteX7" fmla="*/ 1906524 w 3423175"/>
+              <a:gd name="connsiteY7" fmla="*/ 0 h 2775859"/>
+            </a:gdLst>
+            <a:ahLst/>
+            <a:cxnLst>
+              <a:cxn ang="0">
+                <a:pos x="connsiteX0" y="connsiteY0"/>
+              </a:cxn>
+              <a:cxn ang="0">
+                <a:pos x="connsiteX1" y="connsiteY1"/>
+              </a:cxn>
+              <a:cxn ang="0">
+                <a:pos x="connsiteX2" y="connsiteY2"/>
+              </a:cxn>
+              <a:cxn ang="0">
+                <a:pos x="connsiteX3" y="connsiteY3"/>
+              </a:cxn>
+              <a:cxn ang="0">
+                <a:pos x="connsiteX4" y="connsiteY4"/>
+              </a:cxn>
+              <a:cxn ang="0">
+                <a:pos x="connsiteX5" y="connsiteY5"/>
+              </a:cxn>
+              <a:cxn ang="0">
+                <a:pos x="connsiteX6" y="connsiteY6"/>
+              </a:cxn>
+              <a:cxn ang="0">
+                <a:pos x="connsiteX7" y="connsiteY7"/>
+              </a:cxn>
+            </a:cxnLst>
+            <a:rect l="l" t="t" r="r" b="b"/>
+            <a:pathLst>
+              <a:path w="3423175" h="2775859">
+                <a:moveTo>
+                  <a:pt x="1906524" y="0"/>
+                </a:moveTo>
+                <a:cubicBezTo>
+                  <a:pt x="2498805" y="0"/>
+                  <a:pt x="3028006" y="270078"/>
+                  <a:pt x="3377691" y="693798"/>
+                </a:cubicBezTo>
+                <a:lnTo>
+                  <a:pt x="3423175" y="754624"/>
+                </a:lnTo>
+                <a:lnTo>
+                  <a:pt x="3423175" y="2775859"/>
+                </a:lnTo>
+                <a:lnTo>
+                  <a:pt x="211114" y="2775859"/>
+                </a:lnTo>
+                <a:lnTo>
+                  <a:pt x="149824" y="2648629"/>
+                </a:lnTo>
+                <a:cubicBezTo>
+                  <a:pt x="53349" y="2420536"/>
+                  <a:pt x="0" y="2169760"/>
+                  <a:pt x="0" y="1906524"/>
+                </a:cubicBezTo>
+                <a:cubicBezTo>
+                  <a:pt x="0" y="853580"/>
+                  <a:pt x="853580" y="0"/>
+                  <a:pt x="1906524" y="0"/>
+                </a:cubicBezTo>
+                <a:close/>
+              </a:path>
+            </a:pathLst>
+          </a:custGeom>
+        </p:spPr>
+      </p:pic>
+      <p:pic>
+        <p:nvPicPr>
+          <p:cNvPr id="5" name="Picture 4">
+            <a:extLst>
+              <a:ext uri="{FF2B5EF4-FFF2-40B4-BE49-F238E27FC236}">
+                <a16:creationId xmlns:a16="http://schemas.microsoft.com/office/drawing/2014/main" id="{AF9E9E0B-4090-44D9-A4C5-019F3441EE0E}"/>
+              </a:ext>
+            </a:extLst>
+          </p:cNvPr>
+          <p:cNvPicPr/>
+          <p:nvPr/>
+        </p:nvPicPr>
+        <p:blipFill>
+          <a:blip r:embed="rId6">
+            <a:extLst>
+              <a:ext uri="{28A0092B-C50C-407E-A947-70E740481C1C}">
+                <a14:useLocalDpi xmlns:a14="http://schemas.microsoft.com/office/drawing/2010/main" val="0"/>
+              </a:ext>
+            </a:extLst>
+          </a:blip>
+          <a:stretch>
+            <a:fillRect/>
+          </a:stretch>
+        </p:blipFill>
+        <p:spPr>
+          <a:xfrm>
+            <a:off x="-23" y="1606437"/>
+            <a:ext cx="6957414" cy="4572000"/>
+          </a:xfrm>
+          <a:prstGeom prst="rect">
+            <a:avLst/>
+          </a:prstGeom>
+        </p:spPr>
+      </p:pic>
+      <p:sp>
+        <p:nvSpPr>
+          <p:cNvPr id="2" name="TextBox 1">
+            <a:extLst>
+              <a:ext uri="{FF2B5EF4-FFF2-40B4-BE49-F238E27FC236}">
+                <a16:creationId xmlns:a16="http://schemas.microsoft.com/office/drawing/2014/main" id="{1D628637-360B-42B7-B17E-8A19F5C632E1}"/>
+              </a:ext>
+            </a:extLst>
+          </p:cNvPr>
+          <p:cNvSpPr txBox="1"/>
+          <p:nvPr/>
+        </p:nvSpPr>
+        <p:spPr>
+          <a:xfrm>
+            <a:off x="523449" y="528815"/>
+            <a:ext cx="5910470" cy="523220"/>
+          </a:xfrm>
+          <a:prstGeom prst="rect">
+            <a:avLst/>
+          </a:prstGeom>
+          <a:noFill/>
+        </p:spPr>
+        <p:txBody>
+          <a:bodyPr wrap="square" rtlCol="0">
+            <a:spAutoFit/>
+          </a:bodyPr>
+          <a:lstStyle/>
+          <a:p>
+            <a:r>
+              <a:rPr lang="hr-HR" sz="2800" b="1" dirty="0"/>
+              <a:t>Dijagram komponenti - Darivatelj</a:t>
+            </a:r>
+          </a:p>
+        </p:txBody>
+      </p:sp>
+    </p:spTree>
+    <p:extLst>
+      <p:ext uri="{BB962C8B-B14F-4D97-AF65-F5344CB8AC3E}">
+        <p14:creationId xmlns:p14="http://schemas.microsoft.com/office/powerpoint/2010/main" val="2831145684"/>
+      </p:ext>
+    </p:extLst>
+  </p:cSld>
+  <p:clrMapOvr>
+    <a:masterClrMapping/>
+  </p:clrMapOvr>
+</p:sld>
+</file>
+
+<file path=ppt/slides/slide13.xml><?xml version="1.0" encoding="utf-8"?>
+<p:sld xmlns:a="http://schemas.openxmlformats.org/drawingml/2006/main" xmlns:r="http://schemas.openxmlformats.org/officeDocument/2006/relationships" xmlns:p="http://schemas.openxmlformats.org/presentationml/2006/main">
+  <p:cSld>
+    <p:spTree>
+      <p:nvGrpSpPr>
+        <p:cNvPr id="1" name=""/>
+        <p:cNvGrpSpPr/>
+        <p:nvPr/>
+      </p:nvGrpSpPr>
+      <p:grpSpPr>
+        <a:xfrm>
+          <a:off x="0" y="0"/>
+          <a:ext cx="0" cy="0"/>
+          <a:chOff x="0" y="0"/>
+          <a:chExt cx="0" cy="0"/>
+        </a:xfrm>
+      </p:grpSpPr>
+      <p:pic>
+        <p:nvPicPr>
+          <p:cNvPr id="3" name="Picture 2">
+            <a:extLst>
+              <a:ext uri="{FF2B5EF4-FFF2-40B4-BE49-F238E27FC236}">
+                <a16:creationId xmlns:a16="http://schemas.microsoft.com/office/drawing/2014/main" id="{BE2E685B-1842-437E-8EE0-0D965BD4BF5A}"/>
+              </a:ext>
+            </a:extLst>
+          </p:cNvPr>
+          <p:cNvPicPr>
+            <a:picLocks noChangeAspect="1"/>
+          </p:cNvPicPr>
+          <p:nvPr/>
+        </p:nvPicPr>
+        <p:blipFill rotWithShape="1">
+          <a:blip r:embed="rId2">
+            <a:alphaModFix amt="35000"/>
+            <a:extLst>
+              <a:ext uri="{BEBA8EAE-BF5A-486C-A8C5-ECC9F3942E4B}">
+                <a14:imgProps xmlns:a14="http://schemas.microsoft.com/office/drawing/2010/main">
+                  <a14:imgLayer r:embed="rId3">
+                    <a14:imgEffect>
+                      <a14:colorTemperature colorTemp="5900"/>
+                    </a14:imgEffect>
+                    <a14:imgEffect>
+                      <a14:saturation sat="400000"/>
+                    </a14:imgEffect>
+                  </a14:imgLayer>
+                </a14:imgProps>
+              </a:ext>
+              <a:ext uri="{28A0092B-C50C-407E-A947-70E740481C1C}">
+                <a14:useLocalDpi xmlns:a14="http://schemas.microsoft.com/office/drawing/2010/main" val="0"/>
+              </a:ext>
+            </a:extLst>
+          </a:blip>
+          <a:srcRect l="18256" r="17726"/>
+          <a:stretch/>
+        </p:blipFill>
+        <p:spPr>
+          <a:xfrm>
+            <a:off x="-7" y="-8"/>
+            <a:ext cx="12192000" cy="6855958"/>
+          </a:xfrm>
+          <a:prstGeom prst="rect">
+            <a:avLst/>
+          </a:prstGeom>
+          <a:noFill/>
+          <a:ln>
+            <a:noFill/>
+          </a:ln>
+        </p:spPr>
+      </p:pic>
+      <p:pic>
+        <p:nvPicPr>
+          <p:cNvPr id="9" name="Picture 8">
+            <a:extLst>
+              <a:ext uri="{FF2B5EF4-FFF2-40B4-BE49-F238E27FC236}">
+                <a16:creationId xmlns:a16="http://schemas.microsoft.com/office/drawing/2014/main" id="{1353EAFD-5AF7-4F88-A644-D2561204B6F2}"/>
+              </a:ext>
+            </a:extLst>
+          </p:cNvPr>
+          <p:cNvPicPr>
+            <a:picLocks noChangeAspect="1"/>
+          </p:cNvPicPr>
+          <p:nvPr/>
+        </p:nvPicPr>
+        <p:blipFill rotWithShape="1">
+          <a:blip r:embed="rId4">
+            <a:extLst>
+              <a:ext uri="{28A0092B-C50C-407E-A947-70E740481C1C}">
+                <a14:useLocalDpi xmlns:a14="http://schemas.microsoft.com/office/drawing/2010/main" val="0"/>
+              </a:ext>
+            </a:extLst>
+          </a:blip>
+          <a:srcRect l="1414" r="8588" b="-1"/>
+          <a:stretch/>
+        </p:blipFill>
+        <p:spPr>
+          <a:xfrm>
+            <a:off x="7689829" y="-2055"/>
+            <a:ext cx="4502173" cy="3316924"/>
+          </a:xfrm>
+          <a:custGeom>
+            <a:avLst/>
+            <a:gdLst>
+              <a:gd name="connsiteX0" fmla="*/ 154695 w 4502173"/>
+              <a:gd name="connsiteY0" fmla="*/ 0 h 3316924"/>
+              <a:gd name="connsiteX1" fmla="*/ 4502173 w 4502173"/>
+              <a:gd name="connsiteY1" fmla="*/ 0 h 3316924"/>
+              <a:gd name="connsiteX2" fmla="*/ 4502173 w 4502173"/>
+              <a:gd name="connsiteY2" fmla="*/ 2237639 h 3316924"/>
+              <a:gd name="connsiteX3" fmla="*/ 4365663 w 4502173"/>
+              <a:gd name="connsiteY3" fmla="*/ 2420191 h 3316924"/>
+              <a:gd name="connsiteX4" fmla="*/ 2464181 w 4502173"/>
+              <a:gd name="connsiteY4" fmla="*/ 3316924 h 3316924"/>
+              <a:gd name="connsiteX5" fmla="*/ 0 w 4502173"/>
+              <a:gd name="connsiteY5" fmla="*/ 852743 h 3316924"/>
+              <a:gd name="connsiteX6" fmla="*/ 110786 w 4502173"/>
+              <a:gd name="connsiteY6" fmla="*/ 119971 h 3316924"/>
+            </a:gdLst>
+            <a:ahLst/>
+            <a:cxnLst>
+              <a:cxn ang="0">
+                <a:pos x="connsiteX0" y="connsiteY0"/>
+              </a:cxn>
+              <a:cxn ang="0">
+                <a:pos x="connsiteX1" y="connsiteY1"/>
+              </a:cxn>
+              <a:cxn ang="0">
+                <a:pos x="connsiteX2" y="connsiteY2"/>
+              </a:cxn>
+              <a:cxn ang="0">
+                <a:pos x="connsiteX3" y="connsiteY3"/>
+              </a:cxn>
+              <a:cxn ang="0">
+                <a:pos x="connsiteX4" y="connsiteY4"/>
+              </a:cxn>
+              <a:cxn ang="0">
+                <a:pos x="connsiteX5" y="connsiteY5"/>
+              </a:cxn>
+              <a:cxn ang="0">
+                <a:pos x="connsiteX6" y="connsiteY6"/>
+              </a:cxn>
+            </a:cxnLst>
+            <a:rect l="l" t="t" r="r" b="b"/>
+            <a:pathLst>
+              <a:path w="4502173" h="3316924">
+                <a:moveTo>
+                  <a:pt x="154695" y="0"/>
+                </a:moveTo>
+                <a:lnTo>
+                  <a:pt x="4502173" y="0"/>
+                </a:lnTo>
+                <a:lnTo>
+                  <a:pt x="4502173" y="2237639"/>
+                </a:lnTo>
+                <a:lnTo>
+                  <a:pt x="4365663" y="2420191"/>
+                </a:lnTo>
+                <a:cubicBezTo>
+                  <a:pt x="3913696" y="2967849"/>
+                  <a:pt x="3229704" y="3316924"/>
+                  <a:pt x="2464181" y="3316924"/>
+                </a:cubicBezTo>
+                <a:cubicBezTo>
+                  <a:pt x="1103251" y="3316924"/>
+                  <a:pt x="0" y="2213673"/>
+                  <a:pt x="0" y="852743"/>
+                </a:cubicBezTo>
+                <a:cubicBezTo>
+                  <a:pt x="0" y="597569"/>
+                  <a:pt x="38787" y="351454"/>
+                  <a:pt x="110786" y="119971"/>
+                </a:cubicBezTo>
+                <a:close/>
+              </a:path>
+            </a:pathLst>
+          </a:custGeom>
+        </p:spPr>
+      </p:pic>
+      <p:pic>
+        <p:nvPicPr>
+          <p:cNvPr id="4" name="Picture 3">
+            <a:extLst>
+              <a:ext uri="{FF2B5EF4-FFF2-40B4-BE49-F238E27FC236}">
+                <a16:creationId xmlns:a16="http://schemas.microsoft.com/office/drawing/2014/main" id="{8DD2BD23-4B5E-4D3B-937A-61A65D798931}"/>
+              </a:ext>
+            </a:extLst>
+          </p:cNvPr>
+          <p:cNvPicPr>
+            <a:picLocks noChangeAspect="1"/>
+          </p:cNvPicPr>
+          <p:nvPr/>
+        </p:nvPicPr>
+        <p:blipFill rotWithShape="1">
+          <a:blip r:embed="rId5">
+            <a:extLst>
+              <a:ext uri="{28A0092B-C50C-407E-A947-70E740481C1C}">
+                <a14:useLocalDpi xmlns:a14="http://schemas.microsoft.com/office/drawing/2010/main" val="0"/>
+              </a:ext>
+            </a:extLst>
+          </a:blip>
+          <a:srcRect t="13667" r="2" b="5244"/>
+          <a:stretch/>
+        </p:blipFill>
+        <p:spPr>
+          <a:xfrm>
+            <a:off x="8768834" y="4082148"/>
+            <a:ext cx="3423175" cy="2775859"/>
+          </a:xfrm>
+          <a:custGeom>
+            <a:avLst/>
+            <a:gdLst>
+              <a:gd name="connsiteX0" fmla="*/ 1906524 w 3423175"/>
+              <a:gd name="connsiteY0" fmla="*/ 0 h 2775859"/>
+              <a:gd name="connsiteX1" fmla="*/ 3377691 w 3423175"/>
+              <a:gd name="connsiteY1" fmla="*/ 693798 h 2775859"/>
+              <a:gd name="connsiteX2" fmla="*/ 3423175 w 3423175"/>
+              <a:gd name="connsiteY2" fmla="*/ 754624 h 2775859"/>
+              <a:gd name="connsiteX3" fmla="*/ 3423175 w 3423175"/>
+              <a:gd name="connsiteY3" fmla="*/ 2775859 h 2775859"/>
+              <a:gd name="connsiteX4" fmla="*/ 211114 w 3423175"/>
+              <a:gd name="connsiteY4" fmla="*/ 2775859 h 2775859"/>
+              <a:gd name="connsiteX5" fmla="*/ 149824 w 3423175"/>
+              <a:gd name="connsiteY5" fmla="*/ 2648629 h 2775859"/>
+              <a:gd name="connsiteX6" fmla="*/ 0 w 3423175"/>
+              <a:gd name="connsiteY6" fmla="*/ 1906524 h 2775859"/>
+              <a:gd name="connsiteX7" fmla="*/ 1906524 w 3423175"/>
+              <a:gd name="connsiteY7" fmla="*/ 0 h 2775859"/>
+            </a:gdLst>
+            <a:ahLst/>
+            <a:cxnLst>
+              <a:cxn ang="0">
+                <a:pos x="connsiteX0" y="connsiteY0"/>
+              </a:cxn>
+              <a:cxn ang="0">
+                <a:pos x="connsiteX1" y="connsiteY1"/>
+              </a:cxn>
+              <a:cxn ang="0">
+                <a:pos x="connsiteX2" y="connsiteY2"/>
+              </a:cxn>
+              <a:cxn ang="0">
+                <a:pos x="connsiteX3" y="connsiteY3"/>
+              </a:cxn>
+              <a:cxn ang="0">
+                <a:pos x="connsiteX4" y="connsiteY4"/>
+              </a:cxn>
+              <a:cxn ang="0">
+                <a:pos x="connsiteX5" y="connsiteY5"/>
+              </a:cxn>
+              <a:cxn ang="0">
+                <a:pos x="connsiteX6" y="connsiteY6"/>
+              </a:cxn>
+              <a:cxn ang="0">
+                <a:pos x="connsiteX7" y="connsiteY7"/>
+              </a:cxn>
+            </a:cxnLst>
+            <a:rect l="l" t="t" r="r" b="b"/>
+            <a:pathLst>
+              <a:path w="3423175" h="2775859">
+                <a:moveTo>
+                  <a:pt x="1906524" y="0"/>
+                </a:moveTo>
+                <a:cubicBezTo>
+                  <a:pt x="2498805" y="0"/>
+                  <a:pt x="3028006" y="270078"/>
+                  <a:pt x="3377691" y="693798"/>
+                </a:cubicBezTo>
+                <a:lnTo>
+                  <a:pt x="3423175" y="754624"/>
+                </a:lnTo>
+                <a:lnTo>
+                  <a:pt x="3423175" y="2775859"/>
+                </a:lnTo>
+                <a:lnTo>
+                  <a:pt x="211114" y="2775859"/>
+                </a:lnTo>
+                <a:lnTo>
+                  <a:pt x="149824" y="2648629"/>
+                </a:lnTo>
+                <a:cubicBezTo>
+                  <a:pt x="53349" y="2420536"/>
+                  <a:pt x="0" y="2169760"/>
+                  <a:pt x="0" y="1906524"/>
+                </a:cubicBezTo>
+                <a:cubicBezTo>
+                  <a:pt x="0" y="853580"/>
+                  <a:pt x="853580" y="0"/>
+                  <a:pt x="1906524" y="0"/>
+                </a:cubicBezTo>
+                <a:close/>
+              </a:path>
+            </a:pathLst>
+          </a:custGeom>
+        </p:spPr>
+      </p:pic>
+      <p:pic>
+        <p:nvPicPr>
+          <p:cNvPr id="5" name="Picture 4">
+            <a:extLst>
+              <a:ext uri="{FF2B5EF4-FFF2-40B4-BE49-F238E27FC236}">
+                <a16:creationId xmlns:a16="http://schemas.microsoft.com/office/drawing/2014/main" id="{5F7ADC53-19D3-4C24-ABFE-89B9FEC8A1BF}"/>
+              </a:ext>
+            </a:extLst>
+          </p:cNvPr>
+          <p:cNvPicPr/>
+          <p:nvPr/>
+        </p:nvPicPr>
+        <p:blipFill>
+          <a:blip r:embed="rId6">
+            <a:extLst>
+              <a:ext uri="{28A0092B-C50C-407E-A947-70E740481C1C}">
+                <a14:useLocalDpi xmlns:a14="http://schemas.microsoft.com/office/drawing/2010/main" val="0"/>
+              </a:ext>
+            </a:extLst>
+          </a:blip>
+          <a:stretch>
+            <a:fillRect/>
+          </a:stretch>
+        </p:blipFill>
+        <p:spPr>
+          <a:xfrm>
+            <a:off x="0" y="1354650"/>
+            <a:ext cx="7248939" cy="5075574"/>
+          </a:xfrm>
+          <a:prstGeom prst="rect">
+            <a:avLst/>
+          </a:prstGeom>
+        </p:spPr>
+      </p:pic>
+      <p:sp>
+        <p:nvSpPr>
+          <p:cNvPr id="7" name="TextBox 6">
+            <a:extLst>
+              <a:ext uri="{FF2B5EF4-FFF2-40B4-BE49-F238E27FC236}">
+                <a16:creationId xmlns:a16="http://schemas.microsoft.com/office/drawing/2014/main" id="{96A37748-DFD3-4777-8DBA-0B85202EFDF9}"/>
+              </a:ext>
+            </a:extLst>
+          </p:cNvPr>
+          <p:cNvSpPr txBox="1"/>
+          <p:nvPr/>
+        </p:nvSpPr>
+        <p:spPr>
+          <a:xfrm>
+            <a:off x="523449" y="528815"/>
+            <a:ext cx="5910470" cy="523220"/>
+          </a:xfrm>
+          <a:prstGeom prst="rect">
+            <a:avLst/>
+          </a:prstGeom>
+          <a:noFill/>
+        </p:spPr>
+        <p:txBody>
+          <a:bodyPr wrap="square" rtlCol="0">
+            <a:spAutoFit/>
+          </a:bodyPr>
+          <a:lstStyle/>
+          <a:p>
+            <a:r>
+              <a:rPr lang="hr-HR" sz="2800" b="1" dirty="0"/>
               <a:t>Dijagram komponenti - </a:t>
             </a:r>
             <a:r>
-              <a:rPr lang="en-US" sz="2000" b="1" dirty="0"/>
+              <a:rPr lang="en-US" sz="2800" b="1" dirty="0"/>
               <a:t>Admin</a:t>
             </a:r>
-            <a:endParaRPr lang="hr-HR" sz="2000" b="1" dirty="0"/>
+            <a:endParaRPr lang="hr-HR" sz="2800" b="1" dirty="0"/>
           </a:p>
         </p:txBody>
       </p:sp>
@@ -3891,6 +4650,979 @@
     <p:extLst>
       <p:ext uri="{BB962C8B-B14F-4D97-AF65-F5344CB8AC3E}">
         <p14:creationId xmlns:p14="http://schemas.microsoft.com/office/powerpoint/2010/main" val="3887180289"/>
+      </p:ext>
+    </p:extLst>
+  </p:cSld>
+  <p:clrMapOvr>
+    <a:masterClrMapping/>
+  </p:clrMapOvr>
+</p:sld>
+</file>
+
+<file path=ppt/slides/slide14.xml><?xml version="1.0" encoding="utf-8"?>
+<p:sld xmlns:a="http://schemas.openxmlformats.org/drawingml/2006/main" xmlns:r="http://schemas.openxmlformats.org/officeDocument/2006/relationships" xmlns:p="http://schemas.openxmlformats.org/presentationml/2006/main">
+  <p:cSld>
+    <p:spTree>
+      <p:nvGrpSpPr>
+        <p:cNvPr id="1" name=""/>
+        <p:cNvGrpSpPr/>
+        <p:nvPr/>
+      </p:nvGrpSpPr>
+      <p:grpSpPr>
+        <a:xfrm>
+          <a:off x="0" y="0"/>
+          <a:ext cx="0" cy="0"/>
+          <a:chOff x="0" y="0"/>
+          <a:chExt cx="0" cy="0"/>
+        </a:xfrm>
+      </p:grpSpPr>
+      <p:pic>
+        <p:nvPicPr>
+          <p:cNvPr id="3" name="Picture 2">
+            <a:extLst>
+              <a:ext uri="{FF2B5EF4-FFF2-40B4-BE49-F238E27FC236}">
+                <a16:creationId xmlns:a16="http://schemas.microsoft.com/office/drawing/2014/main" id="{BE2E685B-1842-437E-8EE0-0D965BD4BF5A}"/>
+              </a:ext>
+            </a:extLst>
+          </p:cNvPr>
+          <p:cNvPicPr>
+            <a:picLocks noChangeAspect="1"/>
+          </p:cNvPicPr>
+          <p:nvPr/>
+        </p:nvPicPr>
+        <p:blipFill rotWithShape="1">
+          <a:blip r:embed="rId2">
+            <a:alphaModFix amt="35000"/>
+            <a:extLst>
+              <a:ext uri="{BEBA8EAE-BF5A-486C-A8C5-ECC9F3942E4B}">
+                <a14:imgProps xmlns:a14="http://schemas.microsoft.com/office/drawing/2010/main">
+                  <a14:imgLayer r:embed="rId3">
+                    <a14:imgEffect>
+                      <a14:colorTemperature colorTemp="5900"/>
+                    </a14:imgEffect>
+                    <a14:imgEffect>
+                      <a14:saturation sat="400000"/>
+                    </a14:imgEffect>
+                  </a14:imgLayer>
+                </a14:imgProps>
+              </a:ext>
+              <a:ext uri="{28A0092B-C50C-407E-A947-70E740481C1C}">
+                <a14:useLocalDpi xmlns:a14="http://schemas.microsoft.com/office/drawing/2010/main" val="0"/>
+              </a:ext>
+            </a:extLst>
+          </a:blip>
+          <a:srcRect l="18256" r="17726"/>
+          <a:stretch/>
+        </p:blipFill>
+        <p:spPr>
+          <a:xfrm>
+            <a:off x="-7" y="-8"/>
+            <a:ext cx="12192000" cy="6855958"/>
+          </a:xfrm>
+          <a:prstGeom prst="rect">
+            <a:avLst/>
+          </a:prstGeom>
+          <a:noFill/>
+          <a:ln>
+            <a:noFill/>
+          </a:ln>
+        </p:spPr>
+      </p:pic>
+      <p:pic>
+        <p:nvPicPr>
+          <p:cNvPr id="9" name="Picture 8">
+            <a:extLst>
+              <a:ext uri="{FF2B5EF4-FFF2-40B4-BE49-F238E27FC236}">
+                <a16:creationId xmlns:a16="http://schemas.microsoft.com/office/drawing/2014/main" id="{1353EAFD-5AF7-4F88-A644-D2561204B6F2}"/>
+              </a:ext>
+            </a:extLst>
+          </p:cNvPr>
+          <p:cNvPicPr>
+            <a:picLocks noChangeAspect="1"/>
+          </p:cNvPicPr>
+          <p:nvPr/>
+        </p:nvPicPr>
+        <p:blipFill rotWithShape="1">
+          <a:blip r:embed="rId4">
+            <a:extLst>
+              <a:ext uri="{28A0092B-C50C-407E-A947-70E740481C1C}">
+                <a14:useLocalDpi xmlns:a14="http://schemas.microsoft.com/office/drawing/2010/main" val="0"/>
+              </a:ext>
+            </a:extLst>
+          </a:blip>
+          <a:srcRect l="1414" r="8588" b="-1"/>
+          <a:stretch/>
+        </p:blipFill>
+        <p:spPr>
+          <a:xfrm>
+            <a:off x="7689829" y="-2055"/>
+            <a:ext cx="4502173" cy="3316924"/>
+          </a:xfrm>
+          <a:custGeom>
+            <a:avLst/>
+            <a:gdLst>
+              <a:gd name="connsiteX0" fmla="*/ 154695 w 4502173"/>
+              <a:gd name="connsiteY0" fmla="*/ 0 h 3316924"/>
+              <a:gd name="connsiteX1" fmla="*/ 4502173 w 4502173"/>
+              <a:gd name="connsiteY1" fmla="*/ 0 h 3316924"/>
+              <a:gd name="connsiteX2" fmla="*/ 4502173 w 4502173"/>
+              <a:gd name="connsiteY2" fmla="*/ 2237639 h 3316924"/>
+              <a:gd name="connsiteX3" fmla="*/ 4365663 w 4502173"/>
+              <a:gd name="connsiteY3" fmla="*/ 2420191 h 3316924"/>
+              <a:gd name="connsiteX4" fmla="*/ 2464181 w 4502173"/>
+              <a:gd name="connsiteY4" fmla="*/ 3316924 h 3316924"/>
+              <a:gd name="connsiteX5" fmla="*/ 0 w 4502173"/>
+              <a:gd name="connsiteY5" fmla="*/ 852743 h 3316924"/>
+              <a:gd name="connsiteX6" fmla="*/ 110786 w 4502173"/>
+              <a:gd name="connsiteY6" fmla="*/ 119971 h 3316924"/>
+            </a:gdLst>
+            <a:ahLst/>
+            <a:cxnLst>
+              <a:cxn ang="0">
+                <a:pos x="connsiteX0" y="connsiteY0"/>
+              </a:cxn>
+              <a:cxn ang="0">
+                <a:pos x="connsiteX1" y="connsiteY1"/>
+              </a:cxn>
+              <a:cxn ang="0">
+                <a:pos x="connsiteX2" y="connsiteY2"/>
+              </a:cxn>
+              <a:cxn ang="0">
+                <a:pos x="connsiteX3" y="connsiteY3"/>
+              </a:cxn>
+              <a:cxn ang="0">
+                <a:pos x="connsiteX4" y="connsiteY4"/>
+              </a:cxn>
+              <a:cxn ang="0">
+                <a:pos x="connsiteX5" y="connsiteY5"/>
+              </a:cxn>
+              <a:cxn ang="0">
+                <a:pos x="connsiteX6" y="connsiteY6"/>
+              </a:cxn>
+            </a:cxnLst>
+            <a:rect l="l" t="t" r="r" b="b"/>
+            <a:pathLst>
+              <a:path w="4502173" h="3316924">
+                <a:moveTo>
+                  <a:pt x="154695" y="0"/>
+                </a:moveTo>
+                <a:lnTo>
+                  <a:pt x="4502173" y="0"/>
+                </a:lnTo>
+                <a:lnTo>
+                  <a:pt x="4502173" y="2237639"/>
+                </a:lnTo>
+                <a:lnTo>
+                  <a:pt x="4365663" y="2420191"/>
+                </a:lnTo>
+                <a:cubicBezTo>
+                  <a:pt x="3913696" y="2967849"/>
+                  <a:pt x="3229704" y="3316924"/>
+                  <a:pt x="2464181" y="3316924"/>
+                </a:cubicBezTo>
+                <a:cubicBezTo>
+                  <a:pt x="1103251" y="3316924"/>
+                  <a:pt x="0" y="2213673"/>
+                  <a:pt x="0" y="852743"/>
+                </a:cubicBezTo>
+                <a:cubicBezTo>
+                  <a:pt x="0" y="597569"/>
+                  <a:pt x="38787" y="351454"/>
+                  <a:pt x="110786" y="119971"/>
+                </a:cubicBezTo>
+                <a:close/>
+              </a:path>
+            </a:pathLst>
+          </a:custGeom>
+        </p:spPr>
+      </p:pic>
+      <p:pic>
+        <p:nvPicPr>
+          <p:cNvPr id="4" name="Picture 3">
+            <a:extLst>
+              <a:ext uri="{FF2B5EF4-FFF2-40B4-BE49-F238E27FC236}">
+                <a16:creationId xmlns:a16="http://schemas.microsoft.com/office/drawing/2014/main" id="{8DD2BD23-4B5E-4D3B-937A-61A65D798931}"/>
+              </a:ext>
+            </a:extLst>
+          </p:cNvPr>
+          <p:cNvPicPr>
+            <a:picLocks noChangeAspect="1"/>
+          </p:cNvPicPr>
+          <p:nvPr/>
+        </p:nvPicPr>
+        <p:blipFill rotWithShape="1">
+          <a:blip r:embed="rId5">
+            <a:extLst>
+              <a:ext uri="{28A0092B-C50C-407E-A947-70E740481C1C}">
+                <a14:useLocalDpi xmlns:a14="http://schemas.microsoft.com/office/drawing/2010/main" val="0"/>
+              </a:ext>
+            </a:extLst>
+          </a:blip>
+          <a:srcRect t="13667" r="2" b="5244"/>
+          <a:stretch/>
+        </p:blipFill>
+        <p:spPr>
+          <a:xfrm>
+            <a:off x="8768834" y="4082148"/>
+            <a:ext cx="3423175" cy="2775859"/>
+          </a:xfrm>
+          <a:custGeom>
+            <a:avLst/>
+            <a:gdLst>
+              <a:gd name="connsiteX0" fmla="*/ 1906524 w 3423175"/>
+              <a:gd name="connsiteY0" fmla="*/ 0 h 2775859"/>
+              <a:gd name="connsiteX1" fmla="*/ 3377691 w 3423175"/>
+              <a:gd name="connsiteY1" fmla="*/ 693798 h 2775859"/>
+              <a:gd name="connsiteX2" fmla="*/ 3423175 w 3423175"/>
+              <a:gd name="connsiteY2" fmla="*/ 754624 h 2775859"/>
+              <a:gd name="connsiteX3" fmla="*/ 3423175 w 3423175"/>
+              <a:gd name="connsiteY3" fmla="*/ 2775859 h 2775859"/>
+              <a:gd name="connsiteX4" fmla="*/ 211114 w 3423175"/>
+              <a:gd name="connsiteY4" fmla="*/ 2775859 h 2775859"/>
+              <a:gd name="connsiteX5" fmla="*/ 149824 w 3423175"/>
+              <a:gd name="connsiteY5" fmla="*/ 2648629 h 2775859"/>
+              <a:gd name="connsiteX6" fmla="*/ 0 w 3423175"/>
+              <a:gd name="connsiteY6" fmla="*/ 1906524 h 2775859"/>
+              <a:gd name="connsiteX7" fmla="*/ 1906524 w 3423175"/>
+              <a:gd name="connsiteY7" fmla="*/ 0 h 2775859"/>
+            </a:gdLst>
+            <a:ahLst/>
+            <a:cxnLst>
+              <a:cxn ang="0">
+                <a:pos x="connsiteX0" y="connsiteY0"/>
+              </a:cxn>
+              <a:cxn ang="0">
+                <a:pos x="connsiteX1" y="connsiteY1"/>
+              </a:cxn>
+              <a:cxn ang="0">
+                <a:pos x="connsiteX2" y="connsiteY2"/>
+              </a:cxn>
+              <a:cxn ang="0">
+                <a:pos x="connsiteX3" y="connsiteY3"/>
+              </a:cxn>
+              <a:cxn ang="0">
+                <a:pos x="connsiteX4" y="connsiteY4"/>
+              </a:cxn>
+              <a:cxn ang="0">
+                <a:pos x="connsiteX5" y="connsiteY5"/>
+              </a:cxn>
+              <a:cxn ang="0">
+                <a:pos x="connsiteX6" y="connsiteY6"/>
+              </a:cxn>
+              <a:cxn ang="0">
+                <a:pos x="connsiteX7" y="connsiteY7"/>
+              </a:cxn>
+            </a:cxnLst>
+            <a:rect l="l" t="t" r="r" b="b"/>
+            <a:pathLst>
+              <a:path w="3423175" h="2775859">
+                <a:moveTo>
+                  <a:pt x="1906524" y="0"/>
+                </a:moveTo>
+                <a:cubicBezTo>
+                  <a:pt x="2498805" y="0"/>
+                  <a:pt x="3028006" y="270078"/>
+                  <a:pt x="3377691" y="693798"/>
+                </a:cubicBezTo>
+                <a:lnTo>
+                  <a:pt x="3423175" y="754624"/>
+                </a:lnTo>
+                <a:lnTo>
+                  <a:pt x="3423175" y="2775859"/>
+                </a:lnTo>
+                <a:lnTo>
+                  <a:pt x="211114" y="2775859"/>
+                </a:lnTo>
+                <a:lnTo>
+                  <a:pt x="149824" y="2648629"/>
+                </a:lnTo>
+                <a:cubicBezTo>
+                  <a:pt x="53349" y="2420536"/>
+                  <a:pt x="0" y="2169760"/>
+                  <a:pt x="0" y="1906524"/>
+                </a:cubicBezTo>
+                <a:cubicBezTo>
+                  <a:pt x="0" y="853580"/>
+                  <a:pt x="853580" y="0"/>
+                  <a:pt x="1906524" y="0"/>
+                </a:cubicBezTo>
+                <a:close/>
+              </a:path>
+            </a:pathLst>
+          </a:custGeom>
+        </p:spPr>
+      </p:pic>
+      <p:sp>
+        <p:nvSpPr>
+          <p:cNvPr id="7" name="TextBox 6">
+            <a:extLst>
+              <a:ext uri="{FF2B5EF4-FFF2-40B4-BE49-F238E27FC236}">
+                <a16:creationId xmlns:a16="http://schemas.microsoft.com/office/drawing/2014/main" id="{96A37748-DFD3-4777-8DBA-0B85202EFDF9}"/>
+              </a:ext>
+            </a:extLst>
+          </p:cNvPr>
+          <p:cNvSpPr txBox="1"/>
+          <p:nvPr/>
+        </p:nvSpPr>
+        <p:spPr>
+          <a:xfrm>
+            <a:off x="523449" y="528815"/>
+            <a:ext cx="5910470" cy="523220"/>
+          </a:xfrm>
+          <a:prstGeom prst="rect">
+            <a:avLst/>
+          </a:prstGeom>
+          <a:noFill/>
+        </p:spPr>
+        <p:txBody>
+          <a:bodyPr wrap="square" rtlCol="0">
+            <a:spAutoFit/>
+          </a:bodyPr>
+          <a:lstStyle/>
+          <a:p>
+            <a:r>
+              <a:rPr lang="hr-HR" sz="2800" b="1" dirty="0"/>
+              <a:t>Izgled sustava </a:t>
+            </a:r>
+          </a:p>
+        </p:txBody>
+      </p:sp>
+      <p:grpSp>
+        <p:nvGrpSpPr>
+          <p:cNvPr id="8" name="Grupa 7">
+            <a:extLst>
+              <a:ext uri="{FF2B5EF4-FFF2-40B4-BE49-F238E27FC236}">
+                <a16:creationId xmlns:a16="http://schemas.microsoft.com/office/drawing/2014/main" id="{50559D64-EF1A-4393-AEBA-D31C38C39B60}"/>
+              </a:ext>
+            </a:extLst>
+          </p:cNvPr>
+          <p:cNvGrpSpPr/>
+          <p:nvPr/>
+        </p:nvGrpSpPr>
+        <p:grpSpPr>
+          <a:xfrm>
+            <a:off x="167784" y="580520"/>
+            <a:ext cx="3548847" cy="3746349"/>
+            <a:chOff x="3214090" y="517832"/>
+            <a:chExt cx="4952245" cy="4952245"/>
+          </a:xfrm>
+        </p:grpSpPr>
+        <p:pic>
+          <p:nvPicPr>
+            <p:cNvPr id="10" name="Grafika 9" descr="Monitor">
+              <a:extLst>
+                <a:ext uri="{FF2B5EF4-FFF2-40B4-BE49-F238E27FC236}">
+                  <a16:creationId xmlns:a16="http://schemas.microsoft.com/office/drawing/2014/main" id="{74730D8A-370D-4759-A992-10515D99B5BC}"/>
+                </a:ext>
+              </a:extLst>
+            </p:cNvPr>
+            <p:cNvPicPr>
+              <a:picLocks noChangeAspect="1"/>
+            </p:cNvPicPr>
+            <p:nvPr/>
+          </p:nvPicPr>
+          <p:blipFill>
+            <a:blip r:embed="rId6">
+              <a:extLst>
+                <a:ext uri="{28A0092B-C50C-407E-A947-70E740481C1C}">
+                  <a14:useLocalDpi xmlns:a14="http://schemas.microsoft.com/office/drawing/2010/main" val="0"/>
+                </a:ext>
+                <a:ext uri="{96DAC541-7B7A-43D3-8B79-37D633B846F1}">
+                  <asvg:svgBlip xmlns:asvg="http://schemas.microsoft.com/office/drawing/2016/SVG/main" r:embed="rId7"/>
+                </a:ext>
+              </a:extLst>
+            </a:blip>
+            <a:stretch>
+              <a:fillRect/>
+            </a:stretch>
+          </p:blipFill>
+          <p:spPr>
+            <a:xfrm>
+              <a:off x="3214090" y="517832"/>
+              <a:ext cx="4952245" cy="4952245"/>
+            </a:xfrm>
+            <a:prstGeom prst="rect">
+              <a:avLst/>
+            </a:prstGeom>
+          </p:spPr>
+        </p:pic>
+        <p:pic>
+          <p:nvPicPr>
+            <p:cNvPr id="11" name="Slika 10">
+              <a:extLst>
+                <a:ext uri="{FF2B5EF4-FFF2-40B4-BE49-F238E27FC236}">
+                  <a16:creationId xmlns:a16="http://schemas.microsoft.com/office/drawing/2014/main" id="{F47EB12F-6F89-4193-9245-1948A2C0EA25}"/>
+                </a:ext>
+              </a:extLst>
+            </p:cNvPr>
+            <p:cNvPicPr>
+              <a:picLocks noChangeAspect="1"/>
+            </p:cNvPicPr>
+            <p:nvPr/>
+          </p:nvPicPr>
+          <p:blipFill>
+            <a:blip r:embed="rId8">
+              <a:extLst>
+                <a:ext uri="{28A0092B-C50C-407E-A947-70E740481C1C}">
+                  <a14:useLocalDpi xmlns:a14="http://schemas.microsoft.com/office/drawing/2010/main" val="0"/>
+                </a:ext>
+              </a:extLst>
+            </a:blip>
+            <a:stretch>
+              <a:fillRect/>
+            </a:stretch>
+          </p:blipFill>
+          <p:spPr>
+            <a:xfrm>
+              <a:off x="3955055" y="1586429"/>
+              <a:ext cx="3470314" cy="2225407"/>
+            </a:xfrm>
+            <a:prstGeom prst="rect">
+              <a:avLst/>
+            </a:prstGeom>
+          </p:spPr>
+        </p:pic>
+      </p:grpSp>
+      <p:pic>
+        <p:nvPicPr>
+          <p:cNvPr id="16" name="Grafika 15" descr="Monitor">
+            <a:extLst>
+              <a:ext uri="{FF2B5EF4-FFF2-40B4-BE49-F238E27FC236}">
+                <a16:creationId xmlns:a16="http://schemas.microsoft.com/office/drawing/2014/main" id="{ACA436BB-D36F-44CC-92BB-814B3C505743}"/>
+              </a:ext>
+            </a:extLst>
+          </p:cNvPr>
+          <p:cNvPicPr>
+            <a:picLocks noChangeAspect="1"/>
+          </p:cNvPicPr>
+          <p:nvPr/>
+        </p:nvPicPr>
+        <p:blipFill>
+          <a:blip r:embed="rId6">
+            <a:extLst>
+              <a:ext uri="{28A0092B-C50C-407E-A947-70E740481C1C}">
+                <a14:useLocalDpi xmlns:a14="http://schemas.microsoft.com/office/drawing/2010/main" val="0"/>
+              </a:ext>
+              <a:ext uri="{96DAC541-7B7A-43D3-8B79-37D633B846F1}">
+                <asvg:svgBlip xmlns:asvg="http://schemas.microsoft.com/office/drawing/2016/SVG/main" r:embed="rId7"/>
+              </a:ext>
+            </a:extLst>
+          </a:blip>
+          <a:stretch>
+            <a:fillRect/>
+          </a:stretch>
+        </p:blipFill>
+        <p:spPr>
+          <a:xfrm>
+            <a:off x="3528497" y="578463"/>
+            <a:ext cx="3548847" cy="3746349"/>
+          </a:xfrm>
+          <a:prstGeom prst="rect">
+            <a:avLst/>
+          </a:prstGeom>
+        </p:spPr>
+      </p:pic>
+      <p:pic>
+        <p:nvPicPr>
+          <p:cNvPr id="18" name="Grafika 17" descr="Monitor">
+            <a:extLst>
+              <a:ext uri="{FF2B5EF4-FFF2-40B4-BE49-F238E27FC236}">
+                <a16:creationId xmlns:a16="http://schemas.microsoft.com/office/drawing/2014/main" id="{F5AE8506-0E25-4601-BA93-6F0064952549}"/>
+              </a:ext>
+            </a:extLst>
+          </p:cNvPr>
+          <p:cNvPicPr>
+            <a:picLocks noChangeAspect="1"/>
+          </p:cNvPicPr>
+          <p:nvPr/>
+        </p:nvPicPr>
+        <p:blipFill>
+          <a:blip r:embed="rId6">
+            <a:extLst>
+              <a:ext uri="{28A0092B-C50C-407E-A947-70E740481C1C}">
+                <a14:useLocalDpi xmlns:a14="http://schemas.microsoft.com/office/drawing/2010/main" val="0"/>
+              </a:ext>
+              <a:ext uri="{96DAC541-7B7A-43D3-8B79-37D633B846F1}">
+                <asvg:svgBlip xmlns:asvg="http://schemas.microsoft.com/office/drawing/2016/SVG/main" r:embed="rId7"/>
+              </a:ext>
+            </a:extLst>
+          </a:blip>
+          <a:stretch>
+            <a:fillRect/>
+          </a:stretch>
+        </p:blipFill>
+        <p:spPr>
+          <a:xfrm>
+            <a:off x="6869028" y="578463"/>
+            <a:ext cx="3548847" cy="3746349"/>
+          </a:xfrm>
+          <a:prstGeom prst="rect">
+            <a:avLst/>
+          </a:prstGeom>
+        </p:spPr>
+      </p:pic>
+      <p:pic>
+        <p:nvPicPr>
+          <p:cNvPr id="20" name="Grafika 19" descr="Monitor">
+            <a:extLst>
+              <a:ext uri="{FF2B5EF4-FFF2-40B4-BE49-F238E27FC236}">
+                <a16:creationId xmlns:a16="http://schemas.microsoft.com/office/drawing/2014/main" id="{36C0ECEA-12C7-478D-A50C-AD05BA9864FA}"/>
+              </a:ext>
+            </a:extLst>
+          </p:cNvPr>
+          <p:cNvPicPr>
+            <a:picLocks noChangeAspect="1"/>
+          </p:cNvPicPr>
+          <p:nvPr/>
+        </p:nvPicPr>
+        <p:blipFill>
+          <a:blip r:embed="rId6">
+            <a:extLst>
+              <a:ext uri="{28A0092B-C50C-407E-A947-70E740481C1C}">
+                <a14:useLocalDpi xmlns:a14="http://schemas.microsoft.com/office/drawing/2010/main" val="0"/>
+              </a:ext>
+              <a:ext uri="{96DAC541-7B7A-43D3-8B79-37D633B846F1}">
+                <asvg:svgBlip xmlns:asvg="http://schemas.microsoft.com/office/drawing/2016/SVG/main" r:embed="rId7"/>
+              </a:ext>
+            </a:extLst>
+          </a:blip>
+          <a:stretch>
+            <a:fillRect/>
+          </a:stretch>
+        </p:blipFill>
+        <p:spPr>
+          <a:xfrm>
+            <a:off x="198560" y="3419104"/>
+            <a:ext cx="3548847" cy="3746349"/>
+          </a:xfrm>
+          <a:prstGeom prst="rect">
+            <a:avLst/>
+          </a:prstGeom>
+        </p:spPr>
+      </p:pic>
+      <p:pic>
+        <p:nvPicPr>
+          <p:cNvPr id="22" name="Grafika 21" descr="Monitor">
+            <a:extLst>
+              <a:ext uri="{FF2B5EF4-FFF2-40B4-BE49-F238E27FC236}">
+                <a16:creationId xmlns:a16="http://schemas.microsoft.com/office/drawing/2014/main" id="{7B9E96A8-A6BC-4DA3-AC81-300D20FBFCD5}"/>
+              </a:ext>
+            </a:extLst>
+          </p:cNvPr>
+          <p:cNvPicPr>
+            <a:picLocks noChangeAspect="1"/>
+          </p:cNvPicPr>
+          <p:nvPr/>
+        </p:nvPicPr>
+        <p:blipFill>
+          <a:blip r:embed="rId6">
+            <a:extLst>
+              <a:ext uri="{28A0092B-C50C-407E-A947-70E740481C1C}">
+                <a14:useLocalDpi xmlns:a14="http://schemas.microsoft.com/office/drawing/2010/main" val="0"/>
+              </a:ext>
+              <a:ext uri="{96DAC541-7B7A-43D3-8B79-37D633B846F1}">
+                <asvg:svgBlip xmlns:asvg="http://schemas.microsoft.com/office/drawing/2016/SVG/main" r:embed="rId7"/>
+              </a:ext>
+            </a:extLst>
+          </a:blip>
+          <a:stretch>
+            <a:fillRect/>
+          </a:stretch>
+        </p:blipFill>
+        <p:spPr>
+          <a:xfrm>
+            <a:off x="3528481" y="3417047"/>
+            <a:ext cx="3548847" cy="3746349"/>
+          </a:xfrm>
+          <a:prstGeom prst="rect">
+            <a:avLst/>
+          </a:prstGeom>
+        </p:spPr>
+      </p:pic>
+      <p:pic>
+        <p:nvPicPr>
+          <p:cNvPr id="23" name="Grafika 22" descr="Monitor">
+            <a:extLst>
+              <a:ext uri="{FF2B5EF4-FFF2-40B4-BE49-F238E27FC236}">
+                <a16:creationId xmlns:a16="http://schemas.microsoft.com/office/drawing/2014/main" id="{867C7987-7417-4B56-9E6C-3B112DBE8EE6}"/>
+              </a:ext>
+            </a:extLst>
+          </p:cNvPr>
+          <p:cNvPicPr>
+            <a:picLocks noChangeAspect="1"/>
+          </p:cNvPicPr>
+          <p:nvPr/>
+        </p:nvPicPr>
+        <p:blipFill>
+          <a:blip r:embed="rId6">
+            <a:extLst>
+              <a:ext uri="{28A0092B-C50C-407E-A947-70E740481C1C}">
+                <a14:useLocalDpi xmlns:a14="http://schemas.microsoft.com/office/drawing/2010/main" val="0"/>
+              </a:ext>
+              <a:ext uri="{96DAC541-7B7A-43D3-8B79-37D633B846F1}">
+                <asvg:svgBlip xmlns:asvg="http://schemas.microsoft.com/office/drawing/2016/SVG/main" r:embed="rId7"/>
+              </a:ext>
+            </a:extLst>
+          </a:blip>
+          <a:stretch>
+            <a:fillRect/>
+          </a:stretch>
+        </p:blipFill>
+        <p:spPr>
+          <a:xfrm>
+            <a:off x="6919912" y="3414990"/>
+            <a:ext cx="3548847" cy="3746349"/>
+          </a:xfrm>
+          <a:prstGeom prst="rect">
+            <a:avLst/>
+          </a:prstGeom>
+        </p:spPr>
+      </p:pic>
+    </p:spTree>
+    <p:extLst>
+      <p:ext uri="{BB962C8B-B14F-4D97-AF65-F5344CB8AC3E}">
+        <p14:creationId xmlns:p14="http://schemas.microsoft.com/office/powerpoint/2010/main" val="1436536628"/>
+      </p:ext>
+    </p:extLst>
+  </p:cSld>
+  <p:clrMapOvr>
+    <a:masterClrMapping/>
+  </p:clrMapOvr>
+</p:sld>
+</file>
+
+<file path=ppt/slides/slide15.xml><?xml version="1.0" encoding="utf-8"?>
+<p:sld xmlns:a="http://schemas.openxmlformats.org/drawingml/2006/main" xmlns:r="http://schemas.openxmlformats.org/officeDocument/2006/relationships" xmlns:p="http://schemas.openxmlformats.org/presentationml/2006/main">
+  <p:cSld>
+    <p:spTree>
+      <p:nvGrpSpPr>
+        <p:cNvPr id="1" name=""/>
+        <p:cNvGrpSpPr/>
+        <p:nvPr/>
+      </p:nvGrpSpPr>
+      <p:grpSpPr>
+        <a:xfrm>
+          <a:off x="0" y="0"/>
+          <a:ext cx="0" cy="0"/>
+          <a:chOff x="0" y="0"/>
+          <a:chExt cx="0" cy="0"/>
+        </a:xfrm>
+      </p:grpSpPr>
+      <p:pic>
+        <p:nvPicPr>
+          <p:cNvPr id="3" name="Picture 2">
+            <a:extLst>
+              <a:ext uri="{FF2B5EF4-FFF2-40B4-BE49-F238E27FC236}">
+                <a16:creationId xmlns:a16="http://schemas.microsoft.com/office/drawing/2014/main" id="{BE2E685B-1842-437E-8EE0-0D965BD4BF5A}"/>
+              </a:ext>
+            </a:extLst>
+          </p:cNvPr>
+          <p:cNvPicPr>
+            <a:picLocks noChangeAspect="1"/>
+          </p:cNvPicPr>
+          <p:nvPr/>
+        </p:nvPicPr>
+        <p:blipFill rotWithShape="1">
+          <a:blip r:embed="rId2">
+            <a:alphaModFix amt="35000"/>
+            <a:extLst>
+              <a:ext uri="{BEBA8EAE-BF5A-486C-A8C5-ECC9F3942E4B}">
+                <a14:imgProps xmlns:a14="http://schemas.microsoft.com/office/drawing/2010/main">
+                  <a14:imgLayer r:embed="rId3">
+                    <a14:imgEffect>
+                      <a14:colorTemperature colorTemp="5900"/>
+                    </a14:imgEffect>
+                    <a14:imgEffect>
+                      <a14:saturation sat="400000"/>
+                    </a14:imgEffect>
+                  </a14:imgLayer>
+                </a14:imgProps>
+              </a:ext>
+              <a:ext uri="{28A0092B-C50C-407E-A947-70E740481C1C}">
+                <a14:useLocalDpi xmlns:a14="http://schemas.microsoft.com/office/drawing/2010/main" val="0"/>
+              </a:ext>
+            </a:extLst>
+          </a:blip>
+          <a:srcRect l="18256" r="17726"/>
+          <a:stretch/>
+        </p:blipFill>
+        <p:spPr>
+          <a:xfrm>
+            <a:off x="-7" y="-8"/>
+            <a:ext cx="12192000" cy="6855958"/>
+          </a:xfrm>
+          <a:prstGeom prst="rect">
+            <a:avLst/>
+          </a:prstGeom>
+          <a:noFill/>
+          <a:ln>
+            <a:noFill/>
+          </a:ln>
+        </p:spPr>
+      </p:pic>
+      <p:pic>
+        <p:nvPicPr>
+          <p:cNvPr id="9" name="Picture 8">
+            <a:extLst>
+              <a:ext uri="{FF2B5EF4-FFF2-40B4-BE49-F238E27FC236}">
+                <a16:creationId xmlns:a16="http://schemas.microsoft.com/office/drawing/2014/main" id="{1353EAFD-5AF7-4F88-A644-D2561204B6F2}"/>
+              </a:ext>
+            </a:extLst>
+          </p:cNvPr>
+          <p:cNvPicPr>
+            <a:picLocks noChangeAspect="1"/>
+          </p:cNvPicPr>
+          <p:nvPr/>
+        </p:nvPicPr>
+        <p:blipFill rotWithShape="1">
+          <a:blip r:embed="rId4">
+            <a:extLst>
+              <a:ext uri="{28A0092B-C50C-407E-A947-70E740481C1C}">
+                <a14:useLocalDpi xmlns:a14="http://schemas.microsoft.com/office/drawing/2010/main" val="0"/>
+              </a:ext>
+            </a:extLst>
+          </a:blip>
+          <a:srcRect l="1414" r="8588" b="-1"/>
+          <a:stretch/>
+        </p:blipFill>
+        <p:spPr>
+          <a:xfrm>
+            <a:off x="7689829" y="-2055"/>
+            <a:ext cx="4502173" cy="3316924"/>
+          </a:xfrm>
+          <a:custGeom>
+            <a:avLst/>
+            <a:gdLst>
+              <a:gd name="connsiteX0" fmla="*/ 154695 w 4502173"/>
+              <a:gd name="connsiteY0" fmla="*/ 0 h 3316924"/>
+              <a:gd name="connsiteX1" fmla="*/ 4502173 w 4502173"/>
+              <a:gd name="connsiteY1" fmla="*/ 0 h 3316924"/>
+              <a:gd name="connsiteX2" fmla="*/ 4502173 w 4502173"/>
+              <a:gd name="connsiteY2" fmla="*/ 2237639 h 3316924"/>
+              <a:gd name="connsiteX3" fmla="*/ 4365663 w 4502173"/>
+              <a:gd name="connsiteY3" fmla="*/ 2420191 h 3316924"/>
+              <a:gd name="connsiteX4" fmla="*/ 2464181 w 4502173"/>
+              <a:gd name="connsiteY4" fmla="*/ 3316924 h 3316924"/>
+              <a:gd name="connsiteX5" fmla="*/ 0 w 4502173"/>
+              <a:gd name="connsiteY5" fmla="*/ 852743 h 3316924"/>
+              <a:gd name="connsiteX6" fmla="*/ 110786 w 4502173"/>
+              <a:gd name="connsiteY6" fmla="*/ 119971 h 3316924"/>
+            </a:gdLst>
+            <a:ahLst/>
+            <a:cxnLst>
+              <a:cxn ang="0">
+                <a:pos x="connsiteX0" y="connsiteY0"/>
+              </a:cxn>
+              <a:cxn ang="0">
+                <a:pos x="connsiteX1" y="connsiteY1"/>
+              </a:cxn>
+              <a:cxn ang="0">
+                <a:pos x="connsiteX2" y="connsiteY2"/>
+              </a:cxn>
+              <a:cxn ang="0">
+                <a:pos x="connsiteX3" y="connsiteY3"/>
+              </a:cxn>
+              <a:cxn ang="0">
+                <a:pos x="connsiteX4" y="connsiteY4"/>
+              </a:cxn>
+              <a:cxn ang="0">
+                <a:pos x="connsiteX5" y="connsiteY5"/>
+              </a:cxn>
+              <a:cxn ang="0">
+                <a:pos x="connsiteX6" y="connsiteY6"/>
+              </a:cxn>
+            </a:cxnLst>
+            <a:rect l="l" t="t" r="r" b="b"/>
+            <a:pathLst>
+              <a:path w="4502173" h="3316924">
+                <a:moveTo>
+                  <a:pt x="154695" y="0"/>
+                </a:moveTo>
+                <a:lnTo>
+                  <a:pt x="4502173" y="0"/>
+                </a:lnTo>
+                <a:lnTo>
+                  <a:pt x="4502173" y="2237639"/>
+                </a:lnTo>
+                <a:lnTo>
+                  <a:pt x="4365663" y="2420191"/>
+                </a:lnTo>
+                <a:cubicBezTo>
+                  <a:pt x="3913696" y="2967849"/>
+                  <a:pt x="3229704" y="3316924"/>
+                  <a:pt x="2464181" y="3316924"/>
+                </a:cubicBezTo>
+                <a:cubicBezTo>
+                  <a:pt x="1103251" y="3316924"/>
+                  <a:pt x="0" y="2213673"/>
+                  <a:pt x="0" y="852743"/>
+                </a:cubicBezTo>
+                <a:cubicBezTo>
+                  <a:pt x="0" y="597569"/>
+                  <a:pt x="38787" y="351454"/>
+                  <a:pt x="110786" y="119971"/>
+                </a:cubicBezTo>
+                <a:close/>
+              </a:path>
+            </a:pathLst>
+          </a:custGeom>
+        </p:spPr>
+      </p:pic>
+      <p:pic>
+        <p:nvPicPr>
+          <p:cNvPr id="4" name="Picture 3">
+            <a:extLst>
+              <a:ext uri="{FF2B5EF4-FFF2-40B4-BE49-F238E27FC236}">
+                <a16:creationId xmlns:a16="http://schemas.microsoft.com/office/drawing/2014/main" id="{8DD2BD23-4B5E-4D3B-937A-61A65D798931}"/>
+              </a:ext>
+            </a:extLst>
+          </p:cNvPr>
+          <p:cNvPicPr>
+            <a:picLocks noChangeAspect="1"/>
+          </p:cNvPicPr>
+          <p:nvPr/>
+        </p:nvPicPr>
+        <p:blipFill rotWithShape="1">
+          <a:blip r:embed="rId5">
+            <a:extLst>
+              <a:ext uri="{28A0092B-C50C-407E-A947-70E740481C1C}">
+                <a14:useLocalDpi xmlns:a14="http://schemas.microsoft.com/office/drawing/2010/main" val="0"/>
+              </a:ext>
+            </a:extLst>
+          </a:blip>
+          <a:srcRect t="13667" r="2" b="5244"/>
+          <a:stretch/>
+        </p:blipFill>
+        <p:spPr>
+          <a:xfrm>
+            <a:off x="8768834" y="4082148"/>
+            <a:ext cx="3423175" cy="2775859"/>
+          </a:xfrm>
+          <a:custGeom>
+            <a:avLst/>
+            <a:gdLst>
+              <a:gd name="connsiteX0" fmla="*/ 1906524 w 3423175"/>
+              <a:gd name="connsiteY0" fmla="*/ 0 h 2775859"/>
+              <a:gd name="connsiteX1" fmla="*/ 3377691 w 3423175"/>
+              <a:gd name="connsiteY1" fmla="*/ 693798 h 2775859"/>
+              <a:gd name="connsiteX2" fmla="*/ 3423175 w 3423175"/>
+              <a:gd name="connsiteY2" fmla="*/ 754624 h 2775859"/>
+              <a:gd name="connsiteX3" fmla="*/ 3423175 w 3423175"/>
+              <a:gd name="connsiteY3" fmla="*/ 2775859 h 2775859"/>
+              <a:gd name="connsiteX4" fmla="*/ 211114 w 3423175"/>
+              <a:gd name="connsiteY4" fmla="*/ 2775859 h 2775859"/>
+              <a:gd name="connsiteX5" fmla="*/ 149824 w 3423175"/>
+              <a:gd name="connsiteY5" fmla="*/ 2648629 h 2775859"/>
+              <a:gd name="connsiteX6" fmla="*/ 0 w 3423175"/>
+              <a:gd name="connsiteY6" fmla="*/ 1906524 h 2775859"/>
+              <a:gd name="connsiteX7" fmla="*/ 1906524 w 3423175"/>
+              <a:gd name="connsiteY7" fmla="*/ 0 h 2775859"/>
+            </a:gdLst>
+            <a:ahLst/>
+            <a:cxnLst>
+              <a:cxn ang="0">
+                <a:pos x="connsiteX0" y="connsiteY0"/>
+              </a:cxn>
+              <a:cxn ang="0">
+                <a:pos x="connsiteX1" y="connsiteY1"/>
+              </a:cxn>
+              <a:cxn ang="0">
+                <a:pos x="connsiteX2" y="connsiteY2"/>
+              </a:cxn>
+              <a:cxn ang="0">
+                <a:pos x="connsiteX3" y="connsiteY3"/>
+              </a:cxn>
+              <a:cxn ang="0">
+                <a:pos x="connsiteX4" y="connsiteY4"/>
+              </a:cxn>
+              <a:cxn ang="0">
+                <a:pos x="connsiteX5" y="connsiteY5"/>
+              </a:cxn>
+              <a:cxn ang="0">
+                <a:pos x="connsiteX6" y="connsiteY6"/>
+              </a:cxn>
+              <a:cxn ang="0">
+                <a:pos x="connsiteX7" y="connsiteY7"/>
+              </a:cxn>
+            </a:cxnLst>
+            <a:rect l="l" t="t" r="r" b="b"/>
+            <a:pathLst>
+              <a:path w="3423175" h="2775859">
+                <a:moveTo>
+                  <a:pt x="1906524" y="0"/>
+                </a:moveTo>
+                <a:cubicBezTo>
+                  <a:pt x="2498805" y="0"/>
+                  <a:pt x="3028006" y="270078"/>
+                  <a:pt x="3377691" y="693798"/>
+                </a:cubicBezTo>
+                <a:lnTo>
+                  <a:pt x="3423175" y="754624"/>
+                </a:lnTo>
+                <a:lnTo>
+                  <a:pt x="3423175" y="2775859"/>
+                </a:lnTo>
+                <a:lnTo>
+                  <a:pt x="211114" y="2775859"/>
+                </a:lnTo>
+                <a:lnTo>
+                  <a:pt x="149824" y="2648629"/>
+                </a:lnTo>
+                <a:cubicBezTo>
+                  <a:pt x="53349" y="2420536"/>
+                  <a:pt x="0" y="2169760"/>
+                  <a:pt x="0" y="1906524"/>
+                </a:cubicBezTo>
+                <a:cubicBezTo>
+                  <a:pt x="0" y="853580"/>
+                  <a:pt x="853580" y="0"/>
+                  <a:pt x="1906524" y="0"/>
+                </a:cubicBezTo>
+                <a:close/>
+              </a:path>
+            </a:pathLst>
+          </a:custGeom>
+        </p:spPr>
+      </p:pic>
+      <p:sp>
+        <p:nvSpPr>
+          <p:cNvPr id="21" name="TekstniOkvir 20">
+            <a:extLst>
+              <a:ext uri="{FF2B5EF4-FFF2-40B4-BE49-F238E27FC236}">
+                <a16:creationId xmlns:a16="http://schemas.microsoft.com/office/drawing/2014/main" id="{1280DB67-6906-47C8-8B07-21ED4BDE0829}"/>
+              </a:ext>
+            </a:extLst>
+          </p:cNvPr>
+          <p:cNvSpPr txBox="1"/>
+          <p:nvPr/>
+        </p:nvSpPr>
+        <p:spPr>
+          <a:xfrm>
+            <a:off x="3429888" y="3043250"/>
+            <a:ext cx="5338946" cy="769441"/>
+          </a:xfrm>
+          <a:prstGeom prst="rect">
+            <a:avLst/>
+          </a:prstGeom>
+          <a:noFill/>
+        </p:spPr>
+        <p:txBody>
+          <a:bodyPr wrap="square" rtlCol="0">
+            <a:spAutoFit/>
+          </a:bodyPr>
+          <a:lstStyle/>
+          <a:p>
+            <a:r>
+              <a:rPr lang="hr-HR" sz="4400" b="1" dirty="0"/>
+              <a:t>HVALA NA PAŽNJI !!!</a:t>
+            </a:r>
+          </a:p>
+        </p:txBody>
+      </p:sp>
+    </p:spTree>
+    <p:extLst>
+      <p:ext uri="{BB962C8B-B14F-4D97-AF65-F5344CB8AC3E}">
+        <p14:creationId xmlns:p14="http://schemas.microsoft.com/office/powerpoint/2010/main" val="3099651437"/>
       </p:ext>
     </p:extLst>
   </p:cSld>
@@ -4232,16 +5964,18 @@
               </a:spcAft>
             </a:pPr>
             <a:r>
-              <a:rPr lang="en-US" sz="4400" kern="1200" dirty="0">
-                <a:solidFill>
-                  <a:schemeClr val="tx1"/>
-                </a:solidFill>
-                <a:latin typeface="+mj-lt"/>
-                <a:ea typeface="+mj-ea"/>
-                <a:cs typeface="+mj-cs"/>
-              </a:rPr>
-              <a:t>OPIS SUSTAVA</a:t>
-            </a:r>
+              <a:rPr lang="en-US" sz="4400" b="1" dirty="0"/>
+              <a:t>O</a:t>
+            </a:r>
+            <a:r>
+              <a:rPr lang="hr-HR" sz="4400" b="1" dirty="0" err="1"/>
+              <a:t>pis</a:t>
+            </a:r>
+            <a:r>
+              <a:rPr lang="hr-HR" sz="4400" b="1" dirty="0"/>
+              <a:t> sustava</a:t>
+            </a:r>
+            <a:endParaRPr lang="en-US" sz="4400" b="1" dirty="0"/>
           </a:p>
           <a:p>
             <a:pPr defTabSz="914400">
@@ -4649,10 +6383,10 @@
       </p:pic>
       <p:sp>
         <p:nvSpPr>
-          <p:cNvPr id="6" name="TextBox 5">
+          <p:cNvPr id="7" name="TextBox 6">
             <a:extLst>
               <a:ext uri="{FF2B5EF4-FFF2-40B4-BE49-F238E27FC236}">
-                <a16:creationId xmlns:a16="http://schemas.microsoft.com/office/drawing/2014/main" id="{43593A23-E4BF-4CE3-BFE5-C037515D2F7B}"/>
+                <a16:creationId xmlns:a16="http://schemas.microsoft.com/office/drawing/2014/main" id="{58D61121-114E-4E46-98F2-C8BC9CC38337}"/>
               </a:ext>
             </a:extLst>
           </p:cNvPr>
@@ -4661,8 +6395,8 @@
         </p:nvSpPr>
         <p:spPr>
           <a:xfrm>
-            <a:off x="805542" y="442913"/>
-            <a:ext cx="6382657" cy="5786437"/>
+            <a:off x="890397" y="635485"/>
+            <a:ext cx="6455833" cy="1497998"/>
           </a:xfrm>
           <a:prstGeom prst="rect">
             <a:avLst/>
@@ -4678,94 +6412,75 @@
               <a:lnSpc>
                 <a:spcPct val="90000"/>
               </a:lnSpc>
+              <a:spcBef>
+                <a:spcPct val="0"/>
+              </a:spcBef>
               <a:spcAft>
                 <a:spcPts val="600"/>
               </a:spcAft>
             </a:pPr>
             <a:r>
-              <a:rPr lang="hr-HR" sz="2000" b="1" dirty="0"/>
-              <a:t>Korisnici sustava</a:t>
-            </a:r>
-          </a:p>
-          <a:p>
-            <a:pPr indent="-228600" defTabSz="914400">
+              <a:rPr lang="en-US" sz="4400" b="1" dirty="0"/>
+              <a:t>O</a:t>
+            </a:r>
+            <a:r>
+              <a:rPr lang="hr-HR" sz="4400" b="1" dirty="0" err="1"/>
+              <a:t>pis</a:t>
+            </a:r>
+            <a:r>
+              <a:rPr lang="hr-HR" sz="4400" b="1" dirty="0"/>
+              <a:t> sustava</a:t>
+            </a:r>
+            <a:endParaRPr lang="en-US" sz="4400" b="1" dirty="0"/>
+          </a:p>
+          <a:p>
+            <a:pPr defTabSz="914400">
               <a:lnSpc>
                 <a:spcPct val="90000"/>
               </a:lnSpc>
+              <a:spcBef>
+                <a:spcPct val="0"/>
+              </a:spcBef>
               <a:spcAft>
                 <a:spcPts val="600"/>
               </a:spcAft>
-              <a:buFont typeface="Arial" panose="020B0604020202020204" pitchFamily="34" charset="0"/>
-              <a:buChar char="•"/>
             </a:pPr>
-            <a:endParaRPr lang="hr-HR" dirty="0"/>
-          </a:p>
-          <a:p>
-            <a:pPr marL="285750" indent="-228600" defTabSz="914400">
+            <a:endParaRPr lang="en-US" sz="4400" kern="1200" dirty="0">
+              <a:solidFill>
+                <a:schemeClr val="tx1"/>
+              </a:solidFill>
+              <a:latin typeface="+mj-lt"/>
+              <a:ea typeface="+mj-ea"/>
+              <a:cs typeface="+mj-cs"/>
+            </a:endParaRPr>
+          </a:p>
+          <a:p>
+            <a:pPr defTabSz="914400">
               <a:lnSpc>
                 <a:spcPct val="90000"/>
               </a:lnSpc>
+              <a:spcBef>
+                <a:spcPct val="0"/>
+              </a:spcBef>
               <a:spcAft>
                 <a:spcPts val="600"/>
               </a:spcAft>
-              <a:buFont typeface="Arial" panose="020B0604020202020204" pitchFamily="34" charset="0"/>
-              <a:buChar char="•"/>
             </a:pPr>
-            <a:r>
-              <a:rPr lang="hr-HR" b="1" dirty="0"/>
-              <a:t>Korisnik</a:t>
-            </a:r>
-            <a:r>
-              <a:rPr lang="hr-HR" dirty="0"/>
-              <a:t> – individualni korisnik koji nakon uspješnog popunjavanja upitnika ima mogućnost registrirati se kao dobrovoljni darivatelj krvi, te ostavljajući potrebne podatke registrira se (Nakon prijave u sustav darivatelj ima uvid u svoj profil; može ažurirati svoje osobne podatke kao i lozinku; ima uvid u povijest svojih darivanja; može pretraživati transfuziološke ustanove po mjestu kako bi vidio koja mu je najbliža za darivanje; darivatelji koji su već darovali krv nakon određenog perioda primaju obavijest o mogućnosti ponovnog darivanja).</a:t>
-            </a:r>
-          </a:p>
-          <a:p>
-            <a:pPr marL="285750" indent="-228600" defTabSz="914400">
-              <a:lnSpc>
-                <a:spcPct val="90000"/>
-              </a:lnSpc>
-              <a:spcAft>
-                <a:spcPts val="600"/>
-              </a:spcAft>
-              <a:buFont typeface="Arial" panose="020B0604020202020204" pitchFamily="34" charset="0"/>
-              <a:buChar char="•"/>
-            </a:pPr>
-            <a:r>
-              <a:rPr lang="hr-HR" b="1" dirty="0"/>
-              <a:t>Transfuziološke ustanove</a:t>
-            </a:r>
-            <a:r>
-              <a:rPr lang="hr-HR" dirty="0"/>
-              <a:t> – drugi tip korisnika koji nakon registracije i prijave u sustav ima uvid u sve registrirane darivatelje i njihove podatke (npr. krvna grupa, br. tel...) kako bi ih mogli kontaktirati ukoliko je potrebno; imaju uvid u sva dosadašnja darivanja u svojoj transfuziološkoj jedinici; imaju uvid u zalihe krvi; imaju uvid u svoj profil (ažuriranje svojih informacija)).</a:t>
-            </a:r>
-          </a:p>
-          <a:p>
-            <a:pPr marL="285750" indent="-228600" defTabSz="914400">
-              <a:lnSpc>
-                <a:spcPct val="90000"/>
-              </a:lnSpc>
-              <a:spcAft>
-                <a:spcPts val="600"/>
-              </a:spcAft>
-              <a:buFont typeface="Arial" panose="020B0604020202020204" pitchFamily="34" charset="0"/>
-              <a:buChar char="•"/>
-            </a:pPr>
-            <a:r>
-              <a:rPr lang="hr-HR" b="1" dirty="0"/>
-              <a:t>Administrator</a:t>
-            </a:r>
-            <a:r>
-              <a:rPr lang="hr-HR" dirty="0"/>
-              <a:t> – ima uvid i kontrolu nad cijelim sustavom (CRUD).</a:t>
-            </a:r>
+            <a:endParaRPr lang="en-US" sz="4400" kern="1200" dirty="0">
+              <a:solidFill>
+                <a:schemeClr val="tx1"/>
+              </a:solidFill>
+              <a:latin typeface="+mj-lt"/>
+              <a:ea typeface="+mj-ea"/>
+              <a:cs typeface="+mj-cs"/>
+            </a:endParaRPr>
           </a:p>
         </p:txBody>
       </p:sp>
     </p:spTree>
     <p:extLst>
       <p:ext uri="{BB962C8B-B14F-4D97-AF65-F5344CB8AC3E}">
-        <p14:creationId xmlns:p14="http://schemas.microsoft.com/office/powerpoint/2010/main" val="2781513308"/>
+        <p14:creationId xmlns:p14="http://schemas.microsoft.com/office/powerpoint/2010/main" val="3558119319"/>
       </p:ext>
     </p:extLst>
   </p:cSld>
@@ -4832,7 +6547,7 @@
         </p:blipFill>
         <p:spPr>
           <a:xfrm>
-            <a:off x="-7" y="-8"/>
+            <a:off x="0" y="0"/>
             <a:ext cx="12192000" cy="6855958"/>
           </a:xfrm>
           <a:prstGeom prst="rect">
@@ -5073,7 +6788,7 @@
           <p:cNvPr id="7" name="TextBox 6">
             <a:extLst>
               <a:ext uri="{FF2B5EF4-FFF2-40B4-BE49-F238E27FC236}">
-                <a16:creationId xmlns:a16="http://schemas.microsoft.com/office/drawing/2014/main" id="{D30D032F-9246-4319-BC79-4EBC6C714FB8}"/>
+                <a16:creationId xmlns:a16="http://schemas.microsoft.com/office/drawing/2014/main" id="{58D61121-114E-4E46-98F2-C8BC9CC38337}"/>
               </a:ext>
             </a:extLst>
           </p:cNvPr>
@@ -5082,8 +6797,8 @@
         </p:nvSpPr>
         <p:spPr>
           <a:xfrm>
-            <a:off x="805542" y="557213"/>
-            <a:ext cx="6382657" cy="5496453"/>
+            <a:off x="890397" y="635485"/>
+            <a:ext cx="6455833" cy="1497998"/>
           </a:xfrm>
           <a:prstGeom prst="rect">
             <a:avLst/>
@@ -5091,7 +6806,7 @@
         </p:spPr>
         <p:txBody>
           <a:bodyPr vert="horz" lIns="91440" tIns="45720" rIns="91440" bIns="45720" rtlCol="0" anchor="t">
-            <a:normAutofit lnSpcReduction="10000"/>
+            <a:normAutofit/>
           </a:bodyPr>
           <a:lstStyle/>
           <a:p>
@@ -5099,189 +6814,84 @@
               <a:lnSpc>
                 <a:spcPct val="90000"/>
               </a:lnSpc>
+              <a:spcBef>
+                <a:spcPct val="0"/>
+              </a:spcBef>
               <a:spcAft>
                 <a:spcPts val="600"/>
               </a:spcAft>
             </a:pPr>
-            <a:r>
-              <a:rPr lang="hr-HR" sz="2000" b="1" dirty="0"/>
-              <a:t>Funkcionalni zahtijevi sustava:</a:t>
-            </a:r>
+            <a:endParaRPr lang="en-US" sz="4400" kern="1200" dirty="0">
+              <a:solidFill>
+                <a:schemeClr val="tx1"/>
+              </a:solidFill>
+              <a:latin typeface="+mj-lt"/>
+              <a:ea typeface="+mj-ea"/>
+              <a:cs typeface="+mj-cs"/>
+            </a:endParaRPr>
           </a:p>
           <a:p>
             <a:pPr defTabSz="914400">
               <a:lnSpc>
                 <a:spcPct val="90000"/>
               </a:lnSpc>
+              <a:spcBef>
+                <a:spcPct val="0"/>
+              </a:spcBef>
               <a:spcAft>
                 <a:spcPts val="600"/>
               </a:spcAft>
             </a:pPr>
-            <a:endParaRPr lang="hr-HR" dirty="0"/>
-          </a:p>
-          <a:p>
-            <a:pPr marL="285750" lvl="0" indent="-228600" defTabSz="914400">
-              <a:lnSpc>
-                <a:spcPct val="90000"/>
-              </a:lnSpc>
-              <a:spcAft>
-                <a:spcPts val="600"/>
-              </a:spcAft>
-              <a:buFont typeface="Arial" panose="020B0604020202020204" pitchFamily="34" charset="0"/>
-              <a:buChar char="•"/>
-            </a:pPr>
-            <a:r>
-              <a:rPr lang="hr-HR" dirty="0"/>
-              <a:t>Omogućiti prijavu i odjavu na sustav</a:t>
-            </a:r>
-          </a:p>
-          <a:p>
-            <a:pPr marL="285750" lvl="0" indent="-228600" defTabSz="914400">
-              <a:lnSpc>
-                <a:spcPct val="90000"/>
-              </a:lnSpc>
-              <a:spcAft>
-                <a:spcPts val="600"/>
-              </a:spcAft>
-              <a:buFont typeface="Arial" panose="020B0604020202020204" pitchFamily="34" charset="0"/>
-              <a:buChar char="•"/>
-            </a:pPr>
-            <a:r>
-              <a:rPr lang="hr-HR" dirty="0"/>
-              <a:t>Omogućiti unos i izmjenu podataka (npr. prilikom ažuriranja osobnih podataka)</a:t>
-            </a:r>
-          </a:p>
-          <a:p>
-            <a:pPr marL="285750" lvl="0" indent="-228600" defTabSz="914400">
-              <a:lnSpc>
-                <a:spcPct val="90000"/>
-              </a:lnSpc>
-              <a:spcAft>
-                <a:spcPts val="600"/>
-              </a:spcAft>
-              <a:buFont typeface="Arial" panose="020B0604020202020204" pitchFamily="34" charset="0"/>
-              <a:buChar char="•"/>
-            </a:pPr>
-            <a:r>
-              <a:rPr lang="hr-HR" dirty="0"/>
-              <a:t>Sustav treba zapamtiti registracijske podatke (ime, korisničko ime, email, lozinku..)</a:t>
-            </a:r>
-          </a:p>
-          <a:p>
-            <a:pPr marL="285750" lvl="0" indent="-228600" defTabSz="914400">
-              <a:lnSpc>
-                <a:spcPct val="90000"/>
-              </a:lnSpc>
-              <a:spcAft>
-                <a:spcPts val="600"/>
-              </a:spcAft>
-              <a:buFont typeface="Arial" panose="020B0604020202020204" pitchFamily="34" charset="0"/>
-              <a:buChar char="•"/>
-            </a:pPr>
-            <a:r>
-              <a:rPr lang="hr-HR" dirty="0"/>
-              <a:t>Razlikovati prijavu korisnika (administrator, tranfuziološke ustanove, darivatelji) preko korisničkog imena ili emaila</a:t>
-            </a:r>
-          </a:p>
-          <a:p>
-            <a:pPr marL="285750" lvl="0" indent="-228600" defTabSz="914400">
-              <a:lnSpc>
-                <a:spcPct val="90000"/>
-              </a:lnSpc>
-              <a:spcAft>
-                <a:spcPts val="600"/>
-              </a:spcAft>
-              <a:buFont typeface="Arial" panose="020B0604020202020204" pitchFamily="34" charset="0"/>
-              <a:buChar char="•"/>
-            </a:pPr>
-            <a:r>
-              <a:rPr lang="hr-HR" dirty="0"/>
-              <a:t>Upozoriti korisnika ako postoji neka greška (netočan unos i slično)</a:t>
-            </a:r>
-          </a:p>
-          <a:p>
-            <a:pPr marL="285750" lvl="0" indent="-228600" defTabSz="914400">
-              <a:lnSpc>
-                <a:spcPct val="90000"/>
-              </a:lnSpc>
-              <a:spcAft>
-                <a:spcPts val="600"/>
-              </a:spcAft>
-              <a:buFont typeface="Arial" panose="020B0604020202020204" pitchFamily="34" charset="0"/>
-              <a:buChar char="•"/>
-            </a:pPr>
-            <a:r>
-              <a:rPr lang="hr-HR" dirty="0"/>
-              <a:t>Prikazati obavijest nakon izvršenog zadatka (npr. nakon uspješne registracije)</a:t>
-            </a:r>
-          </a:p>
-          <a:p>
-            <a:pPr marL="285750" lvl="0" indent="-228600" defTabSz="914400">
-              <a:lnSpc>
-                <a:spcPct val="90000"/>
-              </a:lnSpc>
-              <a:spcAft>
-                <a:spcPts val="600"/>
-              </a:spcAft>
-              <a:buFont typeface="Arial" panose="020B0604020202020204" pitchFamily="34" charset="0"/>
-              <a:buChar char="•"/>
-            </a:pPr>
-            <a:r>
-              <a:rPr lang="hr-HR" dirty="0"/>
-              <a:t>Omogućiti administratoru funkcije: dodavanje, brisanje, pregled, uređivanje ddarivatelja i transfuzioloških ustanova</a:t>
-            </a:r>
-          </a:p>
-          <a:p>
-            <a:pPr marL="285750" lvl="0" indent="-228600" defTabSz="914400">
-              <a:lnSpc>
-                <a:spcPct val="90000"/>
-              </a:lnSpc>
-              <a:spcAft>
-                <a:spcPts val="600"/>
-              </a:spcAft>
-              <a:buFont typeface="Arial" panose="020B0604020202020204" pitchFamily="34" charset="0"/>
-              <a:buChar char="•"/>
-            </a:pPr>
-            <a:r>
-              <a:rPr lang="hr-HR" dirty="0"/>
-              <a:t>Omogućiti korisniku Darivatelj funkcije: slanje zahtjeva, pregled tranfuzioloških ustanova, pregled povijesti darivanje</a:t>
-            </a:r>
-          </a:p>
-          <a:p>
-            <a:pPr marL="285750" lvl="0" indent="-228600" defTabSz="914400">
-              <a:lnSpc>
-                <a:spcPct val="90000"/>
-              </a:lnSpc>
-              <a:spcAft>
-                <a:spcPts val="600"/>
-              </a:spcAft>
-              <a:buFont typeface="Arial" panose="020B0604020202020204" pitchFamily="34" charset="0"/>
-              <a:buChar char="•"/>
-            </a:pPr>
-            <a:r>
-              <a:rPr lang="hr-HR" dirty="0"/>
-              <a:t>Omogućiti korisniku Tranfuziološke ustanove funckije: pregled zaliha krvi, prijavljenih korisnika, zahtjeva i svih darivanja, dodavanje novog darivanja </a:t>
-            </a:r>
-          </a:p>
-          <a:p>
-            <a:pPr indent="-228600" defTabSz="914400">
-              <a:lnSpc>
-                <a:spcPct val="90000"/>
-              </a:lnSpc>
-              <a:spcAft>
-                <a:spcPts val="600"/>
-              </a:spcAft>
-              <a:buFont typeface="Arial" panose="020B0604020202020204" pitchFamily="34" charset="0"/>
-              <a:buChar char="•"/>
-            </a:pPr>
-            <a:endParaRPr lang="en-US" sz="1100" dirty="0"/>
+            <a:endParaRPr lang="en-US" sz="4400" kern="1200" dirty="0">
+              <a:solidFill>
+                <a:schemeClr val="tx1"/>
+              </a:solidFill>
+              <a:latin typeface="+mj-lt"/>
+              <a:ea typeface="+mj-ea"/>
+              <a:cs typeface="+mj-cs"/>
+            </a:endParaRPr>
+          </a:p>
+        </p:txBody>
+      </p:sp>
+      <p:sp>
+        <p:nvSpPr>
+          <p:cNvPr id="2" name="TekstniOkvir 1">
+            <a:extLst>
+              <a:ext uri="{FF2B5EF4-FFF2-40B4-BE49-F238E27FC236}">
+                <a16:creationId xmlns:a16="http://schemas.microsoft.com/office/drawing/2014/main" id="{0351F65F-4241-4E43-9D9F-B27C8346EDA1}"/>
+              </a:ext>
+            </a:extLst>
+          </p:cNvPr>
+          <p:cNvSpPr txBox="1"/>
+          <p:nvPr/>
+        </p:nvSpPr>
+        <p:spPr>
+          <a:xfrm>
+            <a:off x="890388" y="787652"/>
+            <a:ext cx="5504507" cy="523220"/>
+          </a:xfrm>
+          <a:prstGeom prst="rect">
+            <a:avLst/>
+          </a:prstGeom>
+          <a:noFill/>
+        </p:spPr>
+        <p:txBody>
+          <a:bodyPr wrap="square" rtlCol="0">
+            <a:spAutoFit/>
+          </a:bodyPr>
+          <a:lstStyle/>
+          <a:p>
+            <a:r>
+              <a:rPr lang="hr-HR" sz="2800" b="1" dirty="0"/>
+              <a:t>Korištene tehnologije</a:t>
+            </a:r>
           </a:p>
         </p:txBody>
       </p:sp>
     </p:spTree>
     <p:extLst>
       <p:ext uri="{BB962C8B-B14F-4D97-AF65-F5344CB8AC3E}">
-        <p14:creationId xmlns:p14="http://schemas.microsoft.com/office/powerpoint/2010/main" val="962442058"/>
+        <p14:creationId xmlns:p14="http://schemas.microsoft.com/office/powerpoint/2010/main" val="1625933798"/>
       </p:ext>
     </p:extLst>
   </p:cSld>
@@ -5586,10 +7196,10 @@
       </p:pic>
       <p:sp>
         <p:nvSpPr>
-          <p:cNvPr id="2" name="TextBox 1">
+          <p:cNvPr id="6" name="TextBox 5">
             <a:extLst>
               <a:ext uri="{FF2B5EF4-FFF2-40B4-BE49-F238E27FC236}">
-                <a16:creationId xmlns:a16="http://schemas.microsoft.com/office/drawing/2014/main" id="{6393A30D-8EB4-47FF-979C-0055F0D209D2}"/>
+                <a16:creationId xmlns:a16="http://schemas.microsoft.com/office/drawing/2014/main" id="{43593A23-E4BF-4CE3-BFE5-C037515D2F7B}"/>
               </a:ext>
             </a:extLst>
           </p:cNvPr>
@@ -5598,60 +7208,34 @@
         </p:nvSpPr>
         <p:spPr>
           <a:xfrm>
-            <a:off x="750528" y="1255068"/>
-            <a:ext cx="6188766" cy="4345805"/>
+            <a:off x="805542" y="442913"/>
+            <a:ext cx="6382657" cy="5786437"/>
           </a:xfrm>
           <a:prstGeom prst="rect">
             <a:avLst/>
           </a:prstGeom>
-          <a:noFill/>
         </p:spPr>
         <p:txBody>
-          <a:bodyPr wrap="square" rtlCol="0">
-            <a:spAutoFit/>
+          <a:bodyPr vert="horz" lIns="91440" tIns="45720" rIns="91440" bIns="45720" rtlCol="0" anchor="t">
+            <a:normAutofit lnSpcReduction="10000"/>
           </a:bodyPr>
           <a:lstStyle/>
           <a:p>
-            <a:r>
-              <a:rPr lang="hr-HR" sz="2000" b="1" dirty="0"/>
-              <a:t>Nefunkcionalni zahtijevi sustava:</a:t>
-            </a:r>
-          </a:p>
-          <a:p>
-            <a:endParaRPr lang="hr-HR" sz="2000" b="1" dirty="0"/>
-          </a:p>
-          <a:p>
-            <a:pPr marL="285750" indent="-285750">
-              <a:buFont typeface="Arial" panose="020B0604020202020204" pitchFamily="34" charset="0"/>
-              <a:buChar char="•"/>
+            <a:pPr defTabSz="914400">
+              <a:lnSpc>
+                <a:spcPct val="90000"/>
+              </a:lnSpc>
+              <a:spcAft>
+                <a:spcPts val="600"/>
+              </a:spcAft>
             </a:pPr>
             <a:r>
-              <a:rPr lang="hr-HR" dirty="0"/>
-              <a:t>Jednostavnost prilikom upotrebe</a:t>
-            </a:r>
-          </a:p>
-          <a:p>
-            <a:pPr marL="285750" indent="-285750">
-              <a:buFont typeface="Arial" panose="020B0604020202020204" pitchFamily="34" charset="0"/>
-              <a:buChar char="•"/>
-            </a:pPr>
-            <a:r>
-              <a:rPr lang="hr-HR" dirty="0"/>
-              <a:t>Jednostavan dizajn pogodan za sve vrste korisnika</a:t>
-            </a:r>
-          </a:p>
-          <a:p>
-            <a:pPr marL="285750" indent="-285750">
-              <a:buFont typeface="Arial" panose="020B0604020202020204" pitchFamily="34" charset="0"/>
-              <a:buChar char="•"/>
-            </a:pPr>
-            <a:r>
-              <a:rPr lang="hr-HR" dirty="0"/>
-              <a:t>Jednostavnost kontrola kako bi se izbjegle nepotrebne poteškoće prilikom korištenja sistema</a:t>
-            </a:r>
-          </a:p>
-          <a:p>
-            <a:pPr marL="285750" lvl="0" indent="-285750">
+              <a:rPr lang="hr-HR" sz="2800" b="1" dirty="0"/>
+              <a:t>Korisnici sustava</a:t>
+            </a:r>
+          </a:p>
+          <a:p>
+            <a:pPr indent="-228600" defTabSz="914400">
               <a:lnSpc>
                 <a:spcPct val="90000"/>
               </a:lnSpc>
@@ -5661,13 +7245,10 @@
               <a:buFont typeface="Arial" panose="020B0604020202020204" pitchFamily="34" charset="0"/>
               <a:buChar char="•"/>
             </a:pPr>
-            <a:r>
-              <a:rPr lang="hr-HR" dirty="0"/>
-              <a:t>Dostupnost – mogućnost korištenja sustava u bilo koje vrijeme</a:t>
-            </a:r>
-          </a:p>
-          <a:p>
-            <a:pPr marL="285750" lvl="0" indent="-285750">
+            <a:endParaRPr lang="hr-HR" dirty="0"/>
+          </a:p>
+          <a:p>
+            <a:pPr marL="285750" indent="-228600" defTabSz="914400">
               <a:lnSpc>
                 <a:spcPct val="90000"/>
               </a:lnSpc>
@@ -5678,12 +7259,96 @@
               <a:buChar char="•"/>
             </a:pPr>
             <a:r>
+              <a:rPr lang="hr-HR" b="1" dirty="0"/>
+              <a:t>Darivatelj</a:t>
+            </a:r>
+            <a:r>
               <a:rPr lang="hr-HR" dirty="0"/>
-              <a:t>Omogućiti konzistentan način rada sa sustavom u svrhu olakšanja korištenja; ekrani sustava bi se trebali moći upotrebljavati na sličan način kroz cijeli sustav</a:t>
-            </a:r>
-          </a:p>
-          <a:p>
-            <a:pPr marL="285750" lvl="0" indent="-285750">
+              <a:t> – individualni korisnik koji nakon uspješnog popunjavanja upitnika ima mogućnost registrirati se kao dobrovoljni darivatelj krvi nakon prijave u sustav ima mogućnosti:</a:t>
+            </a:r>
+          </a:p>
+          <a:p>
+            <a:pPr marL="800100" lvl="1" indent="-285750" defTabSz="914400">
+              <a:lnSpc>
+                <a:spcPct val="90000"/>
+              </a:lnSpc>
+              <a:spcAft>
+                <a:spcPts val="600"/>
+              </a:spcAft>
+              <a:buFont typeface="Courier New" panose="02070309020205020404" pitchFamily="49" charset="0"/>
+              <a:buChar char="o"/>
+            </a:pPr>
+            <a:r>
+              <a:rPr lang="hr-HR" dirty="0"/>
+              <a:t> uvid u svoj profil;</a:t>
+            </a:r>
+          </a:p>
+          <a:p>
+            <a:pPr marL="800100" lvl="1" indent="-285750" defTabSz="914400">
+              <a:lnSpc>
+                <a:spcPct val="90000"/>
+              </a:lnSpc>
+              <a:spcAft>
+                <a:spcPts val="600"/>
+              </a:spcAft>
+              <a:buFont typeface="Courier New" panose="02070309020205020404" pitchFamily="49" charset="0"/>
+              <a:buChar char="o"/>
+            </a:pPr>
+            <a:r>
+              <a:rPr lang="hr-HR" dirty="0"/>
+              <a:t> ažuriranje osobnih podataka kao i lozinku;</a:t>
+            </a:r>
+          </a:p>
+          <a:p>
+            <a:pPr marL="800100" lvl="1" indent="-285750" defTabSz="914400">
+              <a:lnSpc>
+                <a:spcPct val="90000"/>
+              </a:lnSpc>
+              <a:spcAft>
+                <a:spcPts val="600"/>
+              </a:spcAft>
+              <a:buFont typeface="Courier New" panose="02070309020205020404" pitchFamily="49" charset="0"/>
+              <a:buChar char="o"/>
+            </a:pPr>
+            <a:r>
+              <a:rPr lang="hr-HR" dirty="0"/>
+              <a:t> uvid u povijest svojih darivanja;</a:t>
+            </a:r>
+          </a:p>
+          <a:p>
+            <a:pPr marL="800100" lvl="1" indent="-285750" defTabSz="914400">
+              <a:lnSpc>
+                <a:spcPct val="90000"/>
+              </a:lnSpc>
+              <a:spcAft>
+                <a:spcPts val="600"/>
+              </a:spcAft>
+              <a:buFont typeface="Courier New" panose="02070309020205020404" pitchFamily="49" charset="0"/>
+              <a:buChar char="o"/>
+            </a:pPr>
+            <a:r>
+              <a:rPr lang="hr-HR" dirty="0"/>
+              <a:t>pretraživanje transfiziološke ustanove po mjestu;</a:t>
+            </a:r>
+          </a:p>
+          <a:p>
+            <a:pPr marL="800100" lvl="1" indent="-285750" defTabSz="914400">
+              <a:lnSpc>
+                <a:spcPct val="90000"/>
+              </a:lnSpc>
+              <a:spcAft>
+                <a:spcPts val="600"/>
+              </a:spcAft>
+              <a:buFont typeface="Courier New" panose="02070309020205020404" pitchFamily="49" charset="0"/>
+              <a:buChar char="o"/>
+            </a:pPr>
+            <a:r>
+              <a:rPr lang="hr-HR" dirty="0"/>
+              <a:t>primanju obavijesti o mogućnosti ponovnog darivanja.</a:t>
+            </a:r>
+          </a:p>
+          <a:p>
+            <a:pPr marL="285750" indent="-228600" defTabSz="914400">
               <a:lnSpc>
                 <a:spcPct val="90000"/>
               </a:lnSpc>
@@ -5694,30 +7359,104 @@
               <a:buChar char="•"/>
             </a:pPr>
             <a:r>
+              <a:rPr lang="hr-HR" b="1" dirty="0"/>
+              <a:t>Transfuziološke ustanove</a:t>
+            </a:r>
+            <a:r>
               <a:rPr lang="hr-HR" dirty="0"/>
-              <a:t>Sustav bi se u budućnosti trebao moći nadograditi eventualnim dodatnim funkcionalnostima.</a:t>
-            </a:r>
-          </a:p>
-          <a:p>
-            <a:pPr marL="285750" indent="-285750">
+              <a:t> – drugi tip korisnika koji nakon registracije i prijave u sustav ima uvid u sve registrirane darivatelje i njihove podatke (npr. krvna grupa, br. tel...)</a:t>
+            </a:r>
+          </a:p>
+          <a:p>
+            <a:pPr marL="800100" lvl="1" indent="-285750" defTabSz="914400">
+              <a:lnSpc>
+                <a:spcPct val="90000"/>
+              </a:lnSpc>
+              <a:spcAft>
+                <a:spcPts val="600"/>
+              </a:spcAft>
+              <a:buFont typeface="Courier New" panose="02070309020205020404" pitchFamily="49" charset="0"/>
+              <a:buChar char="o"/>
+            </a:pPr>
+            <a:r>
+              <a:rPr lang="hr-HR" dirty="0"/>
+              <a:t> mogu kontaktirati darivatelja ukoliko je potrebno;</a:t>
+            </a:r>
+          </a:p>
+          <a:p>
+            <a:pPr marL="800100" lvl="1" indent="-285750" defTabSz="914400">
+              <a:lnSpc>
+                <a:spcPct val="90000"/>
+              </a:lnSpc>
+              <a:spcAft>
+                <a:spcPts val="600"/>
+              </a:spcAft>
+              <a:buFont typeface="Courier New" panose="02070309020205020404" pitchFamily="49" charset="0"/>
+              <a:buChar char="o"/>
+            </a:pPr>
+            <a:r>
+              <a:rPr lang="hr-HR" dirty="0"/>
+              <a:t>uvid u sva dosadašnja darivanja u svojoj ustanovi;</a:t>
+            </a:r>
+          </a:p>
+          <a:p>
+            <a:pPr marL="800100" lvl="1" indent="-285750" defTabSz="914400">
+              <a:lnSpc>
+                <a:spcPct val="90000"/>
+              </a:lnSpc>
+              <a:spcAft>
+                <a:spcPts val="600"/>
+              </a:spcAft>
+              <a:buFont typeface="Courier New" panose="02070309020205020404" pitchFamily="49" charset="0"/>
+              <a:buChar char="o"/>
+            </a:pPr>
+            <a:r>
+              <a:rPr lang="hr-HR" dirty="0"/>
+              <a:t>uvid u zalihe krvi; </a:t>
+            </a:r>
+          </a:p>
+          <a:p>
+            <a:pPr marL="800100" lvl="1" indent="-285750" defTabSz="914400">
+              <a:lnSpc>
+                <a:spcPct val="90000"/>
+              </a:lnSpc>
+              <a:spcAft>
+                <a:spcPts val="600"/>
+              </a:spcAft>
+              <a:buFont typeface="Courier New" panose="02070309020205020404" pitchFamily="49" charset="0"/>
+              <a:buChar char="o"/>
+            </a:pPr>
+            <a:r>
+              <a:rPr lang="hr-HR" dirty="0"/>
+              <a:t>uvid u svoj profil (ažuriranje svojih informacija)).</a:t>
+            </a:r>
+          </a:p>
+          <a:p>
+            <a:pPr marL="285750" indent="-228600" defTabSz="914400">
+              <a:lnSpc>
+                <a:spcPct val="90000"/>
+              </a:lnSpc>
+              <a:spcAft>
+                <a:spcPts val="600"/>
+              </a:spcAft>
               <a:buFont typeface="Arial" panose="020B0604020202020204" pitchFamily="34" charset="0"/>
               <a:buChar char="•"/>
             </a:pPr>
-            <a:endParaRPr lang="en-US" dirty="0"/>
-          </a:p>
-          <a:p>
-            <a:pPr marL="285750" indent="-285750">
-              <a:buFont typeface="Arial" panose="020B0604020202020204" pitchFamily="34" charset="0"/>
-              <a:buChar char="•"/>
-            </a:pPr>
-            <a:endParaRPr lang="hr-HR" dirty="0"/>
+            <a:r>
+              <a:rPr lang="hr-HR" b="1" dirty="0"/>
+              <a:t>Administrator</a:t>
+            </a:r>
+            <a:r>
+              <a:rPr lang="hr-HR" dirty="0"/>
+              <a:t> – ima uvid i kontrolu nad cijelim sustavom (CRUD).</a:t>
+            </a:r>
           </a:p>
         </p:txBody>
       </p:sp>
     </p:spTree>
     <p:extLst>
       <p:ext uri="{BB962C8B-B14F-4D97-AF65-F5344CB8AC3E}">
-        <p14:creationId xmlns:p14="http://schemas.microsoft.com/office/powerpoint/2010/main" val="1239420153"/>
+        <p14:creationId xmlns:p14="http://schemas.microsoft.com/office/powerpoint/2010/main" val="2781513308"/>
       </p:ext>
     </p:extLst>
   </p:cSld>
@@ -6020,42 +7759,12 @@
           </a:custGeom>
         </p:spPr>
       </p:pic>
-      <p:pic>
-        <p:nvPicPr>
-          <p:cNvPr id="7" name="Picture 6">
-            <a:extLst>
-              <a:ext uri="{FF2B5EF4-FFF2-40B4-BE49-F238E27FC236}">
-                <a16:creationId xmlns:a16="http://schemas.microsoft.com/office/drawing/2014/main" id="{DE6E8932-60F7-4DF6-B1A6-C5F9288ECE1E}"/>
-              </a:ext>
-            </a:extLst>
-          </p:cNvPr>
-          <p:cNvPicPr>
-            <a:picLocks noChangeAspect="1"/>
-          </p:cNvPicPr>
-          <p:nvPr/>
-        </p:nvPicPr>
-        <p:blipFill>
-          <a:blip r:embed="rId6"/>
-          <a:stretch>
-            <a:fillRect/>
-          </a:stretch>
-        </p:blipFill>
-        <p:spPr>
-          <a:xfrm>
-            <a:off x="-23" y="1656407"/>
-            <a:ext cx="8917689" cy="3723861"/>
-          </a:xfrm>
-          <a:prstGeom prst="rect">
-            <a:avLst/>
-          </a:prstGeom>
-        </p:spPr>
-      </p:pic>
       <p:sp>
         <p:nvSpPr>
-          <p:cNvPr id="2" name="TextBox 1">
+          <p:cNvPr id="7" name="TextBox 6">
             <a:extLst>
               <a:ext uri="{FF2B5EF4-FFF2-40B4-BE49-F238E27FC236}">
-                <a16:creationId xmlns:a16="http://schemas.microsoft.com/office/drawing/2014/main" id="{92FC310A-5CC7-44A6-9155-D3613156A32E}"/>
+                <a16:creationId xmlns:a16="http://schemas.microsoft.com/office/drawing/2014/main" id="{D30D032F-9246-4319-BC79-4EBC6C714FB8}"/>
               </a:ext>
             </a:extLst>
           </p:cNvPr>
@@ -6064,32 +7773,230 @@
         </p:nvSpPr>
         <p:spPr>
           <a:xfrm>
-            <a:off x="490330" y="768626"/>
-            <a:ext cx="4386470" cy="400110"/>
+            <a:off x="805542" y="557213"/>
+            <a:ext cx="6382657" cy="5496453"/>
           </a:xfrm>
           <a:prstGeom prst="rect">
             <a:avLst/>
           </a:prstGeom>
-          <a:noFill/>
         </p:spPr>
         <p:txBody>
-          <a:bodyPr wrap="square" rtlCol="0">
-            <a:spAutoFit/>
+          <a:bodyPr vert="horz" lIns="91440" tIns="45720" rIns="91440" bIns="45720" rtlCol="0" anchor="t">
+            <a:normAutofit lnSpcReduction="10000"/>
           </a:bodyPr>
           <a:lstStyle/>
           <a:p>
-            <a:r>
-              <a:rPr lang="en-US" sz="2000" b="1" dirty="0"/>
-              <a:t>ER model </a:t>
-            </a:r>
-            <a:endParaRPr lang="hr-HR" sz="2000" b="1" dirty="0"/>
+            <a:pPr defTabSz="914400">
+              <a:lnSpc>
+                <a:spcPct val="90000"/>
+              </a:lnSpc>
+              <a:spcAft>
+                <a:spcPts val="600"/>
+              </a:spcAft>
+            </a:pPr>
+            <a:r>
+              <a:rPr lang="hr-HR" sz="2800" b="1" dirty="0"/>
+              <a:t>Funkcionalni zahtijevi sustava:</a:t>
+            </a:r>
+          </a:p>
+          <a:p>
+            <a:pPr defTabSz="914400">
+              <a:lnSpc>
+                <a:spcPct val="90000"/>
+              </a:lnSpc>
+              <a:spcAft>
+                <a:spcPts val="600"/>
+              </a:spcAft>
+            </a:pPr>
+            <a:endParaRPr lang="hr-HR" dirty="0"/>
+          </a:p>
+          <a:p>
+            <a:pPr marL="285750" lvl="0" indent="-228600" defTabSz="914400">
+              <a:lnSpc>
+                <a:spcPct val="90000"/>
+              </a:lnSpc>
+              <a:spcAft>
+                <a:spcPts val="600"/>
+              </a:spcAft>
+              <a:buFont typeface="Arial" panose="020B0604020202020204" pitchFamily="34" charset="0"/>
+              <a:buChar char="•"/>
+            </a:pPr>
+            <a:r>
+              <a:rPr lang="hr-HR" dirty="0"/>
+              <a:t>Omogućiti prijavu i odjavu na sustav</a:t>
+            </a:r>
+          </a:p>
+          <a:p>
+            <a:pPr marL="285750" lvl="0" indent="-228600" defTabSz="914400">
+              <a:lnSpc>
+                <a:spcPct val="90000"/>
+              </a:lnSpc>
+              <a:spcAft>
+                <a:spcPts val="600"/>
+              </a:spcAft>
+              <a:buFont typeface="Arial" panose="020B0604020202020204" pitchFamily="34" charset="0"/>
+              <a:buChar char="•"/>
+            </a:pPr>
+            <a:r>
+              <a:rPr lang="hr-HR" dirty="0"/>
+              <a:t>Omogućiti unos i izmjenu podataka (npr. prilikom ažuriranja osobnih podataka)</a:t>
+            </a:r>
+          </a:p>
+          <a:p>
+            <a:pPr marL="285750" lvl="0" indent="-228600" defTabSz="914400">
+              <a:lnSpc>
+                <a:spcPct val="90000"/>
+              </a:lnSpc>
+              <a:spcAft>
+                <a:spcPts val="600"/>
+              </a:spcAft>
+              <a:buFont typeface="Arial" panose="020B0604020202020204" pitchFamily="34" charset="0"/>
+              <a:buChar char="•"/>
+            </a:pPr>
+            <a:r>
+              <a:rPr lang="hr-HR" dirty="0"/>
+              <a:t>Sustav treba zapamtiti registracijske podatke (ime, korisničko ime, email, lozinku..)</a:t>
+            </a:r>
+          </a:p>
+          <a:p>
+            <a:pPr marL="285750" lvl="0" indent="-228600" defTabSz="914400">
+              <a:lnSpc>
+                <a:spcPct val="90000"/>
+              </a:lnSpc>
+              <a:spcAft>
+                <a:spcPts val="600"/>
+              </a:spcAft>
+              <a:buFont typeface="Arial" panose="020B0604020202020204" pitchFamily="34" charset="0"/>
+              <a:buChar char="•"/>
+            </a:pPr>
+            <a:r>
+              <a:rPr lang="hr-HR" dirty="0"/>
+              <a:t>Razlikovati prijavu korisnika (administrator, tranfuziološke ustanove, darivatelji) preko korisničkog imena ili emaila</a:t>
+            </a:r>
+          </a:p>
+          <a:p>
+            <a:pPr marL="285750" lvl="0" indent="-228600" defTabSz="914400">
+              <a:lnSpc>
+                <a:spcPct val="90000"/>
+              </a:lnSpc>
+              <a:spcAft>
+                <a:spcPts val="600"/>
+              </a:spcAft>
+              <a:buFont typeface="Arial" panose="020B0604020202020204" pitchFamily="34" charset="0"/>
+              <a:buChar char="•"/>
+            </a:pPr>
+            <a:r>
+              <a:rPr lang="hr-HR" dirty="0"/>
+              <a:t>Upozoriti korisnika ako postoji neka greška (netočan unos i slično)</a:t>
+            </a:r>
+          </a:p>
+          <a:p>
+            <a:pPr marL="285750" lvl="0" indent="-228600" defTabSz="914400">
+              <a:lnSpc>
+                <a:spcPct val="90000"/>
+              </a:lnSpc>
+              <a:spcAft>
+                <a:spcPts val="600"/>
+              </a:spcAft>
+              <a:buFont typeface="Arial" panose="020B0604020202020204" pitchFamily="34" charset="0"/>
+              <a:buChar char="•"/>
+            </a:pPr>
+            <a:r>
+              <a:rPr lang="hr-HR" dirty="0"/>
+              <a:t>Prikazati obavijest nakon izvršenog zadatka (npr. nakon uspješne registracije)</a:t>
+            </a:r>
+          </a:p>
+          <a:p>
+            <a:pPr marL="285750" lvl="0" indent="-228600" defTabSz="914400">
+              <a:lnSpc>
+                <a:spcPct val="90000"/>
+              </a:lnSpc>
+              <a:spcAft>
+                <a:spcPts val="600"/>
+              </a:spcAft>
+              <a:buFont typeface="Arial" panose="020B0604020202020204" pitchFamily="34" charset="0"/>
+              <a:buChar char="•"/>
+            </a:pPr>
+            <a:r>
+              <a:rPr lang="hr-HR" dirty="0"/>
+              <a:t>Omogućiti </a:t>
+            </a:r>
+            <a:r>
+              <a:rPr lang="hr-HR" i="1" dirty="0"/>
+              <a:t>administratoru</a:t>
+            </a:r>
+            <a:r>
+              <a:rPr lang="hr-HR" dirty="0"/>
+              <a:t> funkcije: dodavanje, brisanje, pregled, uređivanje ddarivatelja i transfuzioloških ustanova</a:t>
+            </a:r>
+          </a:p>
+          <a:p>
+            <a:pPr marL="285750" lvl="0" indent="-228600" defTabSz="914400">
+              <a:lnSpc>
+                <a:spcPct val="90000"/>
+              </a:lnSpc>
+              <a:spcAft>
+                <a:spcPts val="600"/>
+              </a:spcAft>
+              <a:buFont typeface="Arial" panose="020B0604020202020204" pitchFamily="34" charset="0"/>
+              <a:buChar char="•"/>
+            </a:pPr>
+            <a:r>
+              <a:rPr lang="hr-HR" dirty="0"/>
+              <a:t>Omogućiti </a:t>
+            </a:r>
+            <a:r>
+              <a:rPr lang="hr-HR" i="1" dirty="0"/>
+              <a:t>darivatelju</a:t>
+            </a:r>
+            <a:r>
+              <a:rPr lang="hr-HR" dirty="0"/>
+              <a:t> funkcije: slanje zahtjeva, pregled tranfuzioloških ustanova, pregled povijesti darivanje</a:t>
+            </a:r>
+          </a:p>
+          <a:p>
+            <a:pPr marL="285750" lvl="0" indent="-228600" defTabSz="914400">
+              <a:lnSpc>
+                <a:spcPct val="90000"/>
+              </a:lnSpc>
+              <a:spcAft>
+                <a:spcPts val="600"/>
+              </a:spcAft>
+              <a:buFont typeface="Arial" panose="020B0604020202020204" pitchFamily="34" charset="0"/>
+              <a:buChar char="•"/>
+            </a:pPr>
+            <a:r>
+              <a:rPr lang="hr-HR" dirty="0"/>
+              <a:t>Omogućiti </a:t>
+            </a:r>
+            <a:r>
+              <a:rPr lang="hr-HR" i="1" dirty="0"/>
+              <a:t>transfiziološkim ustanovama </a:t>
+            </a:r>
+            <a:r>
+              <a:rPr lang="hr-HR" dirty="0"/>
+              <a:t>funckije: pregled zaliha krvi, prijavljenih korisnika, zahtjeva i svih darivanja, dodavanje novog darivanja </a:t>
+            </a:r>
+          </a:p>
+          <a:p>
+            <a:pPr indent="-228600" defTabSz="914400">
+              <a:lnSpc>
+                <a:spcPct val="90000"/>
+              </a:lnSpc>
+              <a:spcAft>
+                <a:spcPts val="600"/>
+              </a:spcAft>
+              <a:buFont typeface="Arial" panose="020B0604020202020204" pitchFamily="34" charset="0"/>
+              <a:buChar char="•"/>
+            </a:pPr>
+            <a:endParaRPr lang="en-US" sz="1100" dirty="0"/>
           </a:p>
         </p:txBody>
       </p:sp>
     </p:spTree>
     <p:extLst>
       <p:ext uri="{BB962C8B-B14F-4D97-AF65-F5344CB8AC3E}">
-        <p14:creationId xmlns:p14="http://schemas.microsoft.com/office/powerpoint/2010/main" val="2253804541"/>
+        <p14:creationId xmlns:p14="http://schemas.microsoft.com/office/powerpoint/2010/main" val="962442058"/>
       </p:ext>
     </p:extLst>
   </p:cSld>
@@ -6392,46 +8299,12 @@
           </a:custGeom>
         </p:spPr>
       </p:pic>
-      <p:pic>
-        <p:nvPicPr>
-          <p:cNvPr id="6" name="Picture 5">
-            <a:extLst>
-              <a:ext uri="{FF2B5EF4-FFF2-40B4-BE49-F238E27FC236}">
-                <a16:creationId xmlns:a16="http://schemas.microsoft.com/office/drawing/2014/main" id="{13D79C0E-A7A8-47A6-BF9B-57822AD9DFC8}"/>
-              </a:ext>
-            </a:extLst>
-          </p:cNvPr>
-          <p:cNvPicPr/>
-          <p:nvPr/>
-        </p:nvPicPr>
-        <p:blipFill>
-          <a:blip r:embed="rId6">
-            <a:extLst>
-              <a:ext uri="{28A0092B-C50C-407E-A947-70E740481C1C}">
-                <a14:useLocalDpi xmlns:a14="http://schemas.microsoft.com/office/drawing/2010/main" val="0"/>
-              </a:ext>
-            </a:extLst>
-          </a:blip>
-          <a:stretch>
-            <a:fillRect/>
-          </a:stretch>
-        </p:blipFill>
-        <p:spPr>
-          <a:xfrm>
-            <a:off x="-75407" y="-2065"/>
-            <a:ext cx="6243638" cy="6804660"/>
-          </a:xfrm>
-          <a:prstGeom prst="rect">
-            <a:avLst/>
-          </a:prstGeom>
-        </p:spPr>
-      </p:pic>
       <p:sp>
         <p:nvSpPr>
           <p:cNvPr id="2" name="TextBox 1">
             <a:extLst>
               <a:ext uri="{FF2B5EF4-FFF2-40B4-BE49-F238E27FC236}">
-                <a16:creationId xmlns:a16="http://schemas.microsoft.com/office/drawing/2014/main" id="{A63C1E96-57A3-4A08-9D26-32AECF4AD3A9}"/>
+                <a16:creationId xmlns:a16="http://schemas.microsoft.com/office/drawing/2014/main" id="{6393A30D-8EB4-47FF-979C-0055F0D209D2}"/>
               </a:ext>
             </a:extLst>
           </p:cNvPr>
@@ -6440,8 +8313,8 @@
         </p:nvSpPr>
         <p:spPr>
           <a:xfrm>
-            <a:off x="6168231" y="479475"/>
-            <a:ext cx="4638261" cy="400110"/>
+            <a:off x="587565" y="1001161"/>
+            <a:ext cx="6188766" cy="4468916"/>
           </a:xfrm>
           <a:prstGeom prst="rect">
             <a:avLst/>
@@ -6455,16 +8328,111 @@
           <a:lstStyle/>
           <a:p>
             <a:r>
-              <a:rPr lang="hr-HR" sz="2000" b="1" dirty="0"/>
-              <a:t>Dijagram slučajeva korištenja</a:t>
-            </a:r>
+              <a:rPr lang="hr-HR" sz="2800" b="1" dirty="0"/>
+              <a:t>Nefunkcionalni zahtijevi sustava:</a:t>
+            </a:r>
+          </a:p>
+          <a:p>
+            <a:endParaRPr lang="hr-HR" sz="2000" b="1" dirty="0"/>
+          </a:p>
+          <a:p>
+            <a:pPr marL="285750" indent="-285750">
+              <a:buFont typeface="Arial" panose="020B0604020202020204" pitchFamily="34" charset="0"/>
+              <a:buChar char="•"/>
+            </a:pPr>
+            <a:r>
+              <a:rPr lang="hr-HR" dirty="0"/>
+              <a:t>Jednostavnost prilikom upotrebe</a:t>
+            </a:r>
+          </a:p>
+          <a:p>
+            <a:pPr marL="285750" indent="-285750">
+              <a:buFont typeface="Arial" panose="020B0604020202020204" pitchFamily="34" charset="0"/>
+              <a:buChar char="•"/>
+            </a:pPr>
+            <a:r>
+              <a:rPr lang="hr-HR" dirty="0"/>
+              <a:t>Jednostavan dizajn pogodan za sve vrste korisnika</a:t>
+            </a:r>
+          </a:p>
+          <a:p>
+            <a:pPr marL="285750" indent="-285750">
+              <a:buFont typeface="Arial" panose="020B0604020202020204" pitchFamily="34" charset="0"/>
+              <a:buChar char="•"/>
+            </a:pPr>
+            <a:r>
+              <a:rPr lang="hr-HR" dirty="0"/>
+              <a:t>Jednostavnost kontrola kako bi se izbjegle nepotrebne poteškoće prilikom korištenja sistema</a:t>
+            </a:r>
+          </a:p>
+          <a:p>
+            <a:pPr marL="285750" lvl="0" indent="-285750">
+              <a:lnSpc>
+                <a:spcPct val="90000"/>
+              </a:lnSpc>
+              <a:spcAft>
+                <a:spcPts val="600"/>
+              </a:spcAft>
+              <a:buFont typeface="Arial" panose="020B0604020202020204" pitchFamily="34" charset="0"/>
+              <a:buChar char="•"/>
+            </a:pPr>
+            <a:r>
+              <a:rPr lang="hr-HR" dirty="0"/>
+              <a:t>Dostupnost – mogućnost korištenja sustava u bilo koje vrijeme</a:t>
+            </a:r>
+          </a:p>
+          <a:p>
+            <a:pPr marL="285750" lvl="0" indent="-285750">
+              <a:lnSpc>
+                <a:spcPct val="90000"/>
+              </a:lnSpc>
+              <a:spcAft>
+                <a:spcPts val="600"/>
+              </a:spcAft>
+              <a:buFont typeface="Arial" panose="020B0604020202020204" pitchFamily="34" charset="0"/>
+              <a:buChar char="•"/>
+            </a:pPr>
+            <a:r>
+              <a:rPr lang="hr-HR" dirty="0"/>
+              <a:t>Omogućiti konzistentan način rada sa sustavom u svrhu olakšanja korištenja; ekrani sustava bi se trebali moći upotrebljavati na sličan način kroz cijeli sustav</a:t>
+            </a:r>
+          </a:p>
+          <a:p>
+            <a:pPr marL="285750" lvl="0" indent="-285750">
+              <a:lnSpc>
+                <a:spcPct val="90000"/>
+              </a:lnSpc>
+              <a:spcAft>
+                <a:spcPts val="600"/>
+              </a:spcAft>
+              <a:buFont typeface="Arial" panose="020B0604020202020204" pitchFamily="34" charset="0"/>
+              <a:buChar char="•"/>
+            </a:pPr>
+            <a:r>
+              <a:rPr lang="hr-HR" dirty="0"/>
+              <a:t>Sustav bi se u budućnosti trebao moći nadograditi eventualnim dodatnim funkcionalnostima.</a:t>
+            </a:r>
+          </a:p>
+          <a:p>
+            <a:pPr marL="285750" indent="-285750">
+              <a:buFont typeface="Arial" panose="020B0604020202020204" pitchFamily="34" charset="0"/>
+              <a:buChar char="•"/>
+            </a:pPr>
+            <a:endParaRPr lang="en-US" dirty="0"/>
+          </a:p>
+          <a:p>
+            <a:pPr marL="285750" indent="-285750">
+              <a:buFont typeface="Arial" panose="020B0604020202020204" pitchFamily="34" charset="0"/>
+              <a:buChar char="•"/>
+            </a:pPr>
+            <a:endParaRPr lang="hr-HR" dirty="0"/>
           </a:p>
         </p:txBody>
       </p:sp>
     </p:spTree>
     <p:extLst>
       <p:ext uri="{BB962C8B-B14F-4D97-AF65-F5344CB8AC3E}">
-        <p14:creationId xmlns:p14="http://schemas.microsoft.com/office/powerpoint/2010/main" val="3415413097"/>
+        <p14:creationId xmlns:p14="http://schemas.microsoft.com/office/powerpoint/2010/main" val="1239420153"/>
       </p:ext>
     </p:extLst>
   </p:cSld>
@@ -6769,32 +8737,28 @@
       </p:pic>
       <p:pic>
         <p:nvPicPr>
-          <p:cNvPr id="5" name="Picture 4">
+          <p:cNvPr id="7" name="Picture 6">
             <a:extLst>
               <a:ext uri="{FF2B5EF4-FFF2-40B4-BE49-F238E27FC236}">
-                <a16:creationId xmlns:a16="http://schemas.microsoft.com/office/drawing/2014/main" id="{C28351FB-0A1D-4D9C-AB8D-21CA6D519675}"/>
+                <a16:creationId xmlns:a16="http://schemas.microsoft.com/office/drawing/2014/main" id="{DE6E8932-60F7-4DF6-B1A6-C5F9288ECE1E}"/>
               </a:ext>
             </a:extLst>
           </p:cNvPr>
-          <p:cNvPicPr/>
+          <p:cNvPicPr>
+            <a:picLocks noChangeAspect="1"/>
+          </p:cNvPicPr>
           <p:nvPr/>
         </p:nvPicPr>
         <p:blipFill>
-          <a:blip r:embed="rId6">
-            <a:extLst>
-              <a:ext uri="{28A0092B-C50C-407E-A947-70E740481C1C}">
-                <a14:useLocalDpi xmlns:a14="http://schemas.microsoft.com/office/drawing/2010/main" val="0"/>
-              </a:ext>
-            </a:extLst>
-          </a:blip>
+          <a:blip r:embed="rId6"/>
           <a:stretch>
             <a:fillRect/>
           </a:stretch>
         </p:blipFill>
         <p:spPr>
           <a:xfrm>
-            <a:off x="-23" y="0"/>
-            <a:ext cx="6612858" cy="6855950"/>
+            <a:off x="-23" y="1656407"/>
+            <a:ext cx="8917689" cy="3723861"/>
           </a:xfrm>
           <a:prstGeom prst="rect">
             <a:avLst/>
@@ -6806,7 +8770,7 @@
           <p:cNvPr id="2" name="TextBox 1">
             <a:extLst>
               <a:ext uri="{FF2B5EF4-FFF2-40B4-BE49-F238E27FC236}">
-                <a16:creationId xmlns:a16="http://schemas.microsoft.com/office/drawing/2014/main" id="{37ED5DA7-905F-4153-897A-FEC2B5A546AD}"/>
+                <a16:creationId xmlns:a16="http://schemas.microsoft.com/office/drawing/2014/main" id="{92FC310A-5CC7-44A6-9155-D3613156A32E}"/>
               </a:ext>
             </a:extLst>
           </p:cNvPr>
@@ -6815,8 +8779,8 @@
         </p:nvSpPr>
         <p:spPr>
           <a:xfrm>
-            <a:off x="6745357" y="540010"/>
-            <a:ext cx="3419061" cy="400110"/>
+            <a:off x="490330" y="768626"/>
+            <a:ext cx="4386470" cy="523220"/>
           </a:xfrm>
           <a:prstGeom prst="rect">
             <a:avLst/>
@@ -6830,16 +8794,17 @@
           <a:lstStyle/>
           <a:p>
             <a:r>
-              <a:rPr lang="hr-HR" sz="2000" b="1" dirty="0"/>
-              <a:t>Dijagram aktivnosti</a:t>
-            </a:r>
+              <a:rPr lang="en-US" sz="2800" b="1" dirty="0"/>
+              <a:t>ER model </a:t>
+            </a:r>
+            <a:endParaRPr lang="hr-HR" sz="2800" b="1" dirty="0"/>
           </a:p>
         </p:txBody>
       </p:sp>
     </p:spTree>
     <p:extLst>
       <p:ext uri="{BB962C8B-B14F-4D97-AF65-F5344CB8AC3E}">
-        <p14:creationId xmlns:p14="http://schemas.microsoft.com/office/powerpoint/2010/main" val="1829219351"/>
+        <p14:creationId xmlns:p14="http://schemas.microsoft.com/office/powerpoint/2010/main" val="2253804541"/>
       </p:ext>
     </p:extLst>
   </p:cSld>
@@ -7144,10 +9109,10 @@
       </p:pic>
       <p:pic>
         <p:nvPicPr>
-          <p:cNvPr id="5" name="Picture 4">
+          <p:cNvPr id="6" name="Picture 5">
             <a:extLst>
               <a:ext uri="{FF2B5EF4-FFF2-40B4-BE49-F238E27FC236}">
-                <a16:creationId xmlns:a16="http://schemas.microsoft.com/office/drawing/2014/main" id="{C1614E52-E220-4328-9AD3-B718432F9FBB}"/>
+                <a16:creationId xmlns:a16="http://schemas.microsoft.com/office/drawing/2014/main" id="{13D79C0E-A7A8-47A6-BF9B-57822AD9DFC8}"/>
               </a:ext>
             </a:extLst>
           </p:cNvPr>
@@ -7168,8 +9133,8 @@
         </p:blipFill>
         <p:spPr>
           <a:xfrm>
-            <a:off x="-23" y="1708792"/>
-            <a:ext cx="7063432" cy="4333576"/>
+            <a:off x="-23" y="-2066"/>
+            <a:ext cx="6205954" cy="6860065"/>
           </a:xfrm>
           <a:prstGeom prst="rect">
             <a:avLst/>
@@ -7181,7 +9146,7 @@
           <p:cNvPr id="2" name="TextBox 1">
             <a:extLst>
               <a:ext uri="{FF2B5EF4-FFF2-40B4-BE49-F238E27FC236}">
-                <a16:creationId xmlns:a16="http://schemas.microsoft.com/office/drawing/2014/main" id="{1D7A0F90-111F-4B9F-BD18-E9715CBBB10A}"/>
+                <a16:creationId xmlns:a16="http://schemas.microsoft.com/office/drawing/2014/main" id="{A63C1E96-57A3-4A08-9D26-32AECF4AD3A9}"/>
               </a:ext>
             </a:extLst>
           </p:cNvPr>
@@ -7190,8 +9155,8 @@
         </p:nvSpPr>
         <p:spPr>
           <a:xfrm>
-            <a:off x="954156" y="615577"/>
-            <a:ext cx="5486400" cy="400110"/>
+            <a:off x="6168231" y="479475"/>
+            <a:ext cx="4638261" cy="523220"/>
           </a:xfrm>
           <a:prstGeom prst="rect">
             <a:avLst/>
@@ -7205,8 +9170,8 @@
           <a:lstStyle/>
           <a:p>
             <a:r>
-              <a:rPr lang="hr-HR" sz="2000" b="1" dirty="0"/>
-              <a:t>Dijagram kompnente – Transfuziološke ustanove</a:t>
+              <a:rPr lang="hr-HR" sz="2800" b="1" dirty="0"/>
+              <a:t>Dijagram slučajeva korištenja</a:t>
             </a:r>
           </a:p>
         </p:txBody>
@@ -7214,7 +9179,7 @@
     </p:spTree>
     <p:extLst>
       <p:ext uri="{BB962C8B-B14F-4D97-AF65-F5344CB8AC3E}">
-        <p14:creationId xmlns:p14="http://schemas.microsoft.com/office/powerpoint/2010/main" val="4113906907"/>
+        <p14:creationId xmlns:p14="http://schemas.microsoft.com/office/powerpoint/2010/main" val="3415413097"/>
       </p:ext>
     </p:extLst>
   </p:cSld>

--- a/Blood_register.pptx
+++ b/Blood_register.pptx
@@ -6,20 +6,28 @@
   </p:sldMasterIdLst>
   <p:sldIdLst>
     <p:sldId id="256" r:id="rId2"/>
-    <p:sldId id="276" r:id="rId3"/>
-    <p:sldId id="288" r:id="rId4"/>
+    <p:sldId id="288" r:id="rId3"/>
+    <p:sldId id="276" r:id="rId4"/>
     <p:sldId id="286" r:id="rId5"/>
     <p:sldId id="275" r:id="rId6"/>
-    <p:sldId id="277" r:id="rId7"/>
-    <p:sldId id="278" r:id="rId8"/>
-    <p:sldId id="279" r:id="rId9"/>
-    <p:sldId id="280" r:id="rId10"/>
-    <p:sldId id="281" r:id="rId11"/>
-    <p:sldId id="282" r:id="rId12"/>
-    <p:sldId id="283" r:id="rId13"/>
-    <p:sldId id="284" r:id="rId14"/>
-    <p:sldId id="287" r:id="rId15"/>
-    <p:sldId id="285" r:id="rId16"/>
+    <p:sldId id="289" r:id="rId7"/>
+    <p:sldId id="277" r:id="rId8"/>
+    <p:sldId id="290" r:id="rId9"/>
+    <p:sldId id="278" r:id="rId10"/>
+    <p:sldId id="279" r:id="rId11"/>
+    <p:sldId id="280" r:id="rId12"/>
+    <p:sldId id="291" r:id="rId13"/>
+    <p:sldId id="295" r:id="rId14"/>
+    <p:sldId id="281" r:id="rId15"/>
+    <p:sldId id="282" r:id="rId16"/>
+    <p:sldId id="283" r:id="rId17"/>
+    <p:sldId id="284" r:id="rId18"/>
+    <p:sldId id="287" r:id="rId19"/>
+    <p:sldId id="292" r:id="rId20"/>
+    <p:sldId id="294" r:id="rId21"/>
+    <p:sldId id="293" r:id="rId22"/>
+    <p:sldId id="296" r:id="rId23"/>
+    <p:sldId id="285" r:id="rId24"/>
   </p:sldIdLst>
   <p:sldSz cx="12192000" cy="6858000"/>
   <p:notesSz cx="6858000" cy="9144000"/>
@@ -257,7 +265,7 @@
           <a:p>
             <a:fld id="{DA9D3D95-C4DE-4E89-AAC6-32FCF56CD876}" type="datetimeFigureOut">
               <a:rPr lang="hr-HR" smtClean="0"/>
-              <a:t>14.2.2019.</a:t>
+              <a:t>17.2.2019.</a:t>
             </a:fld>
             <a:endParaRPr lang="hr-HR"/>
           </a:p>
@@ -427,7 +435,7 @@
           <a:p>
             <a:fld id="{DA9D3D95-C4DE-4E89-AAC6-32FCF56CD876}" type="datetimeFigureOut">
               <a:rPr lang="hr-HR" smtClean="0"/>
-              <a:t>14.2.2019.</a:t>
+              <a:t>17.2.2019.</a:t>
             </a:fld>
             <a:endParaRPr lang="hr-HR"/>
           </a:p>
@@ -607,7 +615,7 @@
           <a:p>
             <a:fld id="{DA9D3D95-C4DE-4E89-AAC6-32FCF56CD876}" type="datetimeFigureOut">
               <a:rPr lang="hr-HR" smtClean="0"/>
-              <a:t>14.2.2019.</a:t>
+              <a:t>17.2.2019.</a:t>
             </a:fld>
             <a:endParaRPr lang="hr-HR"/>
           </a:p>
@@ -777,7 +785,7 @@
           <a:p>
             <a:fld id="{DA9D3D95-C4DE-4E89-AAC6-32FCF56CD876}" type="datetimeFigureOut">
               <a:rPr lang="hr-HR" smtClean="0"/>
-              <a:t>14.2.2019.</a:t>
+              <a:t>17.2.2019.</a:t>
             </a:fld>
             <a:endParaRPr lang="hr-HR"/>
           </a:p>
@@ -1023,7 +1031,7 @@
           <a:p>
             <a:fld id="{DA9D3D95-C4DE-4E89-AAC6-32FCF56CD876}" type="datetimeFigureOut">
               <a:rPr lang="hr-HR" smtClean="0"/>
-              <a:t>14.2.2019.</a:t>
+              <a:t>17.2.2019.</a:t>
             </a:fld>
             <a:endParaRPr lang="hr-HR"/>
           </a:p>
@@ -1255,7 +1263,7 @@
           <a:p>
             <a:fld id="{DA9D3D95-C4DE-4E89-AAC6-32FCF56CD876}" type="datetimeFigureOut">
               <a:rPr lang="hr-HR" smtClean="0"/>
-              <a:t>14.2.2019.</a:t>
+              <a:t>17.2.2019.</a:t>
             </a:fld>
             <a:endParaRPr lang="hr-HR"/>
           </a:p>
@@ -1622,7 +1630,7 @@
           <a:p>
             <a:fld id="{DA9D3D95-C4DE-4E89-AAC6-32FCF56CD876}" type="datetimeFigureOut">
               <a:rPr lang="hr-HR" smtClean="0"/>
-              <a:t>14.2.2019.</a:t>
+              <a:t>17.2.2019.</a:t>
             </a:fld>
             <a:endParaRPr lang="hr-HR"/>
           </a:p>
@@ -1740,7 +1748,7 @@
           <a:p>
             <a:fld id="{DA9D3D95-C4DE-4E89-AAC6-32FCF56CD876}" type="datetimeFigureOut">
               <a:rPr lang="hr-HR" smtClean="0"/>
-              <a:t>14.2.2019.</a:t>
+              <a:t>17.2.2019.</a:t>
             </a:fld>
             <a:endParaRPr lang="hr-HR"/>
           </a:p>
@@ -1835,7 +1843,7 @@
           <a:p>
             <a:fld id="{DA9D3D95-C4DE-4E89-AAC6-32FCF56CD876}" type="datetimeFigureOut">
               <a:rPr lang="hr-HR" smtClean="0"/>
-              <a:t>14.2.2019.</a:t>
+              <a:t>17.2.2019.</a:t>
             </a:fld>
             <a:endParaRPr lang="hr-HR"/>
           </a:p>
@@ -2112,7 +2120,7 @@
           <a:p>
             <a:fld id="{DA9D3D95-C4DE-4E89-AAC6-32FCF56CD876}" type="datetimeFigureOut">
               <a:rPr lang="hr-HR" smtClean="0"/>
-              <a:t>14.2.2019.</a:t>
+              <a:t>17.2.2019.</a:t>
             </a:fld>
             <a:endParaRPr lang="hr-HR"/>
           </a:p>
@@ -2369,7 +2377,7 @@
           <a:p>
             <a:fld id="{DA9D3D95-C4DE-4E89-AAC6-32FCF56CD876}" type="datetimeFigureOut">
               <a:rPr lang="hr-HR" smtClean="0"/>
-              <a:t>14.2.2019.</a:t>
+              <a:t>17.2.2019.</a:t>
             </a:fld>
             <a:endParaRPr lang="hr-HR"/>
           </a:p>
@@ -2582,7 +2590,7 @@
           <a:p>
             <a:fld id="{DA9D3D95-C4DE-4E89-AAC6-32FCF56CD876}" type="datetimeFigureOut">
               <a:rPr lang="hr-HR" smtClean="0"/>
-              <a:t>14.2.2019.</a:t>
+              <a:t>17.2.2019.</a:t>
             </a:fld>
             <a:endParaRPr lang="hr-HR"/>
           </a:p>
@@ -3047,8 +3055,8 @@
         </p:nvSpPr>
         <p:spPr>
           <a:xfrm>
-            <a:off x="2011680" y="1118354"/>
-            <a:ext cx="9098280" cy="769441"/>
+            <a:off x="647700" y="708338"/>
+            <a:ext cx="11097832" cy="769441"/>
           </a:xfrm>
           <a:prstGeom prst="rect">
             <a:avLst/>
@@ -3063,15 +3071,19 @@
           <a:p>
             <a:r>
               <a:rPr lang="hr-HR" sz="4400" b="1" dirty="0"/>
-              <a:t>Registar</a:t>
+              <a:t> Registar</a:t>
             </a:r>
             <a:r>
               <a:rPr lang="en-US" sz="4400" b="1" dirty="0"/>
               <a:t> </a:t>
             </a:r>
             <a:r>
+              <a:rPr lang="hr-BA" sz="4400" b="1" dirty="0"/>
+              <a:t>     </a:t>
+            </a:r>
+            <a:r>
               <a:rPr lang="hr-HR" sz="4400" b="1" dirty="0"/>
-              <a:t>dobrovoljnih darivatelja krvi</a:t>
+              <a:t>dobrovoljnih  darivatelja        krvi</a:t>
             </a:r>
           </a:p>
         </p:txBody>
@@ -3106,7 +3118,7 @@
           <a:p>
             <a:r>
               <a:rPr lang="hr-HR" sz="2800" b="1" dirty="0"/>
-              <a:t>Predmet: Projektiranje informacijskih sustava</a:t>
+              <a:t>Kolegij: Projektiranje informacijskih sustava</a:t>
             </a:r>
           </a:p>
           <a:p>
@@ -3449,32 +3461,28 @@
       </p:pic>
       <p:pic>
         <p:nvPicPr>
-          <p:cNvPr id="5" name="Picture 4">
+          <p:cNvPr id="7" name="Picture 6">
             <a:extLst>
               <a:ext uri="{FF2B5EF4-FFF2-40B4-BE49-F238E27FC236}">
-                <a16:creationId xmlns:a16="http://schemas.microsoft.com/office/drawing/2014/main" id="{C28351FB-0A1D-4D9C-AB8D-21CA6D519675}"/>
+                <a16:creationId xmlns:a16="http://schemas.microsoft.com/office/drawing/2014/main" id="{DE6E8932-60F7-4DF6-B1A6-C5F9288ECE1E}"/>
               </a:ext>
             </a:extLst>
           </p:cNvPr>
-          <p:cNvPicPr/>
+          <p:cNvPicPr>
+            <a:picLocks noChangeAspect="1"/>
+          </p:cNvPicPr>
           <p:nvPr/>
         </p:nvPicPr>
         <p:blipFill>
-          <a:blip r:embed="rId6">
-            <a:extLst>
-              <a:ext uri="{28A0092B-C50C-407E-A947-70E740481C1C}">
-                <a14:useLocalDpi xmlns:a14="http://schemas.microsoft.com/office/drawing/2010/main" val="0"/>
-              </a:ext>
-            </a:extLst>
-          </a:blip>
+          <a:blip r:embed="rId6"/>
           <a:stretch>
             <a:fillRect/>
           </a:stretch>
         </p:blipFill>
         <p:spPr>
           <a:xfrm>
-            <a:off x="-23" y="0"/>
-            <a:ext cx="6612858" cy="6855950"/>
+            <a:off x="-23" y="1656407"/>
+            <a:ext cx="8917689" cy="3723861"/>
           </a:xfrm>
           <a:prstGeom prst="rect">
             <a:avLst/>
@@ -3486,7 +3494,7 @@
           <p:cNvPr id="2" name="TextBox 1">
             <a:extLst>
               <a:ext uri="{FF2B5EF4-FFF2-40B4-BE49-F238E27FC236}">
-                <a16:creationId xmlns:a16="http://schemas.microsoft.com/office/drawing/2014/main" id="{37ED5DA7-905F-4153-897A-FEC2B5A546AD}"/>
+                <a16:creationId xmlns:a16="http://schemas.microsoft.com/office/drawing/2014/main" id="{92FC310A-5CC7-44A6-9155-D3613156A32E}"/>
               </a:ext>
             </a:extLst>
           </p:cNvPr>
@@ -3495,8 +3503,8 @@
         </p:nvSpPr>
         <p:spPr>
           <a:xfrm>
-            <a:off x="6745357" y="540010"/>
-            <a:ext cx="3419061" cy="523220"/>
+            <a:off x="490330" y="768626"/>
+            <a:ext cx="4386470" cy="707886"/>
           </a:xfrm>
           <a:prstGeom prst="rect">
             <a:avLst/>
@@ -3510,16 +3518,17 @@
           <a:lstStyle/>
           <a:p>
             <a:r>
-              <a:rPr lang="hr-HR" sz="2800" b="1" dirty="0"/>
-              <a:t>Dijagram aktivnosti</a:t>
-            </a:r>
+              <a:rPr lang="en-US" sz="4000" b="1" dirty="0"/>
+              <a:t>ER model </a:t>
+            </a:r>
+            <a:endParaRPr lang="hr-HR" sz="4000" b="1" dirty="0"/>
           </a:p>
         </p:txBody>
       </p:sp>
     </p:spTree>
     <p:extLst>
       <p:ext uri="{BB962C8B-B14F-4D97-AF65-F5344CB8AC3E}">
-        <p14:creationId xmlns:p14="http://schemas.microsoft.com/office/powerpoint/2010/main" val="1829219351"/>
+        <p14:creationId xmlns:p14="http://schemas.microsoft.com/office/powerpoint/2010/main" val="2253804541"/>
       </p:ext>
     </p:extLst>
   </p:cSld>
@@ -3625,8 +3634,8 @@
         </p:blipFill>
         <p:spPr>
           <a:xfrm>
-            <a:off x="7689829" y="-2055"/>
-            <a:ext cx="4502173" cy="3316924"/>
+            <a:off x="8450645" y="412124"/>
+            <a:ext cx="3653309" cy="2691533"/>
           </a:xfrm>
           <a:custGeom>
             <a:avLst/>
@@ -3822,46 +3831,12 @@
           </a:custGeom>
         </p:spPr>
       </p:pic>
-      <p:pic>
-        <p:nvPicPr>
-          <p:cNvPr id="5" name="Picture 4">
-            <a:extLst>
-              <a:ext uri="{FF2B5EF4-FFF2-40B4-BE49-F238E27FC236}">
-                <a16:creationId xmlns:a16="http://schemas.microsoft.com/office/drawing/2014/main" id="{C1614E52-E220-4328-9AD3-B718432F9FBB}"/>
-              </a:ext>
-            </a:extLst>
-          </p:cNvPr>
-          <p:cNvPicPr/>
-          <p:nvPr/>
-        </p:nvPicPr>
-        <p:blipFill>
-          <a:blip r:embed="rId6">
-            <a:extLst>
-              <a:ext uri="{28A0092B-C50C-407E-A947-70E740481C1C}">
-                <a14:useLocalDpi xmlns:a14="http://schemas.microsoft.com/office/drawing/2010/main" val="0"/>
-              </a:ext>
-            </a:extLst>
-          </a:blip>
-          <a:stretch>
-            <a:fillRect/>
-          </a:stretch>
-        </p:blipFill>
-        <p:spPr>
-          <a:xfrm>
-            <a:off x="-23" y="1708792"/>
-            <a:ext cx="7063432" cy="4333576"/>
-          </a:xfrm>
-          <a:prstGeom prst="rect">
-            <a:avLst/>
-          </a:prstGeom>
-        </p:spPr>
-      </p:pic>
       <p:sp>
         <p:nvSpPr>
           <p:cNvPr id="2" name="TextBox 1">
             <a:extLst>
               <a:ext uri="{FF2B5EF4-FFF2-40B4-BE49-F238E27FC236}">
-                <a16:creationId xmlns:a16="http://schemas.microsoft.com/office/drawing/2014/main" id="{1D7A0F90-111F-4B9F-BD18-E9715CBBB10A}"/>
+                <a16:creationId xmlns:a16="http://schemas.microsoft.com/office/drawing/2014/main" id="{A63C1E96-57A3-4A08-9D26-32AECF4AD3A9}"/>
               </a:ext>
             </a:extLst>
           </p:cNvPr>
@@ -3870,8 +3845,8 @@
         </p:nvSpPr>
         <p:spPr>
           <a:xfrm>
-            <a:off x="954155" y="615577"/>
-            <a:ext cx="7628529" cy="523220"/>
+            <a:off x="669758" y="380577"/>
+            <a:ext cx="7884962" cy="1323439"/>
           </a:xfrm>
           <a:prstGeom prst="rect">
             <a:avLst/>
@@ -3885,16 +3860,56 @@
           <a:lstStyle/>
           <a:p>
             <a:r>
-              <a:rPr lang="hr-HR" sz="2800" b="1" dirty="0"/>
-              <a:t>Dijagram kompnente – Transfuziološke ustanove</a:t>
+              <a:rPr lang="hr-HR" sz="4000" b="1" dirty="0"/>
+              <a:t>Dijagram slučajeva korištenja – </a:t>
+            </a:r>
+          </a:p>
+          <a:p>
+            <a:r>
+              <a:rPr lang="hr-HR" sz="4000" b="1" dirty="0" err="1"/>
+              <a:t>Transfuziološke</a:t>
+            </a:r>
+            <a:r>
+              <a:rPr lang="hr-HR" sz="4000" b="1" dirty="0"/>
+              <a:t> ustanove</a:t>
             </a:r>
           </a:p>
         </p:txBody>
       </p:sp>
+      <p:pic>
+        <p:nvPicPr>
+          <p:cNvPr id="7" name="Slika 6">
+            <a:extLst>
+              <a:ext uri="{FF2B5EF4-FFF2-40B4-BE49-F238E27FC236}">
+                <a16:creationId xmlns:a16="http://schemas.microsoft.com/office/drawing/2014/main" id="{BEF403A2-16A2-4091-80C9-E57DB9794F73}"/>
+              </a:ext>
+            </a:extLst>
+          </p:cNvPr>
+          <p:cNvPicPr>
+            <a:picLocks noChangeAspect="1"/>
+          </p:cNvPicPr>
+          <p:nvPr/>
+        </p:nvPicPr>
+        <p:blipFill>
+          <a:blip r:embed="rId6"/>
+          <a:stretch>
+            <a:fillRect/>
+          </a:stretch>
+        </p:blipFill>
+        <p:spPr>
+          <a:xfrm>
+            <a:off x="669758" y="1996457"/>
+            <a:ext cx="7472019" cy="4655485"/>
+          </a:xfrm>
+          <a:prstGeom prst="rect">
+            <a:avLst/>
+          </a:prstGeom>
+        </p:spPr>
+      </p:pic>
     </p:spTree>
     <p:extLst>
       <p:ext uri="{BB962C8B-B14F-4D97-AF65-F5344CB8AC3E}">
-        <p14:creationId xmlns:p14="http://schemas.microsoft.com/office/powerpoint/2010/main" val="4113906907"/>
+        <p14:creationId xmlns:p14="http://schemas.microsoft.com/office/powerpoint/2010/main" val="3415413097"/>
       </p:ext>
     </p:extLst>
   </p:cSld>
@@ -3923,7 +3938,7 @@
       </p:grpSpPr>
       <p:pic>
         <p:nvPicPr>
-          <p:cNvPr id="3" name="Picture 2">
+          <p:cNvPr id="4" name="Picture 3">
             <a:extLst>
               <a:ext uri="{FF2B5EF4-FFF2-40B4-BE49-F238E27FC236}">
                 <a16:creationId xmlns:a16="http://schemas.microsoft.com/office/drawing/2014/main" id="{BE2E685B-1842-437E-8EE0-0D965BD4BF5A}"/>
@@ -3975,7 +3990,7 @@
       </p:pic>
       <p:pic>
         <p:nvPicPr>
-          <p:cNvPr id="9" name="Picture 8">
+          <p:cNvPr id="5" name="Picture 4">
             <a:extLst>
               <a:ext uri="{FF2B5EF4-FFF2-40B4-BE49-F238E27FC236}">
                 <a16:creationId xmlns:a16="http://schemas.microsoft.com/office/drawing/2014/main" id="{1353EAFD-5AF7-4F88-A644-D2561204B6F2}"/>
@@ -4000,8 +4015,8 @@
         </p:blipFill>
         <p:spPr>
           <a:xfrm>
-            <a:off x="7689829" y="-2055"/>
-            <a:ext cx="4502173" cy="3316924"/>
+            <a:off x="8450645" y="412124"/>
+            <a:ext cx="3653309" cy="2691533"/>
           </a:xfrm>
           <a:custGeom>
             <a:avLst/>
@@ -4083,7 +4098,7 @@
       </p:pic>
       <p:pic>
         <p:nvPicPr>
-          <p:cNvPr id="4" name="Picture 3">
+          <p:cNvPr id="6" name="Picture 5">
             <a:extLst>
               <a:ext uri="{FF2B5EF4-FFF2-40B4-BE49-F238E27FC236}">
                 <a16:creationId xmlns:a16="http://schemas.microsoft.com/office/drawing/2014/main" id="{8DD2BD23-4B5E-4D3B-937A-61A65D798931}"/>
@@ -4197,46 +4212,12 @@
           </a:custGeom>
         </p:spPr>
       </p:pic>
-      <p:pic>
-        <p:nvPicPr>
-          <p:cNvPr id="5" name="Picture 4">
-            <a:extLst>
-              <a:ext uri="{FF2B5EF4-FFF2-40B4-BE49-F238E27FC236}">
-                <a16:creationId xmlns:a16="http://schemas.microsoft.com/office/drawing/2014/main" id="{AF9E9E0B-4090-44D9-A4C5-019F3441EE0E}"/>
-              </a:ext>
-            </a:extLst>
-          </p:cNvPr>
-          <p:cNvPicPr/>
-          <p:nvPr/>
-        </p:nvPicPr>
-        <p:blipFill>
-          <a:blip r:embed="rId6">
-            <a:extLst>
-              <a:ext uri="{28A0092B-C50C-407E-A947-70E740481C1C}">
-                <a14:useLocalDpi xmlns:a14="http://schemas.microsoft.com/office/drawing/2010/main" val="0"/>
-              </a:ext>
-            </a:extLst>
-          </a:blip>
-          <a:stretch>
-            <a:fillRect/>
-          </a:stretch>
-        </p:blipFill>
-        <p:spPr>
-          <a:xfrm>
-            <a:off x="-23" y="1606437"/>
-            <a:ext cx="6957414" cy="4572000"/>
-          </a:xfrm>
-          <a:prstGeom prst="rect">
-            <a:avLst/>
-          </a:prstGeom>
-        </p:spPr>
-      </p:pic>
       <p:sp>
         <p:nvSpPr>
-          <p:cNvPr id="2" name="TextBox 1">
+          <p:cNvPr id="7" name="TextBox 6">
             <a:extLst>
               <a:ext uri="{FF2B5EF4-FFF2-40B4-BE49-F238E27FC236}">
-                <a16:creationId xmlns:a16="http://schemas.microsoft.com/office/drawing/2014/main" id="{1D628637-360B-42B7-B17E-8A19F5C632E1}"/>
+                <a16:creationId xmlns:a16="http://schemas.microsoft.com/office/drawing/2014/main" id="{A63C1E96-57A3-4A08-9D26-32AECF4AD3A9}"/>
               </a:ext>
             </a:extLst>
           </p:cNvPr>
@@ -4245,8 +4226,8 @@
         </p:nvSpPr>
         <p:spPr>
           <a:xfrm>
-            <a:off x="523449" y="528815"/>
-            <a:ext cx="5910470" cy="523220"/>
+            <a:off x="506140" y="412124"/>
+            <a:ext cx="7642180" cy="1323439"/>
           </a:xfrm>
           <a:prstGeom prst="rect">
             <a:avLst/>
@@ -4260,16 +4241,46 @@
           <a:lstStyle/>
           <a:p>
             <a:r>
-              <a:rPr lang="hr-HR" sz="2800" b="1" dirty="0"/>
-              <a:t>Dijagram komponenti - Darivatelj</a:t>
+              <a:rPr lang="hr-HR" sz="4000" b="1" dirty="0"/>
+              <a:t>Dijagram slučajeva korištenja – Darivatelj </a:t>
             </a:r>
           </a:p>
         </p:txBody>
       </p:sp>
+      <p:pic>
+        <p:nvPicPr>
+          <p:cNvPr id="3" name="Slika 2">
+            <a:extLst>
+              <a:ext uri="{FF2B5EF4-FFF2-40B4-BE49-F238E27FC236}">
+                <a16:creationId xmlns:a16="http://schemas.microsoft.com/office/drawing/2014/main" id="{E733FA3D-4522-4EF2-9EC9-6CB9E40B7785}"/>
+              </a:ext>
+            </a:extLst>
+          </p:cNvPr>
+          <p:cNvPicPr>
+            <a:picLocks noChangeAspect="1"/>
+          </p:cNvPicPr>
+          <p:nvPr/>
+        </p:nvPicPr>
+        <p:blipFill>
+          <a:blip r:embed="rId6"/>
+          <a:stretch>
+            <a:fillRect/>
+          </a:stretch>
+        </p:blipFill>
+        <p:spPr>
+          <a:xfrm>
+            <a:off x="506140" y="2321959"/>
+            <a:ext cx="8362405" cy="3495759"/>
+          </a:xfrm>
+          <a:prstGeom prst="rect">
+            <a:avLst/>
+          </a:prstGeom>
+        </p:spPr>
+      </p:pic>
     </p:spTree>
     <p:extLst>
       <p:ext uri="{BB962C8B-B14F-4D97-AF65-F5344CB8AC3E}">
-        <p14:creationId xmlns:p14="http://schemas.microsoft.com/office/powerpoint/2010/main" val="2831145684"/>
+        <p14:creationId xmlns:p14="http://schemas.microsoft.com/office/powerpoint/2010/main" val="1551839630"/>
       </p:ext>
     </p:extLst>
   </p:cSld>
@@ -4298,7 +4309,7 @@
       </p:grpSpPr>
       <p:pic>
         <p:nvPicPr>
-          <p:cNvPr id="3" name="Picture 2">
+          <p:cNvPr id="4" name="Picture 3">
             <a:extLst>
               <a:ext uri="{FF2B5EF4-FFF2-40B4-BE49-F238E27FC236}">
                 <a16:creationId xmlns:a16="http://schemas.microsoft.com/office/drawing/2014/main" id="{BE2E685B-1842-437E-8EE0-0D965BD4BF5A}"/>
@@ -4350,7 +4361,7 @@
       </p:pic>
       <p:pic>
         <p:nvPicPr>
-          <p:cNvPr id="9" name="Picture 8">
+          <p:cNvPr id="5" name="Picture 4">
             <a:extLst>
               <a:ext uri="{FF2B5EF4-FFF2-40B4-BE49-F238E27FC236}">
                 <a16:creationId xmlns:a16="http://schemas.microsoft.com/office/drawing/2014/main" id="{1353EAFD-5AF7-4F88-A644-D2561204B6F2}"/>
@@ -4375,8 +4386,8 @@
         </p:blipFill>
         <p:spPr>
           <a:xfrm>
-            <a:off x="7689829" y="-2055"/>
-            <a:ext cx="4502173" cy="3316924"/>
+            <a:off x="8450645" y="412124"/>
+            <a:ext cx="3653309" cy="2691533"/>
           </a:xfrm>
           <a:custGeom>
             <a:avLst/>
@@ -4458,7 +4469,7 @@
       </p:pic>
       <p:pic>
         <p:nvPicPr>
-          <p:cNvPr id="4" name="Picture 3">
+          <p:cNvPr id="6" name="Picture 5">
             <a:extLst>
               <a:ext uri="{FF2B5EF4-FFF2-40B4-BE49-F238E27FC236}">
                 <a16:creationId xmlns:a16="http://schemas.microsoft.com/office/drawing/2014/main" id="{8DD2BD23-4B5E-4D3B-937A-61A65D798931}"/>
@@ -4572,46 +4583,12 @@
           </a:custGeom>
         </p:spPr>
       </p:pic>
-      <p:pic>
-        <p:nvPicPr>
-          <p:cNvPr id="5" name="Picture 4">
-            <a:extLst>
-              <a:ext uri="{FF2B5EF4-FFF2-40B4-BE49-F238E27FC236}">
-                <a16:creationId xmlns:a16="http://schemas.microsoft.com/office/drawing/2014/main" id="{5F7ADC53-19D3-4C24-ABFE-89B9FEC8A1BF}"/>
-              </a:ext>
-            </a:extLst>
-          </p:cNvPr>
-          <p:cNvPicPr/>
-          <p:nvPr/>
-        </p:nvPicPr>
-        <p:blipFill>
-          <a:blip r:embed="rId6">
-            <a:extLst>
-              <a:ext uri="{28A0092B-C50C-407E-A947-70E740481C1C}">
-                <a14:useLocalDpi xmlns:a14="http://schemas.microsoft.com/office/drawing/2010/main" val="0"/>
-              </a:ext>
-            </a:extLst>
-          </a:blip>
-          <a:stretch>
-            <a:fillRect/>
-          </a:stretch>
-        </p:blipFill>
-        <p:spPr>
-          <a:xfrm>
-            <a:off x="0" y="1354650"/>
-            <a:ext cx="7248939" cy="5075574"/>
-          </a:xfrm>
-          <a:prstGeom prst="rect">
-            <a:avLst/>
-          </a:prstGeom>
-        </p:spPr>
-      </p:pic>
       <p:sp>
         <p:nvSpPr>
           <p:cNvPr id="7" name="TextBox 6">
             <a:extLst>
               <a:ext uri="{FF2B5EF4-FFF2-40B4-BE49-F238E27FC236}">
-                <a16:creationId xmlns:a16="http://schemas.microsoft.com/office/drawing/2014/main" id="{96A37748-DFD3-4777-8DBA-0B85202EFDF9}"/>
+                <a16:creationId xmlns:a16="http://schemas.microsoft.com/office/drawing/2014/main" id="{A63C1E96-57A3-4A08-9D26-32AECF4AD3A9}"/>
               </a:ext>
             </a:extLst>
           </p:cNvPr>
@@ -4620,8 +4597,8 @@
         </p:nvSpPr>
         <p:spPr>
           <a:xfrm>
-            <a:off x="523449" y="528815"/>
-            <a:ext cx="5910470" cy="523220"/>
+            <a:off x="506140" y="412124"/>
+            <a:ext cx="7642180" cy="1323439"/>
           </a:xfrm>
           <a:prstGeom prst="rect">
             <a:avLst/>
@@ -4635,21 +4612,46 @@
           <a:lstStyle/>
           <a:p>
             <a:r>
-              <a:rPr lang="hr-HR" sz="2800" b="1" dirty="0"/>
-              <a:t>Dijagram komponenti - </a:t>
-            </a:r>
-            <a:r>
-              <a:rPr lang="en-US" sz="2800" b="1" dirty="0"/>
-              <a:t>Admin</a:t>
-            </a:r>
-            <a:endParaRPr lang="hr-HR" sz="2800" b="1" dirty="0"/>
+              <a:rPr lang="hr-HR" sz="4000" b="1" dirty="0"/>
+              <a:t>Dijagram slučajeva korištenja – Administrator </a:t>
+            </a:r>
           </a:p>
         </p:txBody>
       </p:sp>
+      <p:pic>
+        <p:nvPicPr>
+          <p:cNvPr id="9" name="Slika 8">
+            <a:extLst>
+              <a:ext uri="{FF2B5EF4-FFF2-40B4-BE49-F238E27FC236}">
+                <a16:creationId xmlns:a16="http://schemas.microsoft.com/office/drawing/2014/main" id="{88095F0E-EE6A-4268-A1D0-78914CF3C1A5}"/>
+              </a:ext>
+            </a:extLst>
+          </p:cNvPr>
+          <p:cNvPicPr>
+            <a:picLocks noChangeAspect="1"/>
+          </p:cNvPicPr>
+          <p:nvPr/>
+        </p:nvPicPr>
+        <p:blipFill>
+          <a:blip r:embed="rId6"/>
+          <a:stretch>
+            <a:fillRect/>
+          </a:stretch>
+        </p:blipFill>
+        <p:spPr>
+          <a:xfrm>
+            <a:off x="555330" y="2362885"/>
+            <a:ext cx="7543800" cy="3438525"/>
+          </a:xfrm>
+          <a:prstGeom prst="rect">
+            <a:avLst/>
+          </a:prstGeom>
+        </p:spPr>
+      </p:pic>
     </p:spTree>
     <p:extLst>
       <p:ext uri="{BB962C8B-B14F-4D97-AF65-F5344CB8AC3E}">
-        <p14:creationId xmlns:p14="http://schemas.microsoft.com/office/powerpoint/2010/main" val="3887180289"/>
+        <p14:creationId xmlns:p14="http://schemas.microsoft.com/office/powerpoint/2010/main" val="3297604275"/>
       </p:ext>
     </p:extLst>
   </p:cSld>
@@ -4952,12 +4954,46 @@
           </a:custGeom>
         </p:spPr>
       </p:pic>
+      <p:pic>
+        <p:nvPicPr>
+          <p:cNvPr id="5" name="Picture 4">
+            <a:extLst>
+              <a:ext uri="{FF2B5EF4-FFF2-40B4-BE49-F238E27FC236}">
+                <a16:creationId xmlns:a16="http://schemas.microsoft.com/office/drawing/2014/main" id="{C28351FB-0A1D-4D9C-AB8D-21CA6D519675}"/>
+              </a:ext>
+            </a:extLst>
+          </p:cNvPr>
+          <p:cNvPicPr/>
+          <p:nvPr/>
+        </p:nvPicPr>
+        <p:blipFill>
+          <a:blip r:embed="rId6">
+            <a:extLst>
+              <a:ext uri="{28A0092B-C50C-407E-A947-70E740481C1C}">
+                <a14:useLocalDpi xmlns:a14="http://schemas.microsoft.com/office/drawing/2010/main" val="0"/>
+              </a:ext>
+            </a:extLst>
+          </a:blip>
+          <a:stretch>
+            <a:fillRect/>
+          </a:stretch>
+        </p:blipFill>
+        <p:spPr>
+          <a:xfrm>
+            <a:off x="-23" y="0"/>
+            <a:ext cx="6612858" cy="6855950"/>
+          </a:xfrm>
+          <a:prstGeom prst="rect">
+            <a:avLst/>
+          </a:prstGeom>
+        </p:spPr>
+      </p:pic>
       <p:sp>
         <p:nvSpPr>
-          <p:cNvPr id="7" name="TextBox 6">
+          <p:cNvPr id="2" name="TextBox 1">
             <a:extLst>
               <a:ext uri="{FF2B5EF4-FFF2-40B4-BE49-F238E27FC236}">
-                <a16:creationId xmlns:a16="http://schemas.microsoft.com/office/drawing/2014/main" id="{96A37748-DFD3-4777-8DBA-0B85202EFDF9}"/>
+                <a16:creationId xmlns:a16="http://schemas.microsoft.com/office/drawing/2014/main" id="{37ED5DA7-905F-4153-897A-FEC2B5A546AD}"/>
               </a:ext>
             </a:extLst>
           </p:cNvPr>
@@ -4966,8 +5002,8 @@
         </p:nvSpPr>
         <p:spPr>
           <a:xfrm>
-            <a:off x="523449" y="528815"/>
-            <a:ext cx="5910470" cy="523220"/>
+            <a:off x="7070252" y="448570"/>
+            <a:ext cx="4664323" cy="707886"/>
           </a:xfrm>
           <a:prstGeom prst="rect">
             <a:avLst/>
@@ -4981,18 +5017,1484 @@
           <a:lstStyle/>
           <a:p>
             <a:r>
-              <a:rPr lang="hr-HR" sz="2800" b="1" dirty="0"/>
-              <a:t>Izgled sustava </a:t>
+              <a:rPr lang="hr-HR" sz="4000" b="1" dirty="0"/>
+              <a:t>Dijagram aktivnosti</a:t>
+            </a:r>
+          </a:p>
+        </p:txBody>
+      </p:sp>
+    </p:spTree>
+    <p:extLst>
+      <p:ext uri="{BB962C8B-B14F-4D97-AF65-F5344CB8AC3E}">
+        <p14:creationId xmlns:p14="http://schemas.microsoft.com/office/powerpoint/2010/main" val="1829219351"/>
+      </p:ext>
+    </p:extLst>
+  </p:cSld>
+  <p:clrMapOvr>
+    <a:masterClrMapping/>
+  </p:clrMapOvr>
+</p:sld>
+</file>
+
+<file path=ppt/slides/slide15.xml><?xml version="1.0" encoding="utf-8"?>
+<p:sld xmlns:a="http://schemas.openxmlformats.org/drawingml/2006/main" xmlns:r="http://schemas.openxmlformats.org/officeDocument/2006/relationships" xmlns:p="http://schemas.openxmlformats.org/presentationml/2006/main">
+  <p:cSld>
+    <p:spTree>
+      <p:nvGrpSpPr>
+        <p:cNvPr id="1" name=""/>
+        <p:cNvGrpSpPr/>
+        <p:nvPr/>
+      </p:nvGrpSpPr>
+      <p:grpSpPr>
+        <a:xfrm>
+          <a:off x="0" y="0"/>
+          <a:ext cx="0" cy="0"/>
+          <a:chOff x="0" y="0"/>
+          <a:chExt cx="0" cy="0"/>
+        </a:xfrm>
+      </p:grpSpPr>
+      <p:pic>
+        <p:nvPicPr>
+          <p:cNvPr id="3" name="Picture 2">
+            <a:extLst>
+              <a:ext uri="{FF2B5EF4-FFF2-40B4-BE49-F238E27FC236}">
+                <a16:creationId xmlns:a16="http://schemas.microsoft.com/office/drawing/2014/main" id="{BE2E685B-1842-437E-8EE0-0D965BD4BF5A}"/>
+              </a:ext>
+            </a:extLst>
+          </p:cNvPr>
+          <p:cNvPicPr>
+            <a:picLocks noChangeAspect="1"/>
+          </p:cNvPicPr>
+          <p:nvPr/>
+        </p:nvPicPr>
+        <p:blipFill rotWithShape="1">
+          <a:blip r:embed="rId2">
+            <a:alphaModFix amt="35000"/>
+            <a:extLst>
+              <a:ext uri="{BEBA8EAE-BF5A-486C-A8C5-ECC9F3942E4B}">
+                <a14:imgProps xmlns:a14="http://schemas.microsoft.com/office/drawing/2010/main">
+                  <a14:imgLayer r:embed="rId3">
+                    <a14:imgEffect>
+                      <a14:colorTemperature colorTemp="5900"/>
+                    </a14:imgEffect>
+                    <a14:imgEffect>
+                      <a14:saturation sat="400000"/>
+                    </a14:imgEffect>
+                  </a14:imgLayer>
+                </a14:imgProps>
+              </a:ext>
+              <a:ext uri="{28A0092B-C50C-407E-A947-70E740481C1C}">
+                <a14:useLocalDpi xmlns:a14="http://schemas.microsoft.com/office/drawing/2010/main" val="0"/>
+              </a:ext>
+            </a:extLst>
+          </a:blip>
+          <a:srcRect l="18256" r="17726"/>
+          <a:stretch/>
+        </p:blipFill>
+        <p:spPr>
+          <a:xfrm>
+            <a:off x="-7" y="-8"/>
+            <a:ext cx="12192000" cy="6855958"/>
+          </a:xfrm>
+          <a:prstGeom prst="rect">
+            <a:avLst/>
+          </a:prstGeom>
+          <a:noFill/>
+          <a:ln>
+            <a:noFill/>
+          </a:ln>
+        </p:spPr>
+      </p:pic>
+      <p:pic>
+        <p:nvPicPr>
+          <p:cNvPr id="9" name="Picture 8">
+            <a:extLst>
+              <a:ext uri="{FF2B5EF4-FFF2-40B4-BE49-F238E27FC236}">
+                <a16:creationId xmlns:a16="http://schemas.microsoft.com/office/drawing/2014/main" id="{1353EAFD-5AF7-4F88-A644-D2561204B6F2}"/>
+              </a:ext>
+            </a:extLst>
+          </p:cNvPr>
+          <p:cNvPicPr>
+            <a:picLocks noChangeAspect="1"/>
+          </p:cNvPicPr>
+          <p:nvPr/>
+        </p:nvPicPr>
+        <p:blipFill rotWithShape="1">
+          <a:blip r:embed="rId4">
+            <a:extLst>
+              <a:ext uri="{28A0092B-C50C-407E-A947-70E740481C1C}">
+                <a14:useLocalDpi xmlns:a14="http://schemas.microsoft.com/office/drawing/2010/main" val="0"/>
+              </a:ext>
+            </a:extLst>
+          </a:blip>
+          <a:srcRect l="1414" r="8588" b="-1"/>
+          <a:stretch/>
+        </p:blipFill>
+        <p:spPr>
+          <a:xfrm>
+            <a:off x="7689829" y="-2055"/>
+            <a:ext cx="4502173" cy="3316924"/>
+          </a:xfrm>
+          <a:custGeom>
+            <a:avLst/>
+            <a:gdLst>
+              <a:gd name="connsiteX0" fmla="*/ 154695 w 4502173"/>
+              <a:gd name="connsiteY0" fmla="*/ 0 h 3316924"/>
+              <a:gd name="connsiteX1" fmla="*/ 4502173 w 4502173"/>
+              <a:gd name="connsiteY1" fmla="*/ 0 h 3316924"/>
+              <a:gd name="connsiteX2" fmla="*/ 4502173 w 4502173"/>
+              <a:gd name="connsiteY2" fmla="*/ 2237639 h 3316924"/>
+              <a:gd name="connsiteX3" fmla="*/ 4365663 w 4502173"/>
+              <a:gd name="connsiteY3" fmla="*/ 2420191 h 3316924"/>
+              <a:gd name="connsiteX4" fmla="*/ 2464181 w 4502173"/>
+              <a:gd name="connsiteY4" fmla="*/ 3316924 h 3316924"/>
+              <a:gd name="connsiteX5" fmla="*/ 0 w 4502173"/>
+              <a:gd name="connsiteY5" fmla="*/ 852743 h 3316924"/>
+              <a:gd name="connsiteX6" fmla="*/ 110786 w 4502173"/>
+              <a:gd name="connsiteY6" fmla="*/ 119971 h 3316924"/>
+            </a:gdLst>
+            <a:ahLst/>
+            <a:cxnLst>
+              <a:cxn ang="0">
+                <a:pos x="connsiteX0" y="connsiteY0"/>
+              </a:cxn>
+              <a:cxn ang="0">
+                <a:pos x="connsiteX1" y="connsiteY1"/>
+              </a:cxn>
+              <a:cxn ang="0">
+                <a:pos x="connsiteX2" y="connsiteY2"/>
+              </a:cxn>
+              <a:cxn ang="0">
+                <a:pos x="connsiteX3" y="connsiteY3"/>
+              </a:cxn>
+              <a:cxn ang="0">
+                <a:pos x="connsiteX4" y="connsiteY4"/>
+              </a:cxn>
+              <a:cxn ang="0">
+                <a:pos x="connsiteX5" y="connsiteY5"/>
+              </a:cxn>
+              <a:cxn ang="0">
+                <a:pos x="connsiteX6" y="connsiteY6"/>
+              </a:cxn>
+            </a:cxnLst>
+            <a:rect l="l" t="t" r="r" b="b"/>
+            <a:pathLst>
+              <a:path w="4502173" h="3316924">
+                <a:moveTo>
+                  <a:pt x="154695" y="0"/>
+                </a:moveTo>
+                <a:lnTo>
+                  <a:pt x="4502173" y="0"/>
+                </a:lnTo>
+                <a:lnTo>
+                  <a:pt x="4502173" y="2237639"/>
+                </a:lnTo>
+                <a:lnTo>
+                  <a:pt x="4365663" y="2420191"/>
+                </a:lnTo>
+                <a:cubicBezTo>
+                  <a:pt x="3913696" y="2967849"/>
+                  <a:pt x="3229704" y="3316924"/>
+                  <a:pt x="2464181" y="3316924"/>
+                </a:cubicBezTo>
+                <a:cubicBezTo>
+                  <a:pt x="1103251" y="3316924"/>
+                  <a:pt x="0" y="2213673"/>
+                  <a:pt x="0" y="852743"/>
+                </a:cubicBezTo>
+                <a:cubicBezTo>
+                  <a:pt x="0" y="597569"/>
+                  <a:pt x="38787" y="351454"/>
+                  <a:pt x="110786" y="119971"/>
+                </a:cubicBezTo>
+                <a:close/>
+              </a:path>
+            </a:pathLst>
+          </a:custGeom>
+        </p:spPr>
+      </p:pic>
+      <p:pic>
+        <p:nvPicPr>
+          <p:cNvPr id="4" name="Picture 3">
+            <a:extLst>
+              <a:ext uri="{FF2B5EF4-FFF2-40B4-BE49-F238E27FC236}">
+                <a16:creationId xmlns:a16="http://schemas.microsoft.com/office/drawing/2014/main" id="{8DD2BD23-4B5E-4D3B-937A-61A65D798931}"/>
+              </a:ext>
+            </a:extLst>
+          </p:cNvPr>
+          <p:cNvPicPr>
+            <a:picLocks noChangeAspect="1"/>
+          </p:cNvPicPr>
+          <p:nvPr/>
+        </p:nvPicPr>
+        <p:blipFill rotWithShape="1">
+          <a:blip r:embed="rId5">
+            <a:extLst>
+              <a:ext uri="{28A0092B-C50C-407E-A947-70E740481C1C}">
+                <a14:useLocalDpi xmlns:a14="http://schemas.microsoft.com/office/drawing/2010/main" val="0"/>
+              </a:ext>
+            </a:extLst>
+          </a:blip>
+          <a:srcRect t="13667" r="2" b="5244"/>
+          <a:stretch/>
+        </p:blipFill>
+        <p:spPr>
+          <a:xfrm>
+            <a:off x="8768834" y="4082148"/>
+            <a:ext cx="3423175" cy="2775859"/>
+          </a:xfrm>
+          <a:custGeom>
+            <a:avLst/>
+            <a:gdLst>
+              <a:gd name="connsiteX0" fmla="*/ 1906524 w 3423175"/>
+              <a:gd name="connsiteY0" fmla="*/ 0 h 2775859"/>
+              <a:gd name="connsiteX1" fmla="*/ 3377691 w 3423175"/>
+              <a:gd name="connsiteY1" fmla="*/ 693798 h 2775859"/>
+              <a:gd name="connsiteX2" fmla="*/ 3423175 w 3423175"/>
+              <a:gd name="connsiteY2" fmla="*/ 754624 h 2775859"/>
+              <a:gd name="connsiteX3" fmla="*/ 3423175 w 3423175"/>
+              <a:gd name="connsiteY3" fmla="*/ 2775859 h 2775859"/>
+              <a:gd name="connsiteX4" fmla="*/ 211114 w 3423175"/>
+              <a:gd name="connsiteY4" fmla="*/ 2775859 h 2775859"/>
+              <a:gd name="connsiteX5" fmla="*/ 149824 w 3423175"/>
+              <a:gd name="connsiteY5" fmla="*/ 2648629 h 2775859"/>
+              <a:gd name="connsiteX6" fmla="*/ 0 w 3423175"/>
+              <a:gd name="connsiteY6" fmla="*/ 1906524 h 2775859"/>
+              <a:gd name="connsiteX7" fmla="*/ 1906524 w 3423175"/>
+              <a:gd name="connsiteY7" fmla="*/ 0 h 2775859"/>
+            </a:gdLst>
+            <a:ahLst/>
+            <a:cxnLst>
+              <a:cxn ang="0">
+                <a:pos x="connsiteX0" y="connsiteY0"/>
+              </a:cxn>
+              <a:cxn ang="0">
+                <a:pos x="connsiteX1" y="connsiteY1"/>
+              </a:cxn>
+              <a:cxn ang="0">
+                <a:pos x="connsiteX2" y="connsiteY2"/>
+              </a:cxn>
+              <a:cxn ang="0">
+                <a:pos x="connsiteX3" y="connsiteY3"/>
+              </a:cxn>
+              <a:cxn ang="0">
+                <a:pos x="connsiteX4" y="connsiteY4"/>
+              </a:cxn>
+              <a:cxn ang="0">
+                <a:pos x="connsiteX5" y="connsiteY5"/>
+              </a:cxn>
+              <a:cxn ang="0">
+                <a:pos x="connsiteX6" y="connsiteY6"/>
+              </a:cxn>
+              <a:cxn ang="0">
+                <a:pos x="connsiteX7" y="connsiteY7"/>
+              </a:cxn>
+            </a:cxnLst>
+            <a:rect l="l" t="t" r="r" b="b"/>
+            <a:pathLst>
+              <a:path w="3423175" h="2775859">
+                <a:moveTo>
+                  <a:pt x="1906524" y="0"/>
+                </a:moveTo>
+                <a:cubicBezTo>
+                  <a:pt x="2498805" y="0"/>
+                  <a:pt x="3028006" y="270078"/>
+                  <a:pt x="3377691" y="693798"/>
+                </a:cubicBezTo>
+                <a:lnTo>
+                  <a:pt x="3423175" y="754624"/>
+                </a:lnTo>
+                <a:lnTo>
+                  <a:pt x="3423175" y="2775859"/>
+                </a:lnTo>
+                <a:lnTo>
+                  <a:pt x="211114" y="2775859"/>
+                </a:lnTo>
+                <a:lnTo>
+                  <a:pt x="149824" y="2648629"/>
+                </a:lnTo>
+                <a:cubicBezTo>
+                  <a:pt x="53349" y="2420536"/>
+                  <a:pt x="0" y="2169760"/>
+                  <a:pt x="0" y="1906524"/>
+                </a:cubicBezTo>
+                <a:cubicBezTo>
+                  <a:pt x="0" y="853580"/>
+                  <a:pt x="853580" y="0"/>
+                  <a:pt x="1906524" y="0"/>
+                </a:cubicBezTo>
+                <a:close/>
+              </a:path>
+            </a:pathLst>
+          </a:custGeom>
+        </p:spPr>
+      </p:pic>
+      <p:pic>
+        <p:nvPicPr>
+          <p:cNvPr id="5" name="Picture 4">
+            <a:extLst>
+              <a:ext uri="{FF2B5EF4-FFF2-40B4-BE49-F238E27FC236}">
+                <a16:creationId xmlns:a16="http://schemas.microsoft.com/office/drawing/2014/main" id="{C1614E52-E220-4328-9AD3-B718432F9FBB}"/>
+              </a:ext>
+            </a:extLst>
+          </p:cNvPr>
+          <p:cNvPicPr/>
+          <p:nvPr/>
+        </p:nvPicPr>
+        <p:blipFill>
+          <a:blip r:embed="rId6">
+            <a:extLst>
+              <a:ext uri="{28A0092B-C50C-407E-A947-70E740481C1C}">
+                <a14:useLocalDpi xmlns:a14="http://schemas.microsoft.com/office/drawing/2010/main" val="0"/>
+              </a:ext>
+            </a:extLst>
+          </a:blip>
+          <a:stretch>
+            <a:fillRect/>
+          </a:stretch>
+        </p:blipFill>
+        <p:spPr>
+          <a:xfrm>
+            <a:off x="626381" y="2051087"/>
+            <a:ext cx="7063432" cy="4333576"/>
+          </a:xfrm>
+          <a:prstGeom prst="rect">
+            <a:avLst/>
+          </a:prstGeom>
+        </p:spPr>
+      </p:pic>
+      <p:sp>
+        <p:nvSpPr>
+          <p:cNvPr id="2" name="TextBox 1">
+            <a:extLst>
+              <a:ext uri="{FF2B5EF4-FFF2-40B4-BE49-F238E27FC236}">
+                <a16:creationId xmlns:a16="http://schemas.microsoft.com/office/drawing/2014/main" id="{1D7A0F90-111F-4B9F-BD18-E9715CBBB10A}"/>
+              </a:ext>
+            </a:extLst>
+          </p:cNvPr>
+          <p:cNvSpPr txBox="1"/>
+          <p:nvPr/>
+        </p:nvSpPr>
+        <p:spPr>
+          <a:xfrm>
+            <a:off x="771275" y="473337"/>
+            <a:ext cx="7997559" cy="1323439"/>
+          </a:xfrm>
+          <a:prstGeom prst="rect">
+            <a:avLst/>
+          </a:prstGeom>
+          <a:noFill/>
+        </p:spPr>
+        <p:txBody>
+          <a:bodyPr wrap="square" rtlCol="0">
+            <a:spAutoFit/>
+          </a:bodyPr>
+          <a:lstStyle/>
+          <a:p>
+            <a:r>
+              <a:rPr lang="hr-HR" sz="4000" b="1" dirty="0"/>
+              <a:t>Dijagram kompnente – Transfuziološke ustanove</a:t>
+            </a:r>
+          </a:p>
+        </p:txBody>
+      </p:sp>
+    </p:spTree>
+    <p:extLst>
+      <p:ext uri="{BB962C8B-B14F-4D97-AF65-F5344CB8AC3E}">
+        <p14:creationId xmlns:p14="http://schemas.microsoft.com/office/powerpoint/2010/main" val="4113906907"/>
+      </p:ext>
+    </p:extLst>
+  </p:cSld>
+  <p:clrMapOvr>
+    <a:masterClrMapping/>
+  </p:clrMapOvr>
+</p:sld>
+</file>
+
+<file path=ppt/slides/slide16.xml><?xml version="1.0" encoding="utf-8"?>
+<p:sld xmlns:a="http://schemas.openxmlformats.org/drawingml/2006/main" xmlns:r="http://schemas.openxmlformats.org/officeDocument/2006/relationships" xmlns:p="http://schemas.openxmlformats.org/presentationml/2006/main">
+  <p:cSld>
+    <p:spTree>
+      <p:nvGrpSpPr>
+        <p:cNvPr id="1" name=""/>
+        <p:cNvGrpSpPr/>
+        <p:nvPr/>
+      </p:nvGrpSpPr>
+      <p:grpSpPr>
+        <a:xfrm>
+          <a:off x="0" y="0"/>
+          <a:ext cx="0" cy="0"/>
+          <a:chOff x="0" y="0"/>
+          <a:chExt cx="0" cy="0"/>
+        </a:xfrm>
+      </p:grpSpPr>
+      <p:pic>
+        <p:nvPicPr>
+          <p:cNvPr id="3" name="Picture 2">
+            <a:extLst>
+              <a:ext uri="{FF2B5EF4-FFF2-40B4-BE49-F238E27FC236}">
+                <a16:creationId xmlns:a16="http://schemas.microsoft.com/office/drawing/2014/main" id="{BE2E685B-1842-437E-8EE0-0D965BD4BF5A}"/>
+              </a:ext>
+            </a:extLst>
+          </p:cNvPr>
+          <p:cNvPicPr>
+            <a:picLocks noChangeAspect="1"/>
+          </p:cNvPicPr>
+          <p:nvPr/>
+        </p:nvPicPr>
+        <p:blipFill rotWithShape="1">
+          <a:blip r:embed="rId2">
+            <a:alphaModFix amt="35000"/>
+            <a:extLst>
+              <a:ext uri="{BEBA8EAE-BF5A-486C-A8C5-ECC9F3942E4B}">
+                <a14:imgProps xmlns:a14="http://schemas.microsoft.com/office/drawing/2010/main">
+                  <a14:imgLayer r:embed="rId3">
+                    <a14:imgEffect>
+                      <a14:colorTemperature colorTemp="5900"/>
+                    </a14:imgEffect>
+                    <a14:imgEffect>
+                      <a14:saturation sat="400000"/>
+                    </a14:imgEffect>
+                  </a14:imgLayer>
+                </a14:imgProps>
+              </a:ext>
+              <a:ext uri="{28A0092B-C50C-407E-A947-70E740481C1C}">
+                <a14:useLocalDpi xmlns:a14="http://schemas.microsoft.com/office/drawing/2010/main" val="0"/>
+              </a:ext>
+            </a:extLst>
+          </a:blip>
+          <a:srcRect l="18256" r="17726"/>
+          <a:stretch/>
+        </p:blipFill>
+        <p:spPr>
+          <a:xfrm>
+            <a:off x="-7" y="-8"/>
+            <a:ext cx="12192000" cy="6855958"/>
+          </a:xfrm>
+          <a:prstGeom prst="rect">
+            <a:avLst/>
+          </a:prstGeom>
+          <a:noFill/>
+          <a:ln>
+            <a:noFill/>
+          </a:ln>
+        </p:spPr>
+      </p:pic>
+      <p:pic>
+        <p:nvPicPr>
+          <p:cNvPr id="9" name="Picture 8">
+            <a:extLst>
+              <a:ext uri="{FF2B5EF4-FFF2-40B4-BE49-F238E27FC236}">
+                <a16:creationId xmlns:a16="http://schemas.microsoft.com/office/drawing/2014/main" id="{1353EAFD-5AF7-4F88-A644-D2561204B6F2}"/>
+              </a:ext>
+            </a:extLst>
+          </p:cNvPr>
+          <p:cNvPicPr>
+            <a:picLocks noChangeAspect="1"/>
+          </p:cNvPicPr>
+          <p:nvPr/>
+        </p:nvPicPr>
+        <p:blipFill rotWithShape="1">
+          <a:blip r:embed="rId4">
+            <a:extLst>
+              <a:ext uri="{28A0092B-C50C-407E-A947-70E740481C1C}">
+                <a14:useLocalDpi xmlns:a14="http://schemas.microsoft.com/office/drawing/2010/main" val="0"/>
+              </a:ext>
+            </a:extLst>
+          </a:blip>
+          <a:srcRect l="1414" r="8588" b="-1"/>
+          <a:stretch/>
+        </p:blipFill>
+        <p:spPr>
+          <a:xfrm>
+            <a:off x="7689829" y="-2055"/>
+            <a:ext cx="4502173" cy="3316924"/>
+          </a:xfrm>
+          <a:custGeom>
+            <a:avLst/>
+            <a:gdLst>
+              <a:gd name="connsiteX0" fmla="*/ 154695 w 4502173"/>
+              <a:gd name="connsiteY0" fmla="*/ 0 h 3316924"/>
+              <a:gd name="connsiteX1" fmla="*/ 4502173 w 4502173"/>
+              <a:gd name="connsiteY1" fmla="*/ 0 h 3316924"/>
+              <a:gd name="connsiteX2" fmla="*/ 4502173 w 4502173"/>
+              <a:gd name="connsiteY2" fmla="*/ 2237639 h 3316924"/>
+              <a:gd name="connsiteX3" fmla="*/ 4365663 w 4502173"/>
+              <a:gd name="connsiteY3" fmla="*/ 2420191 h 3316924"/>
+              <a:gd name="connsiteX4" fmla="*/ 2464181 w 4502173"/>
+              <a:gd name="connsiteY4" fmla="*/ 3316924 h 3316924"/>
+              <a:gd name="connsiteX5" fmla="*/ 0 w 4502173"/>
+              <a:gd name="connsiteY5" fmla="*/ 852743 h 3316924"/>
+              <a:gd name="connsiteX6" fmla="*/ 110786 w 4502173"/>
+              <a:gd name="connsiteY6" fmla="*/ 119971 h 3316924"/>
+            </a:gdLst>
+            <a:ahLst/>
+            <a:cxnLst>
+              <a:cxn ang="0">
+                <a:pos x="connsiteX0" y="connsiteY0"/>
+              </a:cxn>
+              <a:cxn ang="0">
+                <a:pos x="connsiteX1" y="connsiteY1"/>
+              </a:cxn>
+              <a:cxn ang="0">
+                <a:pos x="connsiteX2" y="connsiteY2"/>
+              </a:cxn>
+              <a:cxn ang="0">
+                <a:pos x="connsiteX3" y="connsiteY3"/>
+              </a:cxn>
+              <a:cxn ang="0">
+                <a:pos x="connsiteX4" y="connsiteY4"/>
+              </a:cxn>
+              <a:cxn ang="0">
+                <a:pos x="connsiteX5" y="connsiteY5"/>
+              </a:cxn>
+              <a:cxn ang="0">
+                <a:pos x="connsiteX6" y="connsiteY6"/>
+              </a:cxn>
+            </a:cxnLst>
+            <a:rect l="l" t="t" r="r" b="b"/>
+            <a:pathLst>
+              <a:path w="4502173" h="3316924">
+                <a:moveTo>
+                  <a:pt x="154695" y="0"/>
+                </a:moveTo>
+                <a:lnTo>
+                  <a:pt x="4502173" y="0"/>
+                </a:lnTo>
+                <a:lnTo>
+                  <a:pt x="4502173" y="2237639"/>
+                </a:lnTo>
+                <a:lnTo>
+                  <a:pt x="4365663" y="2420191"/>
+                </a:lnTo>
+                <a:cubicBezTo>
+                  <a:pt x="3913696" y="2967849"/>
+                  <a:pt x="3229704" y="3316924"/>
+                  <a:pt x="2464181" y="3316924"/>
+                </a:cubicBezTo>
+                <a:cubicBezTo>
+                  <a:pt x="1103251" y="3316924"/>
+                  <a:pt x="0" y="2213673"/>
+                  <a:pt x="0" y="852743"/>
+                </a:cubicBezTo>
+                <a:cubicBezTo>
+                  <a:pt x="0" y="597569"/>
+                  <a:pt x="38787" y="351454"/>
+                  <a:pt x="110786" y="119971"/>
+                </a:cubicBezTo>
+                <a:close/>
+              </a:path>
+            </a:pathLst>
+          </a:custGeom>
+        </p:spPr>
+      </p:pic>
+      <p:pic>
+        <p:nvPicPr>
+          <p:cNvPr id="4" name="Picture 3">
+            <a:extLst>
+              <a:ext uri="{FF2B5EF4-FFF2-40B4-BE49-F238E27FC236}">
+                <a16:creationId xmlns:a16="http://schemas.microsoft.com/office/drawing/2014/main" id="{8DD2BD23-4B5E-4D3B-937A-61A65D798931}"/>
+              </a:ext>
+            </a:extLst>
+          </p:cNvPr>
+          <p:cNvPicPr>
+            <a:picLocks noChangeAspect="1"/>
+          </p:cNvPicPr>
+          <p:nvPr/>
+        </p:nvPicPr>
+        <p:blipFill rotWithShape="1">
+          <a:blip r:embed="rId5">
+            <a:extLst>
+              <a:ext uri="{28A0092B-C50C-407E-A947-70E740481C1C}">
+                <a14:useLocalDpi xmlns:a14="http://schemas.microsoft.com/office/drawing/2010/main" val="0"/>
+              </a:ext>
+            </a:extLst>
+          </a:blip>
+          <a:srcRect t="13667" r="2" b="5244"/>
+          <a:stretch/>
+        </p:blipFill>
+        <p:spPr>
+          <a:xfrm>
+            <a:off x="8768834" y="4082148"/>
+            <a:ext cx="3423175" cy="2775859"/>
+          </a:xfrm>
+          <a:custGeom>
+            <a:avLst/>
+            <a:gdLst>
+              <a:gd name="connsiteX0" fmla="*/ 1906524 w 3423175"/>
+              <a:gd name="connsiteY0" fmla="*/ 0 h 2775859"/>
+              <a:gd name="connsiteX1" fmla="*/ 3377691 w 3423175"/>
+              <a:gd name="connsiteY1" fmla="*/ 693798 h 2775859"/>
+              <a:gd name="connsiteX2" fmla="*/ 3423175 w 3423175"/>
+              <a:gd name="connsiteY2" fmla="*/ 754624 h 2775859"/>
+              <a:gd name="connsiteX3" fmla="*/ 3423175 w 3423175"/>
+              <a:gd name="connsiteY3" fmla="*/ 2775859 h 2775859"/>
+              <a:gd name="connsiteX4" fmla="*/ 211114 w 3423175"/>
+              <a:gd name="connsiteY4" fmla="*/ 2775859 h 2775859"/>
+              <a:gd name="connsiteX5" fmla="*/ 149824 w 3423175"/>
+              <a:gd name="connsiteY5" fmla="*/ 2648629 h 2775859"/>
+              <a:gd name="connsiteX6" fmla="*/ 0 w 3423175"/>
+              <a:gd name="connsiteY6" fmla="*/ 1906524 h 2775859"/>
+              <a:gd name="connsiteX7" fmla="*/ 1906524 w 3423175"/>
+              <a:gd name="connsiteY7" fmla="*/ 0 h 2775859"/>
+            </a:gdLst>
+            <a:ahLst/>
+            <a:cxnLst>
+              <a:cxn ang="0">
+                <a:pos x="connsiteX0" y="connsiteY0"/>
+              </a:cxn>
+              <a:cxn ang="0">
+                <a:pos x="connsiteX1" y="connsiteY1"/>
+              </a:cxn>
+              <a:cxn ang="0">
+                <a:pos x="connsiteX2" y="connsiteY2"/>
+              </a:cxn>
+              <a:cxn ang="0">
+                <a:pos x="connsiteX3" y="connsiteY3"/>
+              </a:cxn>
+              <a:cxn ang="0">
+                <a:pos x="connsiteX4" y="connsiteY4"/>
+              </a:cxn>
+              <a:cxn ang="0">
+                <a:pos x="connsiteX5" y="connsiteY5"/>
+              </a:cxn>
+              <a:cxn ang="0">
+                <a:pos x="connsiteX6" y="connsiteY6"/>
+              </a:cxn>
+              <a:cxn ang="0">
+                <a:pos x="connsiteX7" y="connsiteY7"/>
+              </a:cxn>
+            </a:cxnLst>
+            <a:rect l="l" t="t" r="r" b="b"/>
+            <a:pathLst>
+              <a:path w="3423175" h="2775859">
+                <a:moveTo>
+                  <a:pt x="1906524" y="0"/>
+                </a:moveTo>
+                <a:cubicBezTo>
+                  <a:pt x="2498805" y="0"/>
+                  <a:pt x="3028006" y="270078"/>
+                  <a:pt x="3377691" y="693798"/>
+                </a:cubicBezTo>
+                <a:lnTo>
+                  <a:pt x="3423175" y="754624"/>
+                </a:lnTo>
+                <a:lnTo>
+                  <a:pt x="3423175" y="2775859"/>
+                </a:lnTo>
+                <a:lnTo>
+                  <a:pt x="211114" y="2775859"/>
+                </a:lnTo>
+                <a:lnTo>
+                  <a:pt x="149824" y="2648629"/>
+                </a:lnTo>
+                <a:cubicBezTo>
+                  <a:pt x="53349" y="2420536"/>
+                  <a:pt x="0" y="2169760"/>
+                  <a:pt x="0" y="1906524"/>
+                </a:cubicBezTo>
+                <a:cubicBezTo>
+                  <a:pt x="0" y="853580"/>
+                  <a:pt x="853580" y="0"/>
+                  <a:pt x="1906524" y="0"/>
+                </a:cubicBezTo>
+                <a:close/>
+              </a:path>
+            </a:pathLst>
+          </a:custGeom>
+        </p:spPr>
+      </p:pic>
+      <p:pic>
+        <p:nvPicPr>
+          <p:cNvPr id="5" name="Picture 4">
+            <a:extLst>
+              <a:ext uri="{FF2B5EF4-FFF2-40B4-BE49-F238E27FC236}">
+                <a16:creationId xmlns:a16="http://schemas.microsoft.com/office/drawing/2014/main" id="{AF9E9E0B-4090-44D9-A4C5-019F3441EE0E}"/>
+              </a:ext>
+            </a:extLst>
+          </p:cNvPr>
+          <p:cNvPicPr/>
+          <p:nvPr/>
+        </p:nvPicPr>
+        <p:blipFill>
+          <a:blip r:embed="rId6">
+            <a:extLst>
+              <a:ext uri="{28A0092B-C50C-407E-A947-70E740481C1C}">
+                <a14:useLocalDpi xmlns:a14="http://schemas.microsoft.com/office/drawing/2010/main" val="0"/>
+              </a:ext>
+            </a:extLst>
+          </a:blip>
+          <a:stretch>
+            <a:fillRect/>
+          </a:stretch>
+        </p:blipFill>
+        <p:spPr>
+          <a:xfrm>
+            <a:off x="523449" y="2068102"/>
+            <a:ext cx="6957414" cy="4572000"/>
+          </a:xfrm>
+          <a:prstGeom prst="rect">
+            <a:avLst/>
+          </a:prstGeom>
+        </p:spPr>
+      </p:pic>
+      <p:sp>
+        <p:nvSpPr>
+          <p:cNvPr id="2" name="TextBox 1">
+            <a:extLst>
+              <a:ext uri="{FF2B5EF4-FFF2-40B4-BE49-F238E27FC236}">
+                <a16:creationId xmlns:a16="http://schemas.microsoft.com/office/drawing/2014/main" id="{1D628637-360B-42B7-B17E-8A19F5C632E1}"/>
+              </a:ext>
+            </a:extLst>
+          </p:cNvPr>
+          <p:cNvSpPr txBox="1"/>
+          <p:nvPr/>
+        </p:nvSpPr>
+        <p:spPr>
+          <a:xfrm>
+            <a:off x="523449" y="528815"/>
+            <a:ext cx="5910470" cy="1323439"/>
+          </a:xfrm>
+          <a:prstGeom prst="rect">
+            <a:avLst/>
+          </a:prstGeom>
+          <a:noFill/>
+        </p:spPr>
+        <p:txBody>
+          <a:bodyPr wrap="square" rtlCol="0">
+            <a:spAutoFit/>
+          </a:bodyPr>
+          <a:lstStyle/>
+          <a:p>
+            <a:r>
+              <a:rPr lang="hr-HR" sz="4000" b="1" dirty="0"/>
+              <a:t>Dijagram komponenti – Darivatelj </a:t>
+            </a:r>
+          </a:p>
+        </p:txBody>
+      </p:sp>
+    </p:spTree>
+    <p:extLst>
+      <p:ext uri="{BB962C8B-B14F-4D97-AF65-F5344CB8AC3E}">
+        <p14:creationId xmlns:p14="http://schemas.microsoft.com/office/powerpoint/2010/main" val="2831145684"/>
+      </p:ext>
+    </p:extLst>
+  </p:cSld>
+  <p:clrMapOvr>
+    <a:masterClrMapping/>
+  </p:clrMapOvr>
+</p:sld>
+</file>
+
+<file path=ppt/slides/slide17.xml><?xml version="1.0" encoding="utf-8"?>
+<p:sld xmlns:a="http://schemas.openxmlformats.org/drawingml/2006/main" xmlns:r="http://schemas.openxmlformats.org/officeDocument/2006/relationships" xmlns:p="http://schemas.openxmlformats.org/presentationml/2006/main">
+  <p:cSld>
+    <p:spTree>
+      <p:nvGrpSpPr>
+        <p:cNvPr id="1" name=""/>
+        <p:cNvGrpSpPr/>
+        <p:nvPr/>
+      </p:nvGrpSpPr>
+      <p:grpSpPr>
+        <a:xfrm>
+          <a:off x="0" y="0"/>
+          <a:ext cx="0" cy="0"/>
+          <a:chOff x="0" y="0"/>
+          <a:chExt cx="0" cy="0"/>
+        </a:xfrm>
+      </p:grpSpPr>
+      <p:pic>
+        <p:nvPicPr>
+          <p:cNvPr id="3" name="Picture 2">
+            <a:extLst>
+              <a:ext uri="{FF2B5EF4-FFF2-40B4-BE49-F238E27FC236}">
+                <a16:creationId xmlns:a16="http://schemas.microsoft.com/office/drawing/2014/main" id="{BE2E685B-1842-437E-8EE0-0D965BD4BF5A}"/>
+              </a:ext>
+            </a:extLst>
+          </p:cNvPr>
+          <p:cNvPicPr>
+            <a:picLocks noChangeAspect="1"/>
+          </p:cNvPicPr>
+          <p:nvPr/>
+        </p:nvPicPr>
+        <p:blipFill rotWithShape="1">
+          <a:blip r:embed="rId2">
+            <a:alphaModFix amt="35000"/>
+            <a:extLst>
+              <a:ext uri="{BEBA8EAE-BF5A-486C-A8C5-ECC9F3942E4B}">
+                <a14:imgProps xmlns:a14="http://schemas.microsoft.com/office/drawing/2010/main">
+                  <a14:imgLayer r:embed="rId3">
+                    <a14:imgEffect>
+                      <a14:colorTemperature colorTemp="5900"/>
+                    </a14:imgEffect>
+                    <a14:imgEffect>
+                      <a14:saturation sat="400000"/>
+                    </a14:imgEffect>
+                  </a14:imgLayer>
+                </a14:imgProps>
+              </a:ext>
+              <a:ext uri="{28A0092B-C50C-407E-A947-70E740481C1C}">
+                <a14:useLocalDpi xmlns:a14="http://schemas.microsoft.com/office/drawing/2010/main" val="0"/>
+              </a:ext>
+            </a:extLst>
+          </a:blip>
+          <a:srcRect l="18256" r="17726"/>
+          <a:stretch/>
+        </p:blipFill>
+        <p:spPr>
+          <a:xfrm>
+            <a:off x="-7" y="-8"/>
+            <a:ext cx="12192000" cy="6855958"/>
+          </a:xfrm>
+          <a:prstGeom prst="rect">
+            <a:avLst/>
+          </a:prstGeom>
+          <a:noFill/>
+          <a:ln>
+            <a:noFill/>
+          </a:ln>
+        </p:spPr>
+      </p:pic>
+      <p:pic>
+        <p:nvPicPr>
+          <p:cNvPr id="9" name="Picture 8">
+            <a:extLst>
+              <a:ext uri="{FF2B5EF4-FFF2-40B4-BE49-F238E27FC236}">
+                <a16:creationId xmlns:a16="http://schemas.microsoft.com/office/drawing/2014/main" id="{1353EAFD-5AF7-4F88-A644-D2561204B6F2}"/>
+              </a:ext>
+            </a:extLst>
+          </p:cNvPr>
+          <p:cNvPicPr>
+            <a:picLocks noChangeAspect="1"/>
+          </p:cNvPicPr>
+          <p:nvPr/>
+        </p:nvPicPr>
+        <p:blipFill rotWithShape="1">
+          <a:blip r:embed="rId4">
+            <a:extLst>
+              <a:ext uri="{28A0092B-C50C-407E-A947-70E740481C1C}">
+                <a14:useLocalDpi xmlns:a14="http://schemas.microsoft.com/office/drawing/2010/main" val="0"/>
+              </a:ext>
+            </a:extLst>
+          </a:blip>
+          <a:srcRect l="1414" r="8588" b="-1"/>
+          <a:stretch/>
+        </p:blipFill>
+        <p:spPr>
+          <a:xfrm>
+            <a:off x="7689829" y="-2055"/>
+            <a:ext cx="4502173" cy="3316924"/>
+          </a:xfrm>
+          <a:custGeom>
+            <a:avLst/>
+            <a:gdLst>
+              <a:gd name="connsiteX0" fmla="*/ 154695 w 4502173"/>
+              <a:gd name="connsiteY0" fmla="*/ 0 h 3316924"/>
+              <a:gd name="connsiteX1" fmla="*/ 4502173 w 4502173"/>
+              <a:gd name="connsiteY1" fmla="*/ 0 h 3316924"/>
+              <a:gd name="connsiteX2" fmla="*/ 4502173 w 4502173"/>
+              <a:gd name="connsiteY2" fmla="*/ 2237639 h 3316924"/>
+              <a:gd name="connsiteX3" fmla="*/ 4365663 w 4502173"/>
+              <a:gd name="connsiteY3" fmla="*/ 2420191 h 3316924"/>
+              <a:gd name="connsiteX4" fmla="*/ 2464181 w 4502173"/>
+              <a:gd name="connsiteY4" fmla="*/ 3316924 h 3316924"/>
+              <a:gd name="connsiteX5" fmla="*/ 0 w 4502173"/>
+              <a:gd name="connsiteY5" fmla="*/ 852743 h 3316924"/>
+              <a:gd name="connsiteX6" fmla="*/ 110786 w 4502173"/>
+              <a:gd name="connsiteY6" fmla="*/ 119971 h 3316924"/>
+            </a:gdLst>
+            <a:ahLst/>
+            <a:cxnLst>
+              <a:cxn ang="0">
+                <a:pos x="connsiteX0" y="connsiteY0"/>
+              </a:cxn>
+              <a:cxn ang="0">
+                <a:pos x="connsiteX1" y="connsiteY1"/>
+              </a:cxn>
+              <a:cxn ang="0">
+                <a:pos x="connsiteX2" y="connsiteY2"/>
+              </a:cxn>
+              <a:cxn ang="0">
+                <a:pos x="connsiteX3" y="connsiteY3"/>
+              </a:cxn>
+              <a:cxn ang="0">
+                <a:pos x="connsiteX4" y="connsiteY4"/>
+              </a:cxn>
+              <a:cxn ang="0">
+                <a:pos x="connsiteX5" y="connsiteY5"/>
+              </a:cxn>
+              <a:cxn ang="0">
+                <a:pos x="connsiteX6" y="connsiteY6"/>
+              </a:cxn>
+            </a:cxnLst>
+            <a:rect l="l" t="t" r="r" b="b"/>
+            <a:pathLst>
+              <a:path w="4502173" h="3316924">
+                <a:moveTo>
+                  <a:pt x="154695" y="0"/>
+                </a:moveTo>
+                <a:lnTo>
+                  <a:pt x="4502173" y="0"/>
+                </a:lnTo>
+                <a:lnTo>
+                  <a:pt x="4502173" y="2237639"/>
+                </a:lnTo>
+                <a:lnTo>
+                  <a:pt x="4365663" y="2420191"/>
+                </a:lnTo>
+                <a:cubicBezTo>
+                  <a:pt x="3913696" y="2967849"/>
+                  <a:pt x="3229704" y="3316924"/>
+                  <a:pt x="2464181" y="3316924"/>
+                </a:cubicBezTo>
+                <a:cubicBezTo>
+                  <a:pt x="1103251" y="3316924"/>
+                  <a:pt x="0" y="2213673"/>
+                  <a:pt x="0" y="852743"/>
+                </a:cubicBezTo>
+                <a:cubicBezTo>
+                  <a:pt x="0" y="597569"/>
+                  <a:pt x="38787" y="351454"/>
+                  <a:pt x="110786" y="119971"/>
+                </a:cubicBezTo>
+                <a:close/>
+              </a:path>
+            </a:pathLst>
+          </a:custGeom>
+        </p:spPr>
+      </p:pic>
+      <p:pic>
+        <p:nvPicPr>
+          <p:cNvPr id="4" name="Picture 3">
+            <a:extLst>
+              <a:ext uri="{FF2B5EF4-FFF2-40B4-BE49-F238E27FC236}">
+                <a16:creationId xmlns:a16="http://schemas.microsoft.com/office/drawing/2014/main" id="{8DD2BD23-4B5E-4D3B-937A-61A65D798931}"/>
+              </a:ext>
+            </a:extLst>
+          </p:cNvPr>
+          <p:cNvPicPr>
+            <a:picLocks noChangeAspect="1"/>
+          </p:cNvPicPr>
+          <p:nvPr/>
+        </p:nvPicPr>
+        <p:blipFill rotWithShape="1">
+          <a:blip r:embed="rId5">
+            <a:extLst>
+              <a:ext uri="{28A0092B-C50C-407E-A947-70E740481C1C}">
+                <a14:useLocalDpi xmlns:a14="http://schemas.microsoft.com/office/drawing/2010/main" val="0"/>
+              </a:ext>
+            </a:extLst>
+          </a:blip>
+          <a:srcRect t="13667" r="2" b="5244"/>
+          <a:stretch/>
+        </p:blipFill>
+        <p:spPr>
+          <a:xfrm>
+            <a:off x="8768834" y="4082148"/>
+            <a:ext cx="3423175" cy="2775859"/>
+          </a:xfrm>
+          <a:custGeom>
+            <a:avLst/>
+            <a:gdLst>
+              <a:gd name="connsiteX0" fmla="*/ 1906524 w 3423175"/>
+              <a:gd name="connsiteY0" fmla="*/ 0 h 2775859"/>
+              <a:gd name="connsiteX1" fmla="*/ 3377691 w 3423175"/>
+              <a:gd name="connsiteY1" fmla="*/ 693798 h 2775859"/>
+              <a:gd name="connsiteX2" fmla="*/ 3423175 w 3423175"/>
+              <a:gd name="connsiteY2" fmla="*/ 754624 h 2775859"/>
+              <a:gd name="connsiteX3" fmla="*/ 3423175 w 3423175"/>
+              <a:gd name="connsiteY3" fmla="*/ 2775859 h 2775859"/>
+              <a:gd name="connsiteX4" fmla="*/ 211114 w 3423175"/>
+              <a:gd name="connsiteY4" fmla="*/ 2775859 h 2775859"/>
+              <a:gd name="connsiteX5" fmla="*/ 149824 w 3423175"/>
+              <a:gd name="connsiteY5" fmla="*/ 2648629 h 2775859"/>
+              <a:gd name="connsiteX6" fmla="*/ 0 w 3423175"/>
+              <a:gd name="connsiteY6" fmla="*/ 1906524 h 2775859"/>
+              <a:gd name="connsiteX7" fmla="*/ 1906524 w 3423175"/>
+              <a:gd name="connsiteY7" fmla="*/ 0 h 2775859"/>
+            </a:gdLst>
+            <a:ahLst/>
+            <a:cxnLst>
+              <a:cxn ang="0">
+                <a:pos x="connsiteX0" y="connsiteY0"/>
+              </a:cxn>
+              <a:cxn ang="0">
+                <a:pos x="connsiteX1" y="connsiteY1"/>
+              </a:cxn>
+              <a:cxn ang="0">
+                <a:pos x="connsiteX2" y="connsiteY2"/>
+              </a:cxn>
+              <a:cxn ang="0">
+                <a:pos x="connsiteX3" y="connsiteY3"/>
+              </a:cxn>
+              <a:cxn ang="0">
+                <a:pos x="connsiteX4" y="connsiteY4"/>
+              </a:cxn>
+              <a:cxn ang="0">
+                <a:pos x="connsiteX5" y="connsiteY5"/>
+              </a:cxn>
+              <a:cxn ang="0">
+                <a:pos x="connsiteX6" y="connsiteY6"/>
+              </a:cxn>
+              <a:cxn ang="0">
+                <a:pos x="connsiteX7" y="connsiteY7"/>
+              </a:cxn>
+            </a:cxnLst>
+            <a:rect l="l" t="t" r="r" b="b"/>
+            <a:pathLst>
+              <a:path w="3423175" h="2775859">
+                <a:moveTo>
+                  <a:pt x="1906524" y="0"/>
+                </a:moveTo>
+                <a:cubicBezTo>
+                  <a:pt x="2498805" y="0"/>
+                  <a:pt x="3028006" y="270078"/>
+                  <a:pt x="3377691" y="693798"/>
+                </a:cubicBezTo>
+                <a:lnTo>
+                  <a:pt x="3423175" y="754624"/>
+                </a:lnTo>
+                <a:lnTo>
+                  <a:pt x="3423175" y="2775859"/>
+                </a:lnTo>
+                <a:lnTo>
+                  <a:pt x="211114" y="2775859"/>
+                </a:lnTo>
+                <a:lnTo>
+                  <a:pt x="149824" y="2648629"/>
+                </a:lnTo>
+                <a:cubicBezTo>
+                  <a:pt x="53349" y="2420536"/>
+                  <a:pt x="0" y="2169760"/>
+                  <a:pt x="0" y="1906524"/>
+                </a:cubicBezTo>
+                <a:cubicBezTo>
+                  <a:pt x="0" y="853580"/>
+                  <a:pt x="853580" y="0"/>
+                  <a:pt x="1906524" y="0"/>
+                </a:cubicBezTo>
+                <a:close/>
+              </a:path>
+            </a:pathLst>
+          </a:custGeom>
+        </p:spPr>
+      </p:pic>
+      <p:pic>
+        <p:nvPicPr>
+          <p:cNvPr id="5" name="Picture 4">
+            <a:extLst>
+              <a:ext uri="{FF2B5EF4-FFF2-40B4-BE49-F238E27FC236}">
+                <a16:creationId xmlns:a16="http://schemas.microsoft.com/office/drawing/2014/main" id="{5F7ADC53-19D3-4C24-ABFE-89B9FEC8A1BF}"/>
+              </a:ext>
+            </a:extLst>
+          </p:cNvPr>
+          <p:cNvPicPr/>
+          <p:nvPr/>
+        </p:nvPicPr>
+        <p:blipFill>
+          <a:blip r:embed="rId6">
+            <a:extLst>
+              <a:ext uri="{28A0092B-C50C-407E-A947-70E740481C1C}">
+                <a14:useLocalDpi xmlns:a14="http://schemas.microsoft.com/office/drawing/2010/main" val="0"/>
+              </a:ext>
+            </a:extLst>
+          </a:blip>
+          <a:stretch>
+            <a:fillRect/>
+          </a:stretch>
+        </p:blipFill>
+        <p:spPr>
+          <a:xfrm>
+            <a:off x="640080" y="1656407"/>
+            <a:ext cx="7248939" cy="5075574"/>
+          </a:xfrm>
+          <a:prstGeom prst="rect">
+            <a:avLst/>
+          </a:prstGeom>
+        </p:spPr>
+      </p:pic>
+      <p:sp>
+        <p:nvSpPr>
+          <p:cNvPr id="7" name="TextBox 6">
+            <a:extLst>
+              <a:ext uri="{FF2B5EF4-FFF2-40B4-BE49-F238E27FC236}">
+                <a16:creationId xmlns:a16="http://schemas.microsoft.com/office/drawing/2014/main" id="{96A37748-DFD3-4777-8DBA-0B85202EFDF9}"/>
+              </a:ext>
+            </a:extLst>
+          </p:cNvPr>
+          <p:cNvSpPr txBox="1"/>
+          <p:nvPr/>
+        </p:nvSpPr>
+        <p:spPr>
+          <a:xfrm>
+            <a:off x="640064" y="331944"/>
+            <a:ext cx="5910470" cy="1323439"/>
+          </a:xfrm>
+          <a:prstGeom prst="rect">
+            <a:avLst/>
+          </a:prstGeom>
+          <a:noFill/>
+        </p:spPr>
+        <p:txBody>
+          <a:bodyPr wrap="square" rtlCol="0">
+            <a:spAutoFit/>
+          </a:bodyPr>
+          <a:lstStyle/>
+          <a:p>
+            <a:r>
+              <a:rPr lang="hr-HR" sz="4000" b="1" dirty="0"/>
+              <a:t>Dijagram komponenti - Administrator</a:t>
+            </a:r>
+          </a:p>
+        </p:txBody>
+      </p:sp>
+    </p:spTree>
+    <p:extLst>
+      <p:ext uri="{BB962C8B-B14F-4D97-AF65-F5344CB8AC3E}">
+        <p14:creationId xmlns:p14="http://schemas.microsoft.com/office/powerpoint/2010/main" val="3887180289"/>
+      </p:ext>
+    </p:extLst>
+  </p:cSld>
+  <p:clrMapOvr>
+    <a:masterClrMapping/>
+  </p:clrMapOvr>
+</p:sld>
+</file>
+
+<file path=ppt/slides/slide18.xml><?xml version="1.0" encoding="utf-8"?>
+<p:sld xmlns:a="http://schemas.openxmlformats.org/drawingml/2006/main" xmlns:r="http://schemas.openxmlformats.org/officeDocument/2006/relationships" xmlns:p="http://schemas.openxmlformats.org/presentationml/2006/main">
+  <p:cSld>
+    <p:spTree>
+      <p:nvGrpSpPr>
+        <p:cNvPr id="1" name=""/>
+        <p:cNvGrpSpPr/>
+        <p:nvPr/>
+      </p:nvGrpSpPr>
+      <p:grpSpPr>
+        <a:xfrm>
+          <a:off x="0" y="0"/>
+          <a:ext cx="0" cy="0"/>
+          <a:chOff x="0" y="0"/>
+          <a:chExt cx="0" cy="0"/>
+        </a:xfrm>
+      </p:grpSpPr>
+      <p:pic>
+        <p:nvPicPr>
+          <p:cNvPr id="3" name="Picture 2">
+            <a:extLst>
+              <a:ext uri="{FF2B5EF4-FFF2-40B4-BE49-F238E27FC236}">
+                <a16:creationId xmlns:a16="http://schemas.microsoft.com/office/drawing/2014/main" id="{BE2E685B-1842-437E-8EE0-0D965BD4BF5A}"/>
+              </a:ext>
+            </a:extLst>
+          </p:cNvPr>
+          <p:cNvPicPr>
+            <a:picLocks noChangeAspect="1"/>
+          </p:cNvPicPr>
+          <p:nvPr/>
+        </p:nvPicPr>
+        <p:blipFill rotWithShape="1">
+          <a:blip r:embed="rId2">
+            <a:alphaModFix amt="35000"/>
+            <a:extLst>
+              <a:ext uri="{BEBA8EAE-BF5A-486C-A8C5-ECC9F3942E4B}">
+                <a14:imgProps xmlns:a14="http://schemas.microsoft.com/office/drawing/2010/main">
+                  <a14:imgLayer r:embed="rId3">
+                    <a14:imgEffect>
+                      <a14:colorTemperature colorTemp="5900"/>
+                    </a14:imgEffect>
+                    <a14:imgEffect>
+                      <a14:saturation sat="400000"/>
+                    </a14:imgEffect>
+                  </a14:imgLayer>
+                </a14:imgProps>
+              </a:ext>
+              <a:ext uri="{28A0092B-C50C-407E-A947-70E740481C1C}">
+                <a14:useLocalDpi xmlns:a14="http://schemas.microsoft.com/office/drawing/2010/main" val="0"/>
+              </a:ext>
+            </a:extLst>
+          </a:blip>
+          <a:srcRect l="18256" r="17726"/>
+          <a:stretch/>
+        </p:blipFill>
+        <p:spPr>
+          <a:xfrm>
+            <a:off x="0" y="2042"/>
+            <a:ext cx="12192000" cy="6855958"/>
+          </a:xfrm>
+          <a:prstGeom prst="rect">
+            <a:avLst/>
+          </a:prstGeom>
+          <a:noFill/>
+          <a:ln>
+            <a:noFill/>
+          </a:ln>
+        </p:spPr>
+      </p:pic>
+      <p:pic>
+        <p:nvPicPr>
+          <p:cNvPr id="9" name="Picture 8">
+            <a:extLst>
+              <a:ext uri="{FF2B5EF4-FFF2-40B4-BE49-F238E27FC236}">
+                <a16:creationId xmlns:a16="http://schemas.microsoft.com/office/drawing/2014/main" id="{1353EAFD-5AF7-4F88-A644-D2561204B6F2}"/>
+              </a:ext>
+            </a:extLst>
+          </p:cNvPr>
+          <p:cNvPicPr>
+            <a:picLocks noChangeAspect="1"/>
+          </p:cNvPicPr>
+          <p:nvPr/>
+        </p:nvPicPr>
+        <p:blipFill rotWithShape="1">
+          <a:blip r:embed="rId4">
+            <a:extLst>
+              <a:ext uri="{28A0092B-C50C-407E-A947-70E740481C1C}">
+                <a14:useLocalDpi xmlns:a14="http://schemas.microsoft.com/office/drawing/2010/main" val="0"/>
+              </a:ext>
+            </a:extLst>
+          </a:blip>
+          <a:srcRect l="1414" r="8588" b="-1"/>
+          <a:stretch/>
+        </p:blipFill>
+        <p:spPr>
+          <a:xfrm>
+            <a:off x="7689829" y="-2055"/>
+            <a:ext cx="4502173" cy="3316924"/>
+          </a:xfrm>
+          <a:custGeom>
+            <a:avLst/>
+            <a:gdLst>
+              <a:gd name="connsiteX0" fmla="*/ 154695 w 4502173"/>
+              <a:gd name="connsiteY0" fmla="*/ 0 h 3316924"/>
+              <a:gd name="connsiteX1" fmla="*/ 4502173 w 4502173"/>
+              <a:gd name="connsiteY1" fmla="*/ 0 h 3316924"/>
+              <a:gd name="connsiteX2" fmla="*/ 4502173 w 4502173"/>
+              <a:gd name="connsiteY2" fmla="*/ 2237639 h 3316924"/>
+              <a:gd name="connsiteX3" fmla="*/ 4365663 w 4502173"/>
+              <a:gd name="connsiteY3" fmla="*/ 2420191 h 3316924"/>
+              <a:gd name="connsiteX4" fmla="*/ 2464181 w 4502173"/>
+              <a:gd name="connsiteY4" fmla="*/ 3316924 h 3316924"/>
+              <a:gd name="connsiteX5" fmla="*/ 0 w 4502173"/>
+              <a:gd name="connsiteY5" fmla="*/ 852743 h 3316924"/>
+              <a:gd name="connsiteX6" fmla="*/ 110786 w 4502173"/>
+              <a:gd name="connsiteY6" fmla="*/ 119971 h 3316924"/>
+            </a:gdLst>
+            <a:ahLst/>
+            <a:cxnLst>
+              <a:cxn ang="0">
+                <a:pos x="connsiteX0" y="connsiteY0"/>
+              </a:cxn>
+              <a:cxn ang="0">
+                <a:pos x="connsiteX1" y="connsiteY1"/>
+              </a:cxn>
+              <a:cxn ang="0">
+                <a:pos x="connsiteX2" y="connsiteY2"/>
+              </a:cxn>
+              <a:cxn ang="0">
+                <a:pos x="connsiteX3" y="connsiteY3"/>
+              </a:cxn>
+              <a:cxn ang="0">
+                <a:pos x="connsiteX4" y="connsiteY4"/>
+              </a:cxn>
+              <a:cxn ang="0">
+                <a:pos x="connsiteX5" y="connsiteY5"/>
+              </a:cxn>
+              <a:cxn ang="0">
+                <a:pos x="connsiteX6" y="connsiteY6"/>
+              </a:cxn>
+            </a:cxnLst>
+            <a:rect l="l" t="t" r="r" b="b"/>
+            <a:pathLst>
+              <a:path w="4502173" h="3316924">
+                <a:moveTo>
+                  <a:pt x="154695" y="0"/>
+                </a:moveTo>
+                <a:lnTo>
+                  <a:pt x="4502173" y="0"/>
+                </a:lnTo>
+                <a:lnTo>
+                  <a:pt x="4502173" y="2237639"/>
+                </a:lnTo>
+                <a:lnTo>
+                  <a:pt x="4365663" y="2420191"/>
+                </a:lnTo>
+                <a:cubicBezTo>
+                  <a:pt x="3913696" y="2967849"/>
+                  <a:pt x="3229704" y="3316924"/>
+                  <a:pt x="2464181" y="3316924"/>
+                </a:cubicBezTo>
+                <a:cubicBezTo>
+                  <a:pt x="1103251" y="3316924"/>
+                  <a:pt x="0" y="2213673"/>
+                  <a:pt x="0" y="852743"/>
+                </a:cubicBezTo>
+                <a:cubicBezTo>
+                  <a:pt x="0" y="597569"/>
+                  <a:pt x="38787" y="351454"/>
+                  <a:pt x="110786" y="119971"/>
+                </a:cubicBezTo>
+                <a:close/>
+              </a:path>
+            </a:pathLst>
+          </a:custGeom>
+        </p:spPr>
+      </p:pic>
+      <p:pic>
+        <p:nvPicPr>
+          <p:cNvPr id="4" name="Picture 3">
+            <a:extLst>
+              <a:ext uri="{FF2B5EF4-FFF2-40B4-BE49-F238E27FC236}">
+                <a16:creationId xmlns:a16="http://schemas.microsoft.com/office/drawing/2014/main" id="{8DD2BD23-4B5E-4D3B-937A-61A65D798931}"/>
+              </a:ext>
+            </a:extLst>
+          </p:cNvPr>
+          <p:cNvPicPr>
+            <a:picLocks noChangeAspect="1"/>
+          </p:cNvPicPr>
+          <p:nvPr/>
+        </p:nvPicPr>
+        <p:blipFill rotWithShape="1">
+          <a:blip r:embed="rId5">
+            <a:extLst>
+              <a:ext uri="{28A0092B-C50C-407E-A947-70E740481C1C}">
+                <a14:useLocalDpi xmlns:a14="http://schemas.microsoft.com/office/drawing/2010/main" val="0"/>
+              </a:ext>
+            </a:extLst>
+          </a:blip>
+          <a:srcRect t="13667" r="2" b="5244"/>
+          <a:stretch/>
+        </p:blipFill>
+        <p:spPr>
+          <a:xfrm>
+            <a:off x="8768834" y="4082148"/>
+            <a:ext cx="3423175" cy="2775859"/>
+          </a:xfrm>
+          <a:custGeom>
+            <a:avLst/>
+            <a:gdLst>
+              <a:gd name="connsiteX0" fmla="*/ 1906524 w 3423175"/>
+              <a:gd name="connsiteY0" fmla="*/ 0 h 2775859"/>
+              <a:gd name="connsiteX1" fmla="*/ 3377691 w 3423175"/>
+              <a:gd name="connsiteY1" fmla="*/ 693798 h 2775859"/>
+              <a:gd name="connsiteX2" fmla="*/ 3423175 w 3423175"/>
+              <a:gd name="connsiteY2" fmla="*/ 754624 h 2775859"/>
+              <a:gd name="connsiteX3" fmla="*/ 3423175 w 3423175"/>
+              <a:gd name="connsiteY3" fmla="*/ 2775859 h 2775859"/>
+              <a:gd name="connsiteX4" fmla="*/ 211114 w 3423175"/>
+              <a:gd name="connsiteY4" fmla="*/ 2775859 h 2775859"/>
+              <a:gd name="connsiteX5" fmla="*/ 149824 w 3423175"/>
+              <a:gd name="connsiteY5" fmla="*/ 2648629 h 2775859"/>
+              <a:gd name="connsiteX6" fmla="*/ 0 w 3423175"/>
+              <a:gd name="connsiteY6" fmla="*/ 1906524 h 2775859"/>
+              <a:gd name="connsiteX7" fmla="*/ 1906524 w 3423175"/>
+              <a:gd name="connsiteY7" fmla="*/ 0 h 2775859"/>
+            </a:gdLst>
+            <a:ahLst/>
+            <a:cxnLst>
+              <a:cxn ang="0">
+                <a:pos x="connsiteX0" y="connsiteY0"/>
+              </a:cxn>
+              <a:cxn ang="0">
+                <a:pos x="connsiteX1" y="connsiteY1"/>
+              </a:cxn>
+              <a:cxn ang="0">
+                <a:pos x="connsiteX2" y="connsiteY2"/>
+              </a:cxn>
+              <a:cxn ang="0">
+                <a:pos x="connsiteX3" y="connsiteY3"/>
+              </a:cxn>
+              <a:cxn ang="0">
+                <a:pos x="connsiteX4" y="connsiteY4"/>
+              </a:cxn>
+              <a:cxn ang="0">
+                <a:pos x="connsiteX5" y="connsiteY5"/>
+              </a:cxn>
+              <a:cxn ang="0">
+                <a:pos x="connsiteX6" y="connsiteY6"/>
+              </a:cxn>
+              <a:cxn ang="0">
+                <a:pos x="connsiteX7" y="connsiteY7"/>
+              </a:cxn>
+            </a:cxnLst>
+            <a:rect l="l" t="t" r="r" b="b"/>
+            <a:pathLst>
+              <a:path w="3423175" h="2775859">
+                <a:moveTo>
+                  <a:pt x="1906524" y="0"/>
+                </a:moveTo>
+                <a:cubicBezTo>
+                  <a:pt x="2498805" y="0"/>
+                  <a:pt x="3028006" y="270078"/>
+                  <a:pt x="3377691" y="693798"/>
+                </a:cubicBezTo>
+                <a:lnTo>
+                  <a:pt x="3423175" y="754624"/>
+                </a:lnTo>
+                <a:lnTo>
+                  <a:pt x="3423175" y="2775859"/>
+                </a:lnTo>
+                <a:lnTo>
+                  <a:pt x="211114" y="2775859"/>
+                </a:lnTo>
+                <a:lnTo>
+                  <a:pt x="149824" y="2648629"/>
+                </a:lnTo>
+                <a:cubicBezTo>
+                  <a:pt x="53349" y="2420536"/>
+                  <a:pt x="0" y="2169760"/>
+                  <a:pt x="0" y="1906524"/>
+                </a:cubicBezTo>
+                <a:cubicBezTo>
+                  <a:pt x="0" y="853580"/>
+                  <a:pt x="853580" y="0"/>
+                  <a:pt x="1906524" y="0"/>
+                </a:cubicBezTo>
+                <a:close/>
+              </a:path>
+            </a:pathLst>
+          </a:custGeom>
+        </p:spPr>
+      </p:pic>
+      <p:sp>
+        <p:nvSpPr>
+          <p:cNvPr id="7" name="TextBox 6">
+            <a:extLst>
+              <a:ext uri="{FF2B5EF4-FFF2-40B4-BE49-F238E27FC236}">
+                <a16:creationId xmlns:a16="http://schemas.microsoft.com/office/drawing/2014/main" id="{96A37748-DFD3-4777-8DBA-0B85202EFDF9}"/>
+              </a:ext>
+            </a:extLst>
+          </p:cNvPr>
+          <p:cNvSpPr txBox="1"/>
+          <p:nvPr/>
+        </p:nvSpPr>
+        <p:spPr>
+          <a:xfrm>
+            <a:off x="517488" y="355400"/>
+            <a:ext cx="8012361" cy="1323439"/>
+          </a:xfrm>
+          <a:prstGeom prst="rect">
+            <a:avLst/>
+          </a:prstGeom>
+          <a:noFill/>
+        </p:spPr>
+        <p:txBody>
+          <a:bodyPr wrap="square" rtlCol="0">
+            <a:spAutoFit/>
+          </a:bodyPr>
+          <a:lstStyle/>
+          <a:p>
+            <a:r>
+              <a:rPr lang="hr-HR" sz="4000" b="1" dirty="0"/>
+              <a:t>Izgled sustava – kroz par glavnih dijelova sustava</a:t>
             </a:r>
           </a:p>
         </p:txBody>
       </p:sp>
       <p:grpSp>
         <p:nvGrpSpPr>
-          <p:cNvPr id="8" name="Grupa 7">
+          <p:cNvPr id="5" name="Grupa 4">
             <a:extLst>
               <a:ext uri="{FF2B5EF4-FFF2-40B4-BE49-F238E27FC236}">
-                <a16:creationId xmlns:a16="http://schemas.microsoft.com/office/drawing/2014/main" id="{50559D64-EF1A-4393-AEBA-D31C38C39B60}"/>
+                <a16:creationId xmlns:a16="http://schemas.microsoft.com/office/drawing/2014/main" id="{DE65674E-DFD8-4489-916A-777133682B83}"/>
               </a:ext>
             </a:extLst>
           </p:cNvPr>
@@ -5001,10 +6503,10 @@
         </p:nvGrpSpPr>
         <p:grpSpPr>
           <a:xfrm>
-            <a:off x="167784" y="580520"/>
-            <a:ext cx="3548847" cy="3746349"/>
-            <a:chOff x="3214090" y="517832"/>
-            <a:chExt cx="4952245" cy="4952245"/>
+            <a:off x="-201800" y="1736855"/>
+            <a:ext cx="5481955" cy="4562345"/>
+            <a:chOff x="-280694" y="2411703"/>
+            <a:chExt cx="6178267" cy="4690585"/>
           </a:xfrm>
         </p:grpSpPr>
         <p:pic>
@@ -5038,8 +6540,8 @@
           </p:blipFill>
           <p:spPr>
             <a:xfrm>
-              <a:off x="3214090" y="517832"/>
-              <a:ext cx="4952245" cy="4952245"/>
+              <a:off x="-280694" y="2411703"/>
+              <a:ext cx="6178267" cy="4690585"/>
             </a:xfrm>
             <a:prstGeom prst="rect">
               <a:avLst/>
@@ -5048,13 +6550,7 @@
         </p:pic>
         <p:pic>
           <p:nvPicPr>
-            <p:cNvPr id="11" name="Slika 10">
-              <a:extLst>
-                <a:ext uri="{FF2B5EF4-FFF2-40B4-BE49-F238E27FC236}">
-                  <a16:creationId xmlns:a16="http://schemas.microsoft.com/office/drawing/2014/main" id="{F47EB12F-6F89-4193-9245-1948A2C0EA25}"/>
-                </a:ext>
-              </a:extLst>
-            </p:cNvPr>
+            <p:cNvPr id="2" name="Picture 1"/>
             <p:cNvPicPr>
               <a:picLocks noChangeAspect="1"/>
             </p:cNvPicPr>
@@ -5074,8 +6570,8 @@
           </p:blipFill>
           <p:spPr>
             <a:xfrm>
-              <a:off x="3955055" y="1586429"/>
-              <a:ext cx="3470314" cy="2225407"/>
+              <a:off x="654675" y="3425042"/>
+              <a:ext cx="4313565" cy="2045035"/>
             </a:xfrm>
             <a:prstGeom prst="rect">
               <a:avLst/>
@@ -5083,201 +6579,102 @@
           </p:spPr>
         </p:pic>
       </p:grpSp>
-      <p:pic>
-        <p:nvPicPr>
-          <p:cNvPr id="16" name="Grafika 15" descr="Monitor">
+      <p:grpSp>
+        <p:nvGrpSpPr>
+          <p:cNvPr id="6" name="Grupa 5">
             <a:extLst>
               <a:ext uri="{FF2B5EF4-FFF2-40B4-BE49-F238E27FC236}">
-                <a16:creationId xmlns:a16="http://schemas.microsoft.com/office/drawing/2014/main" id="{ACA436BB-D36F-44CC-92BB-814B3C505743}"/>
+                <a16:creationId xmlns:a16="http://schemas.microsoft.com/office/drawing/2014/main" id="{E626FD06-4939-4DFC-930E-54364CCAF45B}"/>
               </a:ext>
             </a:extLst>
           </p:cNvPr>
-          <p:cNvPicPr>
-            <a:picLocks noChangeAspect="1"/>
-          </p:cNvPicPr>
+          <p:cNvGrpSpPr/>
           <p:nvPr/>
-        </p:nvPicPr>
-        <p:blipFill>
-          <a:blip r:embed="rId6">
-            <a:extLst>
-              <a:ext uri="{28A0092B-C50C-407E-A947-70E740481C1C}">
-                <a14:useLocalDpi xmlns:a14="http://schemas.microsoft.com/office/drawing/2010/main" val="0"/>
-              </a:ext>
-              <a:ext uri="{96DAC541-7B7A-43D3-8B79-37D633B846F1}">
-                <asvg:svgBlip xmlns:asvg="http://schemas.microsoft.com/office/drawing/2016/SVG/main" r:embed="rId7"/>
-              </a:ext>
-            </a:extLst>
-          </a:blip>
-          <a:stretch>
-            <a:fillRect/>
-          </a:stretch>
-        </p:blipFill>
-        <p:spPr>
-          <a:xfrm>
-            <a:off x="3528497" y="578463"/>
-            <a:ext cx="3548847" cy="3746349"/>
-          </a:xfrm>
-          <a:prstGeom prst="rect">
-            <a:avLst/>
-          </a:prstGeom>
-        </p:spPr>
-      </p:pic>
-      <p:pic>
-        <p:nvPicPr>
-          <p:cNvPr id="18" name="Grafika 17" descr="Monitor">
-            <a:extLst>
-              <a:ext uri="{FF2B5EF4-FFF2-40B4-BE49-F238E27FC236}">
-                <a16:creationId xmlns:a16="http://schemas.microsoft.com/office/drawing/2014/main" id="{F5AE8506-0E25-4601-BA93-6F0064952549}"/>
-              </a:ext>
-            </a:extLst>
-          </p:cNvPr>
-          <p:cNvPicPr>
-            <a:picLocks noChangeAspect="1"/>
-          </p:cNvPicPr>
-          <p:nvPr/>
-        </p:nvPicPr>
-        <p:blipFill>
-          <a:blip r:embed="rId6">
-            <a:extLst>
-              <a:ext uri="{28A0092B-C50C-407E-A947-70E740481C1C}">
-                <a14:useLocalDpi xmlns:a14="http://schemas.microsoft.com/office/drawing/2010/main" val="0"/>
-              </a:ext>
-              <a:ext uri="{96DAC541-7B7A-43D3-8B79-37D633B846F1}">
-                <asvg:svgBlip xmlns:asvg="http://schemas.microsoft.com/office/drawing/2016/SVG/main" r:embed="rId7"/>
-              </a:ext>
-            </a:extLst>
-          </a:blip>
-          <a:stretch>
-            <a:fillRect/>
-          </a:stretch>
-        </p:blipFill>
-        <p:spPr>
-          <a:xfrm>
-            <a:off x="6869028" y="578463"/>
-            <a:ext cx="3548847" cy="3746349"/>
-          </a:xfrm>
-          <a:prstGeom prst="rect">
-            <a:avLst/>
-          </a:prstGeom>
-        </p:spPr>
-      </p:pic>
-      <p:pic>
-        <p:nvPicPr>
-          <p:cNvPr id="20" name="Grafika 19" descr="Monitor">
-            <a:extLst>
-              <a:ext uri="{FF2B5EF4-FFF2-40B4-BE49-F238E27FC236}">
-                <a16:creationId xmlns:a16="http://schemas.microsoft.com/office/drawing/2014/main" id="{36C0ECEA-12C7-478D-A50C-AD05BA9864FA}"/>
-              </a:ext>
-            </a:extLst>
-          </p:cNvPr>
-          <p:cNvPicPr>
-            <a:picLocks noChangeAspect="1"/>
-          </p:cNvPicPr>
-          <p:nvPr/>
-        </p:nvPicPr>
-        <p:blipFill>
-          <a:blip r:embed="rId6">
-            <a:extLst>
-              <a:ext uri="{28A0092B-C50C-407E-A947-70E740481C1C}">
-                <a14:useLocalDpi xmlns:a14="http://schemas.microsoft.com/office/drawing/2010/main" val="0"/>
-              </a:ext>
-              <a:ext uri="{96DAC541-7B7A-43D3-8B79-37D633B846F1}">
-                <asvg:svgBlip xmlns:asvg="http://schemas.microsoft.com/office/drawing/2016/SVG/main" r:embed="rId7"/>
-              </a:ext>
-            </a:extLst>
-          </a:blip>
-          <a:stretch>
-            <a:fillRect/>
-          </a:stretch>
-        </p:blipFill>
-        <p:spPr>
-          <a:xfrm>
-            <a:off x="198560" y="3419104"/>
-            <a:ext cx="3548847" cy="3746349"/>
-          </a:xfrm>
-          <a:prstGeom prst="rect">
-            <a:avLst/>
-          </a:prstGeom>
-        </p:spPr>
-      </p:pic>
-      <p:pic>
-        <p:nvPicPr>
-          <p:cNvPr id="22" name="Grafika 21" descr="Monitor">
-            <a:extLst>
-              <a:ext uri="{FF2B5EF4-FFF2-40B4-BE49-F238E27FC236}">
-                <a16:creationId xmlns:a16="http://schemas.microsoft.com/office/drawing/2014/main" id="{7B9E96A8-A6BC-4DA3-AC81-300D20FBFCD5}"/>
-              </a:ext>
-            </a:extLst>
-          </p:cNvPr>
-          <p:cNvPicPr>
-            <a:picLocks noChangeAspect="1"/>
-          </p:cNvPicPr>
-          <p:nvPr/>
-        </p:nvPicPr>
-        <p:blipFill>
-          <a:blip r:embed="rId6">
-            <a:extLst>
-              <a:ext uri="{28A0092B-C50C-407E-A947-70E740481C1C}">
-                <a14:useLocalDpi xmlns:a14="http://schemas.microsoft.com/office/drawing/2010/main" val="0"/>
-              </a:ext>
-              <a:ext uri="{96DAC541-7B7A-43D3-8B79-37D633B846F1}">
-                <asvg:svgBlip xmlns:asvg="http://schemas.microsoft.com/office/drawing/2016/SVG/main" r:embed="rId7"/>
-              </a:ext>
-            </a:extLst>
-          </a:blip>
-          <a:stretch>
-            <a:fillRect/>
-          </a:stretch>
-        </p:blipFill>
-        <p:spPr>
-          <a:xfrm>
-            <a:off x="3528481" y="3417047"/>
-            <a:ext cx="3548847" cy="3746349"/>
-          </a:xfrm>
-          <a:prstGeom prst="rect">
-            <a:avLst/>
-          </a:prstGeom>
-        </p:spPr>
-      </p:pic>
-      <p:pic>
-        <p:nvPicPr>
-          <p:cNvPr id="23" name="Grafika 22" descr="Monitor">
-            <a:extLst>
-              <a:ext uri="{FF2B5EF4-FFF2-40B4-BE49-F238E27FC236}">
-                <a16:creationId xmlns:a16="http://schemas.microsoft.com/office/drawing/2014/main" id="{867C7987-7417-4B56-9E6C-3B112DBE8EE6}"/>
-              </a:ext>
-            </a:extLst>
-          </p:cNvPr>
-          <p:cNvPicPr>
-            <a:picLocks noChangeAspect="1"/>
-          </p:cNvPicPr>
-          <p:nvPr/>
-        </p:nvPicPr>
-        <p:blipFill>
-          <a:blip r:embed="rId6">
-            <a:extLst>
-              <a:ext uri="{28A0092B-C50C-407E-A947-70E740481C1C}">
-                <a14:useLocalDpi xmlns:a14="http://schemas.microsoft.com/office/drawing/2010/main" val="0"/>
-              </a:ext>
-              <a:ext uri="{96DAC541-7B7A-43D3-8B79-37D633B846F1}">
-                <asvg:svgBlip xmlns:asvg="http://schemas.microsoft.com/office/drawing/2016/SVG/main" r:embed="rId7"/>
-              </a:ext>
-            </a:extLst>
-          </a:blip>
-          <a:stretch>
-            <a:fillRect/>
-          </a:stretch>
-        </p:blipFill>
-        <p:spPr>
-          <a:xfrm>
-            <a:off x="6919912" y="3414990"/>
-            <a:ext cx="3548847" cy="3746349"/>
-          </a:xfrm>
-          <a:prstGeom prst="rect">
-            <a:avLst/>
-          </a:prstGeom>
-        </p:spPr>
-      </p:pic>
+        </p:nvGrpSpPr>
+        <p:grpSpPr>
+          <a:xfrm>
+            <a:off x="4523668" y="1731313"/>
+            <a:ext cx="5512933" cy="4690585"/>
+            <a:chOff x="4523668" y="1731313"/>
+            <a:chExt cx="5512933" cy="4690585"/>
+          </a:xfrm>
+        </p:grpSpPr>
+        <p:pic>
+          <p:nvPicPr>
+            <p:cNvPr id="8" name="Grafika 7" descr="Monitor">
+              <a:extLst>
+                <a:ext uri="{FF2B5EF4-FFF2-40B4-BE49-F238E27FC236}">
+                  <a16:creationId xmlns:a16="http://schemas.microsoft.com/office/drawing/2014/main" id="{9051A9E8-1BD7-4305-8F48-24D64E468291}"/>
+                </a:ext>
+              </a:extLst>
+            </p:cNvPr>
+            <p:cNvPicPr>
+              <a:picLocks noChangeAspect="1"/>
+            </p:cNvPicPr>
+            <p:nvPr/>
+          </p:nvPicPr>
+          <p:blipFill>
+            <a:blip r:embed="rId6">
+              <a:extLst>
+                <a:ext uri="{28A0092B-C50C-407E-A947-70E740481C1C}">
+                  <a14:useLocalDpi xmlns:a14="http://schemas.microsoft.com/office/drawing/2010/main" val="0"/>
+                </a:ext>
+                <a:ext uri="{96DAC541-7B7A-43D3-8B79-37D633B846F1}">
+                  <asvg:svgBlip xmlns:asvg="http://schemas.microsoft.com/office/drawing/2016/SVG/main" r:embed="rId7"/>
+                </a:ext>
+              </a:extLst>
+            </a:blip>
+            <a:stretch>
+              <a:fillRect/>
+            </a:stretch>
+          </p:blipFill>
+          <p:spPr>
+            <a:xfrm>
+              <a:off x="4523668" y="1731313"/>
+              <a:ext cx="5512933" cy="4690585"/>
+            </a:xfrm>
+            <a:prstGeom prst="rect">
+              <a:avLst/>
+            </a:prstGeom>
+          </p:spPr>
+        </p:pic>
+        <p:pic>
+          <p:nvPicPr>
+            <p:cNvPr id="11" name="Picture 9">
+              <a:extLst>
+                <a:ext uri="{FF2B5EF4-FFF2-40B4-BE49-F238E27FC236}">
+                  <a16:creationId xmlns:a16="http://schemas.microsoft.com/office/drawing/2014/main" id="{F27F8E81-1086-446C-ACA3-7EE817226B89}"/>
+                </a:ext>
+              </a:extLst>
+            </p:cNvPr>
+            <p:cNvPicPr>
+              <a:picLocks noChangeAspect="1"/>
+            </p:cNvPicPr>
+            <p:nvPr/>
+          </p:nvPicPr>
+          <p:blipFill>
+            <a:blip r:embed="rId9">
+              <a:extLst>
+                <a:ext uri="{28A0092B-C50C-407E-A947-70E740481C1C}">
+                  <a14:useLocalDpi xmlns:a14="http://schemas.microsoft.com/office/drawing/2010/main" val="0"/>
+                </a:ext>
+              </a:extLst>
+            </a:blip>
+            <a:stretch>
+              <a:fillRect/>
+            </a:stretch>
+          </p:blipFill>
+          <p:spPr>
+            <a:xfrm>
+              <a:off x="5351909" y="2722489"/>
+              <a:ext cx="3853052" cy="2133991"/>
+            </a:xfrm>
+            <a:prstGeom prst="rect">
+              <a:avLst/>
+            </a:prstGeom>
+          </p:spPr>
+        </p:pic>
+      </p:grpSp>
     </p:spTree>
     <p:extLst>
       <p:ext uri="{BB962C8B-B14F-4D97-AF65-F5344CB8AC3E}">
@@ -5291,7 +6688,7 @@
 </p:sld>
 </file>
 
-<file path=ppt/slides/slide15.xml><?xml version="1.0" encoding="utf-8"?>
+<file path=ppt/slides/slide19.xml><?xml version="1.0" encoding="utf-8"?>
 <p:sld xmlns:a="http://schemas.openxmlformats.org/drawingml/2006/main" xmlns:r="http://schemas.openxmlformats.org/officeDocument/2006/relationships" xmlns:p="http://schemas.openxmlformats.org/presentationml/2006/main">
   <p:cSld>
     <p:spTree>
@@ -5310,7 +6707,7 @@
       </p:grpSpPr>
       <p:pic>
         <p:nvPicPr>
-          <p:cNvPr id="3" name="Picture 2">
+          <p:cNvPr id="4" name="Picture 3">
             <a:extLst>
               <a:ext uri="{FF2B5EF4-FFF2-40B4-BE49-F238E27FC236}">
                 <a16:creationId xmlns:a16="http://schemas.microsoft.com/office/drawing/2014/main" id="{BE2E685B-1842-437E-8EE0-0D965BD4BF5A}"/>
@@ -5362,7 +6759,7 @@
       </p:pic>
       <p:pic>
         <p:nvPicPr>
-          <p:cNvPr id="9" name="Picture 8">
+          <p:cNvPr id="5" name="Picture 4">
             <a:extLst>
               <a:ext uri="{FF2B5EF4-FFF2-40B4-BE49-F238E27FC236}">
                 <a16:creationId xmlns:a16="http://schemas.microsoft.com/office/drawing/2014/main" id="{1353EAFD-5AF7-4F88-A644-D2561204B6F2}"/>
@@ -5470,7 +6867,7 @@
       </p:pic>
       <p:pic>
         <p:nvPicPr>
-          <p:cNvPr id="4" name="Picture 3">
+          <p:cNvPr id="6" name="Picture 5">
             <a:extLst>
               <a:ext uri="{FF2B5EF4-FFF2-40B4-BE49-F238E27FC236}">
                 <a16:creationId xmlns:a16="http://schemas.microsoft.com/office/drawing/2014/main" id="{8DD2BD23-4B5E-4D3B-937A-61A65D798931}"/>
@@ -5584,45 +6981,202 @@
           </a:custGeom>
         </p:spPr>
       </p:pic>
-      <p:sp>
-        <p:nvSpPr>
-          <p:cNvPr id="21" name="TekstniOkvir 20">
+      <p:grpSp>
+        <p:nvGrpSpPr>
+          <p:cNvPr id="2" name="Grupa 1">
             <a:extLst>
               <a:ext uri="{FF2B5EF4-FFF2-40B4-BE49-F238E27FC236}">
-                <a16:creationId xmlns:a16="http://schemas.microsoft.com/office/drawing/2014/main" id="{1280DB67-6906-47C8-8B07-21ED4BDE0829}"/>
+                <a16:creationId xmlns:a16="http://schemas.microsoft.com/office/drawing/2014/main" id="{4998E2A4-8C03-43E7-8416-473542117594}"/>
               </a:ext>
             </a:extLst>
           </p:cNvPr>
-          <p:cNvSpPr txBox="1"/>
+          <p:cNvGrpSpPr/>
           <p:nvPr/>
-        </p:nvSpPr>
-        <p:spPr>
-          <a:xfrm>
-            <a:off x="3429888" y="3043250"/>
-            <a:ext cx="5338946" cy="769441"/>
-          </a:xfrm>
-          <a:prstGeom prst="rect">
-            <a:avLst/>
-          </a:prstGeom>
-          <a:noFill/>
-        </p:spPr>
-        <p:txBody>
-          <a:bodyPr wrap="square" rtlCol="0">
-            <a:spAutoFit/>
-          </a:bodyPr>
-          <a:lstStyle/>
-          <a:p>
-            <a:r>
-              <a:rPr lang="hr-HR" sz="4400" b="1" dirty="0"/>
-              <a:t>HVALA NA PAŽNJI !!!</a:t>
-            </a:r>
-          </a:p>
-        </p:txBody>
-      </p:sp>
+        </p:nvGrpSpPr>
+        <p:grpSpPr>
+          <a:xfrm>
+            <a:off x="-201800" y="1736855"/>
+            <a:ext cx="5481955" cy="4562345"/>
+            <a:chOff x="-201800" y="1736855"/>
+            <a:chExt cx="5481955" cy="4562345"/>
+          </a:xfrm>
+        </p:grpSpPr>
+        <p:pic>
+          <p:nvPicPr>
+            <p:cNvPr id="10" name="Grafika 9" descr="Monitor">
+              <a:extLst>
+                <a:ext uri="{FF2B5EF4-FFF2-40B4-BE49-F238E27FC236}">
+                  <a16:creationId xmlns:a16="http://schemas.microsoft.com/office/drawing/2014/main" id="{84B88C16-1E78-4A27-8616-8E947BB19584}"/>
+                </a:ext>
+              </a:extLst>
+            </p:cNvPr>
+            <p:cNvPicPr>
+              <a:picLocks noChangeAspect="1"/>
+            </p:cNvPicPr>
+            <p:nvPr/>
+          </p:nvPicPr>
+          <p:blipFill>
+            <a:blip r:embed="rId6">
+              <a:extLst>
+                <a:ext uri="{28A0092B-C50C-407E-A947-70E740481C1C}">
+                  <a14:useLocalDpi xmlns:a14="http://schemas.microsoft.com/office/drawing/2010/main" val="0"/>
+                </a:ext>
+                <a:ext uri="{96DAC541-7B7A-43D3-8B79-37D633B846F1}">
+                  <asvg:svgBlip xmlns:asvg="http://schemas.microsoft.com/office/drawing/2016/SVG/main" r:embed="rId7"/>
+                </a:ext>
+              </a:extLst>
+            </a:blip>
+            <a:stretch>
+              <a:fillRect/>
+            </a:stretch>
+          </p:blipFill>
+          <p:spPr>
+            <a:xfrm>
+              <a:off x="-201800" y="1736855"/>
+              <a:ext cx="5481955" cy="4562345"/>
+            </a:xfrm>
+            <a:prstGeom prst="rect">
+              <a:avLst/>
+            </a:prstGeom>
+          </p:spPr>
+        </p:pic>
+        <p:pic>
+          <p:nvPicPr>
+            <p:cNvPr id="15" name="Picture 9">
+              <a:extLst>
+                <a:ext uri="{FF2B5EF4-FFF2-40B4-BE49-F238E27FC236}">
+                  <a16:creationId xmlns:a16="http://schemas.microsoft.com/office/drawing/2014/main" id="{1B8A47AA-BBB6-4750-B247-22242742A1F9}"/>
+                </a:ext>
+              </a:extLst>
+            </p:cNvPr>
+            <p:cNvPicPr>
+              <a:picLocks noChangeAspect="1"/>
+            </p:cNvPicPr>
+            <p:nvPr/>
+          </p:nvPicPr>
+          <p:blipFill>
+            <a:blip r:embed="rId8">
+              <a:extLst>
+                <a:ext uri="{28A0092B-C50C-407E-A947-70E740481C1C}">
+                  <a14:useLocalDpi xmlns:a14="http://schemas.microsoft.com/office/drawing/2010/main" val="0"/>
+                </a:ext>
+              </a:extLst>
+            </a:blip>
+            <a:stretch>
+              <a:fillRect/>
+            </a:stretch>
+          </p:blipFill>
+          <p:spPr>
+            <a:xfrm>
+              <a:off x="628121" y="2712721"/>
+              <a:ext cx="3821959" cy="2052320"/>
+            </a:xfrm>
+            <a:prstGeom prst="rect">
+              <a:avLst/>
+            </a:prstGeom>
+          </p:spPr>
+        </p:pic>
+      </p:grpSp>
+      <p:grpSp>
+        <p:nvGrpSpPr>
+          <p:cNvPr id="17" name="Grupa 16">
+            <a:extLst>
+              <a:ext uri="{FF2B5EF4-FFF2-40B4-BE49-F238E27FC236}">
+                <a16:creationId xmlns:a16="http://schemas.microsoft.com/office/drawing/2014/main" id="{FC6475A3-98FB-4AC6-9CCC-9C45E114486C}"/>
+              </a:ext>
+            </a:extLst>
+          </p:cNvPr>
+          <p:cNvGrpSpPr/>
+          <p:nvPr/>
+        </p:nvGrpSpPr>
+        <p:grpSpPr>
+          <a:xfrm>
+            <a:off x="4523668" y="1731313"/>
+            <a:ext cx="5512933" cy="4690585"/>
+            <a:chOff x="4523668" y="1731313"/>
+            <a:chExt cx="5512933" cy="4690585"/>
+          </a:xfrm>
+        </p:grpSpPr>
+        <p:pic>
+          <p:nvPicPr>
+            <p:cNvPr id="13" name="Grafika 12" descr="Monitor">
+              <a:extLst>
+                <a:ext uri="{FF2B5EF4-FFF2-40B4-BE49-F238E27FC236}">
+                  <a16:creationId xmlns:a16="http://schemas.microsoft.com/office/drawing/2014/main" id="{464B6DDD-071F-4995-98A6-F2FA11DA26C6}"/>
+                </a:ext>
+              </a:extLst>
+            </p:cNvPr>
+            <p:cNvPicPr>
+              <a:picLocks noChangeAspect="1"/>
+            </p:cNvPicPr>
+            <p:nvPr/>
+          </p:nvPicPr>
+          <p:blipFill>
+            <a:blip r:embed="rId6">
+              <a:extLst>
+                <a:ext uri="{28A0092B-C50C-407E-A947-70E740481C1C}">
+                  <a14:useLocalDpi xmlns:a14="http://schemas.microsoft.com/office/drawing/2010/main" val="0"/>
+                </a:ext>
+                <a:ext uri="{96DAC541-7B7A-43D3-8B79-37D633B846F1}">
+                  <asvg:svgBlip xmlns:asvg="http://schemas.microsoft.com/office/drawing/2016/SVG/main" r:embed="rId7"/>
+                </a:ext>
+              </a:extLst>
+            </a:blip>
+            <a:stretch>
+              <a:fillRect/>
+            </a:stretch>
+          </p:blipFill>
+          <p:spPr>
+            <a:xfrm>
+              <a:off x="4523668" y="1731313"/>
+              <a:ext cx="5512933" cy="4690585"/>
+            </a:xfrm>
+            <a:prstGeom prst="rect">
+              <a:avLst/>
+            </a:prstGeom>
+          </p:spPr>
+        </p:pic>
+        <p:pic>
+          <p:nvPicPr>
+            <p:cNvPr id="16" name="Slika 15">
+              <a:extLst>
+                <a:ext uri="{FF2B5EF4-FFF2-40B4-BE49-F238E27FC236}">
+                  <a16:creationId xmlns:a16="http://schemas.microsoft.com/office/drawing/2014/main" id="{8BD29E23-6610-43E6-B489-282B1E4637B0}"/>
+                </a:ext>
+              </a:extLst>
+            </p:cNvPr>
+            <p:cNvPicPr>
+              <a:picLocks noChangeAspect="1"/>
+            </p:cNvPicPr>
+            <p:nvPr/>
+          </p:nvPicPr>
+          <p:blipFill>
+            <a:blip r:embed="rId9">
+              <a:extLst>
+                <a:ext uri="{28A0092B-C50C-407E-A947-70E740481C1C}">
+                  <a14:useLocalDpi xmlns:a14="http://schemas.microsoft.com/office/drawing/2010/main" val="0"/>
+                </a:ext>
+              </a:extLst>
+            </a:blip>
+            <a:stretch>
+              <a:fillRect/>
+            </a:stretch>
+          </p:blipFill>
+          <p:spPr>
+            <a:xfrm>
+              <a:off x="5353743" y="2712721"/>
+              <a:ext cx="3851217" cy="2153919"/>
+            </a:xfrm>
+            <a:prstGeom prst="rect">
+              <a:avLst/>
+            </a:prstGeom>
+          </p:spPr>
+        </p:pic>
+      </p:grpSp>
     </p:spTree>
     <p:extLst>
       <p:ext uri="{BB962C8B-B14F-4D97-AF65-F5344CB8AC3E}">
-        <p14:creationId xmlns:p14="http://schemas.microsoft.com/office/powerpoint/2010/main" val="3099651437"/>
+        <p14:creationId xmlns:p14="http://schemas.microsoft.com/office/powerpoint/2010/main" val="3434001996"/>
       </p:ext>
     </p:extLst>
   </p:cSld>
@@ -5940,7 +7494,7 @@
         <p:spPr>
           <a:xfrm>
             <a:off x="890397" y="635485"/>
-            <a:ext cx="6455833" cy="1497998"/>
+            <a:ext cx="6455833" cy="770234"/>
           </a:xfrm>
           <a:prstGeom prst="rect">
             <a:avLst/>
@@ -5964,72 +7518,10 @@
               </a:spcAft>
             </a:pPr>
             <a:r>
-              <a:rPr lang="en-US" sz="4400" b="1" dirty="0"/>
-              <a:t>O</a:t>
-            </a:r>
-            <a:r>
-              <a:rPr lang="hr-HR" sz="4400" b="1" dirty="0" err="1"/>
-              <a:t>pis</a:t>
-            </a:r>
-            <a:r>
-              <a:rPr lang="hr-HR" sz="4400" b="1" dirty="0"/>
-              <a:t> sustava</a:t>
-            </a:r>
-            <a:endParaRPr lang="en-US" sz="4400" b="1" dirty="0"/>
-          </a:p>
-          <a:p>
-            <a:pPr defTabSz="914400">
-              <a:lnSpc>
-                <a:spcPct val="90000"/>
-              </a:lnSpc>
-              <a:spcBef>
-                <a:spcPct val="0"/>
-              </a:spcBef>
-              <a:spcAft>
-                <a:spcPts val="600"/>
-              </a:spcAft>
-            </a:pPr>
-            <a:r>
-              <a:rPr lang="en-US" sz="4400" kern="1200" dirty="0" err="1">
-                <a:solidFill>
-                  <a:schemeClr val="tx1"/>
-                </a:solidFill>
-                <a:latin typeface="+mj-lt"/>
-                <a:ea typeface="+mj-ea"/>
-                <a:cs typeface="+mj-cs"/>
-              </a:rPr>
-              <a:t>Tekst</a:t>
-            </a:r>
-            <a:r>
-              <a:rPr lang="en-US" sz="4400" kern="1200" dirty="0">
-                <a:solidFill>
-                  <a:schemeClr val="tx1"/>
-                </a:solidFill>
-                <a:latin typeface="+mj-lt"/>
-                <a:ea typeface="+mj-ea"/>
-                <a:cs typeface="+mj-cs"/>
-              </a:rPr>
-              <a:t> </a:t>
-            </a:r>
-            <a:r>
-              <a:rPr lang="en-US" sz="4400" kern="1200" dirty="0" err="1">
-                <a:solidFill>
-                  <a:schemeClr val="tx1"/>
-                </a:solidFill>
-                <a:latin typeface="+mj-lt"/>
-                <a:ea typeface="+mj-ea"/>
-                <a:cs typeface="+mj-cs"/>
-              </a:rPr>
-              <a:t>opisa</a:t>
-            </a:r>
-            <a:endParaRPr lang="en-US" sz="4400" kern="1200" dirty="0">
-              <a:solidFill>
-                <a:schemeClr val="tx1"/>
-              </a:solidFill>
-              <a:latin typeface="+mj-lt"/>
-              <a:ea typeface="+mj-ea"/>
-              <a:cs typeface="+mj-cs"/>
-            </a:endParaRPr>
+              <a:rPr lang="hr-BA" sz="4000" b="1" dirty="0"/>
+              <a:t>Opis sustava</a:t>
+            </a:r>
+            <a:endParaRPr lang="en-US" sz="4000" b="1" dirty="0"/>
           </a:p>
           <a:p>
             <a:pPr defTabSz="914400">
@@ -6075,10 +7567,1960 @@
           </a:p>
         </p:txBody>
       </p:sp>
+      <p:sp>
+        <p:nvSpPr>
+          <p:cNvPr id="2" name="TextBox 1"/>
+          <p:cNvSpPr txBox="1"/>
+          <p:nvPr/>
+        </p:nvSpPr>
+        <p:spPr>
+          <a:xfrm>
+            <a:off x="528921" y="1656407"/>
+            <a:ext cx="7710985" cy="3737946"/>
+          </a:xfrm>
+          <a:prstGeom prst="rect">
+            <a:avLst/>
+          </a:prstGeom>
+          <a:noFill/>
+        </p:spPr>
+        <p:txBody>
+          <a:bodyPr wrap="square" rtlCol="0">
+            <a:spAutoFit/>
+          </a:bodyPr>
+          <a:lstStyle/>
+          <a:p>
+            <a:pPr marL="342900" indent="-342900">
+              <a:lnSpc>
+                <a:spcPct val="150000"/>
+              </a:lnSpc>
+              <a:buFont typeface="Arial" panose="020B0604020202020204" pitchFamily="34" charset="0"/>
+              <a:buChar char="•"/>
+            </a:pPr>
+            <a:r>
+              <a:rPr lang="hr-BA" sz="2000" dirty="0"/>
+              <a:t>Web aplikacija prvenstveno namijenjena za dvije vrste korisnika: </a:t>
+            </a:r>
+            <a:r>
+              <a:rPr lang="hr-BA" sz="2000" i="1" dirty="0"/>
+              <a:t>Darivatelje </a:t>
+            </a:r>
+            <a:r>
+              <a:rPr lang="hr-BA" sz="2000" dirty="0"/>
+              <a:t> i </a:t>
+            </a:r>
+            <a:r>
+              <a:rPr lang="hr-BA" sz="2000" i="1" dirty="0" err="1"/>
+              <a:t>Transfuziološke</a:t>
+            </a:r>
+            <a:r>
+              <a:rPr lang="hr-BA" sz="2000" i="1" dirty="0"/>
+              <a:t> ustanove</a:t>
+            </a:r>
+            <a:endParaRPr lang="hr-BA" sz="2000" dirty="0"/>
+          </a:p>
+          <a:p>
+            <a:pPr marL="342900" indent="-342900">
+              <a:lnSpc>
+                <a:spcPct val="150000"/>
+              </a:lnSpc>
+              <a:buFont typeface="Arial" panose="020B0604020202020204" pitchFamily="34" charset="0"/>
+              <a:buChar char="•"/>
+            </a:pPr>
+            <a:r>
+              <a:rPr lang="hr-BA" sz="2000" dirty="0"/>
+              <a:t>Moderniziran način pohrane podataka vezano za registar (zalihe krvi, povijest dolazaka, razlozi (ne)mogućnosti davanja krvi…)</a:t>
+            </a:r>
+          </a:p>
+          <a:p>
+            <a:pPr marL="342900" indent="-342900">
+              <a:lnSpc>
+                <a:spcPct val="150000"/>
+              </a:lnSpc>
+              <a:buFont typeface="Arial" panose="020B0604020202020204" pitchFamily="34" charset="0"/>
+              <a:buChar char="•"/>
+            </a:pPr>
+            <a:r>
+              <a:rPr lang="hr-BA" sz="2000" dirty="0"/>
+              <a:t>Nudi sjedinjenje svih </a:t>
+            </a:r>
+            <a:r>
+              <a:rPr lang="hr-BA" sz="2000" dirty="0" err="1"/>
+              <a:t>transfuzioloških</a:t>
+            </a:r>
+            <a:r>
+              <a:rPr lang="hr-BA" sz="2000" dirty="0"/>
+              <a:t> ustanova na razini jedne države.</a:t>
+            </a:r>
+          </a:p>
+          <a:p>
+            <a:pPr marL="342900" indent="-342900">
+              <a:lnSpc>
+                <a:spcPct val="150000"/>
+              </a:lnSpc>
+              <a:buFont typeface="Arial" panose="020B0604020202020204" pitchFamily="34" charset="0"/>
+              <a:buChar char="•"/>
+            </a:pPr>
+            <a:endParaRPr lang="hr-BA" sz="2000" dirty="0"/>
+          </a:p>
+          <a:p>
+            <a:pPr>
+              <a:lnSpc>
+                <a:spcPct val="150000"/>
+              </a:lnSpc>
+            </a:pPr>
+            <a:endParaRPr lang="hr-BA" sz="2000" dirty="0"/>
+          </a:p>
+          <a:p>
+            <a:pPr marL="342900" indent="-342900">
+              <a:lnSpc>
+                <a:spcPct val="150000"/>
+              </a:lnSpc>
+              <a:buFont typeface="Arial" panose="020B0604020202020204" pitchFamily="34" charset="0"/>
+              <a:buChar char="•"/>
+            </a:pPr>
+            <a:endParaRPr lang="hr-HR" sz="2000" dirty="0"/>
+          </a:p>
+        </p:txBody>
+      </p:sp>
     </p:spTree>
     <p:extLst>
       <p:ext uri="{BB962C8B-B14F-4D97-AF65-F5344CB8AC3E}">
-        <p14:creationId xmlns:p14="http://schemas.microsoft.com/office/powerpoint/2010/main" val="182766879"/>
+        <p14:creationId xmlns:p14="http://schemas.microsoft.com/office/powerpoint/2010/main" val="3558119319"/>
+      </p:ext>
+    </p:extLst>
+  </p:cSld>
+  <p:clrMapOvr>
+    <a:masterClrMapping/>
+  </p:clrMapOvr>
+</p:sld>
+</file>
+
+<file path=ppt/slides/slide20.xml><?xml version="1.0" encoding="utf-8"?>
+<p:sld xmlns:a="http://schemas.openxmlformats.org/drawingml/2006/main" xmlns:r="http://schemas.openxmlformats.org/officeDocument/2006/relationships" xmlns:p="http://schemas.openxmlformats.org/presentationml/2006/main">
+  <p:cSld>
+    <p:spTree>
+      <p:nvGrpSpPr>
+        <p:cNvPr id="1" name=""/>
+        <p:cNvGrpSpPr/>
+        <p:nvPr/>
+      </p:nvGrpSpPr>
+      <p:grpSpPr>
+        <a:xfrm>
+          <a:off x="0" y="0"/>
+          <a:ext cx="0" cy="0"/>
+          <a:chOff x="0" y="0"/>
+          <a:chExt cx="0" cy="0"/>
+        </a:xfrm>
+      </p:grpSpPr>
+      <p:pic>
+        <p:nvPicPr>
+          <p:cNvPr id="6" name="Picture 5">
+            <a:extLst>
+              <a:ext uri="{FF2B5EF4-FFF2-40B4-BE49-F238E27FC236}">
+                <a16:creationId xmlns:a16="http://schemas.microsoft.com/office/drawing/2014/main" id="{BE2E685B-1842-437E-8EE0-0D965BD4BF5A}"/>
+              </a:ext>
+            </a:extLst>
+          </p:cNvPr>
+          <p:cNvPicPr>
+            <a:picLocks noChangeAspect="1"/>
+          </p:cNvPicPr>
+          <p:nvPr/>
+        </p:nvPicPr>
+        <p:blipFill rotWithShape="1">
+          <a:blip r:embed="rId2">
+            <a:alphaModFix amt="35000"/>
+            <a:extLst>
+              <a:ext uri="{BEBA8EAE-BF5A-486C-A8C5-ECC9F3942E4B}">
+                <a14:imgProps xmlns:a14="http://schemas.microsoft.com/office/drawing/2010/main">
+                  <a14:imgLayer r:embed="rId3">
+                    <a14:imgEffect>
+                      <a14:colorTemperature colorTemp="5900"/>
+                    </a14:imgEffect>
+                    <a14:imgEffect>
+                      <a14:saturation sat="400000"/>
+                    </a14:imgEffect>
+                  </a14:imgLayer>
+                </a14:imgProps>
+              </a:ext>
+              <a:ext uri="{28A0092B-C50C-407E-A947-70E740481C1C}">
+                <a14:useLocalDpi xmlns:a14="http://schemas.microsoft.com/office/drawing/2010/main" val="0"/>
+              </a:ext>
+            </a:extLst>
+          </a:blip>
+          <a:srcRect l="18256" r="17726"/>
+          <a:stretch/>
+        </p:blipFill>
+        <p:spPr>
+          <a:xfrm>
+            <a:off x="-7" y="-8"/>
+            <a:ext cx="12192000" cy="6855958"/>
+          </a:xfrm>
+          <a:prstGeom prst="rect">
+            <a:avLst/>
+          </a:prstGeom>
+          <a:noFill/>
+          <a:ln>
+            <a:noFill/>
+          </a:ln>
+        </p:spPr>
+      </p:pic>
+      <p:pic>
+        <p:nvPicPr>
+          <p:cNvPr id="7" name="Picture 6">
+            <a:extLst>
+              <a:ext uri="{FF2B5EF4-FFF2-40B4-BE49-F238E27FC236}">
+                <a16:creationId xmlns:a16="http://schemas.microsoft.com/office/drawing/2014/main" id="{1353EAFD-5AF7-4F88-A644-D2561204B6F2}"/>
+              </a:ext>
+            </a:extLst>
+          </p:cNvPr>
+          <p:cNvPicPr>
+            <a:picLocks noChangeAspect="1"/>
+          </p:cNvPicPr>
+          <p:nvPr/>
+        </p:nvPicPr>
+        <p:blipFill rotWithShape="1">
+          <a:blip r:embed="rId4">
+            <a:extLst>
+              <a:ext uri="{28A0092B-C50C-407E-A947-70E740481C1C}">
+                <a14:useLocalDpi xmlns:a14="http://schemas.microsoft.com/office/drawing/2010/main" val="0"/>
+              </a:ext>
+            </a:extLst>
+          </a:blip>
+          <a:srcRect l="1414" r="8588" b="-1"/>
+          <a:stretch/>
+        </p:blipFill>
+        <p:spPr>
+          <a:xfrm>
+            <a:off x="7689829" y="-2055"/>
+            <a:ext cx="4502173" cy="3316924"/>
+          </a:xfrm>
+          <a:custGeom>
+            <a:avLst/>
+            <a:gdLst>
+              <a:gd name="connsiteX0" fmla="*/ 154695 w 4502173"/>
+              <a:gd name="connsiteY0" fmla="*/ 0 h 3316924"/>
+              <a:gd name="connsiteX1" fmla="*/ 4502173 w 4502173"/>
+              <a:gd name="connsiteY1" fmla="*/ 0 h 3316924"/>
+              <a:gd name="connsiteX2" fmla="*/ 4502173 w 4502173"/>
+              <a:gd name="connsiteY2" fmla="*/ 2237639 h 3316924"/>
+              <a:gd name="connsiteX3" fmla="*/ 4365663 w 4502173"/>
+              <a:gd name="connsiteY3" fmla="*/ 2420191 h 3316924"/>
+              <a:gd name="connsiteX4" fmla="*/ 2464181 w 4502173"/>
+              <a:gd name="connsiteY4" fmla="*/ 3316924 h 3316924"/>
+              <a:gd name="connsiteX5" fmla="*/ 0 w 4502173"/>
+              <a:gd name="connsiteY5" fmla="*/ 852743 h 3316924"/>
+              <a:gd name="connsiteX6" fmla="*/ 110786 w 4502173"/>
+              <a:gd name="connsiteY6" fmla="*/ 119971 h 3316924"/>
+            </a:gdLst>
+            <a:ahLst/>
+            <a:cxnLst>
+              <a:cxn ang="0">
+                <a:pos x="connsiteX0" y="connsiteY0"/>
+              </a:cxn>
+              <a:cxn ang="0">
+                <a:pos x="connsiteX1" y="connsiteY1"/>
+              </a:cxn>
+              <a:cxn ang="0">
+                <a:pos x="connsiteX2" y="connsiteY2"/>
+              </a:cxn>
+              <a:cxn ang="0">
+                <a:pos x="connsiteX3" y="connsiteY3"/>
+              </a:cxn>
+              <a:cxn ang="0">
+                <a:pos x="connsiteX4" y="connsiteY4"/>
+              </a:cxn>
+              <a:cxn ang="0">
+                <a:pos x="connsiteX5" y="connsiteY5"/>
+              </a:cxn>
+              <a:cxn ang="0">
+                <a:pos x="connsiteX6" y="connsiteY6"/>
+              </a:cxn>
+            </a:cxnLst>
+            <a:rect l="l" t="t" r="r" b="b"/>
+            <a:pathLst>
+              <a:path w="4502173" h="3316924">
+                <a:moveTo>
+                  <a:pt x="154695" y="0"/>
+                </a:moveTo>
+                <a:lnTo>
+                  <a:pt x="4502173" y="0"/>
+                </a:lnTo>
+                <a:lnTo>
+                  <a:pt x="4502173" y="2237639"/>
+                </a:lnTo>
+                <a:lnTo>
+                  <a:pt x="4365663" y="2420191"/>
+                </a:lnTo>
+                <a:cubicBezTo>
+                  <a:pt x="3913696" y="2967849"/>
+                  <a:pt x="3229704" y="3316924"/>
+                  <a:pt x="2464181" y="3316924"/>
+                </a:cubicBezTo>
+                <a:cubicBezTo>
+                  <a:pt x="1103251" y="3316924"/>
+                  <a:pt x="0" y="2213673"/>
+                  <a:pt x="0" y="852743"/>
+                </a:cubicBezTo>
+                <a:cubicBezTo>
+                  <a:pt x="0" y="597569"/>
+                  <a:pt x="38787" y="351454"/>
+                  <a:pt x="110786" y="119971"/>
+                </a:cubicBezTo>
+                <a:close/>
+              </a:path>
+            </a:pathLst>
+          </a:custGeom>
+        </p:spPr>
+      </p:pic>
+      <p:pic>
+        <p:nvPicPr>
+          <p:cNvPr id="8" name="Picture 7">
+            <a:extLst>
+              <a:ext uri="{FF2B5EF4-FFF2-40B4-BE49-F238E27FC236}">
+                <a16:creationId xmlns:a16="http://schemas.microsoft.com/office/drawing/2014/main" id="{8DD2BD23-4B5E-4D3B-937A-61A65D798931}"/>
+              </a:ext>
+            </a:extLst>
+          </p:cNvPr>
+          <p:cNvPicPr>
+            <a:picLocks noChangeAspect="1"/>
+          </p:cNvPicPr>
+          <p:nvPr/>
+        </p:nvPicPr>
+        <p:blipFill rotWithShape="1">
+          <a:blip r:embed="rId5">
+            <a:extLst>
+              <a:ext uri="{28A0092B-C50C-407E-A947-70E740481C1C}">
+                <a14:useLocalDpi xmlns:a14="http://schemas.microsoft.com/office/drawing/2010/main" val="0"/>
+              </a:ext>
+            </a:extLst>
+          </a:blip>
+          <a:srcRect t="13667" r="2" b="5244"/>
+          <a:stretch/>
+        </p:blipFill>
+        <p:spPr>
+          <a:xfrm>
+            <a:off x="8768834" y="4082148"/>
+            <a:ext cx="3423175" cy="2775859"/>
+          </a:xfrm>
+          <a:custGeom>
+            <a:avLst/>
+            <a:gdLst>
+              <a:gd name="connsiteX0" fmla="*/ 1906524 w 3423175"/>
+              <a:gd name="connsiteY0" fmla="*/ 0 h 2775859"/>
+              <a:gd name="connsiteX1" fmla="*/ 3377691 w 3423175"/>
+              <a:gd name="connsiteY1" fmla="*/ 693798 h 2775859"/>
+              <a:gd name="connsiteX2" fmla="*/ 3423175 w 3423175"/>
+              <a:gd name="connsiteY2" fmla="*/ 754624 h 2775859"/>
+              <a:gd name="connsiteX3" fmla="*/ 3423175 w 3423175"/>
+              <a:gd name="connsiteY3" fmla="*/ 2775859 h 2775859"/>
+              <a:gd name="connsiteX4" fmla="*/ 211114 w 3423175"/>
+              <a:gd name="connsiteY4" fmla="*/ 2775859 h 2775859"/>
+              <a:gd name="connsiteX5" fmla="*/ 149824 w 3423175"/>
+              <a:gd name="connsiteY5" fmla="*/ 2648629 h 2775859"/>
+              <a:gd name="connsiteX6" fmla="*/ 0 w 3423175"/>
+              <a:gd name="connsiteY6" fmla="*/ 1906524 h 2775859"/>
+              <a:gd name="connsiteX7" fmla="*/ 1906524 w 3423175"/>
+              <a:gd name="connsiteY7" fmla="*/ 0 h 2775859"/>
+            </a:gdLst>
+            <a:ahLst/>
+            <a:cxnLst>
+              <a:cxn ang="0">
+                <a:pos x="connsiteX0" y="connsiteY0"/>
+              </a:cxn>
+              <a:cxn ang="0">
+                <a:pos x="connsiteX1" y="connsiteY1"/>
+              </a:cxn>
+              <a:cxn ang="0">
+                <a:pos x="connsiteX2" y="connsiteY2"/>
+              </a:cxn>
+              <a:cxn ang="0">
+                <a:pos x="connsiteX3" y="connsiteY3"/>
+              </a:cxn>
+              <a:cxn ang="0">
+                <a:pos x="connsiteX4" y="connsiteY4"/>
+              </a:cxn>
+              <a:cxn ang="0">
+                <a:pos x="connsiteX5" y="connsiteY5"/>
+              </a:cxn>
+              <a:cxn ang="0">
+                <a:pos x="connsiteX6" y="connsiteY6"/>
+              </a:cxn>
+              <a:cxn ang="0">
+                <a:pos x="connsiteX7" y="connsiteY7"/>
+              </a:cxn>
+            </a:cxnLst>
+            <a:rect l="l" t="t" r="r" b="b"/>
+            <a:pathLst>
+              <a:path w="3423175" h="2775859">
+                <a:moveTo>
+                  <a:pt x="1906524" y="0"/>
+                </a:moveTo>
+                <a:cubicBezTo>
+                  <a:pt x="2498805" y="0"/>
+                  <a:pt x="3028006" y="270078"/>
+                  <a:pt x="3377691" y="693798"/>
+                </a:cubicBezTo>
+                <a:lnTo>
+                  <a:pt x="3423175" y="754624"/>
+                </a:lnTo>
+                <a:lnTo>
+                  <a:pt x="3423175" y="2775859"/>
+                </a:lnTo>
+                <a:lnTo>
+                  <a:pt x="211114" y="2775859"/>
+                </a:lnTo>
+                <a:lnTo>
+                  <a:pt x="149824" y="2648629"/>
+                </a:lnTo>
+                <a:cubicBezTo>
+                  <a:pt x="53349" y="2420536"/>
+                  <a:pt x="0" y="2169760"/>
+                  <a:pt x="0" y="1906524"/>
+                </a:cubicBezTo>
+                <a:cubicBezTo>
+                  <a:pt x="0" y="853580"/>
+                  <a:pt x="853580" y="0"/>
+                  <a:pt x="1906524" y="0"/>
+                </a:cubicBezTo>
+                <a:close/>
+              </a:path>
+            </a:pathLst>
+          </a:custGeom>
+        </p:spPr>
+      </p:pic>
+      <p:grpSp>
+        <p:nvGrpSpPr>
+          <p:cNvPr id="4" name="Grupa 3">
+            <a:extLst>
+              <a:ext uri="{FF2B5EF4-FFF2-40B4-BE49-F238E27FC236}">
+                <a16:creationId xmlns:a16="http://schemas.microsoft.com/office/drawing/2014/main" id="{301CCF50-5261-4EDE-B372-24E18968B4E2}"/>
+              </a:ext>
+            </a:extLst>
+          </p:cNvPr>
+          <p:cNvGrpSpPr/>
+          <p:nvPr/>
+        </p:nvGrpSpPr>
+        <p:grpSpPr>
+          <a:xfrm>
+            <a:off x="-201800" y="1736855"/>
+            <a:ext cx="5481955" cy="4562345"/>
+            <a:chOff x="-201800" y="1736855"/>
+            <a:chExt cx="5481955" cy="4562345"/>
+          </a:xfrm>
+        </p:grpSpPr>
+        <p:pic>
+          <p:nvPicPr>
+            <p:cNvPr id="12" name="Grafika 11" descr="Monitor">
+              <a:extLst>
+                <a:ext uri="{FF2B5EF4-FFF2-40B4-BE49-F238E27FC236}">
+                  <a16:creationId xmlns:a16="http://schemas.microsoft.com/office/drawing/2014/main" id="{4B47394B-67C6-4A74-AFE4-BAD28A117187}"/>
+                </a:ext>
+              </a:extLst>
+            </p:cNvPr>
+            <p:cNvPicPr>
+              <a:picLocks noChangeAspect="1"/>
+            </p:cNvPicPr>
+            <p:nvPr/>
+          </p:nvPicPr>
+          <p:blipFill>
+            <a:blip r:embed="rId6">
+              <a:extLst>
+                <a:ext uri="{28A0092B-C50C-407E-A947-70E740481C1C}">
+                  <a14:useLocalDpi xmlns:a14="http://schemas.microsoft.com/office/drawing/2010/main" val="0"/>
+                </a:ext>
+                <a:ext uri="{96DAC541-7B7A-43D3-8B79-37D633B846F1}">
+                  <asvg:svgBlip xmlns:asvg="http://schemas.microsoft.com/office/drawing/2016/SVG/main" r:embed="rId7"/>
+                </a:ext>
+              </a:extLst>
+            </a:blip>
+            <a:stretch>
+              <a:fillRect/>
+            </a:stretch>
+          </p:blipFill>
+          <p:spPr>
+            <a:xfrm>
+              <a:off x="-201800" y="1736855"/>
+              <a:ext cx="5481955" cy="4562345"/>
+            </a:xfrm>
+            <a:prstGeom prst="rect">
+              <a:avLst/>
+            </a:prstGeom>
+          </p:spPr>
+        </p:pic>
+        <p:pic>
+          <p:nvPicPr>
+            <p:cNvPr id="3" name="Slika 2">
+              <a:extLst>
+                <a:ext uri="{FF2B5EF4-FFF2-40B4-BE49-F238E27FC236}">
+                  <a16:creationId xmlns:a16="http://schemas.microsoft.com/office/drawing/2014/main" id="{77F85EC7-AE90-461A-98D7-749FF1F25177}"/>
+                </a:ext>
+              </a:extLst>
+            </p:cNvPr>
+            <p:cNvPicPr>
+              <a:picLocks noChangeAspect="1"/>
+            </p:cNvPicPr>
+            <p:nvPr/>
+          </p:nvPicPr>
+          <p:blipFill>
+            <a:blip r:embed="rId8">
+              <a:extLst>
+                <a:ext uri="{28A0092B-C50C-407E-A947-70E740481C1C}">
+                  <a14:useLocalDpi xmlns:a14="http://schemas.microsoft.com/office/drawing/2010/main" val="0"/>
+                </a:ext>
+              </a:extLst>
+            </a:blip>
+            <a:stretch>
+              <a:fillRect/>
+            </a:stretch>
+          </p:blipFill>
+          <p:spPr>
+            <a:xfrm>
+              <a:off x="626726" y="2715571"/>
+              <a:ext cx="3821984" cy="2041250"/>
+            </a:xfrm>
+            <a:prstGeom prst="rect">
+              <a:avLst/>
+            </a:prstGeom>
+          </p:spPr>
+        </p:pic>
+      </p:grpSp>
+      <p:grpSp>
+        <p:nvGrpSpPr>
+          <p:cNvPr id="18" name="Grupa 17">
+            <a:extLst>
+              <a:ext uri="{FF2B5EF4-FFF2-40B4-BE49-F238E27FC236}">
+                <a16:creationId xmlns:a16="http://schemas.microsoft.com/office/drawing/2014/main" id="{9A8C7FB2-263C-475B-975B-74E0276713C0}"/>
+              </a:ext>
+            </a:extLst>
+          </p:cNvPr>
+          <p:cNvGrpSpPr/>
+          <p:nvPr/>
+        </p:nvGrpSpPr>
+        <p:grpSpPr>
+          <a:xfrm>
+            <a:off x="4523668" y="1731313"/>
+            <a:ext cx="5512933" cy="4690585"/>
+            <a:chOff x="4523668" y="1731313"/>
+            <a:chExt cx="5512933" cy="4690585"/>
+          </a:xfrm>
+        </p:grpSpPr>
+        <p:pic>
+          <p:nvPicPr>
+            <p:cNvPr id="15" name="Grafika 14" descr="Monitor">
+              <a:extLst>
+                <a:ext uri="{FF2B5EF4-FFF2-40B4-BE49-F238E27FC236}">
+                  <a16:creationId xmlns:a16="http://schemas.microsoft.com/office/drawing/2014/main" id="{B65DF0A3-E7FE-4EC5-83E1-7B5E814CFC74}"/>
+                </a:ext>
+              </a:extLst>
+            </p:cNvPr>
+            <p:cNvPicPr>
+              <a:picLocks noChangeAspect="1"/>
+            </p:cNvPicPr>
+            <p:nvPr/>
+          </p:nvPicPr>
+          <p:blipFill>
+            <a:blip r:embed="rId6">
+              <a:extLst>
+                <a:ext uri="{28A0092B-C50C-407E-A947-70E740481C1C}">
+                  <a14:useLocalDpi xmlns:a14="http://schemas.microsoft.com/office/drawing/2010/main" val="0"/>
+                </a:ext>
+                <a:ext uri="{96DAC541-7B7A-43D3-8B79-37D633B846F1}">
+                  <asvg:svgBlip xmlns:asvg="http://schemas.microsoft.com/office/drawing/2016/SVG/main" r:embed="rId7"/>
+                </a:ext>
+              </a:extLst>
+            </a:blip>
+            <a:stretch>
+              <a:fillRect/>
+            </a:stretch>
+          </p:blipFill>
+          <p:spPr>
+            <a:xfrm>
+              <a:off x="4523668" y="1731313"/>
+              <a:ext cx="5512933" cy="4690585"/>
+            </a:xfrm>
+            <a:prstGeom prst="rect">
+              <a:avLst/>
+            </a:prstGeom>
+          </p:spPr>
+        </p:pic>
+        <p:pic>
+          <p:nvPicPr>
+            <p:cNvPr id="17" name="Slika 16">
+              <a:extLst>
+                <a:ext uri="{FF2B5EF4-FFF2-40B4-BE49-F238E27FC236}">
+                  <a16:creationId xmlns:a16="http://schemas.microsoft.com/office/drawing/2014/main" id="{C94CC608-9A45-4958-9E3D-C14F2210976D}"/>
+                </a:ext>
+              </a:extLst>
+            </p:cNvPr>
+            <p:cNvPicPr>
+              <a:picLocks noChangeAspect="1"/>
+            </p:cNvPicPr>
+            <p:nvPr/>
+          </p:nvPicPr>
+          <p:blipFill>
+            <a:blip r:embed="rId9">
+              <a:extLst>
+                <a:ext uri="{28A0092B-C50C-407E-A947-70E740481C1C}">
+                  <a14:useLocalDpi xmlns:a14="http://schemas.microsoft.com/office/drawing/2010/main" val="0"/>
+                </a:ext>
+              </a:extLst>
+            </a:blip>
+            <a:stretch>
+              <a:fillRect/>
+            </a:stretch>
+          </p:blipFill>
+          <p:spPr>
+            <a:xfrm>
+              <a:off x="5355113" y="2715570"/>
+              <a:ext cx="3900647" cy="2120589"/>
+            </a:xfrm>
+            <a:prstGeom prst="rect">
+              <a:avLst/>
+            </a:prstGeom>
+          </p:spPr>
+        </p:pic>
+      </p:grpSp>
+    </p:spTree>
+    <p:extLst>
+      <p:ext uri="{BB962C8B-B14F-4D97-AF65-F5344CB8AC3E}">
+        <p14:creationId xmlns:p14="http://schemas.microsoft.com/office/powerpoint/2010/main" val="2954703910"/>
+      </p:ext>
+    </p:extLst>
+  </p:cSld>
+  <p:clrMapOvr>
+    <a:masterClrMapping/>
+  </p:clrMapOvr>
+</p:sld>
+</file>
+
+<file path=ppt/slides/slide21.xml><?xml version="1.0" encoding="utf-8"?>
+<p:sld xmlns:a="http://schemas.openxmlformats.org/drawingml/2006/main" xmlns:r="http://schemas.openxmlformats.org/officeDocument/2006/relationships" xmlns:p="http://schemas.openxmlformats.org/presentationml/2006/main">
+  <p:cSld>
+    <p:spTree>
+      <p:nvGrpSpPr>
+        <p:cNvPr id="1" name=""/>
+        <p:cNvGrpSpPr/>
+        <p:nvPr/>
+      </p:nvGrpSpPr>
+      <p:grpSpPr>
+        <a:xfrm>
+          <a:off x="0" y="0"/>
+          <a:ext cx="0" cy="0"/>
+          <a:chOff x="0" y="0"/>
+          <a:chExt cx="0" cy="0"/>
+        </a:xfrm>
+      </p:grpSpPr>
+      <p:pic>
+        <p:nvPicPr>
+          <p:cNvPr id="6" name="Picture 5">
+            <a:extLst>
+              <a:ext uri="{FF2B5EF4-FFF2-40B4-BE49-F238E27FC236}">
+                <a16:creationId xmlns:a16="http://schemas.microsoft.com/office/drawing/2014/main" id="{BE2E685B-1842-437E-8EE0-0D965BD4BF5A}"/>
+              </a:ext>
+            </a:extLst>
+          </p:cNvPr>
+          <p:cNvPicPr>
+            <a:picLocks noChangeAspect="1"/>
+          </p:cNvPicPr>
+          <p:nvPr/>
+        </p:nvPicPr>
+        <p:blipFill rotWithShape="1">
+          <a:blip r:embed="rId2">
+            <a:alphaModFix amt="35000"/>
+            <a:extLst>
+              <a:ext uri="{BEBA8EAE-BF5A-486C-A8C5-ECC9F3942E4B}">
+                <a14:imgProps xmlns:a14="http://schemas.microsoft.com/office/drawing/2010/main">
+                  <a14:imgLayer r:embed="rId3">
+                    <a14:imgEffect>
+                      <a14:colorTemperature colorTemp="5900"/>
+                    </a14:imgEffect>
+                    <a14:imgEffect>
+                      <a14:saturation sat="400000"/>
+                    </a14:imgEffect>
+                  </a14:imgLayer>
+                </a14:imgProps>
+              </a:ext>
+              <a:ext uri="{28A0092B-C50C-407E-A947-70E740481C1C}">
+                <a14:useLocalDpi xmlns:a14="http://schemas.microsoft.com/office/drawing/2010/main" val="0"/>
+              </a:ext>
+            </a:extLst>
+          </a:blip>
+          <a:srcRect l="18256" r="17726"/>
+          <a:stretch/>
+        </p:blipFill>
+        <p:spPr>
+          <a:xfrm>
+            <a:off x="-7" y="-8"/>
+            <a:ext cx="12192000" cy="6855958"/>
+          </a:xfrm>
+          <a:prstGeom prst="rect">
+            <a:avLst/>
+          </a:prstGeom>
+          <a:noFill/>
+          <a:ln>
+            <a:noFill/>
+          </a:ln>
+        </p:spPr>
+      </p:pic>
+      <p:pic>
+        <p:nvPicPr>
+          <p:cNvPr id="7" name="Picture 6">
+            <a:extLst>
+              <a:ext uri="{FF2B5EF4-FFF2-40B4-BE49-F238E27FC236}">
+                <a16:creationId xmlns:a16="http://schemas.microsoft.com/office/drawing/2014/main" id="{1353EAFD-5AF7-4F88-A644-D2561204B6F2}"/>
+              </a:ext>
+            </a:extLst>
+          </p:cNvPr>
+          <p:cNvPicPr>
+            <a:picLocks noChangeAspect="1"/>
+          </p:cNvPicPr>
+          <p:nvPr/>
+        </p:nvPicPr>
+        <p:blipFill rotWithShape="1">
+          <a:blip r:embed="rId4">
+            <a:extLst>
+              <a:ext uri="{28A0092B-C50C-407E-A947-70E740481C1C}">
+                <a14:useLocalDpi xmlns:a14="http://schemas.microsoft.com/office/drawing/2010/main" val="0"/>
+              </a:ext>
+            </a:extLst>
+          </a:blip>
+          <a:srcRect l="1414" r="8588" b="-1"/>
+          <a:stretch/>
+        </p:blipFill>
+        <p:spPr>
+          <a:xfrm>
+            <a:off x="7689829" y="-2055"/>
+            <a:ext cx="4502173" cy="3316924"/>
+          </a:xfrm>
+          <a:custGeom>
+            <a:avLst/>
+            <a:gdLst>
+              <a:gd name="connsiteX0" fmla="*/ 154695 w 4502173"/>
+              <a:gd name="connsiteY0" fmla="*/ 0 h 3316924"/>
+              <a:gd name="connsiteX1" fmla="*/ 4502173 w 4502173"/>
+              <a:gd name="connsiteY1" fmla="*/ 0 h 3316924"/>
+              <a:gd name="connsiteX2" fmla="*/ 4502173 w 4502173"/>
+              <a:gd name="connsiteY2" fmla="*/ 2237639 h 3316924"/>
+              <a:gd name="connsiteX3" fmla="*/ 4365663 w 4502173"/>
+              <a:gd name="connsiteY3" fmla="*/ 2420191 h 3316924"/>
+              <a:gd name="connsiteX4" fmla="*/ 2464181 w 4502173"/>
+              <a:gd name="connsiteY4" fmla="*/ 3316924 h 3316924"/>
+              <a:gd name="connsiteX5" fmla="*/ 0 w 4502173"/>
+              <a:gd name="connsiteY5" fmla="*/ 852743 h 3316924"/>
+              <a:gd name="connsiteX6" fmla="*/ 110786 w 4502173"/>
+              <a:gd name="connsiteY6" fmla="*/ 119971 h 3316924"/>
+            </a:gdLst>
+            <a:ahLst/>
+            <a:cxnLst>
+              <a:cxn ang="0">
+                <a:pos x="connsiteX0" y="connsiteY0"/>
+              </a:cxn>
+              <a:cxn ang="0">
+                <a:pos x="connsiteX1" y="connsiteY1"/>
+              </a:cxn>
+              <a:cxn ang="0">
+                <a:pos x="connsiteX2" y="connsiteY2"/>
+              </a:cxn>
+              <a:cxn ang="0">
+                <a:pos x="connsiteX3" y="connsiteY3"/>
+              </a:cxn>
+              <a:cxn ang="0">
+                <a:pos x="connsiteX4" y="connsiteY4"/>
+              </a:cxn>
+              <a:cxn ang="0">
+                <a:pos x="connsiteX5" y="connsiteY5"/>
+              </a:cxn>
+              <a:cxn ang="0">
+                <a:pos x="connsiteX6" y="connsiteY6"/>
+              </a:cxn>
+            </a:cxnLst>
+            <a:rect l="l" t="t" r="r" b="b"/>
+            <a:pathLst>
+              <a:path w="4502173" h="3316924">
+                <a:moveTo>
+                  <a:pt x="154695" y="0"/>
+                </a:moveTo>
+                <a:lnTo>
+                  <a:pt x="4502173" y="0"/>
+                </a:lnTo>
+                <a:lnTo>
+                  <a:pt x="4502173" y="2237639"/>
+                </a:lnTo>
+                <a:lnTo>
+                  <a:pt x="4365663" y="2420191"/>
+                </a:lnTo>
+                <a:cubicBezTo>
+                  <a:pt x="3913696" y="2967849"/>
+                  <a:pt x="3229704" y="3316924"/>
+                  <a:pt x="2464181" y="3316924"/>
+                </a:cubicBezTo>
+                <a:cubicBezTo>
+                  <a:pt x="1103251" y="3316924"/>
+                  <a:pt x="0" y="2213673"/>
+                  <a:pt x="0" y="852743"/>
+                </a:cubicBezTo>
+                <a:cubicBezTo>
+                  <a:pt x="0" y="597569"/>
+                  <a:pt x="38787" y="351454"/>
+                  <a:pt x="110786" y="119971"/>
+                </a:cubicBezTo>
+                <a:close/>
+              </a:path>
+            </a:pathLst>
+          </a:custGeom>
+        </p:spPr>
+      </p:pic>
+      <p:pic>
+        <p:nvPicPr>
+          <p:cNvPr id="8" name="Picture 7">
+            <a:extLst>
+              <a:ext uri="{FF2B5EF4-FFF2-40B4-BE49-F238E27FC236}">
+                <a16:creationId xmlns:a16="http://schemas.microsoft.com/office/drawing/2014/main" id="{8DD2BD23-4B5E-4D3B-937A-61A65D798931}"/>
+              </a:ext>
+            </a:extLst>
+          </p:cNvPr>
+          <p:cNvPicPr>
+            <a:picLocks noChangeAspect="1"/>
+          </p:cNvPicPr>
+          <p:nvPr/>
+        </p:nvPicPr>
+        <p:blipFill rotWithShape="1">
+          <a:blip r:embed="rId5">
+            <a:extLst>
+              <a:ext uri="{28A0092B-C50C-407E-A947-70E740481C1C}">
+                <a14:useLocalDpi xmlns:a14="http://schemas.microsoft.com/office/drawing/2010/main" val="0"/>
+              </a:ext>
+            </a:extLst>
+          </a:blip>
+          <a:srcRect t="13667" r="2" b="5244"/>
+          <a:stretch/>
+        </p:blipFill>
+        <p:spPr>
+          <a:xfrm>
+            <a:off x="8768834" y="4082148"/>
+            <a:ext cx="3423175" cy="2775859"/>
+          </a:xfrm>
+          <a:custGeom>
+            <a:avLst/>
+            <a:gdLst>
+              <a:gd name="connsiteX0" fmla="*/ 1906524 w 3423175"/>
+              <a:gd name="connsiteY0" fmla="*/ 0 h 2775859"/>
+              <a:gd name="connsiteX1" fmla="*/ 3377691 w 3423175"/>
+              <a:gd name="connsiteY1" fmla="*/ 693798 h 2775859"/>
+              <a:gd name="connsiteX2" fmla="*/ 3423175 w 3423175"/>
+              <a:gd name="connsiteY2" fmla="*/ 754624 h 2775859"/>
+              <a:gd name="connsiteX3" fmla="*/ 3423175 w 3423175"/>
+              <a:gd name="connsiteY3" fmla="*/ 2775859 h 2775859"/>
+              <a:gd name="connsiteX4" fmla="*/ 211114 w 3423175"/>
+              <a:gd name="connsiteY4" fmla="*/ 2775859 h 2775859"/>
+              <a:gd name="connsiteX5" fmla="*/ 149824 w 3423175"/>
+              <a:gd name="connsiteY5" fmla="*/ 2648629 h 2775859"/>
+              <a:gd name="connsiteX6" fmla="*/ 0 w 3423175"/>
+              <a:gd name="connsiteY6" fmla="*/ 1906524 h 2775859"/>
+              <a:gd name="connsiteX7" fmla="*/ 1906524 w 3423175"/>
+              <a:gd name="connsiteY7" fmla="*/ 0 h 2775859"/>
+            </a:gdLst>
+            <a:ahLst/>
+            <a:cxnLst>
+              <a:cxn ang="0">
+                <a:pos x="connsiteX0" y="connsiteY0"/>
+              </a:cxn>
+              <a:cxn ang="0">
+                <a:pos x="connsiteX1" y="connsiteY1"/>
+              </a:cxn>
+              <a:cxn ang="0">
+                <a:pos x="connsiteX2" y="connsiteY2"/>
+              </a:cxn>
+              <a:cxn ang="0">
+                <a:pos x="connsiteX3" y="connsiteY3"/>
+              </a:cxn>
+              <a:cxn ang="0">
+                <a:pos x="connsiteX4" y="connsiteY4"/>
+              </a:cxn>
+              <a:cxn ang="0">
+                <a:pos x="connsiteX5" y="connsiteY5"/>
+              </a:cxn>
+              <a:cxn ang="0">
+                <a:pos x="connsiteX6" y="connsiteY6"/>
+              </a:cxn>
+              <a:cxn ang="0">
+                <a:pos x="connsiteX7" y="connsiteY7"/>
+              </a:cxn>
+            </a:cxnLst>
+            <a:rect l="l" t="t" r="r" b="b"/>
+            <a:pathLst>
+              <a:path w="3423175" h="2775859">
+                <a:moveTo>
+                  <a:pt x="1906524" y="0"/>
+                </a:moveTo>
+                <a:cubicBezTo>
+                  <a:pt x="2498805" y="0"/>
+                  <a:pt x="3028006" y="270078"/>
+                  <a:pt x="3377691" y="693798"/>
+                </a:cubicBezTo>
+                <a:lnTo>
+                  <a:pt x="3423175" y="754624"/>
+                </a:lnTo>
+                <a:lnTo>
+                  <a:pt x="3423175" y="2775859"/>
+                </a:lnTo>
+                <a:lnTo>
+                  <a:pt x="211114" y="2775859"/>
+                </a:lnTo>
+                <a:lnTo>
+                  <a:pt x="149824" y="2648629"/>
+                </a:lnTo>
+                <a:cubicBezTo>
+                  <a:pt x="53349" y="2420536"/>
+                  <a:pt x="0" y="2169760"/>
+                  <a:pt x="0" y="1906524"/>
+                </a:cubicBezTo>
+                <a:cubicBezTo>
+                  <a:pt x="0" y="853580"/>
+                  <a:pt x="853580" y="0"/>
+                  <a:pt x="1906524" y="0"/>
+                </a:cubicBezTo>
+                <a:close/>
+              </a:path>
+            </a:pathLst>
+          </a:custGeom>
+        </p:spPr>
+      </p:pic>
+      <p:grpSp>
+        <p:nvGrpSpPr>
+          <p:cNvPr id="4" name="Grupa 3">
+            <a:extLst>
+              <a:ext uri="{FF2B5EF4-FFF2-40B4-BE49-F238E27FC236}">
+                <a16:creationId xmlns:a16="http://schemas.microsoft.com/office/drawing/2014/main" id="{FFBDF431-838C-479D-90EC-808ED54FFB1E}"/>
+              </a:ext>
+            </a:extLst>
+          </p:cNvPr>
+          <p:cNvGrpSpPr/>
+          <p:nvPr/>
+        </p:nvGrpSpPr>
+        <p:grpSpPr>
+          <a:xfrm>
+            <a:off x="-201800" y="1736855"/>
+            <a:ext cx="5481955" cy="4562345"/>
+            <a:chOff x="-201800" y="1736855"/>
+            <a:chExt cx="5481955" cy="4562345"/>
+          </a:xfrm>
+        </p:grpSpPr>
+        <p:pic>
+          <p:nvPicPr>
+            <p:cNvPr id="12" name="Grafika 11" descr="Monitor">
+              <a:extLst>
+                <a:ext uri="{FF2B5EF4-FFF2-40B4-BE49-F238E27FC236}">
+                  <a16:creationId xmlns:a16="http://schemas.microsoft.com/office/drawing/2014/main" id="{29377149-38CA-4E97-B07C-5EBD37967312}"/>
+                </a:ext>
+              </a:extLst>
+            </p:cNvPr>
+            <p:cNvPicPr>
+              <a:picLocks noChangeAspect="1"/>
+            </p:cNvPicPr>
+            <p:nvPr/>
+          </p:nvPicPr>
+          <p:blipFill>
+            <a:blip r:embed="rId6">
+              <a:extLst>
+                <a:ext uri="{28A0092B-C50C-407E-A947-70E740481C1C}">
+                  <a14:useLocalDpi xmlns:a14="http://schemas.microsoft.com/office/drawing/2010/main" val="0"/>
+                </a:ext>
+                <a:ext uri="{96DAC541-7B7A-43D3-8B79-37D633B846F1}">
+                  <asvg:svgBlip xmlns:asvg="http://schemas.microsoft.com/office/drawing/2016/SVG/main" r:embed="rId7"/>
+                </a:ext>
+              </a:extLst>
+            </a:blip>
+            <a:stretch>
+              <a:fillRect/>
+            </a:stretch>
+          </p:blipFill>
+          <p:spPr>
+            <a:xfrm>
+              <a:off x="-201800" y="1736855"/>
+              <a:ext cx="5481955" cy="4562345"/>
+            </a:xfrm>
+            <a:prstGeom prst="rect">
+              <a:avLst/>
+            </a:prstGeom>
+          </p:spPr>
+        </p:pic>
+        <p:pic>
+          <p:nvPicPr>
+            <p:cNvPr id="3" name="Slika 2">
+              <a:extLst>
+                <a:ext uri="{FF2B5EF4-FFF2-40B4-BE49-F238E27FC236}">
+                  <a16:creationId xmlns:a16="http://schemas.microsoft.com/office/drawing/2014/main" id="{E93E6A8A-8F47-4BE0-9F06-ED14B6A2F4F6}"/>
+                </a:ext>
+              </a:extLst>
+            </p:cNvPr>
+            <p:cNvPicPr>
+              <a:picLocks noChangeAspect="1"/>
+            </p:cNvPicPr>
+            <p:nvPr/>
+          </p:nvPicPr>
+          <p:blipFill>
+            <a:blip r:embed="rId8">
+              <a:extLst>
+                <a:ext uri="{28A0092B-C50C-407E-A947-70E740481C1C}">
+                  <a14:useLocalDpi xmlns:a14="http://schemas.microsoft.com/office/drawing/2010/main" val="0"/>
+                </a:ext>
+              </a:extLst>
+            </a:blip>
+            <a:stretch>
+              <a:fillRect/>
+            </a:stretch>
+          </p:blipFill>
+          <p:spPr>
+            <a:xfrm>
+              <a:off x="625968" y="2720282"/>
+              <a:ext cx="3820251" cy="2024438"/>
+            </a:xfrm>
+            <a:prstGeom prst="rect">
+              <a:avLst/>
+            </a:prstGeom>
+          </p:spPr>
+        </p:pic>
+      </p:grpSp>
+      <p:grpSp>
+        <p:nvGrpSpPr>
+          <p:cNvPr id="18" name="Grupa 17">
+            <a:extLst>
+              <a:ext uri="{FF2B5EF4-FFF2-40B4-BE49-F238E27FC236}">
+                <a16:creationId xmlns:a16="http://schemas.microsoft.com/office/drawing/2014/main" id="{092EAED2-F12D-456E-AD0B-CDB1DF767CDC}"/>
+              </a:ext>
+            </a:extLst>
+          </p:cNvPr>
+          <p:cNvGrpSpPr/>
+          <p:nvPr/>
+        </p:nvGrpSpPr>
+        <p:grpSpPr>
+          <a:xfrm>
+            <a:off x="4523668" y="1731313"/>
+            <a:ext cx="5512933" cy="4690585"/>
+            <a:chOff x="4523668" y="1731313"/>
+            <a:chExt cx="5512933" cy="4690585"/>
+          </a:xfrm>
+        </p:grpSpPr>
+        <p:pic>
+          <p:nvPicPr>
+            <p:cNvPr id="15" name="Grafika 14" descr="Monitor">
+              <a:extLst>
+                <a:ext uri="{FF2B5EF4-FFF2-40B4-BE49-F238E27FC236}">
+                  <a16:creationId xmlns:a16="http://schemas.microsoft.com/office/drawing/2014/main" id="{2B2FF1CC-7BD7-4660-973E-7BD6E5AF8962}"/>
+                </a:ext>
+              </a:extLst>
+            </p:cNvPr>
+            <p:cNvPicPr>
+              <a:picLocks noChangeAspect="1"/>
+            </p:cNvPicPr>
+            <p:nvPr/>
+          </p:nvPicPr>
+          <p:blipFill>
+            <a:blip r:embed="rId6">
+              <a:extLst>
+                <a:ext uri="{28A0092B-C50C-407E-A947-70E740481C1C}">
+                  <a14:useLocalDpi xmlns:a14="http://schemas.microsoft.com/office/drawing/2010/main" val="0"/>
+                </a:ext>
+                <a:ext uri="{96DAC541-7B7A-43D3-8B79-37D633B846F1}">
+                  <asvg:svgBlip xmlns:asvg="http://schemas.microsoft.com/office/drawing/2016/SVG/main" r:embed="rId7"/>
+                </a:ext>
+              </a:extLst>
+            </a:blip>
+            <a:stretch>
+              <a:fillRect/>
+            </a:stretch>
+          </p:blipFill>
+          <p:spPr>
+            <a:xfrm>
+              <a:off x="4523668" y="1731313"/>
+              <a:ext cx="5512933" cy="4690585"/>
+            </a:xfrm>
+            <a:prstGeom prst="rect">
+              <a:avLst/>
+            </a:prstGeom>
+          </p:spPr>
+        </p:pic>
+        <p:pic>
+          <p:nvPicPr>
+            <p:cNvPr id="17" name="Slika 16">
+              <a:extLst>
+                <a:ext uri="{FF2B5EF4-FFF2-40B4-BE49-F238E27FC236}">
+                  <a16:creationId xmlns:a16="http://schemas.microsoft.com/office/drawing/2014/main" id="{D78C6F39-C88E-4314-8127-A6BA89CFF66E}"/>
+                </a:ext>
+              </a:extLst>
+            </p:cNvPr>
+            <p:cNvPicPr>
+              <a:picLocks noChangeAspect="1"/>
+            </p:cNvPicPr>
+            <p:nvPr/>
+          </p:nvPicPr>
+          <p:blipFill>
+            <a:blip r:embed="rId9">
+              <a:extLst>
+                <a:ext uri="{28A0092B-C50C-407E-A947-70E740481C1C}">
+                  <a14:useLocalDpi xmlns:a14="http://schemas.microsoft.com/office/drawing/2010/main" val="0"/>
+                </a:ext>
+              </a:extLst>
+            </a:blip>
+            <a:stretch>
+              <a:fillRect/>
+            </a:stretch>
+          </p:blipFill>
+          <p:spPr>
+            <a:xfrm>
+              <a:off x="5357604" y="2733610"/>
+              <a:ext cx="3855835" cy="2102550"/>
+            </a:xfrm>
+            <a:prstGeom prst="rect">
+              <a:avLst/>
+            </a:prstGeom>
+          </p:spPr>
+        </p:pic>
+      </p:grpSp>
+    </p:spTree>
+    <p:extLst>
+      <p:ext uri="{BB962C8B-B14F-4D97-AF65-F5344CB8AC3E}">
+        <p14:creationId xmlns:p14="http://schemas.microsoft.com/office/powerpoint/2010/main" val="1666119972"/>
+      </p:ext>
+    </p:extLst>
+  </p:cSld>
+  <p:clrMapOvr>
+    <a:masterClrMapping/>
+  </p:clrMapOvr>
+</p:sld>
+</file>
+
+<file path=ppt/slides/slide22.xml><?xml version="1.0" encoding="utf-8"?>
+<p:sld xmlns:a="http://schemas.openxmlformats.org/drawingml/2006/main" xmlns:r="http://schemas.openxmlformats.org/officeDocument/2006/relationships" xmlns:p="http://schemas.openxmlformats.org/presentationml/2006/main">
+  <p:cSld>
+    <p:spTree>
+      <p:nvGrpSpPr>
+        <p:cNvPr id="1" name=""/>
+        <p:cNvGrpSpPr/>
+        <p:nvPr/>
+      </p:nvGrpSpPr>
+      <p:grpSpPr>
+        <a:xfrm>
+          <a:off x="0" y="0"/>
+          <a:ext cx="0" cy="0"/>
+          <a:chOff x="0" y="0"/>
+          <a:chExt cx="0" cy="0"/>
+        </a:xfrm>
+      </p:grpSpPr>
+      <p:pic>
+        <p:nvPicPr>
+          <p:cNvPr id="6" name="Picture 5">
+            <a:extLst>
+              <a:ext uri="{FF2B5EF4-FFF2-40B4-BE49-F238E27FC236}">
+                <a16:creationId xmlns:a16="http://schemas.microsoft.com/office/drawing/2014/main" id="{BE2E685B-1842-437E-8EE0-0D965BD4BF5A}"/>
+              </a:ext>
+            </a:extLst>
+          </p:cNvPr>
+          <p:cNvPicPr>
+            <a:picLocks noChangeAspect="1"/>
+          </p:cNvPicPr>
+          <p:nvPr/>
+        </p:nvPicPr>
+        <p:blipFill rotWithShape="1">
+          <a:blip r:embed="rId2">
+            <a:alphaModFix amt="35000"/>
+            <a:extLst>
+              <a:ext uri="{BEBA8EAE-BF5A-486C-A8C5-ECC9F3942E4B}">
+                <a14:imgProps xmlns:a14="http://schemas.microsoft.com/office/drawing/2010/main">
+                  <a14:imgLayer r:embed="rId3">
+                    <a14:imgEffect>
+                      <a14:colorTemperature colorTemp="5900"/>
+                    </a14:imgEffect>
+                    <a14:imgEffect>
+                      <a14:saturation sat="400000"/>
+                    </a14:imgEffect>
+                  </a14:imgLayer>
+                </a14:imgProps>
+              </a:ext>
+              <a:ext uri="{28A0092B-C50C-407E-A947-70E740481C1C}">
+                <a14:useLocalDpi xmlns:a14="http://schemas.microsoft.com/office/drawing/2010/main" val="0"/>
+              </a:ext>
+            </a:extLst>
+          </a:blip>
+          <a:srcRect l="18256" r="17726"/>
+          <a:stretch/>
+        </p:blipFill>
+        <p:spPr>
+          <a:xfrm>
+            <a:off x="-7" y="-8"/>
+            <a:ext cx="12192000" cy="6855958"/>
+          </a:xfrm>
+          <a:prstGeom prst="rect">
+            <a:avLst/>
+          </a:prstGeom>
+          <a:noFill/>
+          <a:ln>
+            <a:noFill/>
+          </a:ln>
+        </p:spPr>
+      </p:pic>
+      <p:pic>
+        <p:nvPicPr>
+          <p:cNvPr id="7" name="Picture 6">
+            <a:extLst>
+              <a:ext uri="{FF2B5EF4-FFF2-40B4-BE49-F238E27FC236}">
+                <a16:creationId xmlns:a16="http://schemas.microsoft.com/office/drawing/2014/main" id="{1353EAFD-5AF7-4F88-A644-D2561204B6F2}"/>
+              </a:ext>
+            </a:extLst>
+          </p:cNvPr>
+          <p:cNvPicPr>
+            <a:picLocks noChangeAspect="1"/>
+          </p:cNvPicPr>
+          <p:nvPr/>
+        </p:nvPicPr>
+        <p:blipFill rotWithShape="1">
+          <a:blip r:embed="rId4">
+            <a:extLst>
+              <a:ext uri="{28A0092B-C50C-407E-A947-70E740481C1C}">
+                <a14:useLocalDpi xmlns:a14="http://schemas.microsoft.com/office/drawing/2010/main" val="0"/>
+              </a:ext>
+            </a:extLst>
+          </a:blip>
+          <a:srcRect l="1414" r="8588" b="-1"/>
+          <a:stretch/>
+        </p:blipFill>
+        <p:spPr>
+          <a:xfrm>
+            <a:off x="7689829" y="-2055"/>
+            <a:ext cx="4502173" cy="3316924"/>
+          </a:xfrm>
+          <a:custGeom>
+            <a:avLst/>
+            <a:gdLst>
+              <a:gd name="connsiteX0" fmla="*/ 154695 w 4502173"/>
+              <a:gd name="connsiteY0" fmla="*/ 0 h 3316924"/>
+              <a:gd name="connsiteX1" fmla="*/ 4502173 w 4502173"/>
+              <a:gd name="connsiteY1" fmla="*/ 0 h 3316924"/>
+              <a:gd name="connsiteX2" fmla="*/ 4502173 w 4502173"/>
+              <a:gd name="connsiteY2" fmla="*/ 2237639 h 3316924"/>
+              <a:gd name="connsiteX3" fmla="*/ 4365663 w 4502173"/>
+              <a:gd name="connsiteY3" fmla="*/ 2420191 h 3316924"/>
+              <a:gd name="connsiteX4" fmla="*/ 2464181 w 4502173"/>
+              <a:gd name="connsiteY4" fmla="*/ 3316924 h 3316924"/>
+              <a:gd name="connsiteX5" fmla="*/ 0 w 4502173"/>
+              <a:gd name="connsiteY5" fmla="*/ 852743 h 3316924"/>
+              <a:gd name="connsiteX6" fmla="*/ 110786 w 4502173"/>
+              <a:gd name="connsiteY6" fmla="*/ 119971 h 3316924"/>
+            </a:gdLst>
+            <a:ahLst/>
+            <a:cxnLst>
+              <a:cxn ang="0">
+                <a:pos x="connsiteX0" y="connsiteY0"/>
+              </a:cxn>
+              <a:cxn ang="0">
+                <a:pos x="connsiteX1" y="connsiteY1"/>
+              </a:cxn>
+              <a:cxn ang="0">
+                <a:pos x="connsiteX2" y="connsiteY2"/>
+              </a:cxn>
+              <a:cxn ang="0">
+                <a:pos x="connsiteX3" y="connsiteY3"/>
+              </a:cxn>
+              <a:cxn ang="0">
+                <a:pos x="connsiteX4" y="connsiteY4"/>
+              </a:cxn>
+              <a:cxn ang="0">
+                <a:pos x="connsiteX5" y="connsiteY5"/>
+              </a:cxn>
+              <a:cxn ang="0">
+                <a:pos x="connsiteX6" y="connsiteY6"/>
+              </a:cxn>
+            </a:cxnLst>
+            <a:rect l="l" t="t" r="r" b="b"/>
+            <a:pathLst>
+              <a:path w="4502173" h="3316924">
+                <a:moveTo>
+                  <a:pt x="154695" y="0"/>
+                </a:moveTo>
+                <a:lnTo>
+                  <a:pt x="4502173" y="0"/>
+                </a:lnTo>
+                <a:lnTo>
+                  <a:pt x="4502173" y="2237639"/>
+                </a:lnTo>
+                <a:lnTo>
+                  <a:pt x="4365663" y="2420191"/>
+                </a:lnTo>
+                <a:cubicBezTo>
+                  <a:pt x="3913696" y="2967849"/>
+                  <a:pt x="3229704" y="3316924"/>
+                  <a:pt x="2464181" y="3316924"/>
+                </a:cubicBezTo>
+                <a:cubicBezTo>
+                  <a:pt x="1103251" y="3316924"/>
+                  <a:pt x="0" y="2213673"/>
+                  <a:pt x="0" y="852743"/>
+                </a:cubicBezTo>
+                <a:cubicBezTo>
+                  <a:pt x="0" y="597569"/>
+                  <a:pt x="38787" y="351454"/>
+                  <a:pt x="110786" y="119971"/>
+                </a:cubicBezTo>
+                <a:close/>
+              </a:path>
+            </a:pathLst>
+          </a:custGeom>
+        </p:spPr>
+      </p:pic>
+      <p:pic>
+        <p:nvPicPr>
+          <p:cNvPr id="8" name="Picture 7">
+            <a:extLst>
+              <a:ext uri="{FF2B5EF4-FFF2-40B4-BE49-F238E27FC236}">
+                <a16:creationId xmlns:a16="http://schemas.microsoft.com/office/drawing/2014/main" id="{8DD2BD23-4B5E-4D3B-937A-61A65D798931}"/>
+              </a:ext>
+            </a:extLst>
+          </p:cNvPr>
+          <p:cNvPicPr>
+            <a:picLocks noChangeAspect="1"/>
+          </p:cNvPicPr>
+          <p:nvPr/>
+        </p:nvPicPr>
+        <p:blipFill rotWithShape="1">
+          <a:blip r:embed="rId5">
+            <a:extLst>
+              <a:ext uri="{28A0092B-C50C-407E-A947-70E740481C1C}">
+                <a14:useLocalDpi xmlns:a14="http://schemas.microsoft.com/office/drawing/2010/main" val="0"/>
+              </a:ext>
+            </a:extLst>
+          </a:blip>
+          <a:srcRect t="13667" r="2" b="5244"/>
+          <a:stretch/>
+        </p:blipFill>
+        <p:spPr>
+          <a:xfrm>
+            <a:off x="8768834" y="4082148"/>
+            <a:ext cx="3423175" cy="2775859"/>
+          </a:xfrm>
+          <a:custGeom>
+            <a:avLst/>
+            <a:gdLst>
+              <a:gd name="connsiteX0" fmla="*/ 1906524 w 3423175"/>
+              <a:gd name="connsiteY0" fmla="*/ 0 h 2775859"/>
+              <a:gd name="connsiteX1" fmla="*/ 3377691 w 3423175"/>
+              <a:gd name="connsiteY1" fmla="*/ 693798 h 2775859"/>
+              <a:gd name="connsiteX2" fmla="*/ 3423175 w 3423175"/>
+              <a:gd name="connsiteY2" fmla="*/ 754624 h 2775859"/>
+              <a:gd name="connsiteX3" fmla="*/ 3423175 w 3423175"/>
+              <a:gd name="connsiteY3" fmla="*/ 2775859 h 2775859"/>
+              <a:gd name="connsiteX4" fmla="*/ 211114 w 3423175"/>
+              <a:gd name="connsiteY4" fmla="*/ 2775859 h 2775859"/>
+              <a:gd name="connsiteX5" fmla="*/ 149824 w 3423175"/>
+              <a:gd name="connsiteY5" fmla="*/ 2648629 h 2775859"/>
+              <a:gd name="connsiteX6" fmla="*/ 0 w 3423175"/>
+              <a:gd name="connsiteY6" fmla="*/ 1906524 h 2775859"/>
+              <a:gd name="connsiteX7" fmla="*/ 1906524 w 3423175"/>
+              <a:gd name="connsiteY7" fmla="*/ 0 h 2775859"/>
+            </a:gdLst>
+            <a:ahLst/>
+            <a:cxnLst>
+              <a:cxn ang="0">
+                <a:pos x="connsiteX0" y="connsiteY0"/>
+              </a:cxn>
+              <a:cxn ang="0">
+                <a:pos x="connsiteX1" y="connsiteY1"/>
+              </a:cxn>
+              <a:cxn ang="0">
+                <a:pos x="connsiteX2" y="connsiteY2"/>
+              </a:cxn>
+              <a:cxn ang="0">
+                <a:pos x="connsiteX3" y="connsiteY3"/>
+              </a:cxn>
+              <a:cxn ang="0">
+                <a:pos x="connsiteX4" y="connsiteY4"/>
+              </a:cxn>
+              <a:cxn ang="0">
+                <a:pos x="connsiteX5" y="connsiteY5"/>
+              </a:cxn>
+              <a:cxn ang="0">
+                <a:pos x="connsiteX6" y="connsiteY6"/>
+              </a:cxn>
+              <a:cxn ang="0">
+                <a:pos x="connsiteX7" y="connsiteY7"/>
+              </a:cxn>
+            </a:cxnLst>
+            <a:rect l="l" t="t" r="r" b="b"/>
+            <a:pathLst>
+              <a:path w="3423175" h="2775859">
+                <a:moveTo>
+                  <a:pt x="1906524" y="0"/>
+                </a:moveTo>
+                <a:cubicBezTo>
+                  <a:pt x="2498805" y="0"/>
+                  <a:pt x="3028006" y="270078"/>
+                  <a:pt x="3377691" y="693798"/>
+                </a:cubicBezTo>
+                <a:lnTo>
+                  <a:pt x="3423175" y="754624"/>
+                </a:lnTo>
+                <a:lnTo>
+                  <a:pt x="3423175" y="2775859"/>
+                </a:lnTo>
+                <a:lnTo>
+                  <a:pt x="211114" y="2775859"/>
+                </a:lnTo>
+                <a:lnTo>
+                  <a:pt x="149824" y="2648629"/>
+                </a:lnTo>
+                <a:cubicBezTo>
+                  <a:pt x="53349" y="2420536"/>
+                  <a:pt x="0" y="2169760"/>
+                  <a:pt x="0" y="1906524"/>
+                </a:cubicBezTo>
+                <a:cubicBezTo>
+                  <a:pt x="0" y="853580"/>
+                  <a:pt x="853580" y="0"/>
+                  <a:pt x="1906524" y="0"/>
+                </a:cubicBezTo>
+                <a:close/>
+              </a:path>
+            </a:pathLst>
+          </a:custGeom>
+        </p:spPr>
+      </p:pic>
+      <p:grpSp>
+        <p:nvGrpSpPr>
+          <p:cNvPr id="4" name="Grupa 3">
+            <a:extLst>
+              <a:ext uri="{FF2B5EF4-FFF2-40B4-BE49-F238E27FC236}">
+                <a16:creationId xmlns:a16="http://schemas.microsoft.com/office/drawing/2014/main" id="{6D8EA8F6-3150-424C-A0C6-9099B54028B5}"/>
+              </a:ext>
+            </a:extLst>
+          </p:cNvPr>
+          <p:cNvGrpSpPr/>
+          <p:nvPr/>
+        </p:nvGrpSpPr>
+        <p:grpSpPr>
+          <a:xfrm>
+            <a:off x="4523668" y="1731313"/>
+            <a:ext cx="5512933" cy="4690585"/>
+            <a:chOff x="4523668" y="1731313"/>
+            <a:chExt cx="5512933" cy="4690585"/>
+          </a:xfrm>
+        </p:grpSpPr>
+        <p:pic>
+          <p:nvPicPr>
+            <p:cNvPr id="15" name="Grafika 14" descr="Monitor">
+              <a:extLst>
+                <a:ext uri="{FF2B5EF4-FFF2-40B4-BE49-F238E27FC236}">
+                  <a16:creationId xmlns:a16="http://schemas.microsoft.com/office/drawing/2014/main" id="{2B2FF1CC-7BD7-4660-973E-7BD6E5AF8962}"/>
+                </a:ext>
+              </a:extLst>
+            </p:cNvPr>
+            <p:cNvPicPr>
+              <a:picLocks noChangeAspect="1"/>
+            </p:cNvPicPr>
+            <p:nvPr/>
+          </p:nvPicPr>
+          <p:blipFill>
+            <a:blip r:embed="rId6">
+              <a:extLst>
+                <a:ext uri="{28A0092B-C50C-407E-A947-70E740481C1C}">
+                  <a14:useLocalDpi xmlns:a14="http://schemas.microsoft.com/office/drawing/2010/main" val="0"/>
+                </a:ext>
+                <a:ext uri="{96DAC541-7B7A-43D3-8B79-37D633B846F1}">
+                  <asvg:svgBlip xmlns:asvg="http://schemas.microsoft.com/office/drawing/2016/SVG/main" r:embed="rId7"/>
+                </a:ext>
+              </a:extLst>
+            </a:blip>
+            <a:stretch>
+              <a:fillRect/>
+            </a:stretch>
+          </p:blipFill>
+          <p:spPr>
+            <a:xfrm>
+              <a:off x="4523668" y="1731313"/>
+              <a:ext cx="5512933" cy="4690585"/>
+            </a:xfrm>
+            <a:prstGeom prst="rect">
+              <a:avLst/>
+            </a:prstGeom>
+          </p:spPr>
+        </p:pic>
+        <p:pic>
+          <p:nvPicPr>
+            <p:cNvPr id="3" name="Slika 2">
+              <a:extLst>
+                <a:ext uri="{FF2B5EF4-FFF2-40B4-BE49-F238E27FC236}">
+                  <a16:creationId xmlns:a16="http://schemas.microsoft.com/office/drawing/2014/main" id="{8ACB9243-4306-4C9B-9C3C-279B998A4AA3}"/>
+                </a:ext>
+              </a:extLst>
+            </p:cNvPr>
+            <p:cNvPicPr>
+              <a:picLocks noChangeAspect="1"/>
+            </p:cNvPicPr>
+            <p:nvPr/>
+          </p:nvPicPr>
+          <p:blipFill>
+            <a:blip r:embed="rId8">
+              <a:extLst>
+                <a:ext uri="{28A0092B-C50C-407E-A947-70E740481C1C}">
+                  <a14:useLocalDpi xmlns:a14="http://schemas.microsoft.com/office/drawing/2010/main" val="0"/>
+                </a:ext>
+              </a:extLst>
+            </a:blip>
+            <a:stretch>
+              <a:fillRect/>
+            </a:stretch>
+          </p:blipFill>
+          <p:spPr>
+            <a:xfrm>
+              <a:off x="5361663" y="2736374"/>
+              <a:ext cx="3843297" cy="2099786"/>
+            </a:xfrm>
+            <a:prstGeom prst="rect">
+              <a:avLst/>
+            </a:prstGeom>
+          </p:spPr>
+        </p:pic>
+      </p:grpSp>
+      <p:grpSp>
+        <p:nvGrpSpPr>
+          <p:cNvPr id="10" name="Grupa 9">
+            <a:extLst>
+              <a:ext uri="{FF2B5EF4-FFF2-40B4-BE49-F238E27FC236}">
+                <a16:creationId xmlns:a16="http://schemas.microsoft.com/office/drawing/2014/main" id="{AD52F04E-11A1-4BA6-8BA7-BCA164B04633}"/>
+              </a:ext>
+            </a:extLst>
+          </p:cNvPr>
+          <p:cNvGrpSpPr/>
+          <p:nvPr/>
+        </p:nvGrpSpPr>
+        <p:grpSpPr>
+          <a:xfrm>
+            <a:off x="-201800" y="1736855"/>
+            <a:ext cx="5481955" cy="4562345"/>
+            <a:chOff x="-201800" y="1736855"/>
+            <a:chExt cx="5481955" cy="4562345"/>
+          </a:xfrm>
+        </p:grpSpPr>
+        <p:pic>
+          <p:nvPicPr>
+            <p:cNvPr id="12" name="Grafika 11" descr="Monitor">
+              <a:extLst>
+                <a:ext uri="{FF2B5EF4-FFF2-40B4-BE49-F238E27FC236}">
+                  <a16:creationId xmlns:a16="http://schemas.microsoft.com/office/drawing/2014/main" id="{29377149-38CA-4E97-B07C-5EBD37967312}"/>
+                </a:ext>
+              </a:extLst>
+            </p:cNvPr>
+            <p:cNvPicPr>
+              <a:picLocks noChangeAspect="1"/>
+            </p:cNvPicPr>
+            <p:nvPr/>
+          </p:nvPicPr>
+          <p:blipFill>
+            <a:blip r:embed="rId6">
+              <a:extLst>
+                <a:ext uri="{28A0092B-C50C-407E-A947-70E740481C1C}">
+                  <a14:useLocalDpi xmlns:a14="http://schemas.microsoft.com/office/drawing/2010/main" val="0"/>
+                </a:ext>
+                <a:ext uri="{96DAC541-7B7A-43D3-8B79-37D633B846F1}">
+                  <asvg:svgBlip xmlns:asvg="http://schemas.microsoft.com/office/drawing/2016/SVG/main" r:embed="rId7"/>
+                </a:ext>
+              </a:extLst>
+            </a:blip>
+            <a:stretch>
+              <a:fillRect/>
+            </a:stretch>
+          </p:blipFill>
+          <p:spPr>
+            <a:xfrm>
+              <a:off x="-201800" y="1736855"/>
+              <a:ext cx="5481955" cy="4562345"/>
+            </a:xfrm>
+            <a:prstGeom prst="rect">
+              <a:avLst/>
+            </a:prstGeom>
+          </p:spPr>
+        </p:pic>
+        <p:pic>
+          <p:nvPicPr>
+            <p:cNvPr id="9" name="Slika 8">
+              <a:extLst>
+                <a:ext uri="{FF2B5EF4-FFF2-40B4-BE49-F238E27FC236}">
+                  <a16:creationId xmlns:a16="http://schemas.microsoft.com/office/drawing/2014/main" id="{222E0B36-A4DA-4706-A958-1F24CB45E2CE}"/>
+                </a:ext>
+              </a:extLst>
+            </p:cNvPr>
+            <p:cNvPicPr>
+              <a:picLocks noChangeAspect="1"/>
+            </p:cNvPicPr>
+            <p:nvPr/>
+          </p:nvPicPr>
+          <p:blipFill>
+            <a:blip r:embed="rId9">
+              <a:extLst>
+                <a:ext uri="{28A0092B-C50C-407E-A947-70E740481C1C}">
+                  <a14:useLocalDpi xmlns:a14="http://schemas.microsoft.com/office/drawing/2010/main" val="0"/>
+                </a:ext>
+              </a:extLst>
+            </a:blip>
+            <a:stretch>
+              <a:fillRect/>
+            </a:stretch>
+          </p:blipFill>
+          <p:spPr>
+            <a:xfrm>
+              <a:off x="638953" y="2726214"/>
+              <a:ext cx="3813367" cy="2028666"/>
+            </a:xfrm>
+            <a:prstGeom prst="rect">
+              <a:avLst/>
+            </a:prstGeom>
+          </p:spPr>
+        </p:pic>
+      </p:grpSp>
+    </p:spTree>
+    <p:extLst>
+      <p:ext uri="{BB962C8B-B14F-4D97-AF65-F5344CB8AC3E}">
+        <p14:creationId xmlns:p14="http://schemas.microsoft.com/office/powerpoint/2010/main" val="1907139052"/>
+      </p:ext>
+    </p:extLst>
+  </p:cSld>
+  <p:clrMapOvr>
+    <a:masterClrMapping/>
+  </p:clrMapOvr>
+</p:sld>
+</file>
+
+<file path=ppt/slides/slide23.xml><?xml version="1.0" encoding="utf-8"?>
+<p:sld xmlns:a="http://schemas.openxmlformats.org/drawingml/2006/main" xmlns:r="http://schemas.openxmlformats.org/officeDocument/2006/relationships" xmlns:p="http://schemas.openxmlformats.org/presentationml/2006/main">
+  <p:cSld>
+    <p:spTree>
+      <p:nvGrpSpPr>
+        <p:cNvPr id="1" name=""/>
+        <p:cNvGrpSpPr/>
+        <p:nvPr/>
+      </p:nvGrpSpPr>
+      <p:grpSpPr>
+        <a:xfrm>
+          <a:off x="0" y="0"/>
+          <a:ext cx="0" cy="0"/>
+          <a:chOff x="0" y="0"/>
+          <a:chExt cx="0" cy="0"/>
+        </a:xfrm>
+      </p:grpSpPr>
+      <p:pic>
+        <p:nvPicPr>
+          <p:cNvPr id="3" name="Picture 2">
+            <a:extLst>
+              <a:ext uri="{FF2B5EF4-FFF2-40B4-BE49-F238E27FC236}">
+                <a16:creationId xmlns:a16="http://schemas.microsoft.com/office/drawing/2014/main" id="{BE2E685B-1842-437E-8EE0-0D965BD4BF5A}"/>
+              </a:ext>
+            </a:extLst>
+          </p:cNvPr>
+          <p:cNvPicPr>
+            <a:picLocks noChangeAspect="1"/>
+          </p:cNvPicPr>
+          <p:nvPr/>
+        </p:nvPicPr>
+        <p:blipFill rotWithShape="1">
+          <a:blip r:embed="rId2">
+            <a:alphaModFix amt="35000"/>
+            <a:extLst>
+              <a:ext uri="{BEBA8EAE-BF5A-486C-A8C5-ECC9F3942E4B}">
+                <a14:imgProps xmlns:a14="http://schemas.microsoft.com/office/drawing/2010/main">
+                  <a14:imgLayer r:embed="rId3">
+                    <a14:imgEffect>
+                      <a14:colorTemperature colorTemp="5900"/>
+                    </a14:imgEffect>
+                    <a14:imgEffect>
+                      <a14:saturation sat="400000"/>
+                    </a14:imgEffect>
+                  </a14:imgLayer>
+                </a14:imgProps>
+              </a:ext>
+              <a:ext uri="{28A0092B-C50C-407E-A947-70E740481C1C}">
+                <a14:useLocalDpi xmlns:a14="http://schemas.microsoft.com/office/drawing/2010/main" val="0"/>
+              </a:ext>
+            </a:extLst>
+          </a:blip>
+          <a:srcRect l="18256" r="17726"/>
+          <a:stretch/>
+        </p:blipFill>
+        <p:spPr>
+          <a:xfrm>
+            <a:off x="-7" y="-8"/>
+            <a:ext cx="12192000" cy="6855958"/>
+          </a:xfrm>
+          <a:prstGeom prst="rect">
+            <a:avLst/>
+          </a:prstGeom>
+          <a:noFill/>
+          <a:ln>
+            <a:noFill/>
+          </a:ln>
+        </p:spPr>
+      </p:pic>
+      <p:pic>
+        <p:nvPicPr>
+          <p:cNvPr id="9" name="Picture 8">
+            <a:extLst>
+              <a:ext uri="{FF2B5EF4-FFF2-40B4-BE49-F238E27FC236}">
+                <a16:creationId xmlns:a16="http://schemas.microsoft.com/office/drawing/2014/main" id="{1353EAFD-5AF7-4F88-A644-D2561204B6F2}"/>
+              </a:ext>
+            </a:extLst>
+          </p:cNvPr>
+          <p:cNvPicPr>
+            <a:picLocks noChangeAspect="1"/>
+          </p:cNvPicPr>
+          <p:nvPr/>
+        </p:nvPicPr>
+        <p:blipFill rotWithShape="1">
+          <a:blip r:embed="rId4">
+            <a:extLst>
+              <a:ext uri="{28A0092B-C50C-407E-A947-70E740481C1C}">
+                <a14:useLocalDpi xmlns:a14="http://schemas.microsoft.com/office/drawing/2010/main" val="0"/>
+              </a:ext>
+            </a:extLst>
+          </a:blip>
+          <a:srcRect l="1414" r="8588" b="-1"/>
+          <a:stretch/>
+        </p:blipFill>
+        <p:spPr>
+          <a:xfrm>
+            <a:off x="7689829" y="-2055"/>
+            <a:ext cx="4502173" cy="3316924"/>
+          </a:xfrm>
+          <a:custGeom>
+            <a:avLst/>
+            <a:gdLst>
+              <a:gd name="connsiteX0" fmla="*/ 154695 w 4502173"/>
+              <a:gd name="connsiteY0" fmla="*/ 0 h 3316924"/>
+              <a:gd name="connsiteX1" fmla="*/ 4502173 w 4502173"/>
+              <a:gd name="connsiteY1" fmla="*/ 0 h 3316924"/>
+              <a:gd name="connsiteX2" fmla="*/ 4502173 w 4502173"/>
+              <a:gd name="connsiteY2" fmla="*/ 2237639 h 3316924"/>
+              <a:gd name="connsiteX3" fmla="*/ 4365663 w 4502173"/>
+              <a:gd name="connsiteY3" fmla="*/ 2420191 h 3316924"/>
+              <a:gd name="connsiteX4" fmla="*/ 2464181 w 4502173"/>
+              <a:gd name="connsiteY4" fmla="*/ 3316924 h 3316924"/>
+              <a:gd name="connsiteX5" fmla="*/ 0 w 4502173"/>
+              <a:gd name="connsiteY5" fmla="*/ 852743 h 3316924"/>
+              <a:gd name="connsiteX6" fmla="*/ 110786 w 4502173"/>
+              <a:gd name="connsiteY6" fmla="*/ 119971 h 3316924"/>
+            </a:gdLst>
+            <a:ahLst/>
+            <a:cxnLst>
+              <a:cxn ang="0">
+                <a:pos x="connsiteX0" y="connsiteY0"/>
+              </a:cxn>
+              <a:cxn ang="0">
+                <a:pos x="connsiteX1" y="connsiteY1"/>
+              </a:cxn>
+              <a:cxn ang="0">
+                <a:pos x="connsiteX2" y="connsiteY2"/>
+              </a:cxn>
+              <a:cxn ang="0">
+                <a:pos x="connsiteX3" y="connsiteY3"/>
+              </a:cxn>
+              <a:cxn ang="0">
+                <a:pos x="connsiteX4" y="connsiteY4"/>
+              </a:cxn>
+              <a:cxn ang="0">
+                <a:pos x="connsiteX5" y="connsiteY5"/>
+              </a:cxn>
+              <a:cxn ang="0">
+                <a:pos x="connsiteX6" y="connsiteY6"/>
+              </a:cxn>
+            </a:cxnLst>
+            <a:rect l="l" t="t" r="r" b="b"/>
+            <a:pathLst>
+              <a:path w="4502173" h="3316924">
+                <a:moveTo>
+                  <a:pt x="154695" y="0"/>
+                </a:moveTo>
+                <a:lnTo>
+                  <a:pt x="4502173" y="0"/>
+                </a:lnTo>
+                <a:lnTo>
+                  <a:pt x="4502173" y="2237639"/>
+                </a:lnTo>
+                <a:lnTo>
+                  <a:pt x="4365663" y="2420191"/>
+                </a:lnTo>
+                <a:cubicBezTo>
+                  <a:pt x="3913696" y="2967849"/>
+                  <a:pt x="3229704" y="3316924"/>
+                  <a:pt x="2464181" y="3316924"/>
+                </a:cubicBezTo>
+                <a:cubicBezTo>
+                  <a:pt x="1103251" y="3316924"/>
+                  <a:pt x="0" y="2213673"/>
+                  <a:pt x="0" y="852743"/>
+                </a:cubicBezTo>
+                <a:cubicBezTo>
+                  <a:pt x="0" y="597569"/>
+                  <a:pt x="38787" y="351454"/>
+                  <a:pt x="110786" y="119971"/>
+                </a:cubicBezTo>
+                <a:close/>
+              </a:path>
+            </a:pathLst>
+          </a:custGeom>
+        </p:spPr>
+      </p:pic>
+      <p:pic>
+        <p:nvPicPr>
+          <p:cNvPr id="4" name="Picture 3">
+            <a:extLst>
+              <a:ext uri="{FF2B5EF4-FFF2-40B4-BE49-F238E27FC236}">
+                <a16:creationId xmlns:a16="http://schemas.microsoft.com/office/drawing/2014/main" id="{8DD2BD23-4B5E-4D3B-937A-61A65D798931}"/>
+              </a:ext>
+            </a:extLst>
+          </p:cNvPr>
+          <p:cNvPicPr>
+            <a:picLocks noChangeAspect="1"/>
+          </p:cNvPicPr>
+          <p:nvPr/>
+        </p:nvPicPr>
+        <p:blipFill rotWithShape="1">
+          <a:blip r:embed="rId5">
+            <a:extLst>
+              <a:ext uri="{28A0092B-C50C-407E-A947-70E740481C1C}">
+                <a14:useLocalDpi xmlns:a14="http://schemas.microsoft.com/office/drawing/2010/main" val="0"/>
+              </a:ext>
+            </a:extLst>
+          </a:blip>
+          <a:srcRect t="13667" r="2" b="5244"/>
+          <a:stretch/>
+        </p:blipFill>
+        <p:spPr>
+          <a:xfrm>
+            <a:off x="8768834" y="4082148"/>
+            <a:ext cx="3423175" cy="2775859"/>
+          </a:xfrm>
+          <a:custGeom>
+            <a:avLst/>
+            <a:gdLst>
+              <a:gd name="connsiteX0" fmla="*/ 1906524 w 3423175"/>
+              <a:gd name="connsiteY0" fmla="*/ 0 h 2775859"/>
+              <a:gd name="connsiteX1" fmla="*/ 3377691 w 3423175"/>
+              <a:gd name="connsiteY1" fmla="*/ 693798 h 2775859"/>
+              <a:gd name="connsiteX2" fmla="*/ 3423175 w 3423175"/>
+              <a:gd name="connsiteY2" fmla="*/ 754624 h 2775859"/>
+              <a:gd name="connsiteX3" fmla="*/ 3423175 w 3423175"/>
+              <a:gd name="connsiteY3" fmla="*/ 2775859 h 2775859"/>
+              <a:gd name="connsiteX4" fmla="*/ 211114 w 3423175"/>
+              <a:gd name="connsiteY4" fmla="*/ 2775859 h 2775859"/>
+              <a:gd name="connsiteX5" fmla="*/ 149824 w 3423175"/>
+              <a:gd name="connsiteY5" fmla="*/ 2648629 h 2775859"/>
+              <a:gd name="connsiteX6" fmla="*/ 0 w 3423175"/>
+              <a:gd name="connsiteY6" fmla="*/ 1906524 h 2775859"/>
+              <a:gd name="connsiteX7" fmla="*/ 1906524 w 3423175"/>
+              <a:gd name="connsiteY7" fmla="*/ 0 h 2775859"/>
+            </a:gdLst>
+            <a:ahLst/>
+            <a:cxnLst>
+              <a:cxn ang="0">
+                <a:pos x="connsiteX0" y="connsiteY0"/>
+              </a:cxn>
+              <a:cxn ang="0">
+                <a:pos x="connsiteX1" y="connsiteY1"/>
+              </a:cxn>
+              <a:cxn ang="0">
+                <a:pos x="connsiteX2" y="connsiteY2"/>
+              </a:cxn>
+              <a:cxn ang="0">
+                <a:pos x="connsiteX3" y="connsiteY3"/>
+              </a:cxn>
+              <a:cxn ang="0">
+                <a:pos x="connsiteX4" y="connsiteY4"/>
+              </a:cxn>
+              <a:cxn ang="0">
+                <a:pos x="connsiteX5" y="connsiteY5"/>
+              </a:cxn>
+              <a:cxn ang="0">
+                <a:pos x="connsiteX6" y="connsiteY6"/>
+              </a:cxn>
+              <a:cxn ang="0">
+                <a:pos x="connsiteX7" y="connsiteY7"/>
+              </a:cxn>
+            </a:cxnLst>
+            <a:rect l="l" t="t" r="r" b="b"/>
+            <a:pathLst>
+              <a:path w="3423175" h="2775859">
+                <a:moveTo>
+                  <a:pt x="1906524" y="0"/>
+                </a:moveTo>
+                <a:cubicBezTo>
+                  <a:pt x="2498805" y="0"/>
+                  <a:pt x="3028006" y="270078"/>
+                  <a:pt x="3377691" y="693798"/>
+                </a:cubicBezTo>
+                <a:lnTo>
+                  <a:pt x="3423175" y="754624"/>
+                </a:lnTo>
+                <a:lnTo>
+                  <a:pt x="3423175" y="2775859"/>
+                </a:lnTo>
+                <a:lnTo>
+                  <a:pt x="211114" y="2775859"/>
+                </a:lnTo>
+                <a:lnTo>
+                  <a:pt x="149824" y="2648629"/>
+                </a:lnTo>
+                <a:cubicBezTo>
+                  <a:pt x="53349" y="2420536"/>
+                  <a:pt x="0" y="2169760"/>
+                  <a:pt x="0" y="1906524"/>
+                </a:cubicBezTo>
+                <a:cubicBezTo>
+                  <a:pt x="0" y="853580"/>
+                  <a:pt x="853580" y="0"/>
+                  <a:pt x="1906524" y="0"/>
+                </a:cubicBezTo>
+                <a:close/>
+              </a:path>
+            </a:pathLst>
+          </a:custGeom>
+        </p:spPr>
+      </p:pic>
+      <p:sp>
+        <p:nvSpPr>
+          <p:cNvPr id="21" name="TekstniOkvir 20">
+            <a:extLst>
+              <a:ext uri="{FF2B5EF4-FFF2-40B4-BE49-F238E27FC236}">
+                <a16:creationId xmlns:a16="http://schemas.microsoft.com/office/drawing/2014/main" id="{1280DB67-6906-47C8-8B07-21ED4BDE0829}"/>
+              </a:ext>
+            </a:extLst>
+          </p:cNvPr>
+          <p:cNvSpPr txBox="1"/>
+          <p:nvPr/>
+        </p:nvSpPr>
+        <p:spPr>
+          <a:xfrm>
+            <a:off x="3429888" y="3043250"/>
+            <a:ext cx="5338946" cy="769441"/>
+          </a:xfrm>
+          <a:prstGeom prst="rect">
+            <a:avLst/>
+          </a:prstGeom>
+          <a:noFill/>
+        </p:spPr>
+        <p:txBody>
+          <a:bodyPr wrap="square" rtlCol="0">
+            <a:spAutoFit/>
+          </a:bodyPr>
+          <a:lstStyle/>
+          <a:p>
+            <a:r>
+              <a:rPr lang="hr-HR" sz="4400" b="1" dirty="0"/>
+              <a:t>HVALA NA PAŽNJI !!!</a:t>
+            </a:r>
+          </a:p>
+        </p:txBody>
+      </p:sp>
+    </p:spTree>
+    <p:extLst>
+      <p:ext uri="{BB962C8B-B14F-4D97-AF65-F5344CB8AC3E}">
+        <p14:creationId xmlns:p14="http://schemas.microsoft.com/office/powerpoint/2010/main" val="3099651437"/>
       </p:ext>
     </p:extLst>
   </p:cSld>
@@ -6396,7 +9838,7 @@
         <p:spPr>
           <a:xfrm>
             <a:off x="890397" y="635485"/>
-            <a:ext cx="6455833" cy="1497998"/>
+            <a:ext cx="6455833" cy="691039"/>
           </a:xfrm>
           <a:prstGeom prst="rect">
             <a:avLst/>
@@ -6404,7 +9846,7 @@
         </p:spPr>
         <p:txBody>
           <a:bodyPr vert="horz" lIns="91440" tIns="45720" rIns="91440" bIns="45720" rtlCol="0" anchor="t">
-            <a:normAutofit/>
+            <a:normAutofit fontScale="92500" lnSpcReduction="10000"/>
           </a:bodyPr>
           <a:lstStyle/>
           <a:p>
@@ -6420,18 +9862,17 @@
               </a:spcAft>
             </a:pPr>
             <a:r>
-              <a:rPr lang="en-US" sz="4400" b="1" dirty="0"/>
-              <a:t>O</a:t>
-            </a:r>
-            <a:r>
-              <a:rPr lang="hr-HR" sz="4400" b="1" dirty="0" err="1"/>
-              <a:t>pis</a:t>
-            </a:r>
-            <a:r>
-              <a:rPr lang="hr-HR" sz="4400" b="1" dirty="0"/>
-              <a:t> sustava</a:t>
-            </a:r>
-            <a:endParaRPr lang="en-US" sz="4400" b="1" dirty="0"/>
+              <a:rPr lang="hr-HR" sz="4300" b="1" dirty="0"/>
+              <a:t>Cilj sustava</a:t>
+            </a:r>
+            <a:endParaRPr lang="en-US" sz="4300" kern="1200" dirty="0">
+              <a:solidFill>
+                <a:schemeClr val="tx1"/>
+              </a:solidFill>
+              <a:latin typeface="+mj-lt"/>
+              <a:ea typeface="+mj-ea"/>
+              <a:cs typeface="+mj-cs"/>
+            </a:endParaRPr>
           </a:p>
           <a:p>
             <a:pPr defTabSz="914400">
@@ -6477,10 +9918,91 @@
           </a:p>
         </p:txBody>
       </p:sp>
+      <p:sp>
+        <p:nvSpPr>
+          <p:cNvPr id="2" name="TextBox 1"/>
+          <p:cNvSpPr txBox="1"/>
+          <p:nvPr/>
+        </p:nvSpPr>
+        <p:spPr>
+          <a:xfrm>
+            <a:off x="532263" y="1910687"/>
+            <a:ext cx="7874758" cy="2814617"/>
+          </a:xfrm>
+          <a:prstGeom prst="rect">
+            <a:avLst/>
+          </a:prstGeom>
+          <a:noFill/>
+        </p:spPr>
+        <p:txBody>
+          <a:bodyPr wrap="square" rtlCol="0">
+            <a:spAutoFit/>
+          </a:bodyPr>
+          <a:lstStyle/>
+          <a:p>
+            <a:pPr marL="342900" indent="-342900">
+              <a:lnSpc>
+                <a:spcPct val="150000"/>
+              </a:lnSpc>
+              <a:buFont typeface="Arial" panose="020B0604020202020204" pitchFamily="34" charset="0"/>
+              <a:buChar char="•"/>
+            </a:pPr>
+            <a:r>
+              <a:rPr lang="hr-BA" sz="2000" dirty="0"/>
+              <a:t>Osigurati jednostavnije pronalaženje odgovarajućih darivatelja krvi za one kojima je potrebna</a:t>
+            </a:r>
+            <a:endParaRPr lang="hr-BA" sz="2000" b="1" dirty="0"/>
+          </a:p>
+          <a:p>
+            <a:pPr marL="342900" indent="-342900">
+              <a:lnSpc>
+                <a:spcPct val="150000"/>
+              </a:lnSpc>
+              <a:buFont typeface="Arial" panose="020B0604020202020204" pitchFamily="34" charset="0"/>
+              <a:buChar char="•"/>
+            </a:pPr>
+            <a:r>
+              <a:rPr lang="hr-BA" sz="2000" dirty="0"/>
+              <a:t>Olakšano pronalaženje ustanova koje nude </a:t>
+            </a:r>
+            <a:r>
+              <a:rPr lang="hr-BA" sz="2000" dirty="0" err="1"/>
+              <a:t>transfuziološke</a:t>
+            </a:r>
+            <a:r>
+              <a:rPr lang="hr-BA" sz="2000" dirty="0"/>
+              <a:t> usluge svim korisnicima koji žele postati dobrovoljni darivatelji</a:t>
+            </a:r>
+          </a:p>
+          <a:p>
+            <a:pPr marL="342900" indent="-342900">
+              <a:lnSpc>
+                <a:spcPct val="150000"/>
+              </a:lnSpc>
+              <a:buFont typeface="Arial" panose="020B0604020202020204" pitchFamily="34" charset="0"/>
+              <a:buChar char="•"/>
+            </a:pPr>
+            <a:r>
+              <a:rPr lang="hr-BA" sz="2000" dirty="0"/>
+              <a:t>Informirati ljude o darivanju krvi</a:t>
+            </a:r>
+          </a:p>
+          <a:p>
+            <a:pPr marL="342900" indent="-342900">
+              <a:lnSpc>
+                <a:spcPct val="150000"/>
+              </a:lnSpc>
+              <a:buFont typeface="Arial" panose="020B0604020202020204" pitchFamily="34" charset="0"/>
+              <a:buChar char="•"/>
+            </a:pPr>
+            <a:endParaRPr lang="hr-BA" sz="2000" b="1" dirty="0"/>
+          </a:p>
+        </p:txBody>
+      </p:sp>
     </p:spTree>
     <p:extLst>
       <p:ext uri="{BB962C8B-B14F-4D97-AF65-F5344CB8AC3E}">
-        <p14:creationId xmlns:p14="http://schemas.microsoft.com/office/powerpoint/2010/main" val="3558119319"/>
+        <p14:creationId xmlns:p14="http://schemas.microsoft.com/office/powerpoint/2010/main" val="182766879"/>
       </p:ext>
     </p:extLst>
   </p:cSld>
@@ -6868,7 +10390,7 @@
         <p:spPr>
           <a:xfrm>
             <a:off x="890388" y="787652"/>
-            <a:ext cx="5504507" cy="523220"/>
+            <a:ext cx="5504507" cy="707886"/>
           </a:xfrm>
           <a:prstGeom prst="rect">
             <a:avLst/>
@@ -6882,9 +10404,132 @@
           <a:lstStyle/>
           <a:p>
             <a:r>
-              <a:rPr lang="hr-HR" sz="2800" b="1" dirty="0"/>
+              <a:rPr lang="hr-HR" sz="4000" b="1" dirty="0"/>
               <a:t>Korištene tehnologije</a:t>
             </a:r>
+          </a:p>
+        </p:txBody>
+      </p:sp>
+      <p:sp>
+        <p:nvSpPr>
+          <p:cNvPr id="5" name="TextBox 4"/>
+          <p:cNvSpPr txBox="1"/>
+          <p:nvPr/>
+        </p:nvSpPr>
+        <p:spPr>
+          <a:xfrm>
+            <a:off x="650954" y="2020378"/>
+            <a:ext cx="6387921" cy="2554545"/>
+          </a:xfrm>
+          <a:prstGeom prst="rect">
+            <a:avLst/>
+          </a:prstGeom>
+          <a:noFill/>
+        </p:spPr>
+        <p:txBody>
+          <a:bodyPr wrap="square" rtlCol="0">
+            <a:spAutoFit/>
+          </a:bodyPr>
+          <a:lstStyle/>
+          <a:p>
+            <a:pPr marL="285750" indent="-285750">
+              <a:buFont typeface="Arial" panose="020B0604020202020204" pitchFamily="34" charset="0"/>
+              <a:buChar char="•"/>
+            </a:pPr>
+            <a:r>
+              <a:rPr lang="hr-BA" sz="2000" dirty="0" err="1"/>
+              <a:t>Fronted</a:t>
+            </a:r>
+            <a:endParaRPr lang="hr-BA" sz="2000" dirty="0"/>
+          </a:p>
+          <a:p>
+            <a:pPr marL="800100" lvl="1" indent="-342900">
+              <a:buFont typeface="Courier New" panose="02070309020205020404" pitchFamily="49" charset="0"/>
+              <a:buChar char="o"/>
+            </a:pPr>
+            <a:r>
+              <a:rPr lang="hr-BA" sz="2000" dirty="0"/>
+              <a:t>HTML, CSS, </a:t>
+            </a:r>
+            <a:r>
+              <a:rPr lang="hr-BA" sz="2000" dirty="0" err="1"/>
+              <a:t>JavaScript</a:t>
+            </a:r>
+            <a:r>
+              <a:rPr lang="hr-BA" sz="2000" dirty="0"/>
+              <a:t>, </a:t>
+            </a:r>
+            <a:r>
+              <a:rPr lang="hr-BA" sz="2000" dirty="0" err="1"/>
+              <a:t>jQuery</a:t>
+            </a:r>
+            <a:endParaRPr lang="hr-BA" sz="2000" dirty="0"/>
+          </a:p>
+          <a:p>
+            <a:pPr lvl="1"/>
+            <a:endParaRPr lang="hr-BA" sz="2000" dirty="0"/>
+          </a:p>
+          <a:p>
+            <a:pPr marL="285750" indent="-285750">
+              <a:buFont typeface="Arial" panose="020B0604020202020204" pitchFamily="34" charset="0"/>
+              <a:buChar char="•"/>
+            </a:pPr>
+            <a:r>
+              <a:rPr lang="hr-BA" sz="2000" dirty="0" err="1"/>
+              <a:t>Backend</a:t>
+            </a:r>
+            <a:endParaRPr lang="hr-BA" sz="2000" dirty="0"/>
+          </a:p>
+          <a:p>
+            <a:pPr marL="800100" lvl="1" indent="-342900">
+              <a:buFont typeface="Courier New" panose="02070309020205020404" pitchFamily="49" charset="0"/>
+              <a:buChar char="o"/>
+            </a:pPr>
+            <a:r>
+              <a:rPr lang="hr-BA" sz="2000" dirty="0" err="1"/>
+              <a:t>Laravel</a:t>
+            </a:r>
+            <a:r>
+              <a:rPr lang="hr-BA" sz="2000" dirty="0"/>
+              <a:t> – PHP </a:t>
+            </a:r>
+            <a:r>
+              <a:rPr lang="hr-BA" sz="2000" dirty="0" err="1"/>
+              <a:t>framework</a:t>
+            </a:r>
+            <a:endParaRPr lang="hr-BA" sz="2000" dirty="0"/>
+          </a:p>
+          <a:p>
+            <a:pPr marL="285750" indent="-285750">
+              <a:buFont typeface="Arial" panose="020B0604020202020204" pitchFamily="34" charset="0"/>
+              <a:buChar char="•"/>
+            </a:pPr>
+            <a:endParaRPr lang="hr-BA" sz="2000" dirty="0"/>
+          </a:p>
+          <a:p>
+            <a:pPr marL="285750" indent="-285750">
+              <a:buFont typeface="Arial" panose="020B0604020202020204" pitchFamily="34" charset="0"/>
+              <a:buChar char="•"/>
+            </a:pPr>
+            <a:r>
+              <a:rPr lang="hr-BA" sz="2000" dirty="0"/>
+              <a:t>Baza podataka</a:t>
+            </a:r>
+          </a:p>
+          <a:p>
+            <a:pPr marL="800100" lvl="1" indent="-342900">
+              <a:buFont typeface="Courier New" panose="02070309020205020404" pitchFamily="49" charset="0"/>
+              <a:buChar char="o"/>
+            </a:pPr>
+            <a:r>
+              <a:rPr lang="hr-BA" sz="2000" dirty="0"/>
+              <a:t>MY SQL – alat </a:t>
+            </a:r>
+            <a:r>
+              <a:rPr lang="hr-BA" sz="2000" dirty="0" err="1"/>
+              <a:t>PhpMyAdmin</a:t>
+            </a:r>
+            <a:endParaRPr lang="hr-HR" sz="2000" dirty="0"/>
           </a:p>
         </p:txBody>
       </p:sp>
@@ -7209,7 +10854,7 @@
         <p:spPr>
           <a:xfrm>
             <a:off x="805542" y="442913"/>
-            <a:ext cx="6382657" cy="5786437"/>
+            <a:ext cx="7403738" cy="6303327"/>
           </a:xfrm>
           <a:prstGeom prst="rect">
             <a:avLst/>
@@ -7217,7 +10862,7 @@
         </p:spPr>
         <p:txBody>
           <a:bodyPr vert="horz" lIns="91440" tIns="45720" rIns="91440" bIns="45720" rtlCol="0" anchor="t">
-            <a:normAutofit lnSpcReduction="10000"/>
+            <a:normAutofit/>
           </a:bodyPr>
           <a:lstStyle/>
           <a:p>
@@ -7230,7 +10875,7 @@
               </a:spcAft>
             </a:pPr>
             <a:r>
-              <a:rPr lang="hr-HR" sz="2800" b="1" dirty="0"/>
+              <a:rPr lang="hr-HR" sz="4000" b="1" dirty="0"/>
               <a:t>Korisnici sustava</a:t>
             </a:r>
           </a:p>
@@ -7248,9 +10893,20 @@
             <a:endParaRPr lang="hr-HR" dirty="0"/>
           </a:p>
           <a:p>
+            <a:pPr defTabSz="914400">
+              <a:lnSpc>
+                <a:spcPct val="90000"/>
+              </a:lnSpc>
+              <a:spcAft>
+                <a:spcPts val="600"/>
+              </a:spcAft>
+            </a:pPr>
+            <a:endParaRPr lang="hr-HR" dirty="0"/>
+          </a:p>
+          <a:p>
             <a:pPr marL="285750" indent="-228600" defTabSz="914400">
               <a:lnSpc>
-                <a:spcPct val="90000"/>
+                <a:spcPct val="150000"/>
               </a:lnSpc>
               <a:spcAft>
                 <a:spcPts val="600"/>
@@ -7259,18 +10915,18 @@
               <a:buChar char="•"/>
             </a:pPr>
             <a:r>
-              <a:rPr lang="hr-HR" b="1" dirty="0"/>
+              <a:rPr lang="hr-HR" sz="2000" b="1" dirty="0"/>
               <a:t>Darivatelj</a:t>
             </a:r>
             <a:r>
-              <a:rPr lang="hr-HR" dirty="0"/>
-              <a:t> – individualni korisnik koji nakon uspješnog popunjavanja upitnika ima mogućnost registrirati se kao dobrovoljni darivatelj krvi nakon prijave u sustav ima mogućnosti:</a:t>
+              <a:rPr lang="hr-HR" sz="2000" dirty="0"/>
+              <a:t> – individualni korisnik koji nakon uspješnog popunjavanja upitnika ima mogućnost registrirati se kao dobrovoljni darivatelj krvi, te nakon prijave u sustav ima mogućnosti:</a:t>
             </a:r>
           </a:p>
           <a:p>
             <a:pPr marL="800100" lvl="1" indent="-285750" defTabSz="914400">
               <a:lnSpc>
-                <a:spcPct val="90000"/>
+                <a:spcPct val="150000"/>
               </a:lnSpc>
               <a:spcAft>
                 <a:spcPts val="600"/>
@@ -7279,14 +10935,14 @@
               <a:buChar char="o"/>
             </a:pPr>
             <a:r>
-              <a:rPr lang="hr-HR" dirty="0"/>
+              <a:rPr lang="hr-HR" sz="2000" dirty="0"/>
               <a:t> uvid u svoj profil;</a:t>
             </a:r>
           </a:p>
           <a:p>
             <a:pPr marL="800100" lvl="1" indent="-285750" defTabSz="914400">
               <a:lnSpc>
-                <a:spcPct val="90000"/>
+                <a:spcPct val="150000"/>
               </a:lnSpc>
               <a:spcAft>
                 <a:spcPts val="600"/>
@@ -7295,14 +10951,14 @@
               <a:buChar char="o"/>
             </a:pPr>
             <a:r>
-              <a:rPr lang="hr-HR" dirty="0"/>
+              <a:rPr lang="hr-HR" sz="2000" dirty="0"/>
               <a:t> ažuriranje osobnih podataka kao i lozinku;</a:t>
             </a:r>
           </a:p>
           <a:p>
             <a:pPr marL="800100" lvl="1" indent="-285750" defTabSz="914400">
               <a:lnSpc>
-                <a:spcPct val="90000"/>
+                <a:spcPct val="150000"/>
               </a:lnSpc>
               <a:spcAft>
                 <a:spcPts val="600"/>
@@ -7311,14 +10967,14 @@
               <a:buChar char="o"/>
             </a:pPr>
             <a:r>
-              <a:rPr lang="hr-HR" dirty="0"/>
+              <a:rPr lang="hr-HR" sz="2000" dirty="0"/>
               <a:t> uvid u povijest svojih darivanja;</a:t>
             </a:r>
           </a:p>
           <a:p>
             <a:pPr marL="800100" lvl="1" indent="-285750" defTabSz="914400">
               <a:lnSpc>
-                <a:spcPct val="90000"/>
+                <a:spcPct val="150000"/>
               </a:lnSpc>
               <a:spcAft>
                 <a:spcPts val="600"/>
@@ -7327,14 +10983,14 @@
               <a:buChar char="o"/>
             </a:pPr>
             <a:r>
-              <a:rPr lang="hr-HR" dirty="0"/>
+              <a:rPr lang="hr-HR" sz="2000" dirty="0"/>
               <a:t>pretraživanje transfiziološke ustanove po mjestu;</a:t>
             </a:r>
           </a:p>
           <a:p>
             <a:pPr marL="800100" lvl="1" indent="-285750" defTabSz="914400">
               <a:lnSpc>
-                <a:spcPct val="90000"/>
+                <a:spcPct val="150000"/>
               </a:lnSpc>
               <a:spcAft>
                 <a:spcPts val="600"/>
@@ -7343,112 +10999,12 @@
               <a:buChar char="o"/>
             </a:pPr>
             <a:r>
+              <a:rPr lang="hr-HR" sz="2000" dirty="0"/>
+              <a:t>primanju obavijesti o mogućnosti ponovnog darivanja</a:t>
+            </a:r>
+            <a:r>
               <a:rPr lang="hr-HR" dirty="0"/>
-              <a:t>primanju obavijesti o mogućnosti ponovnog darivanja.</a:t>
-            </a:r>
-          </a:p>
-          <a:p>
-            <a:pPr marL="285750" indent="-228600" defTabSz="914400">
-              <a:lnSpc>
-                <a:spcPct val="90000"/>
-              </a:lnSpc>
-              <a:spcAft>
-                <a:spcPts val="600"/>
-              </a:spcAft>
-              <a:buFont typeface="Arial" panose="020B0604020202020204" pitchFamily="34" charset="0"/>
-              <a:buChar char="•"/>
-            </a:pPr>
-            <a:r>
-              <a:rPr lang="hr-HR" b="1" dirty="0"/>
-              <a:t>Transfuziološke ustanove</a:t>
-            </a:r>
-            <a:r>
-              <a:rPr lang="hr-HR" dirty="0"/>
-              <a:t> – drugi tip korisnika koji nakon registracije i prijave u sustav ima uvid u sve registrirane darivatelje i njihove podatke (npr. krvna grupa, br. tel...)</a:t>
-            </a:r>
-          </a:p>
-          <a:p>
-            <a:pPr marL="800100" lvl="1" indent="-285750" defTabSz="914400">
-              <a:lnSpc>
-                <a:spcPct val="90000"/>
-              </a:lnSpc>
-              <a:spcAft>
-                <a:spcPts val="600"/>
-              </a:spcAft>
-              <a:buFont typeface="Courier New" panose="02070309020205020404" pitchFamily="49" charset="0"/>
-              <a:buChar char="o"/>
-            </a:pPr>
-            <a:r>
-              <a:rPr lang="hr-HR" dirty="0"/>
-              <a:t> mogu kontaktirati darivatelja ukoliko je potrebno;</a:t>
-            </a:r>
-          </a:p>
-          <a:p>
-            <a:pPr marL="800100" lvl="1" indent="-285750" defTabSz="914400">
-              <a:lnSpc>
-                <a:spcPct val="90000"/>
-              </a:lnSpc>
-              <a:spcAft>
-                <a:spcPts val="600"/>
-              </a:spcAft>
-              <a:buFont typeface="Courier New" panose="02070309020205020404" pitchFamily="49" charset="0"/>
-              <a:buChar char="o"/>
-            </a:pPr>
-            <a:r>
-              <a:rPr lang="hr-HR" dirty="0"/>
-              <a:t>uvid u sva dosadašnja darivanja u svojoj ustanovi;</a:t>
-            </a:r>
-          </a:p>
-          <a:p>
-            <a:pPr marL="800100" lvl="1" indent="-285750" defTabSz="914400">
-              <a:lnSpc>
-                <a:spcPct val="90000"/>
-              </a:lnSpc>
-              <a:spcAft>
-                <a:spcPts val="600"/>
-              </a:spcAft>
-              <a:buFont typeface="Courier New" panose="02070309020205020404" pitchFamily="49" charset="0"/>
-              <a:buChar char="o"/>
-            </a:pPr>
-            <a:r>
-              <a:rPr lang="hr-HR" dirty="0"/>
-              <a:t>uvid u zalihe krvi; </a:t>
-            </a:r>
-          </a:p>
-          <a:p>
-            <a:pPr marL="800100" lvl="1" indent="-285750" defTabSz="914400">
-              <a:lnSpc>
-                <a:spcPct val="90000"/>
-              </a:lnSpc>
-              <a:spcAft>
-                <a:spcPts val="600"/>
-              </a:spcAft>
-              <a:buFont typeface="Courier New" panose="02070309020205020404" pitchFamily="49" charset="0"/>
-              <a:buChar char="o"/>
-            </a:pPr>
-            <a:r>
-              <a:rPr lang="hr-HR" dirty="0"/>
-              <a:t>uvid u svoj profil (ažuriranje svojih informacija)).</a:t>
-            </a:r>
-          </a:p>
-          <a:p>
-            <a:pPr marL="285750" indent="-228600" defTabSz="914400">
-              <a:lnSpc>
-                <a:spcPct val="90000"/>
-              </a:lnSpc>
-              <a:spcAft>
-                <a:spcPts val="600"/>
-              </a:spcAft>
-              <a:buFont typeface="Arial" panose="020B0604020202020204" pitchFamily="34" charset="0"/>
-              <a:buChar char="•"/>
-            </a:pPr>
-            <a:r>
-              <a:rPr lang="hr-HR" b="1" dirty="0"/>
-              <a:t>Administrator</a:t>
-            </a:r>
-            <a:r>
-              <a:rPr lang="hr-HR" dirty="0"/>
-              <a:t> – ima uvid i kontrolu nad cijelim sustavom (CRUD).</a:t>
+              <a:t>.</a:t>
             </a:r>
           </a:p>
         </p:txBody>
@@ -7485,7 +11041,7 @@
       </p:grpSpPr>
       <p:pic>
         <p:nvPicPr>
-          <p:cNvPr id="3" name="Picture 2">
+          <p:cNvPr id="4" name="Picture 3">
             <a:extLst>
               <a:ext uri="{FF2B5EF4-FFF2-40B4-BE49-F238E27FC236}">
                 <a16:creationId xmlns:a16="http://schemas.microsoft.com/office/drawing/2014/main" id="{BE2E685B-1842-437E-8EE0-0D965BD4BF5A}"/>
@@ -7523,7 +11079,7 @@
         </p:blipFill>
         <p:spPr>
           <a:xfrm>
-            <a:off x="-7" y="-8"/>
+            <a:off x="2" y="-2055"/>
             <a:ext cx="12192000" cy="6855958"/>
           </a:xfrm>
           <a:prstGeom prst="rect">
@@ -7537,7 +11093,7 @@
       </p:pic>
       <p:pic>
         <p:nvPicPr>
-          <p:cNvPr id="9" name="Picture 8">
+          <p:cNvPr id="5" name="Picture 4">
             <a:extLst>
               <a:ext uri="{FF2B5EF4-FFF2-40B4-BE49-F238E27FC236}">
                 <a16:creationId xmlns:a16="http://schemas.microsoft.com/office/drawing/2014/main" id="{1353EAFD-5AF7-4F88-A644-D2561204B6F2}"/>
@@ -7645,7 +11201,7 @@
       </p:pic>
       <p:pic>
         <p:nvPicPr>
-          <p:cNvPr id="4" name="Picture 3">
+          <p:cNvPr id="6" name="Picture 5">
             <a:extLst>
               <a:ext uri="{FF2B5EF4-FFF2-40B4-BE49-F238E27FC236}">
                 <a16:creationId xmlns:a16="http://schemas.microsoft.com/office/drawing/2014/main" id="{8DD2BD23-4B5E-4D3B-937A-61A65D798931}"/>
@@ -7761,57 +11317,136 @@
       </p:pic>
       <p:sp>
         <p:nvSpPr>
-          <p:cNvPr id="7" name="TextBox 6">
-            <a:extLst>
-              <a:ext uri="{FF2B5EF4-FFF2-40B4-BE49-F238E27FC236}">
-                <a16:creationId xmlns:a16="http://schemas.microsoft.com/office/drawing/2014/main" id="{D30D032F-9246-4319-BC79-4EBC6C714FB8}"/>
-              </a:ext>
-            </a:extLst>
-          </p:cNvPr>
-          <p:cNvSpPr txBox="1"/>
+          <p:cNvPr id="7" name="Rectangle 6"/>
+          <p:cNvSpPr/>
           <p:nvPr/>
         </p:nvSpPr>
         <p:spPr>
           <a:xfrm>
-            <a:off x="805542" y="557213"/>
-            <a:ext cx="6382657" cy="5496453"/>
+            <a:off x="613894" y="550606"/>
+            <a:ext cx="7402346" cy="3584058"/>
           </a:xfrm>
           <a:prstGeom prst="rect">
             <a:avLst/>
           </a:prstGeom>
         </p:spPr>
         <p:txBody>
-          <a:bodyPr vert="horz" lIns="91440" tIns="45720" rIns="91440" bIns="45720" rtlCol="0" anchor="t">
-            <a:normAutofit lnSpcReduction="10000"/>
+          <a:bodyPr wrap="square">
+            <a:spAutoFit/>
           </a:bodyPr>
           <a:lstStyle/>
           <a:p>
-            <a:pPr defTabSz="914400">
+            <a:pPr marL="285750" indent="-228600" defTabSz="914400">
               <a:lnSpc>
-                <a:spcPct val="90000"/>
+                <a:spcPct val="150000"/>
               </a:lnSpc>
               <a:spcAft>
                 <a:spcPts val="600"/>
               </a:spcAft>
+              <a:buFont typeface="Arial" panose="020B0604020202020204" pitchFamily="34" charset="0"/>
+              <a:buChar char="•"/>
             </a:pPr>
             <a:r>
-              <a:rPr lang="hr-HR" sz="2800" b="1" dirty="0"/>
-              <a:t>Funkcionalni zahtijevi sustava:</a:t>
-            </a:r>
-          </a:p>
-          <a:p>
-            <a:pPr defTabSz="914400">
+              <a:rPr lang="hr-HR" sz="2000" b="1" dirty="0" err="1"/>
+              <a:t>Transfuziološke</a:t>
+            </a:r>
+            <a:r>
+              <a:rPr lang="hr-HR" sz="2000" b="1" dirty="0"/>
+              <a:t> ustanove</a:t>
+            </a:r>
+            <a:r>
+              <a:rPr lang="hr-HR" sz="2000" dirty="0"/>
+              <a:t> – drugi tip korisnika koji nakon registracije i prijave u sustav ima uvid u sve registrirane darivatelje i njihove podatke (npr. krvna grupa, br. tel...)</a:t>
+            </a:r>
+          </a:p>
+          <a:p>
+            <a:pPr marL="800100" lvl="1" indent="-285750" defTabSz="914400">
               <a:lnSpc>
-                <a:spcPct val="90000"/>
+                <a:spcPct val="150000"/>
               </a:lnSpc>
               <a:spcAft>
                 <a:spcPts val="600"/>
               </a:spcAft>
+              <a:buFont typeface="Courier New" panose="02070309020205020404" pitchFamily="49" charset="0"/>
+              <a:buChar char="o"/>
             </a:pPr>
-            <a:endParaRPr lang="hr-HR" dirty="0"/>
-          </a:p>
-          <a:p>
-            <a:pPr marL="285750" lvl="0" indent="-228600" defTabSz="914400">
+            <a:r>
+              <a:rPr lang="hr-HR" sz="2000" dirty="0"/>
+              <a:t> mogu kontaktirati darivatelja ukoliko je potrebno;</a:t>
+            </a:r>
+          </a:p>
+          <a:p>
+            <a:pPr marL="800100" lvl="1" indent="-285750" defTabSz="914400">
+              <a:lnSpc>
+                <a:spcPct val="150000"/>
+              </a:lnSpc>
+              <a:spcAft>
+                <a:spcPts val="600"/>
+              </a:spcAft>
+              <a:buFont typeface="Courier New" panose="02070309020205020404" pitchFamily="49" charset="0"/>
+              <a:buChar char="o"/>
+            </a:pPr>
+            <a:r>
+              <a:rPr lang="hr-HR" sz="2000" dirty="0"/>
+              <a:t>uvid u sva dosadašnja darivanja u svojoj ustanovi;</a:t>
+            </a:r>
+          </a:p>
+          <a:p>
+            <a:pPr marL="800100" lvl="1" indent="-285750" defTabSz="914400">
+              <a:lnSpc>
+                <a:spcPct val="150000"/>
+              </a:lnSpc>
+              <a:spcAft>
+                <a:spcPts val="600"/>
+              </a:spcAft>
+              <a:buFont typeface="Courier New" panose="02070309020205020404" pitchFamily="49" charset="0"/>
+              <a:buChar char="o"/>
+            </a:pPr>
+            <a:r>
+              <a:rPr lang="hr-HR" sz="2000" dirty="0"/>
+              <a:t>uvid u zalihe krvi; </a:t>
+            </a:r>
+          </a:p>
+          <a:p>
+            <a:pPr marL="800100" lvl="1" indent="-285750" defTabSz="914400">
+              <a:lnSpc>
+                <a:spcPct val="150000"/>
+              </a:lnSpc>
+              <a:spcAft>
+                <a:spcPts val="600"/>
+              </a:spcAft>
+              <a:buFont typeface="Courier New" panose="02070309020205020404" pitchFamily="49" charset="0"/>
+              <a:buChar char="o"/>
+            </a:pPr>
+            <a:r>
+              <a:rPr lang="hr-HR" sz="2000" dirty="0"/>
+              <a:t>uvid u svoj profil (ažuriranje svojih informacija)).</a:t>
+            </a:r>
+          </a:p>
+        </p:txBody>
+      </p:sp>
+      <p:sp>
+        <p:nvSpPr>
+          <p:cNvPr id="8" name="Rectangle 7"/>
+          <p:cNvSpPr/>
+          <p:nvPr/>
+        </p:nvSpPr>
+        <p:spPr>
+          <a:xfrm>
+            <a:off x="716924" y="4952975"/>
+            <a:ext cx="7492356" cy="369332"/>
+          </a:xfrm>
+          <a:prstGeom prst="rect">
+            <a:avLst/>
+          </a:prstGeom>
+        </p:spPr>
+        <p:txBody>
+          <a:bodyPr wrap="square">
+            <a:spAutoFit/>
+          </a:bodyPr>
+          <a:lstStyle/>
+          <a:p>
+            <a:pPr marL="285750" indent="-228600" defTabSz="914400">
               <a:lnSpc>
                 <a:spcPct val="90000"/>
               </a:lnSpc>
@@ -7822,181 +11457,20 @@
               <a:buChar char="•"/>
             </a:pPr>
             <a:r>
-              <a:rPr lang="hr-HR" dirty="0"/>
-              <a:t>Omogućiti prijavu i odjavu na sustav</a:t>
-            </a:r>
-          </a:p>
-          <a:p>
-            <a:pPr marL="285750" lvl="0" indent="-228600" defTabSz="914400">
-              <a:lnSpc>
-                <a:spcPct val="90000"/>
-              </a:lnSpc>
-              <a:spcAft>
-                <a:spcPts val="600"/>
-              </a:spcAft>
-              <a:buFont typeface="Arial" panose="020B0604020202020204" pitchFamily="34" charset="0"/>
-              <a:buChar char="•"/>
-            </a:pPr>
-            <a:r>
-              <a:rPr lang="hr-HR" dirty="0"/>
-              <a:t>Omogućiti unos i izmjenu podataka (npr. prilikom ažuriranja osobnih podataka)</a:t>
-            </a:r>
-          </a:p>
-          <a:p>
-            <a:pPr marL="285750" lvl="0" indent="-228600" defTabSz="914400">
-              <a:lnSpc>
-                <a:spcPct val="90000"/>
-              </a:lnSpc>
-              <a:spcAft>
-                <a:spcPts val="600"/>
-              </a:spcAft>
-              <a:buFont typeface="Arial" panose="020B0604020202020204" pitchFamily="34" charset="0"/>
-              <a:buChar char="•"/>
-            </a:pPr>
-            <a:r>
-              <a:rPr lang="hr-HR" dirty="0"/>
-              <a:t>Sustav treba zapamtiti registracijske podatke (ime, korisničko ime, email, lozinku..)</a:t>
-            </a:r>
-          </a:p>
-          <a:p>
-            <a:pPr marL="285750" lvl="0" indent="-228600" defTabSz="914400">
-              <a:lnSpc>
-                <a:spcPct val="90000"/>
-              </a:lnSpc>
-              <a:spcAft>
-                <a:spcPts val="600"/>
-              </a:spcAft>
-              <a:buFont typeface="Arial" panose="020B0604020202020204" pitchFamily="34" charset="0"/>
-              <a:buChar char="•"/>
-            </a:pPr>
-            <a:r>
-              <a:rPr lang="hr-HR" dirty="0"/>
-              <a:t>Razlikovati prijavu korisnika (administrator, tranfuziološke ustanove, darivatelji) preko korisničkog imena ili emaila</a:t>
-            </a:r>
-          </a:p>
-          <a:p>
-            <a:pPr marL="285750" lvl="0" indent="-228600" defTabSz="914400">
-              <a:lnSpc>
-                <a:spcPct val="90000"/>
-              </a:lnSpc>
-              <a:spcAft>
-                <a:spcPts val="600"/>
-              </a:spcAft>
-              <a:buFont typeface="Arial" panose="020B0604020202020204" pitchFamily="34" charset="0"/>
-              <a:buChar char="•"/>
-            </a:pPr>
-            <a:r>
-              <a:rPr lang="hr-HR" dirty="0"/>
-              <a:t>Upozoriti korisnika ako postoji neka greška (netočan unos i slično)</a:t>
-            </a:r>
-          </a:p>
-          <a:p>
-            <a:pPr marL="285750" lvl="0" indent="-228600" defTabSz="914400">
-              <a:lnSpc>
-                <a:spcPct val="90000"/>
-              </a:lnSpc>
-              <a:spcAft>
-                <a:spcPts val="600"/>
-              </a:spcAft>
-              <a:buFont typeface="Arial" panose="020B0604020202020204" pitchFamily="34" charset="0"/>
-              <a:buChar char="•"/>
-            </a:pPr>
-            <a:r>
-              <a:rPr lang="hr-HR" dirty="0"/>
-              <a:t>Prikazati obavijest nakon izvršenog zadatka (npr. nakon uspješne registracije)</a:t>
-            </a:r>
-          </a:p>
-          <a:p>
-            <a:pPr marL="285750" lvl="0" indent="-228600" defTabSz="914400">
-              <a:lnSpc>
-                <a:spcPct val="90000"/>
-              </a:lnSpc>
-              <a:spcAft>
-                <a:spcPts val="600"/>
-              </a:spcAft>
-              <a:buFont typeface="Arial" panose="020B0604020202020204" pitchFamily="34" charset="0"/>
-              <a:buChar char="•"/>
-            </a:pPr>
-            <a:r>
-              <a:rPr lang="hr-HR" dirty="0"/>
-              <a:t>Omogućiti </a:t>
-            </a:r>
-            <a:r>
-              <a:rPr lang="hr-HR" i="1" dirty="0"/>
-              <a:t>administratoru</a:t>
-            </a:r>
-            <a:r>
-              <a:rPr lang="hr-HR" dirty="0"/>
-              <a:t> funkcije: dodavanje, brisanje, pregled, uređivanje ddarivatelja i transfuzioloških ustanova</a:t>
-            </a:r>
-          </a:p>
-          <a:p>
-            <a:pPr marL="285750" lvl="0" indent="-228600" defTabSz="914400">
-              <a:lnSpc>
-                <a:spcPct val="90000"/>
-              </a:lnSpc>
-              <a:spcAft>
-                <a:spcPts val="600"/>
-              </a:spcAft>
-              <a:buFont typeface="Arial" panose="020B0604020202020204" pitchFamily="34" charset="0"/>
-              <a:buChar char="•"/>
-            </a:pPr>
-            <a:r>
-              <a:rPr lang="hr-HR" dirty="0"/>
-              <a:t>Omogućiti </a:t>
-            </a:r>
-            <a:r>
-              <a:rPr lang="hr-HR" i="1" dirty="0"/>
-              <a:t>darivatelju</a:t>
-            </a:r>
-            <a:r>
-              <a:rPr lang="hr-HR" dirty="0"/>
-              <a:t> funkcije: slanje zahtjeva, pregled tranfuzioloških ustanova, pregled povijesti darivanje</a:t>
-            </a:r>
-          </a:p>
-          <a:p>
-            <a:pPr marL="285750" lvl="0" indent="-228600" defTabSz="914400">
-              <a:lnSpc>
-                <a:spcPct val="90000"/>
-              </a:lnSpc>
-              <a:spcAft>
-                <a:spcPts val="600"/>
-              </a:spcAft>
-              <a:buFont typeface="Arial" panose="020B0604020202020204" pitchFamily="34" charset="0"/>
-              <a:buChar char="•"/>
-            </a:pPr>
-            <a:r>
-              <a:rPr lang="hr-HR" dirty="0"/>
-              <a:t>Omogućiti </a:t>
-            </a:r>
-            <a:r>
-              <a:rPr lang="hr-HR" i="1" dirty="0"/>
-              <a:t>transfiziološkim ustanovama </a:t>
-            </a:r>
-            <a:r>
-              <a:rPr lang="hr-HR" dirty="0"/>
-              <a:t>funckije: pregled zaliha krvi, prijavljenih korisnika, zahtjeva i svih darivanja, dodavanje novog darivanja </a:t>
-            </a:r>
-          </a:p>
-          <a:p>
-            <a:pPr indent="-228600" defTabSz="914400">
-              <a:lnSpc>
-                <a:spcPct val="90000"/>
-              </a:lnSpc>
-              <a:spcAft>
-                <a:spcPts val="600"/>
-              </a:spcAft>
-              <a:buFont typeface="Arial" panose="020B0604020202020204" pitchFamily="34" charset="0"/>
-              <a:buChar char="•"/>
-            </a:pPr>
-            <a:endParaRPr lang="en-US" sz="1100" dirty="0"/>
+              <a:rPr lang="hr-HR" sz="2000" b="1" dirty="0"/>
+              <a:t>Administrator</a:t>
+            </a:r>
+            <a:r>
+              <a:rPr lang="hr-HR" sz="2000" dirty="0"/>
+              <a:t> – ima uvid i kontrolu nad cijelim sustavom (CRUD).</a:t>
+            </a:r>
           </a:p>
         </p:txBody>
       </p:sp>
     </p:spTree>
     <p:extLst>
       <p:ext uri="{BB962C8B-B14F-4D97-AF65-F5344CB8AC3E}">
-        <p14:creationId xmlns:p14="http://schemas.microsoft.com/office/powerpoint/2010/main" val="962442058"/>
+        <p14:creationId xmlns:p14="http://schemas.microsoft.com/office/powerpoint/2010/main" val="3761471767"/>
       </p:ext>
     </p:extLst>
   </p:cSld>
@@ -8301,10 +11775,10 @@
       </p:pic>
       <p:sp>
         <p:nvSpPr>
-          <p:cNvPr id="2" name="TextBox 1">
+          <p:cNvPr id="7" name="TextBox 6">
             <a:extLst>
               <a:ext uri="{FF2B5EF4-FFF2-40B4-BE49-F238E27FC236}">
-                <a16:creationId xmlns:a16="http://schemas.microsoft.com/office/drawing/2014/main" id="{6393A30D-8EB4-47FF-979C-0055F0D209D2}"/>
+                <a16:creationId xmlns:a16="http://schemas.microsoft.com/office/drawing/2014/main" id="{D30D032F-9246-4319-BC79-4EBC6C714FB8}"/>
               </a:ext>
             </a:extLst>
           </p:cNvPr>
@@ -8313,60 +11787,67 @@
         </p:nvSpPr>
         <p:spPr>
           <a:xfrm>
-            <a:off x="587565" y="1001161"/>
-            <a:ext cx="6188766" cy="4468916"/>
+            <a:off x="805542" y="296215"/>
+            <a:ext cx="7210698" cy="6426558"/>
           </a:xfrm>
           <a:prstGeom prst="rect">
             <a:avLst/>
           </a:prstGeom>
-          <a:noFill/>
         </p:spPr>
         <p:txBody>
-          <a:bodyPr wrap="square" rtlCol="0">
-            <a:spAutoFit/>
+          <a:bodyPr vert="horz" lIns="91440" tIns="45720" rIns="91440" bIns="45720" rtlCol="0" anchor="t">
+            <a:normAutofit/>
           </a:bodyPr>
           <a:lstStyle/>
           <a:p>
-            <a:r>
-              <a:rPr lang="hr-HR" sz="2800" b="1" dirty="0"/>
-              <a:t>Nefunkcionalni zahtijevi sustava:</a:t>
-            </a:r>
-          </a:p>
-          <a:p>
-            <a:endParaRPr lang="hr-HR" sz="2000" b="1" dirty="0"/>
-          </a:p>
-          <a:p>
-            <a:pPr marL="285750" indent="-285750">
-              <a:buFont typeface="Arial" panose="020B0604020202020204" pitchFamily="34" charset="0"/>
-              <a:buChar char="•"/>
+            <a:pPr defTabSz="914400">
+              <a:lnSpc>
+                <a:spcPct val="90000"/>
+              </a:lnSpc>
+              <a:spcAft>
+                <a:spcPts val="600"/>
+              </a:spcAft>
             </a:pPr>
-            <a:r>
-              <a:rPr lang="hr-HR" dirty="0"/>
-              <a:t>Jednostavnost prilikom upotrebe</a:t>
-            </a:r>
-          </a:p>
-          <a:p>
-            <a:pPr marL="285750" indent="-285750">
-              <a:buFont typeface="Arial" panose="020B0604020202020204" pitchFamily="34" charset="0"/>
-              <a:buChar char="•"/>
+            <a:endParaRPr lang="hr-HR" sz="2800" b="1" dirty="0"/>
+          </a:p>
+          <a:p>
+            <a:pPr defTabSz="914400">
+              <a:lnSpc>
+                <a:spcPct val="90000"/>
+              </a:lnSpc>
+              <a:spcAft>
+                <a:spcPts val="600"/>
+              </a:spcAft>
             </a:pPr>
             <a:r>
-              <a:rPr lang="hr-HR" dirty="0"/>
-              <a:t>Jednostavan dizajn pogodan za sve vrste korisnika</a:t>
-            </a:r>
-          </a:p>
-          <a:p>
-            <a:pPr marL="285750" indent="-285750">
-              <a:buFont typeface="Arial" panose="020B0604020202020204" pitchFamily="34" charset="0"/>
-              <a:buChar char="•"/>
+              <a:rPr lang="hr-HR" sz="4000" b="1" dirty="0"/>
+              <a:t>Funkcionalni zahtjevi sustava:</a:t>
+            </a:r>
+          </a:p>
+          <a:p>
+            <a:pPr defTabSz="914400">
+              <a:lnSpc>
+                <a:spcPct val="90000"/>
+              </a:lnSpc>
+              <a:spcAft>
+                <a:spcPts val="600"/>
+              </a:spcAft>
             </a:pPr>
-            <a:r>
-              <a:rPr lang="hr-HR" dirty="0"/>
-              <a:t>Jednostavnost kontrola kako bi se izbjegle nepotrebne poteškoće prilikom korištenja sistema</a:t>
-            </a:r>
-          </a:p>
-          <a:p>
-            <a:pPr marL="285750" lvl="0" indent="-285750">
+            <a:endParaRPr lang="hr-BA" dirty="0"/>
+          </a:p>
+          <a:p>
+            <a:pPr defTabSz="914400">
+              <a:lnSpc>
+                <a:spcPct val="90000"/>
+              </a:lnSpc>
+              <a:spcAft>
+                <a:spcPts val="600"/>
+              </a:spcAft>
+            </a:pPr>
+            <a:endParaRPr lang="hr-HR" sz="2000" dirty="0"/>
+          </a:p>
+          <a:p>
+            <a:pPr marL="285750" lvl="0" indent="-228600" defTabSz="914400">
               <a:lnSpc>
                 <a:spcPct val="90000"/>
               </a:lnSpc>
@@ -8377,12 +11858,23 @@
               <a:buChar char="•"/>
             </a:pPr>
             <a:r>
-              <a:rPr lang="hr-HR" dirty="0"/>
-              <a:t>Dostupnost – mogućnost korištenja sustava u bilo koje vrijeme</a:t>
-            </a:r>
-          </a:p>
-          <a:p>
-            <a:pPr marL="285750" lvl="0" indent="-285750">
+              <a:rPr lang="hr-HR" sz="2000" dirty="0"/>
+              <a:t>Omogućiti prijavu i odjavu na sustav;</a:t>
+            </a:r>
+          </a:p>
+          <a:p>
+            <a:pPr marL="57150" lvl="0" defTabSz="914400">
+              <a:lnSpc>
+                <a:spcPct val="90000"/>
+              </a:lnSpc>
+              <a:spcAft>
+                <a:spcPts val="600"/>
+              </a:spcAft>
+            </a:pPr>
+            <a:endParaRPr lang="hr-HR" sz="2000" dirty="0"/>
+          </a:p>
+          <a:p>
+            <a:pPr marL="285750" lvl="0" indent="-228600" defTabSz="914400">
               <a:lnSpc>
                 <a:spcPct val="90000"/>
               </a:lnSpc>
@@ -8393,12 +11885,23 @@
               <a:buChar char="•"/>
             </a:pPr>
             <a:r>
-              <a:rPr lang="hr-HR" dirty="0"/>
-              <a:t>Omogućiti konzistentan način rada sa sustavom u svrhu olakšanja korištenja; ekrani sustava bi se trebali moći upotrebljavati na sličan način kroz cijeli sustav</a:t>
-            </a:r>
-          </a:p>
-          <a:p>
-            <a:pPr marL="285750" lvl="0" indent="-285750">
+              <a:rPr lang="hr-HR" sz="2000" dirty="0"/>
+              <a:t>Omogućiti unos i izmjenu podataka (npr. prilikom ažuriranja osobnih podataka);</a:t>
+            </a:r>
+          </a:p>
+          <a:p>
+            <a:pPr marL="57150" lvl="0" defTabSz="914400">
+              <a:lnSpc>
+                <a:spcPct val="90000"/>
+              </a:lnSpc>
+              <a:spcAft>
+                <a:spcPts val="600"/>
+              </a:spcAft>
+            </a:pPr>
+            <a:endParaRPr lang="hr-HR" sz="2000" dirty="0"/>
+          </a:p>
+          <a:p>
+            <a:pPr marL="285750" lvl="0" indent="-228600" defTabSz="914400">
               <a:lnSpc>
                 <a:spcPct val="90000"/>
               </a:lnSpc>
@@ -8409,30 +11912,65 @@
               <a:buChar char="•"/>
             </a:pPr>
             <a:r>
-              <a:rPr lang="hr-HR" dirty="0"/>
-              <a:t>Sustav bi se u budućnosti trebao moći nadograditi eventualnim dodatnim funkcionalnostima.</a:t>
-            </a:r>
-          </a:p>
-          <a:p>
-            <a:pPr marL="285750" indent="-285750">
+              <a:rPr lang="hr-HR" sz="2000" dirty="0"/>
+              <a:t>Sustav treba zapamtiti registracijske podatke (ime, korisničko ime, email, lozinku..);</a:t>
+            </a:r>
+          </a:p>
+          <a:p>
+            <a:pPr marL="57150" lvl="0" defTabSz="914400">
+              <a:lnSpc>
+                <a:spcPct val="90000"/>
+              </a:lnSpc>
+              <a:spcAft>
+                <a:spcPts val="600"/>
+              </a:spcAft>
+            </a:pPr>
+            <a:endParaRPr lang="hr-HR" sz="2000" dirty="0"/>
+          </a:p>
+          <a:p>
+            <a:pPr marL="285750" lvl="0" indent="-228600" defTabSz="914400">
+              <a:lnSpc>
+                <a:spcPct val="90000"/>
+              </a:lnSpc>
+              <a:spcAft>
+                <a:spcPts val="600"/>
+              </a:spcAft>
               <a:buFont typeface="Arial" panose="020B0604020202020204" pitchFamily="34" charset="0"/>
               <a:buChar char="•"/>
             </a:pPr>
-            <a:endParaRPr lang="en-US" dirty="0"/>
-          </a:p>
-          <a:p>
-            <a:pPr marL="285750" indent="-285750">
-              <a:buFont typeface="Arial" panose="020B0604020202020204" pitchFamily="34" charset="0"/>
-              <a:buChar char="•"/>
+            <a:r>
+              <a:rPr lang="hr-HR" sz="2000" dirty="0"/>
+              <a:t>Razlikovati prijavu korisnika (administrator, tranfuziološke ustanove, darivatelji) preko korisničkog imena ili e-maila;</a:t>
+            </a:r>
+          </a:p>
+          <a:p>
+            <a:pPr marL="57150" lvl="0" defTabSz="914400">
+              <a:lnSpc>
+                <a:spcPct val="90000"/>
+              </a:lnSpc>
+              <a:spcAft>
+                <a:spcPts val="600"/>
+              </a:spcAft>
             </a:pPr>
-            <a:endParaRPr lang="hr-HR" dirty="0"/>
+            <a:endParaRPr lang="hr-HR" sz="2000" dirty="0"/>
+          </a:p>
+          <a:p>
+            <a:pPr marL="57150" lvl="0" defTabSz="914400">
+              <a:lnSpc>
+                <a:spcPct val="90000"/>
+              </a:lnSpc>
+              <a:spcAft>
+                <a:spcPts val="600"/>
+              </a:spcAft>
+            </a:pPr>
+            <a:endParaRPr lang="hr-HR" sz="1900" dirty="0"/>
           </a:p>
         </p:txBody>
       </p:sp>
     </p:spTree>
     <p:extLst>
       <p:ext uri="{BB962C8B-B14F-4D97-AF65-F5344CB8AC3E}">
-        <p14:creationId xmlns:p14="http://schemas.microsoft.com/office/powerpoint/2010/main" val="1239420153"/>
+        <p14:creationId xmlns:p14="http://schemas.microsoft.com/office/powerpoint/2010/main" val="962442058"/>
       </p:ext>
     </p:extLst>
   </p:cSld>
@@ -8461,7 +11999,7 @@
       </p:grpSpPr>
       <p:pic>
         <p:nvPicPr>
-          <p:cNvPr id="3" name="Picture 2">
+          <p:cNvPr id="2" name="Picture 1">
             <a:extLst>
               <a:ext uri="{FF2B5EF4-FFF2-40B4-BE49-F238E27FC236}">
                 <a16:creationId xmlns:a16="http://schemas.microsoft.com/office/drawing/2014/main" id="{BE2E685B-1842-437E-8EE0-0D965BD4BF5A}"/>
@@ -8513,7 +12051,7 @@
       </p:pic>
       <p:pic>
         <p:nvPicPr>
-          <p:cNvPr id="9" name="Picture 8">
+          <p:cNvPr id="3" name="Picture 2">
             <a:extLst>
               <a:ext uri="{FF2B5EF4-FFF2-40B4-BE49-F238E27FC236}">
                 <a16:creationId xmlns:a16="http://schemas.microsoft.com/office/drawing/2014/main" id="{1353EAFD-5AF7-4F88-A644-D2561204B6F2}"/>
@@ -8735,76 +12273,198 @@
           </a:custGeom>
         </p:spPr>
       </p:pic>
-      <p:pic>
-        <p:nvPicPr>
-          <p:cNvPr id="7" name="Picture 6">
-            <a:extLst>
-              <a:ext uri="{FF2B5EF4-FFF2-40B4-BE49-F238E27FC236}">
-                <a16:creationId xmlns:a16="http://schemas.microsoft.com/office/drawing/2014/main" id="{DE6E8932-60F7-4DF6-B1A6-C5F9288ECE1E}"/>
-              </a:ext>
-            </a:extLst>
-          </p:cNvPr>
-          <p:cNvPicPr>
-            <a:picLocks noChangeAspect="1"/>
-          </p:cNvPicPr>
+      <p:sp>
+        <p:nvSpPr>
+          <p:cNvPr id="5" name="Rectangle 4"/>
+          <p:cNvSpPr/>
           <p:nvPr/>
-        </p:nvPicPr>
-        <p:blipFill>
-          <a:blip r:embed="rId6"/>
-          <a:stretch>
-            <a:fillRect/>
-          </a:stretch>
-        </p:blipFill>
+        </p:nvSpPr>
         <p:spPr>
           <a:xfrm>
-            <a:off x="-23" y="1656407"/>
-            <a:ext cx="8917689" cy="3723861"/>
+            <a:off x="497982" y="1473007"/>
+            <a:ext cx="7284577" cy="4585871"/>
           </a:xfrm>
           <a:prstGeom prst="rect">
             <a:avLst/>
           </a:prstGeom>
         </p:spPr>
-      </p:pic>
-      <p:sp>
-        <p:nvSpPr>
-          <p:cNvPr id="2" name="TextBox 1">
-            <a:extLst>
-              <a:ext uri="{FF2B5EF4-FFF2-40B4-BE49-F238E27FC236}">
-                <a16:creationId xmlns:a16="http://schemas.microsoft.com/office/drawing/2014/main" id="{92FC310A-5CC7-44A6-9155-D3613156A32E}"/>
-              </a:ext>
-            </a:extLst>
-          </p:cNvPr>
-          <p:cNvSpPr txBox="1"/>
-          <p:nvPr/>
-        </p:nvSpPr>
-        <p:spPr>
-          <a:xfrm>
-            <a:off x="490330" y="768626"/>
-            <a:ext cx="4386470" cy="523220"/>
-          </a:xfrm>
-          <a:prstGeom prst="rect">
-            <a:avLst/>
-          </a:prstGeom>
-          <a:noFill/>
-        </p:spPr>
         <p:txBody>
-          <a:bodyPr wrap="square" rtlCol="0">
+          <a:bodyPr wrap="square">
             <a:spAutoFit/>
           </a:bodyPr>
           <a:lstStyle/>
           <a:p>
-            <a:r>
-              <a:rPr lang="en-US" sz="2800" b="1" dirty="0"/>
-              <a:t>ER model </a:t>
-            </a:r>
-            <a:endParaRPr lang="hr-HR" sz="2800" b="1" dirty="0"/>
+            <a:pPr marL="285750" lvl="0" indent="-228600" defTabSz="914400">
+              <a:lnSpc>
+                <a:spcPct val="90000"/>
+              </a:lnSpc>
+              <a:spcAft>
+                <a:spcPts val="600"/>
+              </a:spcAft>
+              <a:buFont typeface="Arial" panose="020B0604020202020204" pitchFamily="34" charset="0"/>
+              <a:buChar char="•"/>
+            </a:pPr>
+            <a:r>
+              <a:rPr lang="hr-HR" sz="2000" dirty="0"/>
+              <a:t>Upozoriti korisnika ako postoji neka greška (netočan unos i slično);</a:t>
+            </a:r>
+          </a:p>
+          <a:p>
+            <a:pPr marL="57150" lvl="0" defTabSz="914400">
+              <a:lnSpc>
+                <a:spcPct val="90000"/>
+              </a:lnSpc>
+              <a:spcAft>
+                <a:spcPts val="600"/>
+              </a:spcAft>
+            </a:pPr>
+            <a:endParaRPr lang="hr-HR" sz="2000" dirty="0"/>
+          </a:p>
+          <a:p>
+            <a:pPr marL="285750" lvl="0" indent="-228600" defTabSz="914400">
+              <a:lnSpc>
+                <a:spcPct val="90000"/>
+              </a:lnSpc>
+              <a:spcAft>
+                <a:spcPts val="600"/>
+              </a:spcAft>
+              <a:buFont typeface="Arial" panose="020B0604020202020204" pitchFamily="34" charset="0"/>
+              <a:buChar char="•"/>
+            </a:pPr>
+            <a:r>
+              <a:rPr lang="hr-HR" sz="2000" dirty="0"/>
+              <a:t>Prikazati obavijest nakon izvršenog zadatka (npr. nakon uspješne registracije);</a:t>
+            </a:r>
+          </a:p>
+          <a:p>
+            <a:pPr marL="57150" lvl="0" defTabSz="914400">
+              <a:lnSpc>
+                <a:spcPct val="90000"/>
+              </a:lnSpc>
+              <a:spcAft>
+                <a:spcPts val="600"/>
+              </a:spcAft>
+            </a:pPr>
+            <a:endParaRPr lang="hr-HR" sz="2000" dirty="0"/>
+          </a:p>
+          <a:p>
+            <a:pPr marL="285750" lvl="0" indent="-228600" defTabSz="914400">
+              <a:lnSpc>
+                <a:spcPct val="90000"/>
+              </a:lnSpc>
+              <a:spcAft>
+                <a:spcPts val="600"/>
+              </a:spcAft>
+              <a:buFont typeface="Arial" panose="020B0604020202020204" pitchFamily="34" charset="0"/>
+              <a:buChar char="•"/>
+            </a:pPr>
+            <a:r>
+              <a:rPr lang="hr-HR" sz="2000" dirty="0"/>
+              <a:t>Omogućiti </a:t>
+            </a:r>
+            <a:r>
+              <a:rPr lang="hr-HR" sz="2000" i="1" dirty="0"/>
+              <a:t>administratoru</a:t>
+            </a:r>
+            <a:r>
+              <a:rPr lang="hr-HR" sz="2000" dirty="0"/>
+              <a:t> funkcije: dodavanje, brisanje, pregled, uređivanje darivatelja i </a:t>
+            </a:r>
+            <a:r>
+              <a:rPr lang="hr-HR" sz="2000" dirty="0" err="1"/>
+              <a:t>transfuzioloških</a:t>
+            </a:r>
+            <a:r>
+              <a:rPr lang="hr-HR" sz="2000" dirty="0"/>
+              <a:t> ustanova;</a:t>
+            </a:r>
+          </a:p>
+          <a:p>
+            <a:pPr marL="285750" lvl="0" indent="-228600" defTabSz="914400">
+              <a:lnSpc>
+                <a:spcPct val="90000"/>
+              </a:lnSpc>
+              <a:spcAft>
+                <a:spcPts val="600"/>
+              </a:spcAft>
+              <a:buFont typeface="Arial" panose="020B0604020202020204" pitchFamily="34" charset="0"/>
+              <a:buChar char="•"/>
+            </a:pPr>
+            <a:endParaRPr lang="hr-HR" sz="2000" dirty="0"/>
+          </a:p>
+          <a:p>
+            <a:pPr marL="285750" lvl="0" indent="-228600" defTabSz="914400">
+              <a:lnSpc>
+                <a:spcPct val="90000"/>
+              </a:lnSpc>
+              <a:spcAft>
+                <a:spcPts val="600"/>
+              </a:spcAft>
+              <a:buFont typeface="Arial" panose="020B0604020202020204" pitchFamily="34" charset="0"/>
+              <a:buChar char="•"/>
+            </a:pPr>
+            <a:r>
+              <a:rPr lang="hr-HR" sz="2000" dirty="0"/>
+              <a:t>Omogućiti </a:t>
+            </a:r>
+            <a:r>
+              <a:rPr lang="hr-HR" sz="2000" i="1" dirty="0"/>
+              <a:t>darivatelju</a:t>
+            </a:r>
+            <a:r>
+              <a:rPr lang="hr-HR" sz="2000" dirty="0"/>
+              <a:t> funkcije: slanje zahtjeva, pregled </a:t>
+            </a:r>
+            <a:r>
+              <a:rPr lang="hr-HR" sz="2000" dirty="0" err="1"/>
+              <a:t>tranfuzioloških</a:t>
+            </a:r>
+            <a:r>
+              <a:rPr lang="hr-HR" sz="2000" dirty="0"/>
+              <a:t> ustanova, pregled povijesti darivanje;</a:t>
+            </a:r>
+          </a:p>
+          <a:p>
+            <a:pPr marL="57150" lvl="0" defTabSz="914400">
+              <a:lnSpc>
+                <a:spcPct val="90000"/>
+              </a:lnSpc>
+              <a:spcAft>
+                <a:spcPts val="600"/>
+              </a:spcAft>
+            </a:pPr>
+            <a:endParaRPr lang="hr-HR" sz="2000" dirty="0"/>
+          </a:p>
+          <a:p>
+            <a:pPr marL="285750" lvl="0" indent="-228600" defTabSz="914400">
+              <a:lnSpc>
+                <a:spcPct val="90000"/>
+              </a:lnSpc>
+              <a:spcAft>
+                <a:spcPts val="600"/>
+              </a:spcAft>
+              <a:buFont typeface="Arial" panose="020B0604020202020204" pitchFamily="34" charset="0"/>
+              <a:buChar char="•"/>
+            </a:pPr>
+            <a:r>
+              <a:rPr lang="hr-HR" sz="2000" dirty="0"/>
+              <a:t>Omogućiti </a:t>
+            </a:r>
+            <a:r>
+              <a:rPr lang="hr-HR" sz="2000" i="1" dirty="0"/>
+              <a:t>transfiziološkim ustanovama </a:t>
+            </a:r>
+            <a:r>
+              <a:rPr lang="hr-HR" sz="2000" dirty="0"/>
+              <a:t>funkcije: pregled zaliha krvi, prijavljenih korisnika, zahtjeva i svih darivanja, dodavanje; novog darivanja </a:t>
+            </a:r>
           </a:p>
         </p:txBody>
       </p:sp>
     </p:spTree>
     <p:extLst>
       <p:ext uri="{BB962C8B-B14F-4D97-AF65-F5344CB8AC3E}">
-        <p14:creationId xmlns:p14="http://schemas.microsoft.com/office/powerpoint/2010/main" val="2253804541"/>
+        <p14:creationId xmlns:p14="http://schemas.microsoft.com/office/powerpoint/2010/main" val="1970953053"/>
       </p:ext>
     </p:extLst>
   </p:cSld>
@@ -9107,46 +12767,12 @@
           </a:custGeom>
         </p:spPr>
       </p:pic>
-      <p:pic>
-        <p:nvPicPr>
-          <p:cNvPr id="6" name="Picture 5">
-            <a:extLst>
-              <a:ext uri="{FF2B5EF4-FFF2-40B4-BE49-F238E27FC236}">
-                <a16:creationId xmlns:a16="http://schemas.microsoft.com/office/drawing/2014/main" id="{13D79C0E-A7A8-47A6-BF9B-57822AD9DFC8}"/>
-              </a:ext>
-            </a:extLst>
-          </p:cNvPr>
-          <p:cNvPicPr/>
-          <p:nvPr/>
-        </p:nvPicPr>
-        <p:blipFill>
-          <a:blip r:embed="rId6">
-            <a:extLst>
-              <a:ext uri="{28A0092B-C50C-407E-A947-70E740481C1C}">
-                <a14:useLocalDpi xmlns:a14="http://schemas.microsoft.com/office/drawing/2010/main" val="0"/>
-              </a:ext>
-            </a:extLst>
-          </a:blip>
-          <a:stretch>
-            <a:fillRect/>
-          </a:stretch>
-        </p:blipFill>
-        <p:spPr>
-          <a:xfrm>
-            <a:off x="-23" y="-2066"/>
-            <a:ext cx="6205954" cy="6860065"/>
-          </a:xfrm>
-          <a:prstGeom prst="rect">
-            <a:avLst/>
-          </a:prstGeom>
-        </p:spPr>
-      </p:pic>
       <p:sp>
         <p:nvSpPr>
           <p:cNvPr id="2" name="TextBox 1">
             <a:extLst>
               <a:ext uri="{FF2B5EF4-FFF2-40B4-BE49-F238E27FC236}">
-                <a16:creationId xmlns:a16="http://schemas.microsoft.com/office/drawing/2014/main" id="{A63C1E96-57A3-4A08-9D26-32AECF4AD3A9}"/>
+                <a16:creationId xmlns:a16="http://schemas.microsoft.com/office/drawing/2014/main" id="{6393A30D-8EB4-47FF-979C-0055F0D209D2}"/>
               </a:ext>
             </a:extLst>
           </p:cNvPr>
@@ -9155,8 +12781,8 @@
         </p:nvSpPr>
         <p:spPr>
           <a:xfrm>
-            <a:off x="6168231" y="479475"/>
-            <a:ext cx="4638261" cy="523220"/>
+            <a:off x="708338" y="656822"/>
+            <a:ext cx="7094542" cy="6355586"/>
           </a:xfrm>
           <a:prstGeom prst="rect">
             <a:avLst/>
@@ -9170,16 +12796,145 @@
           <a:lstStyle/>
           <a:p>
             <a:r>
-              <a:rPr lang="hr-HR" sz="2800" b="1" dirty="0"/>
-              <a:t>Dijagram slučajeva korištenja</a:t>
-            </a:r>
+              <a:rPr lang="hr-HR" sz="4000" b="1" dirty="0"/>
+              <a:t>Nefunkcionalni zahtjevi sustava:</a:t>
+            </a:r>
+          </a:p>
+          <a:p>
+            <a:endParaRPr lang="hr-HR" sz="2000" b="1" dirty="0"/>
+          </a:p>
+          <a:p>
+            <a:endParaRPr lang="hr-HR" sz="2000" b="1" dirty="0"/>
+          </a:p>
+          <a:p>
+            <a:pPr marL="285750" indent="-285750">
+              <a:buFont typeface="Arial" panose="020B0604020202020204" pitchFamily="34" charset="0"/>
+              <a:buChar char="•"/>
+            </a:pPr>
+            <a:r>
+              <a:rPr lang="hr-HR" sz="2000" dirty="0"/>
+              <a:t>Jednostavnost prilikom upotrebe;</a:t>
+            </a:r>
+          </a:p>
+          <a:p>
+            <a:endParaRPr lang="hr-HR" sz="2000" dirty="0"/>
+          </a:p>
+          <a:p>
+            <a:pPr marL="285750" indent="-285750">
+              <a:buFont typeface="Arial" panose="020B0604020202020204" pitchFamily="34" charset="0"/>
+              <a:buChar char="•"/>
+            </a:pPr>
+            <a:r>
+              <a:rPr lang="hr-HR" sz="2000" dirty="0"/>
+              <a:t>Jednostavan dizajn pogodan za sve vrste korisnika;</a:t>
+            </a:r>
+          </a:p>
+          <a:p>
+            <a:endParaRPr lang="hr-HR" sz="2000" dirty="0"/>
+          </a:p>
+          <a:p>
+            <a:pPr marL="285750" indent="-285750">
+              <a:buFont typeface="Arial" panose="020B0604020202020204" pitchFamily="34" charset="0"/>
+              <a:buChar char="•"/>
+            </a:pPr>
+            <a:r>
+              <a:rPr lang="hr-HR" sz="2000" dirty="0"/>
+              <a:t>Jednostavnost kontrola kako bi se izbjegle nepotrebne poteškoće prilikom korištenja sustava;</a:t>
+            </a:r>
+          </a:p>
+          <a:p>
+            <a:endParaRPr lang="hr-HR" sz="2000" dirty="0"/>
+          </a:p>
+          <a:p>
+            <a:pPr marL="285750" lvl="0" indent="-285750">
+              <a:lnSpc>
+                <a:spcPct val="90000"/>
+              </a:lnSpc>
+              <a:spcAft>
+                <a:spcPts val="600"/>
+              </a:spcAft>
+              <a:buFont typeface="Arial" panose="020B0604020202020204" pitchFamily="34" charset="0"/>
+              <a:buChar char="•"/>
+            </a:pPr>
+            <a:r>
+              <a:rPr lang="hr-HR" sz="2000" dirty="0"/>
+              <a:t>Dostupnost – mogućnost korištenja sustava u bilo koje vrijeme</a:t>
+            </a:r>
+          </a:p>
+          <a:p>
+            <a:pPr lvl="0">
+              <a:lnSpc>
+                <a:spcPct val="90000"/>
+              </a:lnSpc>
+              <a:spcAft>
+                <a:spcPts val="600"/>
+              </a:spcAft>
+            </a:pPr>
+            <a:endParaRPr lang="hr-HR" sz="2000" dirty="0"/>
+          </a:p>
+          <a:p>
+            <a:pPr marL="285750" lvl="0" indent="-285750">
+              <a:lnSpc>
+                <a:spcPct val="90000"/>
+              </a:lnSpc>
+              <a:spcAft>
+                <a:spcPts val="600"/>
+              </a:spcAft>
+              <a:buFont typeface="Arial" panose="020B0604020202020204" pitchFamily="34" charset="0"/>
+              <a:buChar char="•"/>
+            </a:pPr>
+            <a:r>
+              <a:rPr lang="hr-HR" sz="2000" dirty="0"/>
+              <a:t>Omogućiti konzistentan način rada sa sustavom u svrhu olakšanja korištenja; </a:t>
+            </a:r>
+          </a:p>
+          <a:p>
+            <a:pPr lvl="0">
+              <a:lnSpc>
+                <a:spcPct val="90000"/>
+              </a:lnSpc>
+              <a:spcAft>
+                <a:spcPts val="600"/>
+              </a:spcAft>
+            </a:pPr>
+            <a:endParaRPr lang="hr-HR" sz="2000" dirty="0"/>
+          </a:p>
+          <a:p>
+            <a:pPr marL="285750" lvl="0" indent="-285750">
+              <a:lnSpc>
+                <a:spcPct val="90000"/>
+              </a:lnSpc>
+              <a:spcAft>
+                <a:spcPts val="600"/>
+              </a:spcAft>
+              <a:buFont typeface="Arial" panose="020B0604020202020204" pitchFamily="34" charset="0"/>
+              <a:buChar char="•"/>
+            </a:pPr>
+            <a:r>
+              <a:rPr lang="hr-HR" sz="2000" dirty="0"/>
+              <a:t>Sustav bi se u budućnosti trebao moći nadograditi eventualnim dodatnim funkcionalnostima.</a:t>
+            </a:r>
+          </a:p>
+          <a:p>
+            <a:pPr marL="285750" indent="-285750">
+              <a:buFont typeface="Arial" panose="020B0604020202020204" pitchFamily="34" charset="0"/>
+              <a:buChar char="•"/>
+            </a:pPr>
+            <a:endParaRPr lang="en-US" dirty="0"/>
+          </a:p>
+          <a:p>
+            <a:pPr marL="285750" indent="-285750">
+              <a:buFont typeface="Arial" panose="020B0604020202020204" pitchFamily="34" charset="0"/>
+              <a:buChar char="•"/>
+            </a:pPr>
+            <a:endParaRPr lang="hr-HR" dirty="0"/>
           </a:p>
         </p:txBody>
       </p:sp>
     </p:spTree>
     <p:extLst>
       <p:ext uri="{BB962C8B-B14F-4D97-AF65-F5344CB8AC3E}">
-        <p14:creationId xmlns:p14="http://schemas.microsoft.com/office/powerpoint/2010/main" val="3415413097"/>
+        <p14:creationId xmlns:p14="http://schemas.microsoft.com/office/powerpoint/2010/main" val="1239420153"/>
       </p:ext>
     </p:extLst>
   </p:cSld>

--- a/Blood_register.pptx
+++ b/Blood_register.pptx
@@ -265,7 +265,7 @@
           <a:p>
             <a:fld id="{DA9D3D95-C4DE-4E89-AAC6-32FCF56CD876}" type="datetimeFigureOut">
               <a:rPr lang="hr-HR" smtClean="0"/>
-              <a:t>17.2.2019.</a:t>
+              <a:t>19.2.2019.</a:t>
             </a:fld>
             <a:endParaRPr lang="hr-HR"/>
           </a:p>
@@ -435,7 +435,7 @@
           <a:p>
             <a:fld id="{DA9D3D95-C4DE-4E89-AAC6-32FCF56CD876}" type="datetimeFigureOut">
               <a:rPr lang="hr-HR" smtClean="0"/>
-              <a:t>17.2.2019.</a:t>
+              <a:t>19.2.2019.</a:t>
             </a:fld>
             <a:endParaRPr lang="hr-HR"/>
           </a:p>
@@ -615,7 +615,7 @@
           <a:p>
             <a:fld id="{DA9D3D95-C4DE-4E89-AAC6-32FCF56CD876}" type="datetimeFigureOut">
               <a:rPr lang="hr-HR" smtClean="0"/>
-              <a:t>17.2.2019.</a:t>
+              <a:t>19.2.2019.</a:t>
             </a:fld>
             <a:endParaRPr lang="hr-HR"/>
           </a:p>
@@ -785,7 +785,7 @@
           <a:p>
             <a:fld id="{DA9D3D95-C4DE-4E89-AAC6-32FCF56CD876}" type="datetimeFigureOut">
               <a:rPr lang="hr-HR" smtClean="0"/>
-              <a:t>17.2.2019.</a:t>
+              <a:t>19.2.2019.</a:t>
             </a:fld>
             <a:endParaRPr lang="hr-HR"/>
           </a:p>
@@ -1031,7 +1031,7 @@
           <a:p>
             <a:fld id="{DA9D3D95-C4DE-4E89-AAC6-32FCF56CD876}" type="datetimeFigureOut">
               <a:rPr lang="hr-HR" smtClean="0"/>
-              <a:t>17.2.2019.</a:t>
+              <a:t>19.2.2019.</a:t>
             </a:fld>
             <a:endParaRPr lang="hr-HR"/>
           </a:p>
@@ -1263,7 +1263,7 @@
           <a:p>
             <a:fld id="{DA9D3D95-C4DE-4E89-AAC6-32FCF56CD876}" type="datetimeFigureOut">
               <a:rPr lang="hr-HR" smtClean="0"/>
-              <a:t>17.2.2019.</a:t>
+              <a:t>19.2.2019.</a:t>
             </a:fld>
             <a:endParaRPr lang="hr-HR"/>
           </a:p>
@@ -1630,7 +1630,7 @@
           <a:p>
             <a:fld id="{DA9D3D95-C4DE-4E89-AAC6-32FCF56CD876}" type="datetimeFigureOut">
               <a:rPr lang="hr-HR" smtClean="0"/>
-              <a:t>17.2.2019.</a:t>
+              <a:t>19.2.2019.</a:t>
             </a:fld>
             <a:endParaRPr lang="hr-HR"/>
           </a:p>
@@ -1748,7 +1748,7 @@
           <a:p>
             <a:fld id="{DA9D3D95-C4DE-4E89-AAC6-32FCF56CD876}" type="datetimeFigureOut">
               <a:rPr lang="hr-HR" smtClean="0"/>
-              <a:t>17.2.2019.</a:t>
+              <a:t>19.2.2019.</a:t>
             </a:fld>
             <a:endParaRPr lang="hr-HR"/>
           </a:p>
@@ -1843,7 +1843,7 @@
           <a:p>
             <a:fld id="{DA9D3D95-C4DE-4E89-AAC6-32FCF56CD876}" type="datetimeFigureOut">
               <a:rPr lang="hr-HR" smtClean="0"/>
-              <a:t>17.2.2019.</a:t>
+              <a:t>19.2.2019.</a:t>
             </a:fld>
             <a:endParaRPr lang="hr-HR"/>
           </a:p>
@@ -2120,7 +2120,7 @@
           <a:p>
             <a:fld id="{DA9D3D95-C4DE-4E89-AAC6-32FCF56CD876}" type="datetimeFigureOut">
               <a:rPr lang="hr-HR" smtClean="0"/>
-              <a:t>17.2.2019.</a:t>
+              <a:t>19.2.2019.</a:t>
             </a:fld>
             <a:endParaRPr lang="hr-HR"/>
           </a:p>
@@ -2377,7 +2377,7 @@
           <a:p>
             <a:fld id="{DA9D3D95-C4DE-4E89-AAC6-32FCF56CD876}" type="datetimeFigureOut">
               <a:rPr lang="hr-HR" smtClean="0"/>
-              <a:t>17.2.2019.</a:t>
+              <a:t>19.2.2019.</a:t>
             </a:fld>
             <a:endParaRPr lang="hr-HR"/>
           </a:p>
@@ -2590,7 +2590,7 @@
           <a:p>
             <a:fld id="{DA9D3D95-C4DE-4E89-AAC6-32FCF56CD876}" type="datetimeFigureOut">
               <a:rPr lang="hr-HR" smtClean="0"/>
-              <a:t>17.2.2019.</a:t>
+              <a:t>19.2.2019.</a:t>
             </a:fld>
             <a:endParaRPr lang="hr-HR"/>
           </a:p>
@@ -10069,7 +10069,7 @@
         </p:blipFill>
         <p:spPr>
           <a:xfrm>
-            <a:off x="0" y="0"/>
+            <a:off x="0" y="10160"/>
             <a:ext cx="12192000" cy="6855958"/>
           </a:xfrm>
           <a:prstGeom prst="rect">
@@ -10438,7 +10438,7 @@
             </a:pPr>
             <a:r>
               <a:rPr lang="hr-BA" sz="2000" dirty="0" err="1"/>
-              <a:t>Fronted</a:t>
+              <a:t>Frontend</a:t>
             </a:r>
             <a:endParaRPr lang="hr-BA" sz="2000" dirty="0"/>
           </a:p>
@@ -10454,14 +10454,6 @@
             <a:r>
               <a:rPr lang="hr-BA" sz="2000" dirty="0" err="1"/>
               <a:t>JavaScript</a:t>
-            </a:r>
-            <a:r>
-              <a:rPr lang="hr-BA" sz="2000" dirty="0"/>
-              <a:t>, </a:t>
-            </a:r>
-            <a:r>
-              <a:rPr lang="hr-BA" sz="2000" dirty="0" err="1"/>
-              <a:t>jQuery</a:t>
             </a:r>
             <a:endParaRPr lang="hr-BA" sz="2000" dirty="0"/>
           </a:p>
@@ -12281,7 +12273,7 @@
         </p:nvSpPr>
         <p:spPr>
           <a:xfrm>
-            <a:off x="497982" y="1473007"/>
+            <a:off x="497982" y="1158047"/>
             <a:ext cx="7284577" cy="4585871"/>
           </a:xfrm>
           <a:prstGeom prst="rect">
